--- a/doc/JMockit单元测试.pptx
+++ b/doc/JMockit单元测试.pptx
@@ -5,29 +5,27 @@
     <p:sldMasterId id="2147483648" r:id="rId1"/>
   </p:sldMasterIdLst>
   <p:notesMasterIdLst>
-    <p:notesMasterId r:id="rId5"/>
+    <p:notesMasterId r:id="rId4"/>
   </p:notesMasterIdLst>
   <p:sldIdLst>
-    <p:sldId id="317" r:id="rId3"/>
-    <p:sldId id="256" r:id="rId4"/>
-    <p:sldId id="273" r:id="rId6"/>
-    <p:sldId id="283" r:id="rId7"/>
-    <p:sldId id="316" r:id="rId8"/>
-    <p:sldId id="300" r:id="rId9"/>
-    <p:sldId id="264" r:id="rId10"/>
-    <p:sldId id="266" r:id="rId11"/>
-    <p:sldId id="268" r:id="rId12"/>
-    <p:sldId id="269" r:id="rId13"/>
-    <p:sldId id="270" r:id="rId14"/>
-    <p:sldId id="276" r:id="rId15"/>
-    <p:sldId id="271" r:id="rId16"/>
-    <p:sldId id="272" r:id="rId17"/>
-    <p:sldId id="284" r:id="rId18"/>
-    <p:sldId id="275" r:id="rId19"/>
-    <p:sldId id="277" r:id="rId20"/>
-    <p:sldId id="282" r:id="rId21"/>
-    <p:sldId id="280" r:id="rId22"/>
-    <p:sldId id="318" r:id="rId23"/>
+    <p:sldId id="256" r:id="rId3"/>
+    <p:sldId id="273" r:id="rId5"/>
+    <p:sldId id="283" r:id="rId6"/>
+    <p:sldId id="316" r:id="rId7"/>
+    <p:sldId id="300" r:id="rId8"/>
+    <p:sldId id="264" r:id="rId9"/>
+    <p:sldId id="266" r:id="rId10"/>
+    <p:sldId id="268" r:id="rId11"/>
+    <p:sldId id="269" r:id="rId12"/>
+    <p:sldId id="270" r:id="rId13"/>
+    <p:sldId id="276" r:id="rId14"/>
+    <p:sldId id="271" r:id="rId15"/>
+    <p:sldId id="272" r:id="rId16"/>
+    <p:sldId id="284" r:id="rId17"/>
+    <p:sldId id="275" r:id="rId18"/>
+    <p:sldId id="277" r:id="rId19"/>
+    <p:sldId id="282" r:id="rId20"/>
+    <p:sldId id="280" r:id="rId21"/>
   </p:sldIdLst>
   <p:sldSz cx="12192000" cy="6858000"/>
   <p:notesSz cx="6858000" cy="9144000"/>
@@ -5453,80 +5451,16 @@
           <a:chExt cx="0" cy="0"/>
         </a:xfrm>
       </p:grpSpPr>
-      <p:pic>
-        <p:nvPicPr>
-          <p:cNvPr id="2050" name="Picture 2"/>
-          <p:cNvPicPr>
-            <a:picLocks noChangeAspect="1" noChangeArrowheads="1"/>
-          </p:cNvPicPr>
-          <p:nvPr/>
-        </p:nvPicPr>
-        <p:blipFill>
-          <a:blip r:embed="rId1">
-            <a:extLst>
-              <a:ext uri="{28A0092B-C50C-407E-A947-70E740481C1C}">
-                <a14:useLocalDpi xmlns:a14="http://schemas.microsoft.com/office/drawing/2010/main" val="0"/>
-              </a:ext>
-            </a:extLst>
-          </a:blip>
-          <a:srcRect/>
-          <a:stretch>
-            <a:fillRect/>
-          </a:stretch>
-        </p:blipFill>
-        <p:spPr bwMode="auto">
-          <a:xfrm>
-            <a:off x="4882380" y="954270"/>
-            <a:ext cx="2811643" cy="2752137"/>
-          </a:xfrm>
-          <a:prstGeom prst="rect">
-            <a:avLst/>
-          </a:prstGeom>
-          <a:noFill/>
-          <a:ln>
-            <a:noFill/>
-          </a:ln>
-          <a:effectLst/>
-          <a:extLst>
-            <a:ext uri="{909E8E84-426E-40DD-AFC4-6F175D3DCCD1}">
-              <a14:hiddenFill xmlns:a14="http://schemas.microsoft.com/office/drawing/2010/main">
-                <a:solidFill>
-                  <a:schemeClr val="accent1"/>
-                </a:solidFill>
-              </a14:hiddenFill>
-            </a:ext>
-            <a:ext uri="{91240B29-F687-4F45-9708-019B960494DF}">
-              <a14:hiddenLine xmlns:a14="http://schemas.microsoft.com/office/drawing/2010/main" w="9525">
-                <a:solidFill>
-                  <a:schemeClr val="tx1"/>
-                </a:solidFill>
-                <a:miter lim="800000"/>
-                <a:headEnd/>
-                <a:tailEnd/>
-              </a14:hiddenLine>
-            </a:ext>
-            <a:ext uri="{AF507438-7753-43E0-B8FC-AC1667EBCBE1}">
-              <a14:hiddenEffects xmlns:a14="http://schemas.microsoft.com/office/drawing/2010/main">
-                <a:effectLst>
-                  <a:outerShdw dist="35921" dir="2700000" algn="ctr" rotWithShape="0">
-                    <a:schemeClr val="bg2"/>
-                  </a:outerShdw>
-                </a:effectLst>
-              </a14:hiddenEffects>
-            </a:ext>
-          </a:extLst>
-        </p:spPr>
-      </p:pic>
-      <p:sp>
-        <p:nvSpPr>
-          <p:cNvPr id="2" name="TextBox 1"/>
+      <p:sp>
+        <p:nvSpPr>
+          <p:cNvPr id="5" name="文本框 4"/>
           <p:cNvSpPr txBox="1"/>
           <p:nvPr/>
         </p:nvSpPr>
         <p:spPr>
           <a:xfrm>
-            <a:off x="4882380" y="4193176"/>
-            <a:ext cx="3229653" cy="523220"/>
+            <a:off x="3609819" y="2206578"/>
+            <a:ext cx="4836580" cy="830997"/>
           </a:xfrm>
           <a:prstGeom prst="rect">
             <a:avLst/>
@@ -5534,91 +5468,120 @@
           <a:noFill/>
         </p:spPr>
         <p:txBody>
-          <a:bodyPr wrap="square" rtlCol="0">
+          <a:bodyPr wrap="none" rtlCol="0" anchor="t">
             <a:spAutoFit/>
           </a:bodyPr>
           <a:lstStyle/>
           <a:p>
-            <a:pPr algn="ctr"/>
-            <a:r>
-              <a:rPr lang="zh-CN" altLang="en-US" sz="2800" b="1" dirty="0" smtClean="0">
-                <a:latin typeface="华文中宋" panose="02010600040101010101" pitchFamily="2" charset="-122"/>
-                <a:ea typeface="华文中宋" panose="02010600040101010101" pitchFamily="2" charset="-122"/>
-              </a:rPr>
-              <a:t>请各位先扫描签到</a:t>
-            </a:r>
-            <a:endParaRPr lang="zh-CN" altLang="en-US" sz="2800" b="1" dirty="0">
-              <a:latin typeface="华文中宋" panose="02010600040101010101" pitchFamily="2" charset="-122"/>
-              <a:ea typeface="华文中宋" panose="02010600040101010101" pitchFamily="2" charset="-122"/>
-            </a:endParaRPr>
-          </a:p>
-        </p:txBody>
-      </p:sp>
-      <p:pic>
-        <p:nvPicPr>
-          <p:cNvPr id="2051" name="Picture 3"/>
-          <p:cNvPicPr>
-            <a:picLocks noChangeAspect="1" noChangeArrowheads="1"/>
-          </p:cNvPicPr>
+            <a:pPr algn="l" eaLnBrk="1" fontAlgn="auto" hangingPunct="1">
+              <a:spcBef>
+                <a:spcPts val="0"/>
+              </a:spcBef>
+              <a:spcAft>
+                <a:spcPts val="0"/>
+              </a:spcAft>
+              <a:defRPr/>
+            </a:pPr>
+            <a:r>
+              <a:rPr lang="en-US" altLang="zh-CN" sz="4800" b="1" dirty="0" err="1" smtClean="0">
+                <a:solidFill>
+                  <a:schemeClr val="accent1">
+                    <a:lumMod val="75000"/>
+                  </a:schemeClr>
+                </a:solidFill>
+                <a:latin typeface="仿宋" panose="02010609060101010101" pitchFamily="49" charset="-122"/>
+                <a:ea typeface="仿宋" panose="02010609060101010101" pitchFamily="49" charset="-122"/>
+                <a:sym typeface="+mn-ea"/>
+              </a:rPr>
+              <a:t>JMockit</a:t>
+            </a:r>
+            <a:r>
+              <a:rPr lang="zh-CN" altLang="en-US" sz="4800" b="1" dirty="0" smtClean="0">
+                <a:solidFill>
+                  <a:schemeClr val="accent1">
+                    <a:lumMod val="75000"/>
+                  </a:schemeClr>
+                </a:solidFill>
+                <a:latin typeface="仿宋" panose="02010609060101010101" pitchFamily="49" charset="-122"/>
+                <a:ea typeface="仿宋" panose="02010609060101010101" pitchFamily="49" charset="-122"/>
+                <a:sym typeface="+mn-ea"/>
+              </a:rPr>
+              <a:t>单元测试</a:t>
+            </a:r>
+            <a:endParaRPr lang="zh-CN" altLang="en-US" sz="4800" dirty="0">
+              <a:latin typeface="仿宋" panose="02010609060101010101" pitchFamily="49" charset="-122"/>
+              <a:ea typeface="仿宋" panose="02010609060101010101" pitchFamily="49" charset="-122"/>
+            </a:endParaRPr>
+          </a:p>
+        </p:txBody>
+      </p:sp>
+      <p:sp>
+        <p:nvSpPr>
+          <p:cNvPr id="2" name="TextBox 1"/>
+          <p:cNvSpPr txBox="1"/>
           <p:nvPr/>
-        </p:nvPicPr>
-        <p:blipFill>
-          <a:blip r:embed="rId2">
-            <a:extLst>
-              <a:ext uri="{28A0092B-C50C-407E-A947-70E740481C1C}">
-                <a14:useLocalDpi xmlns:a14="http://schemas.microsoft.com/office/drawing/2010/main" val="0"/>
-              </a:ext>
-            </a:extLst>
-          </a:blip>
-          <a:srcRect/>
-          <a:stretch>
-            <a:fillRect/>
-          </a:stretch>
-        </p:blipFill>
-        <p:spPr bwMode="auto">
+        </p:nvSpPr>
+        <p:spPr>
           <a:xfrm>
-            <a:off x="423180" y="3390900"/>
-            <a:ext cx="2688771" cy="3219450"/>
+            <a:off x="8798560" y="4561840"/>
+            <a:ext cx="2458720" cy="645160"/>
           </a:xfrm>
           <a:prstGeom prst="rect">
             <a:avLst/>
           </a:prstGeom>
           <a:noFill/>
-          <a:ln>
-            <a:noFill/>
-          </a:ln>
-          <a:effectLst/>
-          <a:extLst>
-            <a:ext uri="{909E8E84-426E-40DD-AFC4-6F175D3DCCD1}">
-              <a14:hiddenFill xmlns:a14="http://schemas.microsoft.com/office/drawing/2010/main">
-                <a:solidFill>
-                  <a:schemeClr val="accent1"/>
-                </a:solidFill>
-              </a14:hiddenFill>
-            </a:ext>
-            <a:ext uri="{91240B29-F687-4F45-9708-019B960494DF}">
-              <a14:hiddenLine xmlns:a14="http://schemas.microsoft.com/office/drawing/2010/main" w="9525">
-                <a:solidFill>
-                  <a:schemeClr val="tx1"/>
-                </a:solidFill>
-                <a:miter lim="800000"/>
-                <a:headEnd/>
-                <a:tailEnd/>
-              </a14:hiddenLine>
-            </a:ext>
-            <a:ext uri="{AF507438-7753-43E0-B8FC-AC1667EBCBE1}">
-              <a14:hiddenEffects xmlns:a14="http://schemas.microsoft.com/office/drawing/2010/main">
-                <a:effectLst>
-                  <a:outerShdw dist="35921" dir="2700000" algn="ctr" rotWithShape="0">
-                    <a:schemeClr val="bg2"/>
-                  </a:outerShdw>
-                </a:effectLst>
-              </a14:hiddenEffects>
-            </a:ext>
-          </a:extLst>
         </p:spPr>
-      </p:pic>
+        <p:txBody>
+          <a:bodyPr wrap="square" rtlCol="0">
+            <a:spAutoFit/>
+          </a:bodyPr>
+          <a:lstStyle/>
+          <a:p>
+            <a:r>
+              <a:rPr lang="zh-CN" altLang="en-US" dirty="0" smtClean="0">
+                <a:latin typeface="仿宋" panose="02010609060101010101" pitchFamily="49" charset="-122"/>
+                <a:ea typeface="仿宋" panose="02010609060101010101" pitchFamily="49" charset="-122"/>
+              </a:rPr>
+              <a:t>方寸时光</a:t>
+            </a:r>
+            <a:r>
+              <a:rPr lang="en-US" altLang="zh-CN" dirty="0" smtClean="0">
+                <a:latin typeface="仿宋" panose="02010609060101010101" pitchFamily="49" charset="-122"/>
+                <a:ea typeface="仿宋" panose="02010609060101010101" pitchFamily="49" charset="-122"/>
+              </a:rPr>
+              <a:t>-</a:t>
+            </a:r>
+            <a:r>
+              <a:rPr lang="zh-CN" altLang="en-US" dirty="0" smtClean="0">
+                <a:latin typeface="仿宋" panose="02010609060101010101" pitchFamily="49" charset="-122"/>
+                <a:ea typeface="仿宋" panose="02010609060101010101" pitchFamily="49" charset="-122"/>
+              </a:rPr>
+              <a:t>乘风</a:t>
+            </a:r>
+            <a:endParaRPr lang="en-US" altLang="zh-CN" dirty="0" smtClean="0">
+              <a:latin typeface="仿宋" panose="02010609060101010101" pitchFamily="49" charset="-122"/>
+              <a:ea typeface="仿宋" panose="02010609060101010101" pitchFamily="49" charset="-122"/>
+            </a:endParaRPr>
+          </a:p>
+          <a:p>
+            <a:r>
+              <a:rPr lang="en-US" altLang="zh-CN" dirty="0" smtClean="0">
+                <a:latin typeface="仿宋" panose="02010609060101010101" pitchFamily="49" charset="-122"/>
+                <a:ea typeface="仿宋" panose="02010609060101010101" pitchFamily="49" charset="-122"/>
+              </a:rPr>
+              <a:t>2018-12-13</a:t>
+            </a:r>
+            <a:endParaRPr lang="zh-CN" altLang="en-US" dirty="0">
+              <a:latin typeface="仿宋" panose="02010609060101010101" pitchFamily="49" charset="-122"/>
+              <a:ea typeface="仿宋" panose="02010609060101010101" pitchFamily="49" charset="-122"/>
+            </a:endParaRPr>
+          </a:p>
+        </p:txBody>
+      </p:sp>
     </p:spTree>
+    <p:custDataLst>
+      <p:tags r:id="rId1"/>
+    </p:custDataLst>
   </p:cSld>
   <p:clrMapOvr>
     <a:masterClrMapping/>
@@ -5634,296 +5597,6 @@
 </file>
 
 <file path=ppt/slides/slide10.xml><?xml version="1.0" encoding="utf-8"?>
-<p:sld xmlns:a="http://schemas.openxmlformats.org/drawingml/2006/main" xmlns:r="http://schemas.openxmlformats.org/officeDocument/2006/relationships" xmlns:p="http://schemas.openxmlformats.org/presentationml/2006/main">
-  <p:cSld>
-    <p:spTree>
-      <p:nvGrpSpPr>
-        <p:cNvPr id="1" name=""/>
-        <p:cNvGrpSpPr/>
-        <p:nvPr/>
-      </p:nvGrpSpPr>
-      <p:grpSpPr>
-        <a:xfrm>
-          <a:off x="0" y="0"/>
-          <a:ext cx="0" cy="0"/>
-          <a:chOff x="0" y="0"/>
-          <a:chExt cx="0" cy="0"/>
-        </a:xfrm>
-      </p:grpSpPr>
-      <p:sp>
-        <p:nvSpPr>
-          <p:cNvPr id="2" name="标题 1"/>
-          <p:cNvSpPr>
-            <a:spLocks noGrp="1"/>
-          </p:cNvSpPr>
-          <p:nvPr>
-            <p:ph type="title"/>
-          </p:nvPr>
-        </p:nvSpPr>
-        <p:spPr/>
-        <p:txBody>
-          <a:bodyPr/>
-          <a:lstStyle/>
-          <a:p>
-            <a:r>
-              <a:rPr lang="en-US" altLang="zh-CN" dirty="0" err="1" smtClean="0">
-                <a:latin typeface="仿宋" panose="02010609060101010101" pitchFamily="49" charset="-122"/>
-                <a:ea typeface="仿宋" panose="02010609060101010101" pitchFamily="49" charset="-122"/>
-              </a:rPr>
-              <a:t>JMockit</a:t>
-            </a:r>
-            <a:r>
-              <a:rPr lang="zh-CN" altLang="en-US" dirty="0" smtClean="0">
-                <a:latin typeface="仿宋" panose="02010609060101010101" pitchFamily="49" charset="-122"/>
-                <a:ea typeface="仿宋" panose="02010609060101010101" pitchFamily="49" charset="-122"/>
-              </a:rPr>
-              <a:t>的程序</a:t>
-            </a:r>
-            <a:r>
-              <a:rPr lang="zh-CN" altLang="en-US" dirty="0">
-                <a:latin typeface="仿宋" panose="02010609060101010101" pitchFamily="49" charset="-122"/>
-                <a:ea typeface="仿宋" panose="02010609060101010101" pitchFamily="49" charset="-122"/>
-              </a:rPr>
-              <a:t>结构</a:t>
-            </a:r>
-            <a:endParaRPr lang="zh-CN" altLang="en-US" dirty="0">
-              <a:latin typeface="仿宋" panose="02010609060101010101" pitchFamily="49" charset="-122"/>
-              <a:ea typeface="仿宋" panose="02010609060101010101" pitchFamily="49" charset="-122"/>
-            </a:endParaRPr>
-          </a:p>
-        </p:txBody>
-      </p:sp>
-      <p:sp>
-        <p:nvSpPr>
-          <p:cNvPr id="3" name="内容占位符 2"/>
-          <p:cNvSpPr>
-            <a:spLocks noGrp="1"/>
-          </p:cNvSpPr>
-          <p:nvPr>
-            <p:ph idx="1"/>
-          </p:nvPr>
-        </p:nvSpPr>
-        <p:spPr/>
-        <p:txBody>
-          <a:bodyPr vert="horz" lIns="91440" tIns="45720" rIns="91440" bIns="45720" rtlCol="0">
-            <a:normAutofit/>
-          </a:bodyPr>
-          <a:lstStyle/>
-          <a:p>
-            <a:r>
-              <a:rPr lang="zh-CN" altLang="en-US" sz="2000" dirty="0"/>
-              <a:t>测试属性：即测试类的一个属性。它作用于测试类的所有测试方法。</a:t>
-            </a:r>
-            <a:endParaRPr lang="en-US" altLang="zh-CN" sz="2000" dirty="0"/>
-          </a:p>
-          <a:p>
-            <a:r>
-              <a:rPr lang="zh-CN" altLang="en-US" sz="2000" dirty="0"/>
-              <a:t>测试参数：即测试方法的参数。它仅作用于当前测试方法。</a:t>
-            </a:r>
-            <a:endParaRPr lang="en-US" altLang="zh-CN" sz="2000" dirty="0"/>
-          </a:p>
-          <a:p>
-            <a:r>
-              <a:rPr lang="en-US" altLang="zh-CN" sz="2000" dirty="0"/>
-              <a:t>Record-Replay-Verification </a:t>
-            </a:r>
-            <a:r>
-              <a:rPr lang="zh-CN" altLang="en-US" sz="2000" dirty="0"/>
-              <a:t>是</a:t>
-            </a:r>
-            <a:r>
-              <a:rPr lang="en-US" altLang="zh-CN" sz="2000" dirty="0" err="1"/>
-              <a:t>JMockit</a:t>
-            </a:r>
-            <a:r>
-              <a:rPr lang="zh-CN" altLang="en-US" sz="2000" dirty="0"/>
-              <a:t>测试程序的主要结构。</a:t>
-            </a:r>
-            <a:endParaRPr lang="zh-CN" altLang="en-US" sz="2000" dirty="0"/>
-          </a:p>
-          <a:p>
-            <a:r>
-              <a:rPr lang="en-US" altLang="zh-CN" sz="2000" dirty="0"/>
-              <a:t>Record: </a:t>
-            </a:r>
-            <a:r>
-              <a:rPr lang="zh-CN" altLang="en-US" sz="2000" dirty="0"/>
-              <a:t>录制阶段：即录制某类</a:t>
-            </a:r>
-            <a:r>
-              <a:rPr lang="en-US" altLang="zh-CN" sz="2000" dirty="0"/>
-              <a:t>/</a:t>
-            </a:r>
-            <a:r>
-              <a:rPr lang="zh-CN" altLang="en-US" sz="2000" dirty="0"/>
-              <a:t>对象的某个方法调用，在当输入什么时，返回什么。</a:t>
-            </a:r>
-            <a:endParaRPr lang="zh-CN" altLang="en-US" sz="2000" dirty="0"/>
-          </a:p>
-          <a:p>
-            <a:r>
-              <a:rPr lang="en-US" altLang="zh-CN" sz="2000" dirty="0"/>
-              <a:t>Replay: </a:t>
-            </a:r>
-            <a:r>
-              <a:rPr lang="zh-CN" altLang="en-US" sz="2000" dirty="0"/>
-              <a:t>重放阶段：即重放测试逻辑。</a:t>
-            </a:r>
-            <a:endParaRPr lang="zh-CN" altLang="en-US" sz="2000" dirty="0"/>
-          </a:p>
-          <a:p>
-            <a:r>
-              <a:rPr lang="en-US" altLang="zh-CN" sz="2000" dirty="0"/>
-              <a:t>Verification: </a:t>
-            </a:r>
-            <a:r>
-              <a:rPr lang="zh-CN" altLang="en-US" sz="2000" dirty="0"/>
-              <a:t>验证阶段：重放后的验证。比如验证某个方法有没有被调用，调用多少次。</a:t>
-            </a:r>
-            <a:endParaRPr lang="zh-CN" altLang="en-US" sz="2000" dirty="0"/>
-          </a:p>
-          <a:p>
-            <a:r>
-              <a:rPr lang="zh-CN" altLang="en-US" sz="2000" dirty="0" smtClean="0">
-                <a:solidFill>
-                  <a:srgbClr val="FF0000"/>
-                </a:solidFill>
-                <a:latin typeface="仿宋" panose="02010609060101010101" pitchFamily="49" charset="-122"/>
-                <a:ea typeface="仿宋" panose="02010609060101010101" pitchFamily="49" charset="-122"/>
-              </a:rPr>
-              <a:t>注：</a:t>
-            </a:r>
-            <a:r>
-              <a:rPr lang="zh-CN" altLang="en-US" sz="2000" dirty="0">
-                <a:solidFill>
-                  <a:srgbClr val="FF0000"/>
-                </a:solidFill>
-              </a:rPr>
-              <a:t>在实际测试程序中，我们更倾向于通过</a:t>
-            </a:r>
-            <a:r>
-              <a:rPr lang="en-US" altLang="zh-CN" sz="2000" dirty="0" err="1" smtClean="0">
-                <a:solidFill>
-                  <a:srgbClr val="FF0000"/>
-                </a:solidFill>
-              </a:rPr>
-              <a:t>JUnit</a:t>
-            </a:r>
-            <a:r>
-              <a:rPr lang="en-US" altLang="zh-CN" sz="2000" dirty="0" smtClean="0">
-                <a:solidFill>
-                  <a:srgbClr val="FF0000"/>
-                </a:solidFill>
-              </a:rPr>
-              <a:t>/</a:t>
-            </a:r>
-            <a:r>
-              <a:rPr lang="en-US" altLang="zh-CN" sz="2000" dirty="0" err="1" smtClean="0">
-                <a:solidFill>
-                  <a:srgbClr val="FF0000"/>
-                </a:solidFill>
-              </a:rPr>
-              <a:t>TestNG</a:t>
-            </a:r>
-            <a:r>
-              <a:rPr lang="en-US" altLang="zh-CN" sz="2000" dirty="0" smtClean="0">
-                <a:solidFill>
-                  <a:srgbClr val="FF0000"/>
-                </a:solidFill>
-              </a:rPr>
-              <a:t>/</a:t>
-            </a:r>
-            <a:r>
-              <a:rPr lang="en-US" altLang="zh-CN" sz="2000" dirty="0" err="1" smtClean="0">
-                <a:solidFill>
-                  <a:srgbClr val="FF0000"/>
-                </a:solidFill>
-              </a:rPr>
-              <a:t>SpringTest</a:t>
-            </a:r>
-            <a:r>
-              <a:rPr lang="zh-CN" altLang="en-US" sz="2000" dirty="0">
-                <a:solidFill>
-                  <a:srgbClr val="FF0000"/>
-                </a:solidFill>
-              </a:rPr>
-              <a:t>的</a:t>
-            </a:r>
-            <a:r>
-              <a:rPr lang="en-US" altLang="zh-CN" sz="2000" dirty="0">
-                <a:solidFill>
-                  <a:srgbClr val="FF0000"/>
-                </a:solidFill>
-              </a:rPr>
-              <a:t>Assert</a:t>
-            </a:r>
-            <a:r>
-              <a:rPr lang="zh-CN" altLang="en-US" sz="2000" dirty="0">
-                <a:solidFill>
-                  <a:srgbClr val="FF0000"/>
-                </a:solidFill>
-              </a:rPr>
-              <a:t>类对测试</a:t>
-            </a:r>
-            <a:r>
-              <a:rPr lang="zh-CN" altLang="en-US" sz="2000" dirty="0" smtClean="0">
-                <a:solidFill>
-                  <a:srgbClr val="FF0000"/>
-                </a:solidFill>
-              </a:rPr>
-              <a:t>结果进行验证。因为对</a:t>
-            </a:r>
-            <a:r>
-              <a:rPr lang="zh-CN" altLang="en-US" sz="2000" dirty="0">
-                <a:solidFill>
-                  <a:srgbClr val="FF0000"/>
-                </a:solidFill>
-              </a:rPr>
-              <a:t>类的某个方法有没调用，调用多少次的测试场景</a:t>
-            </a:r>
-            <a:r>
-              <a:rPr lang="zh-CN" altLang="en-US" sz="2000" dirty="0" smtClean="0">
-                <a:solidFill>
-                  <a:srgbClr val="FF0000"/>
-                </a:solidFill>
-              </a:rPr>
-              <a:t>并不多</a:t>
-            </a:r>
-            <a:r>
-              <a:rPr lang="zh-CN" altLang="en-US" sz="2000" dirty="0">
-                <a:solidFill>
-                  <a:srgbClr val="FF0000"/>
-                </a:solidFill>
-              </a:rPr>
-              <a:t>。</a:t>
-            </a:r>
-            <a:endParaRPr lang="zh-CN" altLang="en-US" sz="2000" dirty="0">
-              <a:solidFill>
-                <a:srgbClr val="FF0000"/>
-              </a:solidFill>
-              <a:latin typeface="仿宋" panose="02010609060101010101" pitchFamily="49" charset="-122"/>
-              <a:ea typeface="仿宋" panose="02010609060101010101" pitchFamily="49" charset="-122"/>
-            </a:endParaRPr>
-          </a:p>
-        </p:txBody>
-      </p:sp>
-    </p:spTree>
-  </p:cSld>
-  <p:clrMapOvr>
-    <a:masterClrMapping/>
-  </p:clrMapOvr>
-  <p:timing>
-    <p:tnLst>
-      <p:par>
-        <p:cTn id="1" dur="indefinite" restart="never" nodeType="tmRoot"/>
-      </p:par>
-    </p:tnLst>
-  </p:timing>
-</p:sld>
-</file>
-
-<file path=ppt/slides/slide11.xml><?xml version="1.0" encoding="utf-8"?>
 <p:sld xmlns:a="http://schemas.openxmlformats.org/drawingml/2006/main" xmlns:r="http://schemas.openxmlformats.org/officeDocument/2006/relationships" xmlns:p="http://schemas.openxmlformats.org/presentationml/2006/main">
   <p:cSld>
     <p:spTree>
@@ -6079,7 +5752,7 @@
 </p:sld>
 </file>
 
-<file path=ppt/slides/slide12.xml><?xml version="1.0" encoding="utf-8"?>
+<file path=ppt/slides/slide11.xml><?xml version="1.0" encoding="utf-8"?>
 <p:sld xmlns:a="http://schemas.openxmlformats.org/drawingml/2006/main" xmlns:r="http://schemas.openxmlformats.org/officeDocument/2006/relationships" xmlns:p="http://schemas.openxmlformats.org/presentationml/2006/main">
   <p:cSld>
     <p:spTree>
@@ -6380,7 +6053,7 @@
 </p:sld>
 </file>
 
-<file path=ppt/slides/slide13.xml><?xml version="1.0" encoding="utf-8"?>
+<file path=ppt/slides/slide12.xml><?xml version="1.0" encoding="utf-8"?>
 <p:sld xmlns:a="http://schemas.openxmlformats.org/drawingml/2006/main" xmlns:r="http://schemas.openxmlformats.org/officeDocument/2006/relationships" xmlns:p="http://schemas.openxmlformats.org/presentationml/2006/main">
   <p:cSld>
     <p:spTree>
@@ -6595,6 +6268,346 @@
 </p:sld>
 </file>
 
+<file path=ppt/slides/slide13.xml><?xml version="1.0" encoding="utf-8"?>
+<p:sld xmlns:a="http://schemas.openxmlformats.org/drawingml/2006/main" xmlns:r="http://schemas.openxmlformats.org/officeDocument/2006/relationships" xmlns:p="http://schemas.openxmlformats.org/presentationml/2006/main">
+  <p:cSld>
+    <p:spTree>
+      <p:nvGrpSpPr>
+        <p:cNvPr id="1" name=""/>
+        <p:cNvGrpSpPr/>
+        <p:nvPr/>
+      </p:nvGrpSpPr>
+      <p:grpSpPr>
+        <a:xfrm>
+          <a:off x="0" y="0"/>
+          <a:ext cx="0" cy="0"/>
+          <a:chOff x="0" y="0"/>
+          <a:chExt cx="0" cy="0"/>
+        </a:xfrm>
+      </p:grpSpPr>
+      <p:sp>
+        <p:nvSpPr>
+          <p:cNvPr id="2" name="标题 1"/>
+          <p:cNvSpPr>
+            <a:spLocks noGrp="1"/>
+          </p:cNvSpPr>
+          <p:nvPr>
+            <p:ph type="title"/>
+          </p:nvPr>
+        </p:nvSpPr>
+        <p:spPr/>
+        <p:txBody>
+          <a:bodyPr/>
+          <a:lstStyle/>
+          <a:p>
+            <a:r>
+              <a:rPr lang="zh-CN" altLang="en-US" dirty="0" smtClean="0">
+                <a:latin typeface="仿宋" panose="02010609060101010101" pitchFamily="49" charset="-122"/>
+                <a:ea typeface="仿宋" panose="02010609060101010101" pitchFamily="49" charset="-122"/>
+              </a:rPr>
+              <a:t>案例三：</a:t>
+            </a:r>
+            <a:r>
+              <a:rPr lang="en-US" altLang="zh-CN" dirty="0" smtClean="0">
+                <a:latin typeface="仿宋" panose="02010609060101010101" pitchFamily="49" charset="-122"/>
+                <a:ea typeface="仿宋" panose="02010609060101010101" pitchFamily="49" charset="-122"/>
+              </a:rPr>
+              <a:t>Mock</a:t>
+            </a:r>
+            <a:r>
+              <a:rPr lang="zh-CN" altLang="en-US" dirty="0">
+                <a:latin typeface="仿宋" panose="02010609060101010101" pitchFamily="49" charset="-122"/>
+                <a:ea typeface="仿宋" panose="02010609060101010101" pitchFamily="49" charset="-122"/>
+              </a:rPr>
+              <a:t>接口</a:t>
+            </a:r>
+            <a:endParaRPr lang="zh-CN" altLang="en-US" dirty="0">
+              <a:latin typeface="仿宋" panose="02010609060101010101" pitchFamily="49" charset="-122"/>
+              <a:ea typeface="仿宋" panose="02010609060101010101" pitchFamily="49" charset="-122"/>
+            </a:endParaRPr>
+          </a:p>
+        </p:txBody>
+      </p:sp>
+      <p:sp>
+        <p:nvSpPr>
+          <p:cNvPr id="3" name="内容占位符 2"/>
+          <p:cNvSpPr>
+            <a:spLocks noGrp="1"/>
+          </p:cNvSpPr>
+          <p:nvPr>
+            <p:ph idx="1"/>
+          </p:nvPr>
+        </p:nvSpPr>
+        <p:spPr/>
+        <p:txBody>
+          <a:bodyPr vert="horz" lIns="91440" tIns="45720" rIns="91440" bIns="45720" rtlCol="0">
+            <a:normAutofit/>
+          </a:bodyPr>
+          <a:lstStyle/>
+          <a:p>
+            <a:r>
+              <a:rPr lang="zh-CN" altLang="en-US" sz="2000" dirty="0">
+                <a:latin typeface="仿宋" panose="02010609060101010101" pitchFamily="49" charset="-122"/>
+                <a:ea typeface="仿宋" panose="02010609060101010101" pitchFamily="49" charset="-122"/>
+              </a:rPr>
+              <a:t>方式一：</a:t>
+            </a:r>
+            <a:endParaRPr lang="en-US" altLang="zh-CN" sz="2000" dirty="0">
+              <a:latin typeface="仿宋" panose="02010609060101010101" pitchFamily="49" charset="-122"/>
+              <a:ea typeface="仿宋" panose="02010609060101010101" pitchFamily="49" charset="-122"/>
+            </a:endParaRPr>
+          </a:p>
+          <a:p>
+            <a:r>
+              <a:rPr lang="zh-CN" altLang="en-US" sz="2000" dirty="0"/>
+              <a:t>用</a:t>
+            </a:r>
+            <a:r>
+              <a:rPr lang="en-US" altLang="zh-CN" sz="2000" dirty="0"/>
+              <a:t>Expectations</a:t>
+            </a:r>
+            <a:r>
+              <a:rPr lang="zh-CN" altLang="en-US" sz="2000" dirty="0"/>
+              <a:t>来</a:t>
+            </a:r>
+            <a:r>
+              <a:rPr lang="en-US" altLang="zh-CN" sz="2000" dirty="0" smtClean="0"/>
+              <a:t>mock</a:t>
+            </a:r>
+            <a:r>
+              <a:rPr lang="zh-CN" altLang="en-US" sz="2000" dirty="0" smtClean="0"/>
+              <a:t>接口</a:t>
+            </a:r>
+            <a:endParaRPr lang="en-US" altLang="zh-CN" sz="2000" dirty="0"/>
+          </a:p>
+          <a:p>
+            <a:r>
+              <a:rPr lang="en-US" altLang="zh-CN" sz="2000" dirty="0">
+                <a:solidFill>
+                  <a:schemeClr val="bg1">
+                    <a:lumMod val="50000"/>
+                  </a:schemeClr>
+                </a:solidFill>
+              </a:rPr>
+              <a:t>demo</a:t>
+            </a:r>
+            <a:r>
+              <a:rPr lang="zh-CN" altLang="en-US" sz="2000" dirty="0" smtClean="0">
+                <a:solidFill>
+                  <a:schemeClr val="bg1">
+                    <a:lumMod val="50000"/>
+                  </a:schemeClr>
+                </a:solidFill>
+              </a:rPr>
+              <a:t>见 </a:t>
+            </a:r>
+            <a:r>
+              <a:rPr lang="en-US" altLang="zh-CN" sz="2000" dirty="0" err="1" smtClean="0">
+                <a:solidFill>
+                  <a:schemeClr val="bg1">
+                    <a:lumMod val="50000"/>
+                  </a:schemeClr>
+                </a:solidFill>
+              </a:rPr>
+              <a:t>InterfaceMockingByExpectationsTest</a:t>
+            </a:r>
+            <a:endParaRPr lang="en-US" altLang="zh-CN" sz="2000" dirty="0">
+              <a:solidFill>
+                <a:schemeClr val="bg1">
+                  <a:lumMod val="50000"/>
+                </a:schemeClr>
+              </a:solidFill>
+            </a:endParaRPr>
+          </a:p>
+          <a:p>
+            <a:endParaRPr lang="en-US" altLang="zh-CN" sz="2000" dirty="0">
+              <a:solidFill>
+                <a:schemeClr val="bg1">
+                  <a:lumMod val="50000"/>
+                </a:schemeClr>
+              </a:solidFill>
+              <a:latin typeface="仿宋" panose="02010609060101010101" pitchFamily="49" charset="-122"/>
+              <a:ea typeface="仿宋" panose="02010609060101010101" pitchFamily="49" charset="-122"/>
+            </a:endParaRPr>
+          </a:p>
+          <a:p>
+            <a:r>
+              <a:rPr lang="zh-CN" altLang="en-US" sz="2000" dirty="0">
+                <a:latin typeface="仿宋" panose="02010609060101010101" pitchFamily="49" charset="-122"/>
+                <a:ea typeface="仿宋" panose="02010609060101010101" pitchFamily="49" charset="-122"/>
+              </a:rPr>
+              <a:t>方式二：</a:t>
+            </a:r>
+            <a:endParaRPr lang="en-US" altLang="zh-CN" sz="2000" dirty="0">
+              <a:latin typeface="仿宋" panose="02010609060101010101" pitchFamily="49" charset="-122"/>
+              <a:ea typeface="仿宋" panose="02010609060101010101" pitchFamily="49" charset="-122"/>
+            </a:endParaRPr>
+          </a:p>
+          <a:p>
+            <a:r>
+              <a:rPr lang="zh-CN" altLang="en-US" sz="2000" dirty="0"/>
+              <a:t>用</a:t>
+            </a:r>
+            <a:r>
+              <a:rPr lang="en-US" altLang="zh-CN" sz="2000" dirty="0" err="1"/>
+              <a:t>MockUp</a:t>
+            </a:r>
+            <a:r>
+              <a:rPr lang="en-US" altLang="zh-CN" sz="2000" dirty="0"/>
+              <a:t> &amp; @Mock</a:t>
+            </a:r>
+            <a:r>
+              <a:rPr lang="zh-CN" altLang="en-US" sz="2000" dirty="0"/>
+              <a:t>来</a:t>
+            </a:r>
+            <a:r>
+              <a:rPr lang="en-US" altLang="zh-CN" sz="2000" dirty="0" smtClean="0"/>
+              <a:t>mock</a:t>
+            </a:r>
+            <a:r>
+              <a:rPr lang="zh-CN" altLang="en-US" sz="2000" dirty="0" smtClean="0"/>
+              <a:t>接口</a:t>
+            </a:r>
+            <a:endParaRPr lang="en-US" altLang="zh-CN" sz="2000" dirty="0"/>
+          </a:p>
+          <a:p>
+            <a:r>
+              <a:rPr lang="en-US" altLang="zh-CN" sz="2000" dirty="0">
+                <a:solidFill>
+                  <a:schemeClr val="bg1">
+                    <a:lumMod val="50000"/>
+                  </a:schemeClr>
+                </a:solidFill>
+              </a:rPr>
+              <a:t>demo</a:t>
+            </a:r>
+            <a:r>
+              <a:rPr lang="zh-CN" altLang="en-US" sz="2000" dirty="0" smtClean="0">
+                <a:solidFill>
+                  <a:schemeClr val="bg1">
+                    <a:lumMod val="50000"/>
+                  </a:schemeClr>
+                </a:solidFill>
+              </a:rPr>
+              <a:t>见 </a:t>
+            </a:r>
+            <a:r>
+              <a:rPr lang="en-US" altLang="zh-CN" sz="2000" dirty="0" err="1" smtClean="0">
+                <a:solidFill>
+                  <a:schemeClr val="bg1">
+                    <a:lumMod val="50000"/>
+                  </a:schemeClr>
+                </a:solidFill>
+              </a:rPr>
+              <a:t>InterfaceMockingByMockUpTest</a:t>
+            </a:r>
+            <a:endParaRPr lang="en-US" altLang="zh-CN" sz="2000" dirty="0" smtClean="0">
+              <a:solidFill>
+                <a:schemeClr val="bg1">
+                  <a:lumMod val="50000"/>
+                </a:schemeClr>
+              </a:solidFill>
+            </a:endParaRPr>
+          </a:p>
+          <a:p>
+            <a:endParaRPr lang="en-US" altLang="zh-CN" sz="2000" dirty="0">
+              <a:solidFill>
+                <a:schemeClr val="bg1">
+                  <a:lumMod val="50000"/>
+                </a:schemeClr>
+              </a:solidFill>
+            </a:endParaRPr>
+          </a:p>
+          <a:p>
+            <a:r>
+              <a:rPr lang="zh-CN" altLang="en-US" sz="2000" dirty="0" smtClean="0"/>
+              <a:t>注：在</a:t>
+            </a:r>
+            <a:r>
+              <a:rPr lang="en-US" altLang="zh-CN" sz="2000" dirty="0"/>
+              <a:t>Mock</a:t>
+            </a:r>
+            <a:r>
+              <a:rPr lang="zh-CN" altLang="en-US" sz="2000" dirty="0"/>
+              <a:t>接口时，</a:t>
+            </a:r>
+            <a:r>
+              <a:rPr lang="zh-CN" altLang="en-US" sz="2000" dirty="0" smtClean="0"/>
+              <a:t>使用</a:t>
+            </a:r>
+            <a:r>
+              <a:rPr lang="en-US" altLang="zh-CN" sz="2000" dirty="0" smtClean="0"/>
+              <a:t>@Test</a:t>
+            </a:r>
+            <a:r>
+              <a:rPr lang="zh-CN" altLang="en-US" sz="2000" dirty="0" smtClean="0"/>
+              <a:t>和</a:t>
+            </a:r>
+            <a:r>
+              <a:rPr lang="en-US" altLang="zh-CN" sz="2000" dirty="0" smtClean="0"/>
+              <a:t>@Injectable</a:t>
+            </a:r>
+            <a:r>
+              <a:rPr lang="zh-CN" altLang="en-US" sz="2000" dirty="0"/>
+              <a:t>注解</a:t>
+            </a:r>
+            <a:r>
+              <a:rPr lang="en-US" altLang="zh-CN" sz="2000" dirty="0"/>
+              <a:t>API</a:t>
+            </a:r>
+            <a:r>
+              <a:rPr lang="zh-CN" altLang="en-US" sz="2000" dirty="0"/>
+              <a:t>，比使用</a:t>
+            </a:r>
+            <a:r>
+              <a:rPr lang="en-US" altLang="zh-CN" sz="2000" dirty="0" err="1"/>
+              <a:t>MockUp</a:t>
+            </a:r>
+            <a:r>
+              <a:rPr lang="zh-CN" altLang="en-US" sz="2000" dirty="0"/>
+              <a:t>更方便</a:t>
+            </a:r>
+            <a:r>
+              <a:rPr lang="zh-CN" altLang="en-US" sz="2000" dirty="0" smtClean="0"/>
+              <a:t>。因为其可以充分</a:t>
+            </a:r>
+            <a:r>
+              <a:rPr lang="zh-CN" altLang="en-US" sz="2000" dirty="0"/>
+              <a:t>利用</a:t>
+            </a:r>
+            <a:r>
+              <a:rPr lang="en-US" altLang="zh-CN" sz="2000" dirty="0" err="1"/>
+              <a:t>JMockit</a:t>
+            </a:r>
+            <a:r>
+              <a:rPr lang="zh-CN" altLang="en-US" sz="2000" dirty="0"/>
+              <a:t>的依赖注入功能。</a:t>
+            </a:r>
+            <a:endParaRPr lang="zh-CN" altLang="en-US" sz="2000" dirty="0">
+              <a:solidFill>
+                <a:schemeClr val="bg1">
+                  <a:lumMod val="50000"/>
+                </a:schemeClr>
+              </a:solidFill>
+            </a:endParaRPr>
+          </a:p>
+        </p:txBody>
+      </p:sp>
+    </p:spTree>
+  </p:cSld>
+  <p:clrMapOvr>
+    <a:masterClrMapping/>
+  </p:clrMapOvr>
+  <p:timing>
+    <p:tnLst>
+      <p:par>
+        <p:cTn id="1" dur="indefinite" restart="never" nodeType="tmRoot"/>
+      </p:par>
+    </p:tnLst>
+  </p:timing>
+</p:sld>
+</file>
+
 <file path=ppt/slides/slide14.xml><?xml version="1.0" encoding="utf-8"?>
 <p:sld xmlns:a="http://schemas.openxmlformats.org/drawingml/2006/main" xmlns:r="http://schemas.openxmlformats.org/officeDocument/2006/relationships" xmlns:p="http://schemas.openxmlformats.org/presentationml/2006/main">
   <p:cSld>
@@ -6632,21 +6645,14 @@
                 <a:latin typeface="仿宋" panose="02010609060101010101" pitchFamily="49" charset="-122"/>
                 <a:ea typeface="仿宋" panose="02010609060101010101" pitchFamily="49" charset="-122"/>
               </a:rPr>
-              <a:t>案例三：</a:t>
+              <a:t>案例四：</a:t>
             </a:r>
             <a:r>
               <a:rPr lang="en-US" altLang="zh-CN" dirty="0" smtClean="0">
                 <a:latin typeface="仿宋" panose="02010609060101010101" pitchFamily="49" charset="-122"/>
                 <a:ea typeface="仿宋" panose="02010609060101010101" pitchFamily="49" charset="-122"/>
               </a:rPr>
-              <a:t>Mock</a:t>
-            </a:r>
-            <a:r>
-              <a:rPr lang="zh-CN" altLang="en-US" dirty="0">
-                <a:latin typeface="仿宋" panose="02010609060101010101" pitchFamily="49" charset="-122"/>
-                <a:ea typeface="仿宋" panose="02010609060101010101" pitchFamily="49" charset="-122"/>
-              </a:rPr>
-              <a:t>接口</a:t>
+              <a:t>Mock Spring Bean</a:t>
             </a:r>
             <a:endParaRPr lang="zh-CN" altLang="en-US" dirty="0">
               <a:latin typeface="仿宋" panose="02010609060101010101" pitchFamily="49" charset="-122"/>
@@ -6668,7 +6674,7 @@
         <p:spPr/>
         <p:txBody>
           <a:bodyPr vert="horz" lIns="91440" tIns="45720" rIns="91440" bIns="45720" rtlCol="0">
-            <a:normAutofit/>
+            <a:normAutofit fontScale="92500" lnSpcReduction="10000"/>
           </a:bodyPr>
           <a:lstStyle/>
           <a:p>
@@ -6700,10 +6706,6 @@
             <a:r>
               <a:rPr lang="en-US" altLang="zh-CN" sz="2000" dirty="0" smtClean="0"/>
               <a:t>mock</a:t>
-            </a:r>
-            <a:r>
-              <a:rPr lang="zh-CN" altLang="en-US" sz="2000" dirty="0" smtClean="0"/>
-              <a:t>接口</a:t>
             </a:r>
             <a:endParaRPr lang="en-US" altLang="zh-CN" sz="2000" dirty="0"/>
           </a:p>
@@ -6736,7 +6738,7 @@
                   </a:schemeClr>
                 </a:solidFill>
               </a:rPr>
-              <a:t>InterfaceMockingByExpectationsTest</a:t>
+              <a:t>SpringBeanMockingByExpectationsTest</a:t>
             </a:r>
             <a:endParaRPr lang="en-US" altLang="zh-CN" sz="2000" dirty="0">
               <a:solidFill>
@@ -6791,10 +6793,6 @@
               <a:rPr lang="en-US" altLang="zh-CN" sz="2000" dirty="0" smtClean="0"/>
               <a:t>mock</a:t>
             </a:r>
-            <a:r>
-              <a:rPr lang="zh-CN" altLang="en-US" sz="2000" dirty="0" smtClean="0"/>
-              <a:t>接口</a:t>
-            </a:r>
             <a:endParaRPr lang="en-US" altLang="zh-CN" sz="2000" dirty="0"/>
           </a:p>
           <a:p>
@@ -6826,91 +6824,289 @@
                   </a:schemeClr>
                 </a:solidFill>
               </a:rPr>
-              <a:t>InterfaceMockingByMockUpTest</a:t>
+              <a:t>SpringBeanMockingByMockUpTest</a:t>
+            </a:r>
+            <a:endParaRPr lang="en-US" altLang="zh-CN" sz="2000" dirty="0" smtClean="0">
+              <a:latin typeface="仿宋" panose="02010609060101010101" pitchFamily="49" charset="-122"/>
+              <a:ea typeface="仿宋" panose="02010609060101010101" pitchFamily="49" charset="-122"/>
+            </a:endParaRPr>
+          </a:p>
+          <a:p>
+            <a:pPr marL="0" indent="0">
+              <a:buNone/>
+            </a:pPr>
+            <a:r>
+              <a:rPr lang="zh-CN" altLang="en-US" sz="2000" dirty="0" smtClean="0">
+                <a:latin typeface="仿宋" panose="02010609060101010101" pitchFamily="49" charset="-122"/>
+                <a:ea typeface="仿宋" panose="02010609060101010101" pitchFamily="49" charset="-122"/>
+              </a:rPr>
+              <a:t>注：</a:t>
+            </a:r>
+            <a:endParaRPr lang="en-US" altLang="zh-CN" sz="2000" dirty="0" smtClean="0">
+              <a:latin typeface="仿宋" panose="02010609060101010101" pitchFamily="49" charset="-122"/>
+              <a:ea typeface="仿宋" panose="02010609060101010101" pitchFamily="49" charset="-122"/>
+            </a:endParaRPr>
+          </a:p>
+          <a:p>
+            <a:pPr marL="0" indent="0">
+              <a:buNone/>
+            </a:pPr>
+            <a:r>
+              <a:rPr lang="zh-CN" altLang="en-US" sz="2000" dirty="0" smtClean="0">
+                <a:latin typeface="仿宋" panose="02010609060101010101" pitchFamily="49" charset="-122"/>
+                <a:ea typeface="仿宋" panose="02010609060101010101" pitchFamily="49" charset="-122"/>
+              </a:rPr>
+              <a:t>方式</a:t>
+            </a:r>
+            <a:r>
+              <a:rPr lang="zh-CN" altLang="en-US" sz="2000" dirty="0">
+                <a:latin typeface="仿宋" panose="02010609060101010101" pitchFamily="49" charset="-122"/>
+                <a:ea typeface="仿宋" panose="02010609060101010101" pitchFamily="49" charset="-122"/>
+              </a:rPr>
+              <a:t>二对接口进行</a:t>
+            </a:r>
+            <a:r>
+              <a:rPr lang="en-US" altLang="zh-CN" sz="2000" dirty="0">
+                <a:latin typeface="仿宋" panose="02010609060101010101" pitchFamily="49" charset="-122"/>
+                <a:ea typeface="仿宋" panose="02010609060101010101" pitchFamily="49" charset="-122"/>
+              </a:rPr>
+              <a:t>mock</a:t>
+            </a:r>
+            <a:r>
+              <a:rPr lang="zh-CN" altLang="en-US" sz="2000" dirty="0">
+                <a:latin typeface="仿宋" panose="02010609060101010101" pitchFamily="49" charset="-122"/>
+                <a:ea typeface="仿宋" panose="02010609060101010101" pitchFamily="49" charset="-122"/>
+              </a:rPr>
+              <a:t>时，需要采用</a:t>
+            </a:r>
+            <a:r>
+              <a:rPr lang="en-US" altLang="zh-CN" sz="2000" dirty="0" err="1">
+                <a:latin typeface="仿宋" panose="02010609060101010101" pitchFamily="49" charset="-122"/>
+                <a:ea typeface="仿宋" panose="02010609060101010101" pitchFamily="49" charset="-122"/>
+              </a:rPr>
+              <a:t>MockUp</a:t>
+            </a:r>
+            <a:r>
+              <a:rPr lang="zh-CN" altLang="en-US" sz="2000" dirty="0">
+                <a:latin typeface="仿宋" panose="02010609060101010101" pitchFamily="49" charset="-122"/>
+                <a:ea typeface="仿宋" panose="02010609060101010101" pitchFamily="49" charset="-122"/>
+              </a:rPr>
+              <a:t>泛型的方式来实现。</a:t>
+            </a:r>
+            <a:endParaRPr lang="zh-CN" altLang="en-US" sz="2000" dirty="0">
+              <a:latin typeface="仿宋" panose="02010609060101010101" pitchFamily="49" charset="-122"/>
+              <a:ea typeface="仿宋" panose="02010609060101010101" pitchFamily="49" charset="-122"/>
+            </a:endParaRPr>
+          </a:p>
+          <a:p>
+            <a:pPr marL="0" indent="0">
+              <a:buNone/>
+            </a:pPr>
+            <a:r>
+              <a:rPr lang="zh-CN" altLang="en-US" sz="2000" dirty="0" smtClean="0">
+                <a:latin typeface="仿宋" panose="02010609060101010101" pitchFamily="49" charset="-122"/>
+                <a:ea typeface="仿宋" panose="02010609060101010101" pitchFamily="49" charset="-122"/>
+              </a:rPr>
+              <a:t>方式二对</a:t>
+            </a:r>
+            <a:r>
+              <a:rPr lang="en-US" altLang="zh-CN" sz="2000" dirty="0" smtClean="0">
+                <a:latin typeface="仿宋" panose="02010609060101010101" pitchFamily="49" charset="-122"/>
+                <a:ea typeface="仿宋" panose="02010609060101010101" pitchFamily="49" charset="-122"/>
+              </a:rPr>
+              <a:t>bean</a:t>
+            </a:r>
+            <a:r>
+              <a:rPr lang="zh-CN" altLang="en-US" sz="2000" dirty="0" smtClean="0">
+                <a:latin typeface="仿宋" panose="02010609060101010101" pitchFamily="49" charset="-122"/>
+                <a:ea typeface="仿宋" panose="02010609060101010101" pitchFamily="49" charset="-122"/>
+              </a:rPr>
+              <a:t>进行</a:t>
+            </a:r>
+            <a:r>
+              <a:rPr lang="en-US" altLang="zh-CN" sz="2000" dirty="0" smtClean="0">
+                <a:latin typeface="仿宋" panose="02010609060101010101" pitchFamily="49" charset="-122"/>
+                <a:ea typeface="仿宋" panose="02010609060101010101" pitchFamily="49" charset="-122"/>
+              </a:rPr>
+              <a:t>mock</a:t>
+            </a:r>
+            <a:r>
+              <a:rPr lang="zh-CN" altLang="en-US" sz="2000" dirty="0" smtClean="0">
+                <a:latin typeface="仿宋" panose="02010609060101010101" pitchFamily="49" charset="-122"/>
+                <a:ea typeface="仿宋" panose="02010609060101010101" pitchFamily="49" charset="-122"/>
+              </a:rPr>
+              <a:t>时，需要</a:t>
+            </a:r>
+            <a:r>
+              <a:rPr lang="en-US" altLang="zh-CN" sz="2000" dirty="0">
+                <a:latin typeface="仿宋" panose="02010609060101010101" pitchFamily="49" charset="-122"/>
+                <a:ea typeface="仿宋" panose="02010609060101010101" pitchFamily="49" charset="-122"/>
+              </a:rPr>
+              <a:t>mock</a:t>
+            </a:r>
+            <a:r>
+              <a:rPr lang="zh-CN" altLang="en-US" sz="2000" dirty="0" smtClean="0">
+                <a:latin typeface="仿宋" panose="02010609060101010101" pitchFamily="49" charset="-122"/>
+                <a:ea typeface="仿宋" panose="02010609060101010101" pitchFamily="49" charset="-122"/>
+              </a:rPr>
+              <a:t>接口实现类，直接对接口进行</a:t>
+            </a:r>
+            <a:r>
+              <a:rPr lang="en-US" altLang="zh-CN" sz="2000" dirty="0" smtClean="0">
+                <a:latin typeface="仿宋" panose="02010609060101010101" pitchFamily="49" charset="-122"/>
+                <a:ea typeface="仿宋" panose="02010609060101010101" pitchFamily="49" charset="-122"/>
+              </a:rPr>
+              <a:t>mock</a:t>
+            </a:r>
+            <a:r>
+              <a:rPr lang="zh-CN" altLang="en-US" sz="2000" dirty="0" smtClean="0">
+                <a:latin typeface="仿宋" panose="02010609060101010101" pitchFamily="49" charset="-122"/>
+                <a:ea typeface="仿宋" panose="02010609060101010101" pitchFamily="49" charset="-122"/>
+              </a:rPr>
+              <a:t>会不起作用。</a:t>
+            </a:r>
+            <a:endParaRPr lang="en-US" altLang="zh-CN" sz="2000" dirty="0" smtClean="0">
+              <a:latin typeface="仿宋" panose="02010609060101010101" pitchFamily="49" charset="-122"/>
+              <a:ea typeface="仿宋" panose="02010609060101010101" pitchFamily="49" charset="-122"/>
+            </a:endParaRPr>
+          </a:p>
+          <a:p>
+            <a:pPr marL="0" indent="0">
+              <a:buNone/>
+            </a:pPr>
+            <a:r>
+              <a:rPr lang="zh-CN" altLang="en-US" sz="2000" dirty="0" smtClean="0">
+                <a:solidFill>
+                  <a:srgbClr val="FF0000"/>
+                </a:solidFill>
+                <a:latin typeface="仿宋" panose="02010609060101010101" pitchFamily="49" charset="-122"/>
+                <a:ea typeface="仿宋" panose="02010609060101010101" pitchFamily="49" charset="-122"/>
+              </a:rPr>
+              <a:t>另外，对于</a:t>
+            </a:r>
+            <a:r>
+              <a:rPr lang="en-US" altLang="zh-CN" sz="2000" dirty="0" smtClean="0">
+                <a:solidFill>
+                  <a:srgbClr val="FF0000"/>
+                </a:solidFill>
+                <a:latin typeface="仿宋" panose="02010609060101010101" pitchFamily="49" charset="-122"/>
+                <a:ea typeface="仿宋" panose="02010609060101010101" pitchFamily="49" charset="-122"/>
+              </a:rPr>
+              <a:t>Spring Boot</a:t>
+            </a:r>
+            <a:r>
+              <a:rPr lang="zh-CN" altLang="en-US" sz="2000" dirty="0" smtClean="0">
+                <a:solidFill>
+                  <a:srgbClr val="FF0000"/>
+                </a:solidFill>
+                <a:latin typeface="仿宋" panose="02010609060101010101" pitchFamily="49" charset="-122"/>
+                <a:ea typeface="仿宋" panose="02010609060101010101" pitchFamily="49" charset="-122"/>
+              </a:rPr>
+              <a:t>程序的</a:t>
+            </a:r>
+            <a:r>
+              <a:rPr lang="en-US" altLang="zh-CN" sz="2000" dirty="0" smtClean="0">
+                <a:solidFill>
+                  <a:srgbClr val="FF0000"/>
+                </a:solidFill>
+                <a:latin typeface="仿宋" panose="02010609060101010101" pitchFamily="49" charset="-122"/>
+                <a:ea typeface="仿宋" panose="02010609060101010101" pitchFamily="49" charset="-122"/>
+              </a:rPr>
+              <a:t>Mock</a:t>
+            </a:r>
+            <a:r>
+              <a:rPr lang="zh-CN" altLang="en-US" sz="2000" dirty="0" smtClean="0">
+                <a:solidFill>
+                  <a:srgbClr val="FF0000"/>
+                </a:solidFill>
+                <a:latin typeface="仿宋" panose="02010609060101010101" pitchFamily="49" charset="-122"/>
+                <a:ea typeface="仿宋" panose="02010609060101010101" pitchFamily="49" charset="-122"/>
+              </a:rPr>
+              <a:t>，与</a:t>
+            </a:r>
+            <a:r>
+              <a:rPr lang="en-US" altLang="zh-CN" sz="2000" dirty="0" smtClean="0">
+                <a:solidFill>
+                  <a:srgbClr val="FF0000"/>
+                </a:solidFill>
+                <a:latin typeface="仿宋" panose="02010609060101010101" pitchFamily="49" charset="-122"/>
+                <a:ea typeface="仿宋" panose="02010609060101010101" pitchFamily="49" charset="-122"/>
+              </a:rPr>
+              <a:t>Mock Spring Bean</a:t>
+            </a:r>
+            <a:r>
+              <a:rPr lang="zh-CN" altLang="en-US" sz="2000" dirty="0" smtClean="0">
+                <a:solidFill>
+                  <a:srgbClr val="FF0000"/>
+                </a:solidFill>
+                <a:latin typeface="仿宋" panose="02010609060101010101" pitchFamily="49" charset="-122"/>
+                <a:ea typeface="仿宋" panose="02010609060101010101" pitchFamily="49" charset="-122"/>
+              </a:rPr>
+              <a:t>的方式一致。</a:t>
             </a:r>
             <a:endParaRPr lang="en-US" altLang="zh-CN" sz="2000" dirty="0" smtClean="0">
               <a:solidFill>
-                <a:schemeClr val="bg1">
-                  <a:lumMod val="50000"/>
-                </a:schemeClr>
+                <a:srgbClr val="FF0000"/>
               </a:solidFill>
-            </a:endParaRPr>
-          </a:p>
-          <a:p>
-            <a:endParaRPr lang="en-US" altLang="zh-CN" sz="2000" dirty="0">
-              <a:solidFill>
-                <a:schemeClr val="bg1">
-                  <a:lumMod val="50000"/>
-                </a:schemeClr>
-              </a:solidFill>
-            </a:endParaRPr>
-          </a:p>
-          <a:p>
-            <a:r>
-              <a:rPr lang="zh-CN" altLang="en-US" sz="2000" dirty="0" smtClean="0"/>
-              <a:t>注：在</a:t>
-            </a:r>
-            <a:r>
-              <a:rPr lang="en-US" altLang="zh-CN" sz="2000" dirty="0"/>
-              <a:t>Mock</a:t>
-            </a:r>
-            <a:r>
-              <a:rPr lang="zh-CN" altLang="en-US" sz="2000" dirty="0"/>
-              <a:t>接口时，</a:t>
-            </a:r>
-            <a:r>
-              <a:rPr lang="zh-CN" altLang="en-US" sz="2000" dirty="0" smtClean="0"/>
-              <a:t>使用</a:t>
-            </a:r>
-            <a:r>
-              <a:rPr lang="en-US" altLang="zh-CN" sz="2000" dirty="0" smtClean="0"/>
-              <a:t>@Test</a:t>
-            </a:r>
-            <a:r>
-              <a:rPr lang="zh-CN" altLang="en-US" sz="2000" dirty="0" smtClean="0"/>
-              <a:t>和</a:t>
-            </a:r>
-            <a:r>
-              <a:rPr lang="en-US" altLang="zh-CN" sz="2000" dirty="0" smtClean="0"/>
-              <a:t>@Injectable</a:t>
-            </a:r>
-            <a:r>
-              <a:rPr lang="zh-CN" altLang="en-US" sz="2000" dirty="0"/>
-              <a:t>注解</a:t>
-            </a:r>
-            <a:r>
-              <a:rPr lang="en-US" altLang="zh-CN" sz="2000" dirty="0"/>
-              <a:t>API</a:t>
-            </a:r>
-            <a:r>
-              <a:rPr lang="zh-CN" altLang="en-US" sz="2000" dirty="0"/>
-              <a:t>，比使用</a:t>
-            </a:r>
-            <a:r>
-              <a:rPr lang="en-US" altLang="zh-CN" sz="2000" dirty="0" err="1"/>
-              <a:t>MockUp</a:t>
-            </a:r>
-            <a:r>
-              <a:rPr lang="zh-CN" altLang="en-US" sz="2000" dirty="0"/>
-              <a:t>更方便</a:t>
-            </a:r>
-            <a:r>
-              <a:rPr lang="zh-CN" altLang="en-US" sz="2000" dirty="0" smtClean="0"/>
-              <a:t>。因为其可以充分</a:t>
-            </a:r>
-            <a:r>
-              <a:rPr lang="zh-CN" altLang="en-US" sz="2000" dirty="0"/>
-              <a:t>利用</a:t>
-            </a:r>
-            <a:r>
-              <a:rPr lang="en-US" altLang="zh-CN" sz="2000" dirty="0" err="1"/>
-              <a:t>JMockit</a:t>
-            </a:r>
-            <a:r>
-              <a:rPr lang="zh-CN" altLang="en-US" sz="2000" dirty="0"/>
-              <a:t>的依赖注入功能。</a:t>
-            </a:r>
-            <a:endParaRPr lang="zh-CN" altLang="en-US" sz="2000" dirty="0">
+              <a:latin typeface="仿宋" panose="02010609060101010101" pitchFamily="49" charset="-122"/>
+              <a:ea typeface="仿宋" panose="02010609060101010101" pitchFamily="49" charset="-122"/>
+            </a:endParaRPr>
+          </a:p>
+          <a:p>
+            <a:pPr marL="0" indent="0">
+              <a:buNone/>
+            </a:pPr>
+            <a:r>
+              <a:rPr lang="en-US" altLang="zh-CN" sz="2100" dirty="0">
+                <a:solidFill>
+                  <a:schemeClr val="bg1">
+                    <a:lumMod val="50000"/>
+                  </a:schemeClr>
+                </a:solidFill>
+              </a:rPr>
+              <a:t>demo</a:t>
+            </a:r>
+            <a:r>
+              <a:rPr lang="zh-CN" altLang="en-US" sz="2100" dirty="0">
+                <a:solidFill>
+                  <a:schemeClr val="bg1">
+                    <a:lumMod val="50000"/>
+                  </a:schemeClr>
+                </a:solidFill>
+              </a:rPr>
+              <a:t>见 </a:t>
+            </a:r>
+            <a:r>
+              <a:rPr lang="en-US" altLang="zh-CN" sz="2100" dirty="0" smtClean="0">
+                <a:solidFill>
+                  <a:schemeClr val="bg1">
+                    <a:lumMod val="50000"/>
+                  </a:schemeClr>
+                </a:solidFill>
+              </a:rPr>
+              <a:t>unit-test-demo-</a:t>
+            </a:r>
+            <a:r>
+              <a:rPr lang="en-US" altLang="zh-CN" sz="2100" dirty="0" err="1" smtClean="0">
+                <a:solidFill>
+                  <a:schemeClr val="bg1">
+                    <a:lumMod val="50000"/>
+                  </a:schemeClr>
+                </a:solidFill>
+              </a:rPr>
+              <a:t>springboot</a:t>
+            </a:r>
+            <a:r>
+              <a:rPr lang="zh-CN" altLang="en-US" sz="2100" dirty="0" smtClean="0">
+                <a:solidFill>
+                  <a:schemeClr val="bg1">
+                    <a:lumMod val="50000"/>
+                  </a:schemeClr>
+                </a:solidFill>
+              </a:rPr>
+              <a:t>应用</a:t>
+            </a:r>
+            <a:endParaRPr lang="en-US" altLang="zh-CN" sz="2100" dirty="0">
               <a:solidFill>
                 <a:schemeClr val="bg1">
                   <a:lumMod val="50000"/>
@@ -6936,529 +7132,6 @@
 </file>
 
 <file path=ppt/slides/slide15.xml><?xml version="1.0" encoding="utf-8"?>
-<p:sld xmlns:a="http://schemas.openxmlformats.org/drawingml/2006/main" xmlns:r="http://schemas.openxmlformats.org/officeDocument/2006/relationships" xmlns:p="http://schemas.openxmlformats.org/presentationml/2006/main">
-  <p:cSld>
-    <p:spTree>
-      <p:nvGrpSpPr>
-        <p:cNvPr id="1" name=""/>
-        <p:cNvGrpSpPr/>
-        <p:nvPr/>
-      </p:nvGrpSpPr>
-      <p:grpSpPr>
-        <a:xfrm>
-          <a:off x="0" y="0"/>
-          <a:ext cx="0" cy="0"/>
-          <a:chOff x="0" y="0"/>
-          <a:chExt cx="0" cy="0"/>
-        </a:xfrm>
-      </p:grpSpPr>
-      <p:sp>
-        <p:nvSpPr>
-          <p:cNvPr id="2" name="标题 1"/>
-          <p:cNvSpPr>
-            <a:spLocks noGrp="1"/>
-          </p:cNvSpPr>
-          <p:nvPr>
-            <p:ph type="title"/>
-          </p:nvPr>
-        </p:nvSpPr>
-        <p:spPr/>
-        <p:txBody>
-          <a:bodyPr/>
-          <a:lstStyle/>
-          <a:p>
-            <a:r>
-              <a:rPr lang="zh-CN" altLang="en-US" dirty="0" smtClean="0">
-                <a:latin typeface="仿宋" panose="02010609060101010101" pitchFamily="49" charset="-122"/>
-                <a:ea typeface="仿宋" panose="02010609060101010101" pitchFamily="49" charset="-122"/>
-              </a:rPr>
-              <a:t>案例四：</a:t>
-            </a:r>
-            <a:r>
-              <a:rPr lang="en-US" altLang="zh-CN" dirty="0" smtClean="0">
-                <a:latin typeface="仿宋" panose="02010609060101010101" pitchFamily="49" charset="-122"/>
-                <a:ea typeface="仿宋" panose="02010609060101010101" pitchFamily="49" charset="-122"/>
-              </a:rPr>
-              <a:t>Mock Spring Bean</a:t>
-            </a:r>
-            <a:endParaRPr lang="zh-CN" altLang="en-US" dirty="0">
-              <a:latin typeface="仿宋" panose="02010609060101010101" pitchFamily="49" charset="-122"/>
-              <a:ea typeface="仿宋" panose="02010609060101010101" pitchFamily="49" charset="-122"/>
-            </a:endParaRPr>
-          </a:p>
-        </p:txBody>
-      </p:sp>
-      <p:sp>
-        <p:nvSpPr>
-          <p:cNvPr id="3" name="内容占位符 2"/>
-          <p:cNvSpPr>
-            <a:spLocks noGrp="1"/>
-          </p:cNvSpPr>
-          <p:nvPr>
-            <p:ph idx="1"/>
-          </p:nvPr>
-        </p:nvSpPr>
-        <p:spPr/>
-        <p:txBody>
-          <a:bodyPr vert="horz" lIns="91440" tIns="45720" rIns="91440" bIns="45720" rtlCol="0">
-            <a:normAutofit fontScale="92500" lnSpcReduction="10000"/>
-          </a:bodyPr>
-          <a:lstStyle/>
-          <a:p>
-            <a:r>
-              <a:rPr lang="zh-CN" altLang="en-US" sz="2000" dirty="0">
-                <a:latin typeface="仿宋" panose="02010609060101010101" pitchFamily="49" charset="-122"/>
-                <a:ea typeface="仿宋" panose="02010609060101010101" pitchFamily="49" charset="-122"/>
-              </a:rPr>
-              <a:t>方式一：</a:t>
-            </a:r>
-            <a:endParaRPr lang="en-US" altLang="zh-CN" sz="2000" dirty="0">
-              <a:latin typeface="仿宋" panose="02010609060101010101" pitchFamily="49" charset="-122"/>
-              <a:ea typeface="仿宋" panose="02010609060101010101" pitchFamily="49" charset="-122"/>
-            </a:endParaRPr>
-          </a:p>
-          <a:p>
-            <a:r>
-              <a:rPr lang="zh-CN" altLang="en-US" sz="2000" dirty="0"/>
-              <a:t>用</a:t>
-            </a:r>
-            <a:r>
-              <a:rPr lang="en-US" altLang="zh-CN" sz="2000" dirty="0"/>
-              <a:t>Expectations</a:t>
-            </a:r>
-            <a:r>
-              <a:rPr lang="zh-CN" altLang="en-US" sz="2000" dirty="0"/>
-              <a:t>来</a:t>
-            </a:r>
-            <a:r>
-              <a:rPr lang="en-US" altLang="zh-CN" sz="2000" dirty="0" smtClean="0"/>
-              <a:t>mock</a:t>
-            </a:r>
-            <a:endParaRPr lang="en-US" altLang="zh-CN" sz="2000" dirty="0"/>
-          </a:p>
-          <a:p>
-            <a:r>
-              <a:rPr lang="en-US" altLang="zh-CN" sz="2000" dirty="0">
-                <a:solidFill>
-                  <a:schemeClr val="bg1">
-                    <a:lumMod val="50000"/>
-                  </a:schemeClr>
-                </a:solidFill>
-              </a:rPr>
-              <a:t>demo</a:t>
-            </a:r>
-            <a:r>
-              <a:rPr lang="zh-CN" altLang="en-US" sz="2000" dirty="0" smtClean="0">
-                <a:solidFill>
-                  <a:schemeClr val="bg1">
-                    <a:lumMod val="50000"/>
-                  </a:schemeClr>
-                </a:solidFill>
-              </a:rPr>
-              <a:t>见 </a:t>
-            </a:r>
-            <a:r>
-              <a:rPr lang="en-US" altLang="zh-CN" sz="2000" dirty="0" err="1" smtClean="0">
-                <a:solidFill>
-                  <a:schemeClr val="bg1">
-                    <a:lumMod val="50000"/>
-                  </a:schemeClr>
-                </a:solidFill>
-              </a:rPr>
-              <a:t>SpringBeanMockingByExpectationsTest</a:t>
-            </a:r>
-            <a:endParaRPr lang="en-US" altLang="zh-CN" sz="2000" dirty="0">
-              <a:solidFill>
-                <a:schemeClr val="bg1">
-                  <a:lumMod val="50000"/>
-                </a:schemeClr>
-              </a:solidFill>
-            </a:endParaRPr>
-          </a:p>
-          <a:p>
-            <a:endParaRPr lang="en-US" altLang="zh-CN" sz="2000" dirty="0">
-              <a:solidFill>
-                <a:schemeClr val="bg1">
-                  <a:lumMod val="50000"/>
-                </a:schemeClr>
-              </a:solidFill>
-              <a:latin typeface="仿宋" panose="02010609060101010101" pitchFamily="49" charset="-122"/>
-              <a:ea typeface="仿宋" panose="02010609060101010101" pitchFamily="49" charset="-122"/>
-            </a:endParaRPr>
-          </a:p>
-          <a:p>
-            <a:r>
-              <a:rPr lang="zh-CN" altLang="en-US" sz="2000" dirty="0">
-                <a:latin typeface="仿宋" panose="02010609060101010101" pitchFamily="49" charset="-122"/>
-                <a:ea typeface="仿宋" panose="02010609060101010101" pitchFamily="49" charset="-122"/>
-              </a:rPr>
-              <a:t>方式二：</a:t>
-            </a:r>
-            <a:endParaRPr lang="en-US" altLang="zh-CN" sz="2000" dirty="0">
-              <a:latin typeface="仿宋" panose="02010609060101010101" pitchFamily="49" charset="-122"/>
-              <a:ea typeface="仿宋" panose="02010609060101010101" pitchFamily="49" charset="-122"/>
-            </a:endParaRPr>
-          </a:p>
-          <a:p>
-            <a:r>
-              <a:rPr lang="zh-CN" altLang="en-US" sz="2000" dirty="0"/>
-              <a:t>用</a:t>
-            </a:r>
-            <a:r>
-              <a:rPr lang="en-US" altLang="zh-CN" sz="2000" dirty="0" err="1"/>
-              <a:t>MockUp</a:t>
-            </a:r>
-            <a:r>
-              <a:rPr lang="en-US" altLang="zh-CN" sz="2000" dirty="0"/>
-              <a:t> &amp; @Mock</a:t>
-            </a:r>
-            <a:r>
-              <a:rPr lang="zh-CN" altLang="en-US" sz="2000" dirty="0"/>
-              <a:t>来</a:t>
-            </a:r>
-            <a:r>
-              <a:rPr lang="en-US" altLang="zh-CN" sz="2000" dirty="0" smtClean="0"/>
-              <a:t>mock</a:t>
-            </a:r>
-            <a:endParaRPr lang="en-US" altLang="zh-CN" sz="2000" dirty="0"/>
-          </a:p>
-          <a:p>
-            <a:r>
-              <a:rPr lang="en-US" altLang="zh-CN" sz="2000" dirty="0">
-                <a:solidFill>
-                  <a:schemeClr val="bg1">
-                    <a:lumMod val="50000"/>
-                  </a:schemeClr>
-                </a:solidFill>
-              </a:rPr>
-              <a:t>demo</a:t>
-            </a:r>
-            <a:r>
-              <a:rPr lang="zh-CN" altLang="en-US" sz="2000" dirty="0" smtClean="0">
-                <a:solidFill>
-                  <a:schemeClr val="bg1">
-                    <a:lumMod val="50000"/>
-                  </a:schemeClr>
-                </a:solidFill>
-              </a:rPr>
-              <a:t>见 </a:t>
-            </a:r>
-            <a:r>
-              <a:rPr lang="en-US" altLang="zh-CN" sz="2000" dirty="0" err="1" smtClean="0">
-                <a:solidFill>
-                  <a:schemeClr val="bg1">
-                    <a:lumMod val="50000"/>
-                  </a:schemeClr>
-                </a:solidFill>
-              </a:rPr>
-              <a:t>SpringBeanMockingByMockUpTest</a:t>
-            </a:r>
-            <a:endParaRPr lang="en-US" altLang="zh-CN" sz="2000" dirty="0" smtClean="0">
-              <a:latin typeface="仿宋" panose="02010609060101010101" pitchFamily="49" charset="-122"/>
-              <a:ea typeface="仿宋" panose="02010609060101010101" pitchFamily="49" charset="-122"/>
-            </a:endParaRPr>
-          </a:p>
-          <a:p>
-            <a:pPr marL="0" indent="0">
-              <a:buNone/>
-            </a:pPr>
-            <a:r>
-              <a:rPr lang="zh-CN" altLang="en-US" sz="2000" dirty="0" smtClean="0">
-                <a:latin typeface="仿宋" panose="02010609060101010101" pitchFamily="49" charset="-122"/>
-                <a:ea typeface="仿宋" panose="02010609060101010101" pitchFamily="49" charset="-122"/>
-              </a:rPr>
-              <a:t>注：</a:t>
-            </a:r>
-            <a:endParaRPr lang="en-US" altLang="zh-CN" sz="2000" dirty="0" smtClean="0">
-              <a:latin typeface="仿宋" panose="02010609060101010101" pitchFamily="49" charset="-122"/>
-              <a:ea typeface="仿宋" panose="02010609060101010101" pitchFamily="49" charset="-122"/>
-            </a:endParaRPr>
-          </a:p>
-          <a:p>
-            <a:pPr marL="0" indent="0">
-              <a:buNone/>
-            </a:pPr>
-            <a:r>
-              <a:rPr lang="zh-CN" altLang="en-US" sz="2000" dirty="0" smtClean="0">
-                <a:latin typeface="仿宋" panose="02010609060101010101" pitchFamily="49" charset="-122"/>
-                <a:ea typeface="仿宋" panose="02010609060101010101" pitchFamily="49" charset="-122"/>
-              </a:rPr>
-              <a:t>方式</a:t>
-            </a:r>
-            <a:r>
-              <a:rPr lang="zh-CN" altLang="en-US" sz="2000" dirty="0">
-                <a:latin typeface="仿宋" panose="02010609060101010101" pitchFamily="49" charset="-122"/>
-                <a:ea typeface="仿宋" panose="02010609060101010101" pitchFamily="49" charset="-122"/>
-              </a:rPr>
-              <a:t>二对接口进行</a:t>
-            </a:r>
-            <a:r>
-              <a:rPr lang="en-US" altLang="zh-CN" sz="2000" dirty="0">
-                <a:latin typeface="仿宋" panose="02010609060101010101" pitchFamily="49" charset="-122"/>
-                <a:ea typeface="仿宋" panose="02010609060101010101" pitchFamily="49" charset="-122"/>
-              </a:rPr>
-              <a:t>mock</a:t>
-            </a:r>
-            <a:r>
-              <a:rPr lang="zh-CN" altLang="en-US" sz="2000" dirty="0">
-                <a:latin typeface="仿宋" panose="02010609060101010101" pitchFamily="49" charset="-122"/>
-                <a:ea typeface="仿宋" panose="02010609060101010101" pitchFamily="49" charset="-122"/>
-              </a:rPr>
-              <a:t>时，需要采用</a:t>
-            </a:r>
-            <a:r>
-              <a:rPr lang="en-US" altLang="zh-CN" sz="2000" dirty="0" err="1">
-                <a:latin typeface="仿宋" panose="02010609060101010101" pitchFamily="49" charset="-122"/>
-                <a:ea typeface="仿宋" panose="02010609060101010101" pitchFamily="49" charset="-122"/>
-              </a:rPr>
-              <a:t>MockUp</a:t>
-            </a:r>
-            <a:r>
-              <a:rPr lang="zh-CN" altLang="en-US" sz="2000" dirty="0">
-                <a:latin typeface="仿宋" panose="02010609060101010101" pitchFamily="49" charset="-122"/>
-                <a:ea typeface="仿宋" panose="02010609060101010101" pitchFamily="49" charset="-122"/>
-              </a:rPr>
-              <a:t>泛型的方式来实现。</a:t>
-            </a:r>
-            <a:endParaRPr lang="zh-CN" altLang="en-US" sz="2000" dirty="0">
-              <a:latin typeface="仿宋" panose="02010609060101010101" pitchFamily="49" charset="-122"/>
-              <a:ea typeface="仿宋" panose="02010609060101010101" pitchFamily="49" charset="-122"/>
-            </a:endParaRPr>
-          </a:p>
-          <a:p>
-            <a:pPr marL="0" indent="0">
-              <a:buNone/>
-            </a:pPr>
-            <a:r>
-              <a:rPr lang="zh-CN" altLang="en-US" sz="2000" dirty="0" smtClean="0">
-                <a:latin typeface="仿宋" panose="02010609060101010101" pitchFamily="49" charset="-122"/>
-                <a:ea typeface="仿宋" panose="02010609060101010101" pitchFamily="49" charset="-122"/>
-              </a:rPr>
-              <a:t>方式二对</a:t>
-            </a:r>
-            <a:r>
-              <a:rPr lang="en-US" altLang="zh-CN" sz="2000" dirty="0" smtClean="0">
-                <a:latin typeface="仿宋" panose="02010609060101010101" pitchFamily="49" charset="-122"/>
-                <a:ea typeface="仿宋" panose="02010609060101010101" pitchFamily="49" charset="-122"/>
-              </a:rPr>
-              <a:t>bean</a:t>
-            </a:r>
-            <a:r>
-              <a:rPr lang="zh-CN" altLang="en-US" sz="2000" dirty="0" smtClean="0">
-                <a:latin typeface="仿宋" panose="02010609060101010101" pitchFamily="49" charset="-122"/>
-                <a:ea typeface="仿宋" panose="02010609060101010101" pitchFamily="49" charset="-122"/>
-              </a:rPr>
-              <a:t>进行</a:t>
-            </a:r>
-            <a:r>
-              <a:rPr lang="en-US" altLang="zh-CN" sz="2000" dirty="0" smtClean="0">
-                <a:latin typeface="仿宋" panose="02010609060101010101" pitchFamily="49" charset="-122"/>
-                <a:ea typeface="仿宋" panose="02010609060101010101" pitchFamily="49" charset="-122"/>
-              </a:rPr>
-              <a:t>mock</a:t>
-            </a:r>
-            <a:r>
-              <a:rPr lang="zh-CN" altLang="en-US" sz="2000" dirty="0" smtClean="0">
-                <a:latin typeface="仿宋" panose="02010609060101010101" pitchFamily="49" charset="-122"/>
-                <a:ea typeface="仿宋" panose="02010609060101010101" pitchFamily="49" charset="-122"/>
-              </a:rPr>
-              <a:t>时，需要</a:t>
-            </a:r>
-            <a:r>
-              <a:rPr lang="en-US" altLang="zh-CN" sz="2000" dirty="0">
-                <a:latin typeface="仿宋" panose="02010609060101010101" pitchFamily="49" charset="-122"/>
-                <a:ea typeface="仿宋" panose="02010609060101010101" pitchFamily="49" charset="-122"/>
-              </a:rPr>
-              <a:t>mock</a:t>
-            </a:r>
-            <a:r>
-              <a:rPr lang="zh-CN" altLang="en-US" sz="2000" dirty="0" smtClean="0">
-                <a:latin typeface="仿宋" panose="02010609060101010101" pitchFamily="49" charset="-122"/>
-                <a:ea typeface="仿宋" panose="02010609060101010101" pitchFamily="49" charset="-122"/>
-              </a:rPr>
-              <a:t>接口实现类，直接对接口进行</a:t>
-            </a:r>
-            <a:r>
-              <a:rPr lang="en-US" altLang="zh-CN" sz="2000" dirty="0" smtClean="0">
-                <a:latin typeface="仿宋" panose="02010609060101010101" pitchFamily="49" charset="-122"/>
-                <a:ea typeface="仿宋" panose="02010609060101010101" pitchFamily="49" charset="-122"/>
-              </a:rPr>
-              <a:t>mock</a:t>
-            </a:r>
-            <a:r>
-              <a:rPr lang="zh-CN" altLang="en-US" sz="2000" dirty="0" smtClean="0">
-                <a:latin typeface="仿宋" panose="02010609060101010101" pitchFamily="49" charset="-122"/>
-                <a:ea typeface="仿宋" panose="02010609060101010101" pitchFamily="49" charset="-122"/>
-              </a:rPr>
-              <a:t>会不起作用。</a:t>
-            </a:r>
-            <a:endParaRPr lang="en-US" altLang="zh-CN" sz="2000" dirty="0" smtClean="0">
-              <a:latin typeface="仿宋" panose="02010609060101010101" pitchFamily="49" charset="-122"/>
-              <a:ea typeface="仿宋" panose="02010609060101010101" pitchFamily="49" charset="-122"/>
-            </a:endParaRPr>
-          </a:p>
-          <a:p>
-            <a:pPr marL="0" indent="0">
-              <a:buNone/>
-            </a:pPr>
-            <a:r>
-              <a:rPr lang="zh-CN" altLang="en-US" sz="2000" dirty="0" smtClean="0">
-                <a:solidFill>
-                  <a:srgbClr val="FF0000"/>
-                </a:solidFill>
-                <a:latin typeface="仿宋" panose="02010609060101010101" pitchFamily="49" charset="-122"/>
-                <a:ea typeface="仿宋" panose="02010609060101010101" pitchFamily="49" charset="-122"/>
-              </a:rPr>
-              <a:t>另外，对于</a:t>
-            </a:r>
-            <a:r>
-              <a:rPr lang="en-US" altLang="zh-CN" sz="2000" dirty="0" smtClean="0">
-                <a:solidFill>
-                  <a:srgbClr val="FF0000"/>
-                </a:solidFill>
-                <a:latin typeface="仿宋" panose="02010609060101010101" pitchFamily="49" charset="-122"/>
-                <a:ea typeface="仿宋" panose="02010609060101010101" pitchFamily="49" charset="-122"/>
-              </a:rPr>
-              <a:t>Spring Boot</a:t>
-            </a:r>
-            <a:r>
-              <a:rPr lang="zh-CN" altLang="en-US" sz="2000" dirty="0" smtClean="0">
-                <a:solidFill>
-                  <a:srgbClr val="FF0000"/>
-                </a:solidFill>
-                <a:latin typeface="仿宋" panose="02010609060101010101" pitchFamily="49" charset="-122"/>
-                <a:ea typeface="仿宋" panose="02010609060101010101" pitchFamily="49" charset="-122"/>
-              </a:rPr>
-              <a:t>程序的</a:t>
-            </a:r>
-            <a:r>
-              <a:rPr lang="en-US" altLang="zh-CN" sz="2000" dirty="0" smtClean="0">
-                <a:solidFill>
-                  <a:srgbClr val="FF0000"/>
-                </a:solidFill>
-                <a:latin typeface="仿宋" panose="02010609060101010101" pitchFamily="49" charset="-122"/>
-                <a:ea typeface="仿宋" panose="02010609060101010101" pitchFamily="49" charset="-122"/>
-              </a:rPr>
-              <a:t>Mock</a:t>
-            </a:r>
-            <a:r>
-              <a:rPr lang="zh-CN" altLang="en-US" sz="2000" dirty="0" smtClean="0">
-                <a:solidFill>
-                  <a:srgbClr val="FF0000"/>
-                </a:solidFill>
-                <a:latin typeface="仿宋" panose="02010609060101010101" pitchFamily="49" charset="-122"/>
-                <a:ea typeface="仿宋" panose="02010609060101010101" pitchFamily="49" charset="-122"/>
-              </a:rPr>
-              <a:t>，与</a:t>
-            </a:r>
-            <a:r>
-              <a:rPr lang="en-US" altLang="zh-CN" sz="2000" dirty="0" smtClean="0">
-                <a:solidFill>
-                  <a:srgbClr val="FF0000"/>
-                </a:solidFill>
-                <a:latin typeface="仿宋" panose="02010609060101010101" pitchFamily="49" charset="-122"/>
-                <a:ea typeface="仿宋" panose="02010609060101010101" pitchFamily="49" charset="-122"/>
-              </a:rPr>
-              <a:t>Mock Spring Bean</a:t>
-            </a:r>
-            <a:r>
-              <a:rPr lang="zh-CN" altLang="en-US" sz="2000" dirty="0" smtClean="0">
-                <a:solidFill>
-                  <a:srgbClr val="FF0000"/>
-                </a:solidFill>
-                <a:latin typeface="仿宋" panose="02010609060101010101" pitchFamily="49" charset="-122"/>
-                <a:ea typeface="仿宋" panose="02010609060101010101" pitchFamily="49" charset="-122"/>
-              </a:rPr>
-              <a:t>的方式一致。</a:t>
-            </a:r>
-            <a:endParaRPr lang="en-US" altLang="zh-CN" sz="2000" dirty="0" smtClean="0">
-              <a:solidFill>
-                <a:srgbClr val="FF0000"/>
-              </a:solidFill>
-              <a:latin typeface="仿宋" panose="02010609060101010101" pitchFamily="49" charset="-122"/>
-              <a:ea typeface="仿宋" panose="02010609060101010101" pitchFamily="49" charset="-122"/>
-            </a:endParaRPr>
-          </a:p>
-          <a:p>
-            <a:pPr marL="0" indent="0">
-              <a:buNone/>
-            </a:pPr>
-            <a:r>
-              <a:rPr lang="en-US" altLang="zh-CN" sz="2100" dirty="0">
-                <a:solidFill>
-                  <a:schemeClr val="bg1">
-                    <a:lumMod val="50000"/>
-                  </a:schemeClr>
-                </a:solidFill>
-              </a:rPr>
-              <a:t>demo</a:t>
-            </a:r>
-            <a:r>
-              <a:rPr lang="zh-CN" altLang="en-US" sz="2100" dirty="0">
-                <a:solidFill>
-                  <a:schemeClr val="bg1">
-                    <a:lumMod val="50000"/>
-                  </a:schemeClr>
-                </a:solidFill>
-              </a:rPr>
-              <a:t>见 </a:t>
-            </a:r>
-            <a:r>
-              <a:rPr lang="en-US" altLang="zh-CN" sz="2100" dirty="0" smtClean="0">
-                <a:solidFill>
-                  <a:schemeClr val="bg1">
-                    <a:lumMod val="50000"/>
-                  </a:schemeClr>
-                </a:solidFill>
-              </a:rPr>
-              <a:t>unit-test-demo-</a:t>
-            </a:r>
-            <a:r>
-              <a:rPr lang="en-US" altLang="zh-CN" sz="2100" dirty="0" err="1" smtClean="0">
-                <a:solidFill>
-                  <a:schemeClr val="bg1">
-                    <a:lumMod val="50000"/>
-                  </a:schemeClr>
-                </a:solidFill>
-              </a:rPr>
-              <a:t>springboot</a:t>
-            </a:r>
-            <a:r>
-              <a:rPr lang="zh-CN" altLang="en-US" sz="2100" dirty="0" smtClean="0">
-                <a:solidFill>
-                  <a:schemeClr val="bg1">
-                    <a:lumMod val="50000"/>
-                  </a:schemeClr>
-                </a:solidFill>
-              </a:rPr>
-              <a:t>应用</a:t>
-            </a:r>
-            <a:endParaRPr lang="en-US" altLang="zh-CN" sz="2100" dirty="0">
-              <a:solidFill>
-                <a:schemeClr val="bg1">
-                  <a:lumMod val="50000"/>
-                </a:schemeClr>
-              </a:solidFill>
-            </a:endParaRPr>
-          </a:p>
-        </p:txBody>
-      </p:sp>
-    </p:spTree>
-  </p:cSld>
-  <p:clrMapOvr>
-    <a:masterClrMapping/>
-  </p:clrMapOvr>
-  <p:timing>
-    <p:tnLst>
-      <p:par>
-        <p:cTn id="1" dur="indefinite" restart="never" nodeType="tmRoot"/>
-      </p:par>
-    </p:tnLst>
-  </p:timing>
-</p:sld>
-</file>
-
-<file path=ppt/slides/slide16.xml><?xml version="1.0" encoding="utf-8"?>
 <p:sld xmlns:a="http://schemas.openxmlformats.org/drawingml/2006/main" xmlns:r="http://schemas.openxmlformats.org/officeDocument/2006/relationships" xmlns:p="http://schemas.openxmlformats.org/presentationml/2006/main">
   <p:cSld>
     <p:spTree>
@@ -7713,6 +7386,622 @@
 </p:sld>
 </file>
 
+<file path=ppt/slides/slide16.xml><?xml version="1.0" encoding="utf-8"?>
+<p:sld xmlns:a="http://schemas.openxmlformats.org/drawingml/2006/main" xmlns:r="http://schemas.openxmlformats.org/officeDocument/2006/relationships" xmlns:p="http://schemas.openxmlformats.org/presentationml/2006/main">
+  <p:cSld>
+    <p:spTree>
+      <p:nvGrpSpPr>
+        <p:cNvPr id="1" name=""/>
+        <p:cNvGrpSpPr/>
+        <p:nvPr/>
+      </p:nvGrpSpPr>
+      <p:grpSpPr>
+        <a:xfrm>
+          <a:off x="0" y="0"/>
+          <a:ext cx="0" cy="0"/>
+          <a:chOff x="0" y="0"/>
+          <a:chExt cx="0" cy="0"/>
+        </a:xfrm>
+      </p:grpSpPr>
+      <p:sp>
+        <p:nvSpPr>
+          <p:cNvPr id="2" name="标题 1"/>
+          <p:cNvSpPr>
+            <a:spLocks noGrp="1"/>
+          </p:cNvSpPr>
+          <p:nvPr>
+            <p:ph type="title"/>
+          </p:nvPr>
+        </p:nvSpPr>
+        <p:spPr/>
+        <p:txBody>
+          <a:bodyPr/>
+          <a:lstStyle/>
+          <a:p>
+            <a:r>
+              <a:rPr lang="zh-CN" altLang="en-US" dirty="0" smtClean="0">
+                <a:latin typeface="仿宋" panose="02010609060101010101" pitchFamily="49" charset="-122"/>
+                <a:ea typeface="仿宋" panose="02010609060101010101" pitchFamily="49" charset="-122"/>
+              </a:rPr>
+              <a:t>案例六：</a:t>
+            </a:r>
+            <a:r>
+              <a:rPr lang="en-US" altLang="zh-CN" dirty="0">
+                <a:latin typeface="仿宋" panose="02010609060101010101" pitchFamily="49" charset="-122"/>
+                <a:ea typeface="仿宋" panose="02010609060101010101" pitchFamily="49" charset="-122"/>
+              </a:rPr>
+              <a:t>Mock </a:t>
+            </a:r>
+            <a:r>
+              <a:rPr lang="en-US" altLang="zh-CN" dirty="0" err="1">
+                <a:latin typeface="仿宋" panose="02010609060101010101" pitchFamily="49" charset="-122"/>
+                <a:ea typeface="仿宋" panose="02010609060101010101" pitchFamily="49" charset="-122"/>
+              </a:rPr>
+              <a:t>Dubbo</a:t>
+            </a:r>
+            <a:r>
+              <a:rPr lang="zh-CN" altLang="en-US" dirty="0">
+                <a:latin typeface="仿宋" panose="02010609060101010101" pitchFamily="49" charset="-122"/>
+                <a:ea typeface="仿宋" panose="02010609060101010101" pitchFamily="49" charset="-122"/>
+              </a:rPr>
+              <a:t>消费</a:t>
+            </a:r>
+            <a:r>
+              <a:rPr lang="en-US" altLang="zh-CN" dirty="0">
+                <a:latin typeface="仿宋" panose="02010609060101010101" pitchFamily="49" charset="-122"/>
+                <a:ea typeface="仿宋" panose="02010609060101010101" pitchFamily="49" charset="-122"/>
+              </a:rPr>
+              <a:t>Bean</a:t>
+            </a:r>
+            <a:endParaRPr lang="zh-CN" altLang="en-US" dirty="0">
+              <a:latin typeface="仿宋" panose="02010609060101010101" pitchFamily="49" charset="-122"/>
+              <a:ea typeface="仿宋" panose="02010609060101010101" pitchFamily="49" charset="-122"/>
+            </a:endParaRPr>
+          </a:p>
+        </p:txBody>
+      </p:sp>
+      <p:sp>
+        <p:nvSpPr>
+          <p:cNvPr id="3" name="内容占位符 2"/>
+          <p:cNvSpPr>
+            <a:spLocks noGrp="1"/>
+          </p:cNvSpPr>
+          <p:nvPr>
+            <p:ph idx="1"/>
+          </p:nvPr>
+        </p:nvSpPr>
+        <p:spPr/>
+        <p:txBody>
+          <a:bodyPr vert="horz" lIns="91440" tIns="45720" rIns="91440" bIns="45720" rtlCol="0">
+            <a:normAutofit/>
+          </a:bodyPr>
+          <a:lstStyle/>
+          <a:p>
+            <a:r>
+              <a:rPr lang="zh-CN" altLang="en-US" sz="2000" b="1" dirty="0" smtClean="0">
+                <a:latin typeface="仿宋" panose="02010609060101010101" pitchFamily="49" charset="-122"/>
+                <a:ea typeface="仿宋" panose="02010609060101010101" pitchFamily="49" charset="-122"/>
+              </a:rPr>
+              <a:t>方案</a:t>
+            </a:r>
+            <a:endParaRPr lang="en-US" altLang="zh-CN" sz="2000" b="1" dirty="0" smtClean="0">
+              <a:latin typeface="仿宋" panose="02010609060101010101" pitchFamily="49" charset="-122"/>
+              <a:ea typeface="仿宋" panose="02010609060101010101" pitchFamily="49" charset="-122"/>
+            </a:endParaRPr>
+          </a:p>
+          <a:p>
+            <a:r>
+              <a:rPr lang="en-US" altLang="zh-CN" sz="2000" dirty="0" smtClean="0">
+                <a:latin typeface="仿宋" panose="02010609060101010101" pitchFamily="49" charset="-122"/>
+                <a:ea typeface="仿宋" panose="02010609060101010101" pitchFamily="49" charset="-122"/>
+              </a:rPr>
+              <a:t>1</a:t>
+            </a:r>
+            <a:r>
+              <a:rPr lang="zh-CN" altLang="en-US" sz="2000" dirty="0" smtClean="0">
+                <a:latin typeface="仿宋" panose="02010609060101010101" pitchFamily="49" charset="-122"/>
+                <a:ea typeface="仿宋" panose="02010609060101010101" pitchFamily="49" charset="-122"/>
+              </a:rPr>
+              <a:t>、在</a:t>
+            </a:r>
+            <a:r>
+              <a:rPr lang="en-US" altLang="zh-CN" sz="2000" dirty="0">
+                <a:latin typeface="仿宋" panose="02010609060101010101" pitchFamily="49" charset="-122"/>
+                <a:ea typeface="仿宋" panose="02010609060101010101" pitchFamily="49" charset="-122"/>
+              </a:rPr>
+              <a:t>spring</a:t>
+            </a:r>
+            <a:r>
+              <a:rPr lang="zh-CN" altLang="en-US" sz="2000" dirty="0">
+                <a:latin typeface="仿宋" panose="02010609060101010101" pitchFamily="49" charset="-122"/>
+                <a:ea typeface="仿宋" panose="02010609060101010101" pitchFamily="49" charset="-122"/>
+              </a:rPr>
+              <a:t>初始化前，对所有</a:t>
+            </a:r>
+            <a:r>
+              <a:rPr lang="en-US" altLang="zh-CN" sz="2000" dirty="0" err="1">
+                <a:latin typeface="仿宋" panose="02010609060101010101" pitchFamily="49" charset="-122"/>
+                <a:ea typeface="仿宋" panose="02010609060101010101" pitchFamily="49" charset="-122"/>
+              </a:rPr>
+              <a:t>Dubbo</a:t>
+            </a:r>
+            <a:r>
+              <a:rPr lang="zh-CN" altLang="en-US" sz="2000" dirty="0">
+                <a:latin typeface="仿宋" panose="02010609060101010101" pitchFamily="49" charset="-122"/>
+                <a:ea typeface="仿宋" panose="02010609060101010101" pitchFamily="49" charset="-122"/>
+              </a:rPr>
+              <a:t>消费</a:t>
+            </a:r>
+            <a:r>
+              <a:rPr lang="en-US" altLang="zh-CN" sz="2000" dirty="0">
+                <a:latin typeface="仿宋" panose="02010609060101010101" pitchFamily="49" charset="-122"/>
+                <a:ea typeface="仿宋" panose="02010609060101010101" pitchFamily="49" charset="-122"/>
+              </a:rPr>
+              <a:t>Bean</a:t>
+            </a:r>
+            <a:r>
+              <a:rPr lang="zh-CN" altLang="en-US" sz="2000" dirty="0">
+                <a:latin typeface="仿宋" panose="02010609060101010101" pitchFamily="49" charset="-122"/>
+                <a:ea typeface="仿宋" panose="02010609060101010101" pitchFamily="49" charset="-122"/>
+              </a:rPr>
+              <a:t>的进行</a:t>
+            </a:r>
+            <a:r>
+              <a:rPr lang="en-US" altLang="zh-CN" sz="2000" dirty="0">
+                <a:latin typeface="仿宋" panose="02010609060101010101" pitchFamily="49" charset="-122"/>
+                <a:ea typeface="仿宋" panose="02010609060101010101" pitchFamily="49" charset="-122"/>
+              </a:rPr>
+              <a:t>Mock</a:t>
+            </a:r>
+            <a:r>
+              <a:rPr lang="zh-CN" altLang="en-US" sz="2000" dirty="0">
+                <a:latin typeface="仿宋" panose="02010609060101010101" pitchFamily="49" charset="-122"/>
+                <a:ea typeface="仿宋" panose="02010609060101010101" pitchFamily="49" charset="-122"/>
+              </a:rPr>
+              <a:t>，即</a:t>
+            </a:r>
+            <a:r>
+              <a:rPr lang="en-US" altLang="zh-CN" sz="2000" dirty="0">
+                <a:latin typeface="仿宋" panose="02010609060101010101" pitchFamily="49" charset="-122"/>
+                <a:ea typeface="仿宋" panose="02010609060101010101" pitchFamily="49" charset="-122"/>
+              </a:rPr>
+              <a:t>&lt;</a:t>
+            </a:r>
+            <a:r>
+              <a:rPr lang="en-US" altLang="zh-CN" sz="2000" dirty="0" err="1">
+                <a:latin typeface="仿宋" panose="02010609060101010101" pitchFamily="49" charset="-122"/>
+                <a:ea typeface="仿宋" panose="02010609060101010101" pitchFamily="49" charset="-122"/>
+              </a:rPr>
+              <a:t>dubbo</a:t>
+            </a:r>
+            <a:r>
+              <a:rPr lang="en-US" altLang="zh-CN" sz="2000" dirty="0">
+                <a:latin typeface="仿宋" panose="02010609060101010101" pitchFamily="49" charset="-122"/>
+                <a:ea typeface="仿宋" panose="02010609060101010101" pitchFamily="49" charset="-122"/>
+              </a:rPr>
+              <a:t>&gt;</a:t>
+            </a:r>
+            <a:r>
+              <a:rPr lang="zh-CN" altLang="en-US" sz="2000" dirty="0">
+                <a:latin typeface="仿宋" panose="02010609060101010101" pitchFamily="49" charset="-122"/>
+                <a:ea typeface="仿宋" panose="02010609060101010101" pitchFamily="49" charset="-122"/>
+              </a:rPr>
+              <a:t>标签里的</a:t>
+            </a:r>
+            <a:r>
+              <a:rPr lang="en-US" altLang="zh-CN" sz="2000" dirty="0">
+                <a:latin typeface="仿宋" panose="02010609060101010101" pitchFamily="49" charset="-122"/>
+                <a:ea typeface="仿宋" panose="02010609060101010101" pitchFamily="49" charset="-122"/>
+              </a:rPr>
+              <a:t>interface</a:t>
+            </a:r>
+            <a:r>
+              <a:rPr lang="zh-CN" altLang="en-US" sz="2000" dirty="0">
+                <a:latin typeface="仿宋" panose="02010609060101010101" pitchFamily="49" charset="-122"/>
+                <a:ea typeface="仿宋" panose="02010609060101010101" pitchFamily="49" charset="-122"/>
+              </a:rPr>
+              <a:t>都返回本地默认实现。</a:t>
+            </a:r>
+            <a:endParaRPr lang="zh-CN" altLang="en-US" sz="2000" dirty="0">
+              <a:latin typeface="仿宋" panose="02010609060101010101" pitchFamily="49" charset="-122"/>
+              <a:ea typeface="仿宋" panose="02010609060101010101" pitchFamily="49" charset="-122"/>
+            </a:endParaRPr>
+          </a:p>
+          <a:p>
+            <a:r>
+              <a:rPr lang="en-US" altLang="zh-CN" sz="2000" dirty="0" smtClean="0">
+                <a:latin typeface="仿宋" panose="02010609060101010101" pitchFamily="49" charset="-122"/>
+                <a:ea typeface="仿宋" panose="02010609060101010101" pitchFamily="49" charset="-122"/>
+              </a:rPr>
+              <a:t>2</a:t>
+            </a:r>
+            <a:r>
+              <a:rPr lang="zh-CN" altLang="en-US" sz="2000" dirty="0" smtClean="0">
+                <a:latin typeface="仿宋" panose="02010609060101010101" pitchFamily="49" charset="-122"/>
+                <a:ea typeface="仿宋" panose="02010609060101010101" pitchFamily="49" charset="-122"/>
+              </a:rPr>
+              <a:t>、如果</a:t>
+            </a:r>
+            <a:r>
+              <a:rPr lang="zh-CN" altLang="en-US" sz="2000" dirty="0">
+                <a:latin typeface="仿宋" panose="02010609060101010101" pitchFamily="49" charset="-122"/>
+                <a:ea typeface="仿宋" panose="02010609060101010101" pitchFamily="49" charset="-122"/>
+              </a:rPr>
+              <a:t>想对某几个</a:t>
+            </a:r>
+            <a:r>
+              <a:rPr lang="en-US" altLang="zh-CN" sz="2000" dirty="0" err="1">
+                <a:latin typeface="仿宋" panose="02010609060101010101" pitchFamily="49" charset="-122"/>
+                <a:ea typeface="仿宋" panose="02010609060101010101" pitchFamily="49" charset="-122"/>
+              </a:rPr>
+              <a:t>Dubbo</a:t>
+            </a:r>
+            <a:r>
+              <a:rPr lang="zh-CN" altLang="en-US" sz="2000" dirty="0">
+                <a:latin typeface="仿宋" panose="02010609060101010101" pitchFamily="49" charset="-122"/>
+                <a:ea typeface="仿宋" panose="02010609060101010101" pitchFamily="49" charset="-122"/>
+              </a:rPr>
+              <a:t>消费</a:t>
+            </a:r>
+            <a:r>
+              <a:rPr lang="en-US" altLang="zh-CN" sz="2000" dirty="0">
+                <a:latin typeface="仿宋" panose="02010609060101010101" pitchFamily="49" charset="-122"/>
+                <a:ea typeface="仿宋" panose="02010609060101010101" pitchFamily="49" charset="-122"/>
+              </a:rPr>
+              <a:t>Bean</a:t>
+            </a:r>
+            <a:r>
+              <a:rPr lang="zh-CN" altLang="en-US" sz="2000" dirty="0">
+                <a:latin typeface="仿宋" panose="02010609060101010101" pitchFamily="49" charset="-122"/>
+                <a:ea typeface="仿宋" panose="02010609060101010101" pitchFamily="49" charset="-122"/>
+              </a:rPr>
+              <a:t>进行</a:t>
+            </a:r>
+            <a:r>
+              <a:rPr lang="en-US" altLang="zh-CN" sz="2000" dirty="0">
+                <a:latin typeface="仿宋" panose="02010609060101010101" pitchFamily="49" charset="-122"/>
+                <a:ea typeface="仿宋" panose="02010609060101010101" pitchFamily="49" charset="-122"/>
+              </a:rPr>
+              <a:t>Mock</a:t>
+            </a:r>
+            <a:r>
+              <a:rPr lang="zh-CN" altLang="en-US" sz="2000" dirty="0">
+                <a:latin typeface="仿宋" panose="02010609060101010101" pitchFamily="49" charset="-122"/>
+                <a:ea typeface="仿宋" panose="02010609060101010101" pitchFamily="49" charset="-122"/>
+              </a:rPr>
+              <a:t>，则自定义</a:t>
+            </a:r>
+            <a:r>
+              <a:rPr lang="en-US" altLang="zh-CN" sz="2000" dirty="0" err="1">
+                <a:latin typeface="仿宋" panose="02010609060101010101" pitchFamily="49" charset="-122"/>
+                <a:ea typeface="仿宋" panose="02010609060101010101" pitchFamily="49" charset="-122"/>
+              </a:rPr>
+              <a:t>Dubbo</a:t>
+            </a:r>
+            <a:r>
+              <a:rPr lang="zh-CN" altLang="en-US" sz="2000" dirty="0">
+                <a:latin typeface="仿宋" panose="02010609060101010101" pitchFamily="49" charset="-122"/>
+                <a:ea typeface="仿宋" panose="02010609060101010101" pitchFamily="49" charset="-122"/>
+              </a:rPr>
+              <a:t>消费</a:t>
+            </a:r>
+            <a:r>
+              <a:rPr lang="en-US" altLang="zh-CN" sz="2000" dirty="0">
+                <a:latin typeface="仿宋" panose="02010609060101010101" pitchFamily="49" charset="-122"/>
+                <a:ea typeface="仿宋" panose="02010609060101010101" pitchFamily="49" charset="-122"/>
+              </a:rPr>
+              <a:t>Bean</a:t>
+            </a:r>
+            <a:r>
+              <a:rPr lang="zh-CN" altLang="en-US" sz="2000" dirty="0">
+                <a:latin typeface="仿宋" panose="02010609060101010101" pitchFamily="49" charset="-122"/>
+                <a:ea typeface="仿宋" panose="02010609060101010101" pitchFamily="49" charset="-122"/>
+              </a:rPr>
+              <a:t>的实现即可。</a:t>
+            </a:r>
+            <a:endParaRPr lang="zh-CN" altLang="en-US" sz="2000" dirty="0">
+              <a:latin typeface="仿宋" panose="02010609060101010101" pitchFamily="49" charset="-122"/>
+              <a:ea typeface="仿宋" panose="02010609060101010101" pitchFamily="49" charset="-122"/>
+            </a:endParaRPr>
+          </a:p>
+          <a:p>
+            <a:r>
+              <a:rPr lang="en-US" altLang="zh-CN" sz="2000" dirty="0">
+                <a:solidFill>
+                  <a:schemeClr val="bg1">
+                    <a:lumMod val="50000"/>
+                  </a:schemeClr>
+                </a:solidFill>
+                <a:latin typeface="仿宋" panose="02010609060101010101" pitchFamily="49" charset="-122"/>
+                <a:ea typeface="仿宋" panose="02010609060101010101" pitchFamily="49" charset="-122"/>
+              </a:rPr>
+              <a:t>d</a:t>
+            </a:r>
+            <a:r>
+              <a:rPr lang="en-US" altLang="zh-CN" sz="2000" dirty="0" smtClean="0">
+                <a:solidFill>
+                  <a:schemeClr val="bg1">
+                    <a:lumMod val="50000"/>
+                  </a:schemeClr>
+                </a:solidFill>
+                <a:latin typeface="仿宋" panose="02010609060101010101" pitchFamily="49" charset="-122"/>
+                <a:ea typeface="仿宋" panose="02010609060101010101" pitchFamily="49" charset="-122"/>
+              </a:rPr>
+              <a:t>emo</a:t>
+            </a:r>
+            <a:r>
+              <a:rPr lang="zh-CN" altLang="en-US" sz="2000" dirty="0" smtClean="0">
+                <a:solidFill>
+                  <a:schemeClr val="bg1">
+                    <a:lumMod val="50000"/>
+                  </a:schemeClr>
+                </a:solidFill>
+                <a:latin typeface="仿宋" panose="02010609060101010101" pitchFamily="49" charset="-122"/>
+                <a:ea typeface="仿宋" panose="02010609060101010101" pitchFamily="49" charset="-122"/>
+              </a:rPr>
+              <a:t>见</a:t>
+            </a:r>
+            <a:r>
+              <a:rPr lang="en-US" altLang="zh-CN" sz="2000" dirty="0" err="1" smtClean="0">
+                <a:solidFill>
+                  <a:schemeClr val="bg1">
+                    <a:lumMod val="50000"/>
+                  </a:schemeClr>
+                </a:solidFill>
+              </a:rPr>
+              <a:t>DubboConsumerBeanMockingTest</a:t>
+            </a:r>
+            <a:endParaRPr lang="en-US" altLang="zh-CN" sz="2000" dirty="0" smtClean="0">
+              <a:solidFill>
+                <a:schemeClr val="bg1">
+                  <a:lumMod val="50000"/>
+                </a:schemeClr>
+              </a:solidFill>
+            </a:endParaRPr>
+          </a:p>
+          <a:p>
+            <a:endParaRPr lang="en-US" altLang="zh-CN" sz="2000" dirty="0">
+              <a:solidFill>
+                <a:schemeClr val="bg1">
+                  <a:lumMod val="50000"/>
+                </a:schemeClr>
+              </a:solidFill>
+              <a:latin typeface="仿宋" panose="02010609060101010101" pitchFamily="49" charset="-122"/>
+              <a:ea typeface="仿宋" panose="02010609060101010101" pitchFamily="49" charset="-122"/>
+            </a:endParaRPr>
+          </a:p>
+          <a:p>
+            <a:r>
+              <a:rPr lang="zh-CN" altLang="en-US" sz="2000" dirty="0" smtClean="0">
+                <a:solidFill>
+                  <a:schemeClr val="bg1">
+                    <a:lumMod val="50000"/>
+                  </a:schemeClr>
+                </a:solidFill>
+                <a:latin typeface="仿宋" panose="02010609060101010101" pitchFamily="49" charset="-122"/>
+                <a:ea typeface="仿宋" panose="02010609060101010101" pitchFamily="49" charset="-122"/>
+              </a:rPr>
+              <a:t>注：该</a:t>
+            </a:r>
+            <a:r>
+              <a:rPr lang="en-US" altLang="zh-CN" sz="2000" dirty="0" smtClean="0">
+                <a:solidFill>
+                  <a:schemeClr val="bg1">
+                    <a:lumMod val="50000"/>
+                  </a:schemeClr>
+                </a:solidFill>
+                <a:latin typeface="仿宋" panose="02010609060101010101" pitchFamily="49" charset="-122"/>
+                <a:ea typeface="仿宋" panose="02010609060101010101" pitchFamily="49" charset="-122"/>
+              </a:rPr>
+              <a:t>demo</a:t>
+            </a:r>
+            <a:r>
+              <a:rPr lang="zh-CN" altLang="en-US" sz="2000" dirty="0" smtClean="0">
+                <a:solidFill>
+                  <a:schemeClr val="bg1">
+                    <a:lumMod val="50000"/>
+                  </a:schemeClr>
+                </a:solidFill>
+                <a:latin typeface="仿宋" panose="02010609060101010101" pitchFamily="49" charset="-122"/>
+                <a:ea typeface="仿宋" panose="02010609060101010101" pitchFamily="49" charset="-122"/>
+              </a:rPr>
+              <a:t>为一个综合的</a:t>
+            </a:r>
+            <a:r>
+              <a:rPr lang="en-US" altLang="zh-CN" sz="2000" dirty="0" smtClean="0">
+                <a:solidFill>
+                  <a:schemeClr val="bg1">
+                    <a:lumMod val="50000"/>
+                  </a:schemeClr>
+                </a:solidFill>
+                <a:latin typeface="仿宋" panose="02010609060101010101" pitchFamily="49" charset="-122"/>
+                <a:ea typeface="仿宋" panose="02010609060101010101" pitchFamily="49" charset="-122"/>
+              </a:rPr>
+              <a:t>demo</a:t>
+            </a:r>
+            <a:r>
+              <a:rPr lang="zh-CN" altLang="en-US" sz="2000" dirty="0" smtClean="0">
+                <a:solidFill>
+                  <a:schemeClr val="bg1">
+                    <a:lumMod val="50000"/>
+                  </a:schemeClr>
+                </a:solidFill>
+                <a:latin typeface="仿宋" panose="02010609060101010101" pitchFamily="49" charset="-122"/>
+                <a:ea typeface="仿宋" panose="02010609060101010101" pitchFamily="49" charset="-122"/>
+              </a:rPr>
+              <a:t>，其中包含有对</a:t>
+            </a:r>
+            <a:r>
+              <a:rPr lang="en-US" altLang="zh-CN" sz="2000" dirty="0" err="1" smtClean="0">
+                <a:solidFill>
+                  <a:schemeClr val="bg1">
+                    <a:lumMod val="50000"/>
+                  </a:schemeClr>
+                </a:solidFill>
+                <a:latin typeface="仿宋" panose="02010609060101010101" pitchFamily="49" charset="-122"/>
+                <a:ea typeface="仿宋" panose="02010609060101010101" pitchFamily="49" charset="-122"/>
+              </a:rPr>
+              <a:t>dubbo</a:t>
+            </a:r>
+            <a:r>
+              <a:rPr lang="zh-CN" altLang="en-US" sz="2000" dirty="0" smtClean="0">
+                <a:solidFill>
+                  <a:schemeClr val="bg1">
+                    <a:lumMod val="50000"/>
+                  </a:schemeClr>
+                </a:solidFill>
+                <a:latin typeface="仿宋" panose="02010609060101010101" pitchFamily="49" charset="-122"/>
+                <a:ea typeface="仿宋" panose="02010609060101010101" pitchFamily="49" charset="-122"/>
+              </a:rPr>
+              <a:t>消费</a:t>
+            </a:r>
+            <a:r>
+              <a:rPr lang="en-US" altLang="zh-CN" sz="2000" dirty="0" smtClean="0">
+                <a:solidFill>
+                  <a:schemeClr val="bg1">
+                    <a:lumMod val="50000"/>
+                  </a:schemeClr>
+                </a:solidFill>
+                <a:latin typeface="仿宋" panose="02010609060101010101" pitchFamily="49" charset="-122"/>
+                <a:ea typeface="仿宋" panose="02010609060101010101" pitchFamily="49" charset="-122"/>
+              </a:rPr>
+              <a:t>bean</a:t>
+            </a:r>
+            <a:r>
+              <a:rPr lang="zh-CN" altLang="en-US" sz="2000" dirty="0" smtClean="0">
+                <a:solidFill>
+                  <a:schemeClr val="bg1">
+                    <a:lumMod val="50000"/>
+                  </a:schemeClr>
+                </a:solidFill>
+                <a:latin typeface="仿宋" panose="02010609060101010101" pitchFamily="49" charset="-122"/>
+                <a:ea typeface="仿宋" panose="02010609060101010101" pitchFamily="49" charset="-122"/>
+              </a:rPr>
+              <a:t>、本地</a:t>
+            </a:r>
+            <a:r>
+              <a:rPr lang="en-US" altLang="zh-CN" sz="2000" dirty="0" smtClean="0">
+                <a:solidFill>
+                  <a:schemeClr val="bg1">
+                    <a:lumMod val="50000"/>
+                  </a:schemeClr>
+                </a:solidFill>
+                <a:latin typeface="仿宋" panose="02010609060101010101" pitchFamily="49" charset="-122"/>
+                <a:ea typeface="仿宋" panose="02010609060101010101" pitchFamily="49" charset="-122"/>
+              </a:rPr>
+              <a:t>Service</a:t>
+            </a:r>
+            <a:r>
+              <a:rPr lang="zh-CN" altLang="en-US" sz="2000" dirty="0" smtClean="0">
+                <a:solidFill>
+                  <a:schemeClr val="bg1">
+                    <a:lumMod val="50000"/>
+                  </a:schemeClr>
+                </a:solidFill>
+                <a:latin typeface="仿宋" panose="02010609060101010101" pitchFamily="49" charset="-122"/>
+                <a:ea typeface="仿宋" panose="02010609060101010101" pitchFamily="49" charset="-122"/>
+              </a:rPr>
+              <a:t>、</a:t>
+            </a:r>
+            <a:r>
+              <a:rPr lang="en-US" altLang="zh-CN" sz="2000" dirty="0" smtClean="0">
+                <a:solidFill>
+                  <a:schemeClr val="bg1">
+                    <a:lumMod val="50000"/>
+                  </a:schemeClr>
+                </a:solidFill>
+                <a:latin typeface="仿宋" panose="02010609060101010101" pitchFamily="49" charset="-122"/>
+                <a:ea typeface="仿宋" panose="02010609060101010101" pitchFamily="49" charset="-122"/>
+              </a:rPr>
+              <a:t>MQ</a:t>
+            </a:r>
+            <a:r>
+              <a:rPr lang="zh-CN" altLang="en-US" sz="2000" dirty="0" smtClean="0">
+                <a:solidFill>
+                  <a:schemeClr val="bg1">
+                    <a:lumMod val="50000"/>
+                  </a:schemeClr>
+                </a:solidFill>
+                <a:latin typeface="仿宋" panose="02010609060101010101" pitchFamily="49" charset="-122"/>
+                <a:ea typeface="仿宋" panose="02010609060101010101" pitchFamily="49" charset="-122"/>
+              </a:rPr>
+              <a:t>生产者的</a:t>
+            </a:r>
+            <a:r>
+              <a:rPr lang="en-US" altLang="zh-CN" sz="2000" dirty="0" smtClean="0">
+                <a:solidFill>
+                  <a:schemeClr val="bg1">
+                    <a:lumMod val="50000"/>
+                  </a:schemeClr>
+                </a:solidFill>
+                <a:latin typeface="仿宋" panose="02010609060101010101" pitchFamily="49" charset="-122"/>
+                <a:ea typeface="仿宋" panose="02010609060101010101" pitchFamily="49" charset="-122"/>
+              </a:rPr>
+              <a:t>Mock</a:t>
+            </a:r>
+            <a:r>
+              <a:rPr lang="zh-CN" altLang="en-US" sz="2000" dirty="0" smtClean="0">
+                <a:solidFill>
+                  <a:schemeClr val="bg1">
+                    <a:lumMod val="50000"/>
+                  </a:schemeClr>
+                </a:solidFill>
+                <a:latin typeface="仿宋" panose="02010609060101010101" pitchFamily="49" charset="-122"/>
+                <a:ea typeface="仿宋" panose="02010609060101010101" pitchFamily="49" charset="-122"/>
+              </a:rPr>
+              <a:t>，以及定制返回结果的</a:t>
+            </a:r>
+            <a:r>
+              <a:rPr lang="en-US" altLang="zh-CN" sz="2000" dirty="0" smtClean="0">
+                <a:solidFill>
+                  <a:schemeClr val="bg1">
+                    <a:lumMod val="50000"/>
+                  </a:schemeClr>
+                </a:solidFill>
+                <a:latin typeface="仿宋" panose="02010609060101010101" pitchFamily="49" charset="-122"/>
+                <a:ea typeface="仿宋" panose="02010609060101010101" pitchFamily="49" charset="-122"/>
+              </a:rPr>
+              <a:t>Mock</a:t>
+            </a:r>
+            <a:r>
+              <a:rPr lang="zh-CN" altLang="en-US" sz="2000" dirty="0" smtClean="0">
+                <a:solidFill>
+                  <a:schemeClr val="bg1">
+                    <a:lumMod val="50000"/>
+                  </a:schemeClr>
+                </a:solidFill>
+                <a:latin typeface="仿宋" panose="02010609060101010101" pitchFamily="49" charset="-122"/>
+                <a:ea typeface="仿宋" panose="02010609060101010101" pitchFamily="49" charset="-122"/>
+              </a:rPr>
+              <a:t>。</a:t>
+            </a:r>
+            <a:endParaRPr lang="zh-CN" altLang="en-US" sz="2000" dirty="0">
+              <a:solidFill>
+                <a:schemeClr val="bg1">
+                  <a:lumMod val="50000"/>
+                </a:schemeClr>
+              </a:solidFill>
+              <a:latin typeface="仿宋" panose="02010609060101010101" pitchFamily="49" charset="-122"/>
+              <a:ea typeface="仿宋" panose="02010609060101010101" pitchFamily="49" charset="-122"/>
+            </a:endParaRPr>
+          </a:p>
+        </p:txBody>
+      </p:sp>
+    </p:spTree>
+  </p:cSld>
+  <p:clrMapOvr>
+    <a:masterClrMapping/>
+  </p:clrMapOvr>
+  <p:timing>
+    <p:tnLst>
+      <p:par>
+        <p:cTn id="1" dur="indefinite" restart="never" nodeType="tmRoot"/>
+      </p:par>
+    </p:tnLst>
+  </p:timing>
+</p:sld>
+</file>
+
 <file path=ppt/slides/slide17.xml><?xml version="1.0" encoding="utf-8"?>
 <p:sld xmlns:a="http://schemas.openxmlformats.org/drawingml/2006/main" xmlns:r="http://schemas.openxmlformats.org/officeDocument/2006/relationships" xmlns:p="http://schemas.openxmlformats.org/presentationml/2006/main">
   <p:cSld>
@@ -7750,35 +8039,7 @@
                 <a:latin typeface="仿宋" panose="02010609060101010101" pitchFamily="49" charset="-122"/>
                 <a:ea typeface="仿宋" panose="02010609060101010101" pitchFamily="49" charset="-122"/>
               </a:rPr>
-              <a:t>案例六：</a:t>
-            </a:r>
-            <a:r>
-              <a:rPr lang="en-US" altLang="zh-CN" dirty="0">
-                <a:latin typeface="仿宋" panose="02010609060101010101" pitchFamily="49" charset="-122"/>
-                <a:ea typeface="仿宋" panose="02010609060101010101" pitchFamily="49" charset="-122"/>
-              </a:rPr>
-              <a:t>Mock </a:t>
-            </a:r>
-            <a:r>
-              <a:rPr lang="en-US" altLang="zh-CN" dirty="0" err="1">
-                <a:latin typeface="仿宋" panose="02010609060101010101" pitchFamily="49" charset="-122"/>
-                <a:ea typeface="仿宋" panose="02010609060101010101" pitchFamily="49" charset="-122"/>
-              </a:rPr>
-              <a:t>Dubbo</a:t>
-            </a:r>
-            <a:r>
-              <a:rPr lang="zh-CN" altLang="en-US" dirty="0">
-                <a:latin typeface="仿宋" panose="02010609060101010101" pitchFamily="49" charset="-122"/>
-                <a:ea typeface="仿宋" panose="02010609060101010101" pitchFamily="49" charset="-122"/>
-              </a:rPr>
-              <a:t>消费</a:t>
-            </a:r>
-            <a:r>
-              <a:rPr lang="en-US" altLang="zh-CN" dirty="0">
-                <a:latin typeface="仿宋" panose="02010609060101010101" pitchFamily="49" charset="-122"/>
-                <a:ea typeface="仿宋" panose="02010609060101010101" pitchFamily="49" charset="-122"/>
-              </a:rPr>
-              <a:t>Bean</a:t>
+              <a:t>回顾：一个实际的开发测试场景</a:t>
             </a:r>
             <a:endParaRPr lang="zh-CN" altLang="en-US" dirty="0">
               <a:latin typeface="仿宋" panose="02010609060101010101" pitchFamily="49" charset="-122"/>
@@ -7797,517 +8058,276 @@
             <p:ph idx="1"/>
           </p:nvPr>
         </p:nvSpPr>
-        <p:spPr/>
-        <p:txBody>
-          <a:bodyPr vert="horz" lIns="91440" tIns="45720" rIns="91440" bIns="45720" rtlCol="0">
+        <p:spPr>
+          <a:xfrm>
+            <a:off x="838200" y="1690689"/>
+            <a:ext cx="10515600" cy="4608512"/>
+          </a:xfrm>
+        </p:spPr>
+        <p:txBody>
+          <a:bodyPr>
             <a:normAutofit/>
           </a:bodyPr>
           <a:lstStyle/>
           <a:p>
             <a:r>
-              <a:rPr lang="zh-CN" altLang="en-US" sz="2000" b="1" dirty="0" smtClean="0">
-                <a:latin typeface="仿宋" panose="02010609060101010101" pitchFamily="49" charset="-122"/>
-                <a:ea typeface="仿宋" panose="02010609060101010101" pitchFamily="49" charset="-122"/>
-              </a:rPr>
-              <a:t>方案</a:t>
-            </a:r>
-            <a:endParaRPr lang="en-US" altLang="zh-CN" sz="2000" b="1" dirty="0" smtClean="0">
-              <a:latin typeface="仿宋" panose="02010609060101010101" pitchFamily="49" charset="-122"/>
-              <a:ea typeface="仿宋" panose="02010609060101010101" pitchFamily="49" charset="-122"/>
-            </a:endParaRPr>
-          </a:p>
-          <a:p>
-            <a:r>
-              <a:rPr lang="en-US" altLang="zh-CN" sz="2000" dirty="0" smtClean="0">
+              <a:rPr lang="zh-CN" altLang="en-US" sz="2000" b="1" dirty="0">
+                <a:latin typeface="仿宋" panose="02010609060101010101" pitchFamily="49" charset="-122"/>
+                <a:ea typeface="仿宋" panose="02010609060101010101" pitchFamily="49" charset="-122"/>
+              </a:rPr>
+              <a:t>场景：</a:t>
+            </a:r>
+            <a:r>
+              <a:rPr lang="zh-CN" altLang="en-US" sz="2000" dirty="0">
+                <a:latin typeface="仿宋" panose="02010609060101010101" pitchFamily="49" charset="-122"/>
+                <a:ea typeface="仿宋" panose="02010609060101010101" pitchFamily="49" charset="-122"/>
+              </a:rPr>
+              <a:t>假设订单服务</a:t>
+            </a:r>
+            <a:r>
+              <a:rPr lang="en-US" altLang="zh-CN" sz="2000" dirty="0" err="1">
+                <a:latin typeface="仿宋" panose="02010609060101010101" pitchFamily="49" charset="-122"/>
+                <a:ea typeface="仿宋" panose="02010609060101010101" pitchFamily="49" charset="-122"/>
+              </a:rPr>
+              <a:t>OrderFacade</a:t>
+            </a:r>
+            <a:r>
+              <a:rPr lang="zh-CN" altLang="en-US" sz="2000" dirty="0">
+                <a:latin typeface="仿宋" panose="02010609060101010101" pitchFamily="49" charset="-122"/>
+                <a:ea typeface="仿宋" panose="02010609060101010101" pitchFamily="49" charset="-122"/>
+              </a:rPr>
+              <a:t>中有一个下单方法</a:t>
+            </a:r>
+            <a:r>
+              <a:rPr lang="en-US" altLang="zh-CN" sz="2000" dirty="0" err="1">
+                <a:latin typeface="仿宋" panose="02010609060101010101" pitchFamily="49" charset="-122"/>
+                <a:ea typeface="仿宋" panose="02010609060101010101" pitchFamily="49" charset="-122"/>
+              </a:rPr>
+              <a:t>submitOrder</a:t>
+            </a:r>
+            <a:r>
+              <a:rPr lang="zh-CN" altLang="en-US" sz="2000" dirty="0">
+                <a:latin typeface="仿宋" panose="02010609060101010101" pitchFamily="49" charset="-122"/>
+                <a:ea typeface="仿宋" panose="02010609060101010101" pitchFamily="49" charset="-122"/>
+              </a:rPr>
+              <a:t>（</a:t>
+            </a:r>
+            <a:r>
+              <a:rPr lang="en-US" altLang="zh-CN" sz="2000" dirty="0" err="1">
+                <a:latin typeface="仿宋" panose="02010609060101010101" pitchFamily="49" charset="-122"/>
+                <a:ea typeface="仿宋" panose="02010609060101010101" pitchFamily="49" charset="-122"/>
+              </a:rPr>
+              <a:t>dubbo</a:t>
+            </a:r>
+            <a:r>
+              <a:rPr lang="zh-CN" altLang="en-US" sz="2000" dirty="0">
+                <a:latin typeface="仿宋" panose="02010609060101010101" pitchFamily="49" charset="-122"/>
+                <a:ea typeface="仿宋" panose="02010609060101010101" pitchFamily="49" charset="-122"/>
+              </a:rPr>
+              <a:t>服务提供者）</a:t>
+            </a:r>
+            <a:endParaRPr lang="en-US" altLang="zh-CN" sz="2000" dirty="0">
+              <a:latin typeface="仿宋" panose="02010609060101010101" pitchFamily="49" charset="-122"/>
+              <a:ea typeface="仿宋" panose="02010609060101010101" pitchFamily="49" charset="-122"/>
+            </a:endParaRPr>
+          </a:p>
+          <a:p>
+            <a:r>
+              <a:rPr lang="zh-CN" altLang="en-US" sz="2000" b="1" dirty="0">
+                <a:latin typeface="仿宋" panose="02010609060101010101" pitchFamily="49" charset="-122"/>
+                <a:ea typeface="仿宋" panose="02010609060101010101" pitchFamily="49" charset="-122"/>
+              </a:rPr>
+              <a:t>业务逻辑</a:t>
+            </a:r>
+            <a:endParaRPr lang="en-US" altLang="zh-CN" sz="2000" b="1" dirty="0">
+              <a:latin typeface="仿宋" panose="02010609060101010101" pitchFamily="49" charset="-122"/>
+              <a:ea typeface="仿宋" panose="02010609060101010101" pitchFamily="49" charset="-122"/>
+            </a:endParaRPr>
+          </a:p>
+          <a:p>
+            <a:r>
+              <a:rPr lang="en-US" altLang="zh-CN" sz="2000" dirty="0">
                 <a:latin typeface="仿宋" panose="02010609060101010101" pitchFamily="49" charset="-122"/>
                 <a:ea typeface="仿宋" panose="02010609060101010101" pitchFamily="49" charset="-122"/>
               </a:rPr>
               <a:t>1</a:t>
             </a:r>
             <a:r>
+              <a:rPr lang="zh-CN" altLang="en-US" sz="2000" dirty="0">
+                <a:latin typeface="仿宋" panose="02010609060101010101" pitchFamily="49" charset="-122"/>
+                <a:ea typeface="仿宋" panose="02010609060101010101" pitchFamily="49" charset="-122"/>
+              </a:rPr>
+              <a:t>、调用本地的用户验证类来进行下单前的验证。</a:t>
+            </a:r>
+            <a:endParaRPr lang="en-US" altLang="zh-CN" sz="2000" dirty="0">
+              <a:latin typeface="仿宋" panose="02010609060101010101" pitchFamily="49" charset="-122"/>
+              <a:ea typeface="仿宋" panose="02010609060101010101" pitchFamily="49" charset="-122"/>
+            </a:endParaRPr>
+          </a:p>
+          <a:p>
+            <a:r>
+              <a:rPr lang="en-US" altLang="zh-CN" sz="2000" dirty="0">
+                <a:latin typeface="仿宋" panose="02010609060101010101" pitchFamily="49" charset="-122"/>
+                <a:ea typeface="仿宋" panose="02010609060101010101" pitchFamily="49" charset="-122"/>
+              </a:rPr>
+              <a:t>2</a:t>
+            </a:r>
+            <a:r>
+              <a:rPr lang="zh-CN" altLang="en-US" sz="2000" dirty="0">
+                <a:latin typeface="仿宋" panose="02010609060101010101" pitchFamily="49" charset="-122"/>
+                <a:ea typeface="仿宋" panose="02010609060101010101" pitchFamily="49" charset="-122"/>
+              </a:rPr>
+              <a:t>、调用多个依赖的</a:t>
+            </a:r>
+            <a:r>
+              <a:rPr lang="en-US" altLang="zh-CN" sz="2000" dirty="0" err="1">
+                <a:latin typeface="仿宋" panose="02010609060101010101" pitchFamily="49" charset="-122"/>
+                <a:ea typeface="仿宋" panose="02010609060101010101" pitchFamily="49" charset="-122"/>
+              </a:rPr>
+              <a:t>dubbo</a:t>
+            </a:r>
+            <a:r>
+              <a:rPr lang="zh-CN" altLang="en-US" sz="2000" dirty="0">
+                <a:latin typeface="仿宋" panose="02010609060101010101" pitchFamily="49" charset="-122"/>
+                <a:ea typeface="仿宋" panose="02010609060101010101" pitchFamily="49" charset="-122"/>
+              </a:rPr>
+              <a:t>服务来进行业务处理。</a:t>
+            </a:r>
+            <a:endParaRPr lang="en-US" altLang="zh-CN" sz="2000" dirty="0">
+              <a:latin typeface="仿宋" panose="02010609060101010101" pitchFamily="49" charset="-122"/>
+              <a:ea typeface="仿宋" panose="02010609060101010101" pitchFamily="49" charset="-122"/>
+            </a:endParaRPr>
+          </a:p>
+          <a:p>
+            <a:r>
+              <a:rPr lang="zh-CN" altLang="en-US" sz="2000" b="1" dirty="0">
+                <a:latin typeface="仿宋" panose="02010609060101010101" pitchFamily="49" charset="-122"/>
+                <a:ea typeface="仿宋" panose="02010609060101010101" pitchFamily="49" charset="-122"/>
+              </a:rPr>
+              <a:t>怎样测试？？</a:t>
+            </a:r>
+            <a:endParaRPr lang="en-US" altLang="zh-CN" sz="2000" b="1" dirty="0">
+              <a:latin typeface="仿宋" panose="02010609060101010101" pitchFamily="49" charset="-122"/>
+              <a:ea typeface="仿宋" panose="02010609060101010101" pitchFamily="49" charset="-122"/>
+            </a:endParaRPr>
+          </a:p>
+          <a:p>
+            <a:r>
+              <a:rPr lang="en-US" altLang="zh-CN" sz="2000" dirty="0">
+                <a:latin typeface="仿宋" panose="02010609060101010101" pitchFamily="49" charset="-122"/>
+                <a:ea typeface="仿宋" panose="02010609060101010101" pitchFamily="49" charset="-122"/>
+              </a:rPr>
+              <a:t>1</a:t>
+            </a:r>
+            <a:r>
+              <a:rPr lang="zh-CN" altLang="en-US" sz="2000" dirty="0">
+                <a:latin typeface="仿宋" panose="02010609060101010101" pitchFamily="49" charset="-122"/>
+                <a:ea typeface="仿宋" panose="02010609060101010101" pitchFamily="49" charset="-122"/>
+              </a:rPr>
+              <a:t>、该订单服务（</a:t>
+            </a:r>
+            <a:r>
+              <a:rPr lang="en-US" altLang="zh-CN" sz="2000" dirty="0" err="1">
+                <a:latin typeface="仿宋" panose="02010609060101010101" pitchFamily="49" charset="-122"/>
+                <a:ea typeface="仿宋" panose="02010609060101010101" pitchFamily="49" charset="-122"/>
+              </a:rPr>
+              <a:t>dubbo</a:t>
+            </a:r>
+            <a:r>
+              <a:rPr lang="zh-CN" altLang="en-US" sz="2000" dirty="0">
+                <a:latin typeface="仿宋" panose="02010609060101010101" pitchFamily="49" charset="-122"/>
+                <a:ea typeface="仿宋" panose="02010609060101010101" pitchFamily="49" charset="-122"/>
+              </a:rPr>
+              <a:t>服务）该怎么进行单元测试？</a:t>
+            </a:r>
+            <a:endParaRPr lang="en-US" altLang="zh-CN" sz="2000" dirty="0">
+              <a:latin typeface="仿宋" panose="02010609060101010101" pitchFamily="49" charset="-122"/>
+              <a:ea typeface="仿宋" panose="02010609060101010101" pitchFamily="49" charset="-122"/>
+            </a:endParaRPr>
+          </a:p>
+          <a:p>
+            <a:r>
+              <a:rPr lang="en-US" altLang="zh-CN" sz="2000" dirty="0">
+                <a:latin typeface="仿宋" panose="02010609060101010101" pitchFamily="49" charset="-122"/>
+                <a:ea typeface="仿宋" panose="02010609060101010101" pitchFamily="49" charset="-122"/>
+              </a:rPr>
+              <a:t>2</a:t>
+            </a:r>
+            <a:r>
+              <a:rPr lang="zh-CN" altLang="en-US" sz="2000" dirty="0">
+                <a:latin typeface="仿宋" panose="02010609060101010101" pitchFamily="49" charset="-122"/>
+                <a:ea typeface="仿宋" panose="02010609060101010101" pitchFamily="49" charset="-122"/>
+              </a:rPr>
+              <a:t>、当用户验证结果不是我想要的结果时，该怎样进行单元测试？</a:t>
+            </a:r>
+            <a:endParaRPr lang="en-US" altLang="zh-CN" sz="2000" dirty="0">
+              <a:latin typeface="仿宋" panose="02010609060101010101" pitchFamily="49" charset="-122"/>
+              <a:ea typeface="仿宋" panose="02010609060101010101" pitchFamily="49" charset="-122"/>
+            </a:endParaRPr>
+          </a:p>
+          <a:p>
+            <a:r>
+              <a:rPr lang="en-US" altLang="zh-CN" sz="2000" dirty="0">
+                <a:latin typeface="仿宋" panose="02010609060101010101" pitchFamily="49" charset="-122"/>
+                <a:ea typeface="仿宋" panose="02010609060101010101" pitchFamily="49" charset="-122"/>
+              </a:rPr>
+              <a:t>3</a:t>
+            </a:r>
+            <a:r>
+              <a:rPr lang="zh-CN" altLang="en-US" sz="2000" dirty="0">
+                <a:latin typeface="仿宋" panose="02010609060101010101" pitchFamily="49" charset="-122"/>
+                <a:ea typeface="仿宋" panose="02010609060101010101" pitchFamily="49" charset="-122"/>
+              </a:rPr>
+              <a:t>、当依赖的</a:t>
+            </a:r>
+            <a:r>
+              <a:rPr lang="en-US" altLang="zh-CN" sz="2000" dirty="0" err="1">
+                <a:latin typeface="仿宋" panose="02010609060101010101" pitchFamily="49" charset="-122"/>
+                <a:ea typeface="仿宋" panose="02010609060101010101" pitchFamily="49" charset="-122"/>
+              </a:rPr>
+              <a:t>dubbo</a:t>
+            </a:r>
+            <a:r>
+              <a:rPr lang="zh-CN" altLang="en-US" sz="2000" dirty="0">
+                <a:latin typeface="仿宋" panose="02010609060101010101" pitchFamily="49" charset="-122"/>
+                <a:ea typeface="仿宋" panose="02010609060101010101" pitchFamily="49" charset="-122"/>
+              </a:rPr>
+              <a:t>服务未开发完成，或者依赖的</a:t>
+            </a:r>
+            <a:r>
+              <a:rPr lang="en-US" altLang="zh-CN" sz="2000" dirty="0" err="1">
+                <a:latin typeface="仿宋" panose="02010609060101010101" pitchFamily="49" charset="-122"/>
+                <a:ea typeface="仿宋" panose="02010609060101010101" pitchFamily="49" charset="-122"/>
+              </a:rPr>
+              <a:t>dubbo</a:t>
+            </a:r>
+            <a:r>
+              <a:rPr lang="zh-CN" altLang="en-US" sz="2000" dirty="0">
+                <a:latin typeface="仿宋" panose="02010609060101010101" pitchFamily="49" charset="-122"/>
+                <a:ea typeface="仿宋" panose="02010609060101010101" pitchFamily="49" charset="-122"/>
+              </a:rPr>
+              <a:t>服务的结果不是我想要的结果时，该怎样进行单元测试？</a:t>
+            </a:r>
+            <a:endParaRPr lang="en-US" altLang="zh-CN" sz="2000" dirty="0">
+              <a:latin typeface="仿宋" panose="02010609060101010101" pitchFamily="49" charset="-122"/>
+              <a:ea typeface="仿宋" panose="02010609060101010101" pitchFamily="49" charset="-122"/>
+            </a:endParaRPr>
+          </a:p>
+          <a:p>
+            <a:endParaRPr lang="en-US" altLang="zh-CN" sz="2000" dirty="0">
+              <a:latin typeface="仿宋" panose="02010609060101010101" pitchFamily="49" charset="-122"/>
+              <a:ea typeface="仿宋" panose="02010609060101010101" pitchFamily="49" charset="-122"/>
+            </a:endParaRPr>
+          </a:p>
+          <a:p>
+            <a:r>
               <a:rPr lang="zh-CN" altLang="en-US" sz="2000" dirty="0" smtClean="0">
                 <a:latin typeface="仿宋" panose="02010609060101010101" pitchFamily="49" charset="-122"/>
                 <a:ea typeface="仿宋" panose="02010609060101010101" pitchFamily="49" charset="-122"/>
               </a:rPr>
-              <a:t>、在</a:t>
-            </a:r>
-            <a:r>
-              <a:rPr lang="en-US" altLang="zh-CN" sz="2000" dirty="0">
-                <a:latin typeface="仿宋" panose="02010609060101010101" pitchFamily="49" charset="-122"/>
-                <a:ea typeface="仿宋" panose="02010609060101010101" pitchFamily="49" charset="-122"/>
-              </a:rPr>
-              <a:t>spring</a:t>
-            </a:r>
-            <a:r>
-              <a:rPr lang="zh-CN" altLang="en-US" sz="2000" dirty="0">
-                <a:latin typeface="仿宋" panose="02010609060101010101" pitchFamily="49" charset="-122"/>
-                <a:ea typeface="仿宋" panose="02010609060101010101" pitchFamily="49" charset="-122"/>
-              </a:rPr>
-              <a:t>初始化前，对所有</a:t>
-            </a:r>
-            <a:r>
-              <a:rPr lang="en-US" altLang="zh-CN" sz="2000" dirty="0" err="1">
-                <a:latin typeface="仿宋" panose="02010609060101010101" pitchFamily="49" charset="-122"/>
-                <a:ea typeface="仿宋" panose="02010609060101010101" pitchFamily="49" charset="-122"/>
-              </a:rPr>
-              <a:t>Dubbo</a:t>
-            </a:r>
-            <a:r>
-              <a:rPr lang="zh-CN" altLang="en-US" sz="2000" dirty="0">
-                <a:latin typeface="仿宋" panose="02010609060101010101" pitchFamily="49" charset="-122"/>
-                <a:ea typeface="仿宋" panose="02010609060101010101" pitchFamily="49" charset="-122"/>
-              </a:rPr>
-              <a:t>消费</a:t>
-            </a:r>
-            <a:r>
-              <a:rPr lang="en-US" altLang="zh-CN" sz="2000" dirty="0">
-                <a:latin typeface="仿宋" panose="02010609060101010101" pitchFamily="49" charset="-122"/>
-                <a:ea typeface="仿宋" panose="02010609060101010101" pitchFamily="49" charset="-122"/>
-              </a:rPr>
-              <a:t>Bean</a:t>
-            </a:r>
-            <a:r>
-              <a:rPr lang="zh-CN" altLang="en-US" sz="2000" dirty="0">
-                <a:latin typeface="仿宋" panose="02010609060101010101" pitchFamily="49" charset="-122"/>
-                <a:ea typeface="仿宋" panose="02010609060101010101" pitchFamily="49" charset="-122"/>
-              </a:rPr>
-              <a:t>的进行</a:t>
-            </a:r>
-            <a:r>
-              <a:rPr lang="en-US" altLang="zh-CN" sz="2000" dirty="0">
-                <a:latin typeface="仿宋" panose="02010609060101010101" pitchFamily="49" charset="-122"/>
-                <a:ea typeface="仿宋" panose="02010609060101010101" pitchFamily="49" charset="-122"/>
-              </a:rPr>
-              <a:t>Mock</a:t>
-            </a:r>
-            <a:r>
-              <a:rPr lang="zh-CN" altLang="en-US" sz="2000" dirty="0">
-                <a:latin typeface="仿宋" panose="02010609060101010101" pitchFamily="49" charset="-122"/>
-                <a:ea typeface="仿宋" panose="02010609060101010101" pitchFamily="49" charset="-122"/>
-              </a:rPr>
-              <a:t>，即</a:t>
-            </a:r>
-            <a:r>
-              <a:rPr lang="en-US" altLang="zh-CN" sz="2000" dirty="0">
-                <a:latin typeface="仿宋" panose="02010609060101010101" pitchFamily="49" charset="-122"/>
-                <a:ea typeface="仿宋" panose="02010609060101010101" pitchFamily="49" charset="-122"/>
-              </a:rPr>
-              <a:t>&lt;</a:t>
-            </a:r>
-            <a:r>
-              <a:rPr lang="en-US" altLang="zh-CN" sz="2000" dirty="0" err="1">
-                <a:latin typeface="仿宋" panose="02010609060101010101" pitchFamily="49" charset="-122"/>
-                <a:ea typeface="仿宋" panose="02010609060101010101" pitchFamily="49" charset="-122"/>
-              </a:rPr>
-              <a:t>dubbo</a:t>
-            </a:r>
-            <a:r>
-              <a:rPr lang="en-US" altLang="zh-CN" sz="2000" dirty="0">
-                <a:latin typeface="仿宋" panose="02010609060101010101" pitchFamily="49" charset="-122"/>
-                <a:ea typeface="仿宋" panose="02010609060101010101" pitchFamily="49" charset="-122"/>
-              </a:rPr>
-              <a:t>&gt;</a:t>
-            </a:r>
-            <a:r>
-              <a:rPr lang="zh-CN" altLang="en-US" sz="2000" dirty="0">
-                <a:latin typeface="仿宋" panose="02010609060101010101" pitchFamily="49" charset="-122"/>
-                <a:ea typeface="仿宋" panose="02010609060101010101" pitchFamily="49" charset="-122"/>
-              </a:rPr>
-              <a:t>标签里的</a:t>
-            </a:r>
-            <a:r>
-              <a:rPr lang="en-US" altLang="zh-CN" sz="2000" dirty="0">
-                <a:latin typeface="仿宋" panose="02010609060101010101" pitchFamily="49" charset="-122"/>
-                <a:ea typeface="仿宋" panose="02010609060101010101" pitchFamily="49" charset="-122"/>
-              </a:rPr>
-              <a:t>interface</a:t>
-            </a:r>
-            <a:r>
-              <a:rPr lang="zh-CN" altLang="en-US" sz="2000" dirty="0">
-                <a:latin typeface="仿宋" panose="02010609060101010101" pitchFamily="49" charset="-122"/>
-                <a:ea typeface="仿宋" panose="02010609060101010101" pitchFamily="49" charset="-122"/>
-              </a:rPr>
-              <a:t>都返回本地默认实现。</a:t>
+              <a:t>上述几个测试场景均可在案例六中找到对应的实现代码。</a:t>
             </a:r>
             <a:endParaRPr lang="zh-CN" altLang="en-US" sz="2000" dirty="0">
-              <a:latin typeface="仿宋" panose="02010609060101010101" pitchFamily="49" charset="-122"/>
-              <a:ea typeface="仿宋" panose="02010609060101010101" pitchFamily="49" charset="-122"/>
-            </a:endParaRPr>
-          </a:p>
-          <a:p>
-            <a:r>
-              <a:rPr lang="en-US" altLang="zh-CN" sz="2000" dirty="0" smtClean="0">
-                <a:latin typeface="仿宋" panose="02010609060101010101" pitchFamily="49" charset="-122"/>
-                <a:ea typeface="仿宋" panose="02010609060101010101" pitchFamily="49" charset="-122"/>
-              </a:rPr>
-              <a:t>2</a:t>
-            </a:r>
-            <a:r>
-              <a:rPr lang="zh-CN" altLang="en-US" sz="2000" dirty="0" smtClean="0">
-                <a:latin typeface="仿宋" panose="02010609060101010101" pitchFamily="49" charset="-122"/>
-                <a:ea typeface="仿宋" panose="02010609060101010101" pitchFamily="49" charset="-122"/>
-              </a:rPr>
-              <a:t>、如果</a:t>
-            </a:r>
-            <a:r>
-              <a:rPr lang="zh-CN" altLang="en-US" sz="2000" dirty="0">
-                <a:latin typeface="仿宋" panose="02010609060101010101" pitchFamily="49" charset="-122"/>
-                <a:ea typeface="仿宋" panose="02010609060101010101" pitchFamily="49" charset="-122"/>
-              </a:rPr>
-              <a:t>想对某几个</a:t>
-            </a:r>
-            <a:r>
-              <a:rPr lang="en-US" altLang="zh-CN" sz="2000" dirty="0" err="1">
-                <a:latin typeface="仿宋" panose="02010609060101010101" pitchFamily="49" charset="-122"/>
-                <a:ea typeface="仿宋" panose="02010609060101010101" pitchFamily="49" charset="-122"/>
-              </a:rPr>
-              <a:t>Dubbo</a:t>
-            </a:r>
-            <a:r>
-              <a:rPr lang="zh-CN" altLang="en-US" sz="2000" dirty="0">
-                <a:latin typeface="仿宋" panose="02010609060101010101" pitchFamily="49" charset="-122"/>
-                <a:ea typeface="仿宋" panose="02010609060101010101" pitchFamily="49" charset="-122"/>
-              </a:rPr>
-              <a:t>消费</a:t>
-            </a:r>
-            <a:r>
-              <a:rPr lang="en-US" altLang="zh-CN" sz="2000" dirty="0">
-                <a:latin typeface="仿宋" panose="02010609060101010101" pitchFamily="49" charset="-122"/>
-                <a:ea typeface="仿宋" panose="02010609060101010101" pitchFamily="49" charset="-122"/>
-              </a:rPr>
-              <a:t>Bean</a:t>
-            </a:r>
-            <a:r>
-              <a:rPr lang="zh-CN" altLang="en-US" sz="2000" dirty="0">
-                <a:latin typeface="仿宋" panose="02010609060101010101" pitchFamily="49" charset="-122"/>
-                <a:ea typeface="仿宋" panose="02010609060101010101" pitchFamily="49" charset="-122"/>
-              </a:rPr>
-              <a:t>进行</a:t>
-            </a:r>
-            <a:r>
-              <a:rPr lang="en-US" altLang="zh-CN" sz="2000" dirty="0">
-                <a:latin typeface="仿宋" panose="02010609060101010101" pitchFamily="49" charset="-122"/>
-                <a:ea typeface="仿宋" panose="02010609060101010101" pitchFamily="49" charset="-122"/>
-              </a:rPr>
-              <a:t>Mock</a:t>
-            </a:r>
-            <a:r>
-              <a:rPr lang="zh-CN" altLang="en-US" sz="2000" dirty="0">
-                <a:latin typeface="仿宋" panose="02010609060101010101" pitchFamily="49" charset="-122"/>
-                <a:ea typeface="仿宋" panose="02010609060101010101" pitchFamily="49" charset="-122"/>
-              </a:rPr>
-              <a:t>，则自定义</a:t>
-            </a:r>
-            <a:r>
-              <a:rPr lang="en-US" altLang="zh-CN" sz="2000" dirty="0" err="1">
-                <a:latin typeface="仿宋" panose="02010609060101010101" pitchFamily="49" charset="-122"/>
-                <a:ea typeface="仿宋" panose="02010609060101010101" pitchFamily="49" charset="-122"/>
-              </a:rPr>
-              <a:t>Dubbo</a:t>
-            </a:r>
-            <a:r>
-              <a:rPr lang="zh-CN" altLang="en-US" sz="2000" dirty="0">
-                <a:latin typeface="仿宋" panose="02010609060101010101" pitchFamily="49" charset="-122"/>
-                <a:ea typeface="仿宋" panose="02010609060101010101" pitchFamily="49" charset="-122"/>
-              </a:rPr>
-              <a:t>消费</a:t>
-            </a:r>
-            <a:r>
-              <a:rPr lang="en-US" altLang="zh-CN" sz="2000" dirty="0">
-                <a:latin typeface="仿宋" panose="02010609060101010101" pitchFamily="49" charset="-122"/>
-                <a:ea typeface="仿宋" panose="02010609060101010101" pitchFamily="49" charset="-122"/>
-              </a:rPr>
-              <a:t>Bean</a:t>
-            </a:r>
-            <a:r>
-              <a:rPr lang="zh-CN" altLang="en-US" sz="2000" dirty="0">
-                <a:latin typeface="仿宋" panose="02010609060101010101" pitchFamily="49" charset="-122"/>
-                <a:ea typeface="仿宋" panose="02010609060101010101" pitchFamily="49" charset="-122"/>
-              </a:rPr>
-              <a:t>的实现即可。</a:t>
-            </a:r>
-            <a:endParaRPr lang="zh-CN" altLang="en-US" sz="2000" dirty="0">
-              <a:latin typeface="仿宋" panose="02010609060101010101" pitchFamily="49" charset="-122"/>
-              <a:ea typeface="仿宋" panose="02010609060101010101" pitchFamily="49" charset="-122"/>
-            </a:endParaRPr>
-          </a:p>
-          <a:p>
-            <a:r>
-              <a:rPr lang="en-US" altLang="zh-CN" sz="2000" dirty="0">
-                <a:solidFill>
-                  <a:schemeClr val="bg1">
-                    <a:lumMod val="50000"/>
-                  </a:schemeClr>
-                </a:solidFill>
-                <a:latin typeface="仿宋" panose="02010609060101010101" pitchFamily="49" charset="-122"/>
-                <a:ea typeface="仿宋" panose="02010609060101010101" pitchFamily="49" charset="-122"/>
-              </a:rPr>
-              <a:t>d</a:t>
-            </a:r>
-            <a:r>
-              <a:rPr lang="en-US" altLang="zh-CN" sz="2000" dirty="0" smtClean="0">
-                <a:solidFill>
-                  <a:schemeClr val="bg1">
-                    <a:lumMod val="50000"/>
-                  </a:schemeClr>
-                </a:solidFill>
-                <a:latin typeface="仿宋" panose="02010609060101010101" pitchFamily="49" charset="-122"/>
-                <a:ea typeface="仿宋" panose="02010609060101010101" pitchFamily="49" charset="-122"/>
-              </a:rPr>
-              <a:t>emo</a:t>
-            </a:r>
-            <a:r>
-              <a:rPr lang="zh-CN" altLang="en-US" sz="2000" dirty="0" smtClean="0">
-                <a:solidFill>
-                  <a:schemeClr val="bg1">
-                    <a:lumMod val="50000"/>
-                  </a:schemeClr>
-                </a:solidFill>
-                <a:latin typeface="仿宋" panose="02010609060101010101" pitchFamily="49" charset="-122"/>
-                <a:ea typeface="仿宋" panose="02010609060101010101" pitchFamily="49" charset="-122"/>
-              </a:rPr>
-              <a:t>见</a:t>
-            </a:r>
-            <a:r>
-              <a:rPr lang="en-US" altLang="zh-CN" sz="2000" dirty="0" err="1" smtClean="0">
-                <a:solidFill>
-                  <a:schemeClr val="bg1">
-                    <a:lumMod val="50000"/>
-                  </a:schemeClr>
-                </a:solidFill>
-              </a:rPr>
-              <a:t>DubboConsumerBeanMockingTest</a:t>
-            </a:r>
-            <a:endParaRPr lang="en-US" altLang="zh-CN" sz="2000" dirty="0" smtClean="0">
-              <a:solidFill>
-                <a:schemeClr val="bg1">
-                  <a:lumMod val="50000"/>
-                </a:schemeClr>
-              </a:solidFill>
-            </a:endParaRPr>
-          </a:p>
-          <a:p>
-            <a:endParaRPr lang="en-US" altLang="zh-CN" sz="2000" dirty="0">
-              <a:solidFill>
-                <a:schemeClr val="bg1">
-                  <a:lumMod val="50000"/>
-                </a:schemeClr>
-              </a:solidFill>
-              <a:latin typeface="仿宋" panose="02010609060101010101" pitchFamily="49" charset="-122"/>
-              <a:ea typeface="仿宋" panose="02010609060101010101" pitchFamily="49" charset="-122"/>
-            </a:endParaRPr>
-          </a:p>
-          <a:p>
-            <a:r>
-              <a:rPr lang="zh-CN" altLang="en-US" sz="2000" dirty="0" smtClean="0">
-                <a:solidFill>
-                  <a:schemeClr val="bg1">
-                    <a:lumMod val="50000"/>
-                  </a:schemeClr>
-                </a:solidFill>
-                <a:latin typeface="仿宋" panose="02010609060101010101" pitchFamily="49" charset="-122"/>
-                <a:ea typeface="仿宋" panose="02010609060101010101" pitchFamily="49" charset="-122"/>
-              </a:rPr>
-              <a:t>注：该</a:t>
-            </a:r>
-            <a:r>
-              <a:rPr lang="en-US" altLang="zh-CN" sz="2000" dirty="0" smtClean="0">
-                <a:solidFill>
-                  <a:schemeClr val="bg1">
-                    <a:lumMod val="50000"/>
-                  </a:schemeClr>
-                </a:solidFill>
-                <a:latin typeface="仿宋" panose="02010609060101010101" pitchFamily="49" charset="-122"/>
-                <a:ea typeface="仿宋" panose="02010609060101010101" pitchFamily="49" charset="-122"/>
-              </a:rPr>
-              <a:t>demo</a:t>
-            </a:r>
-            <a:r>
-              <a:rPr lang="zh-CN" altLang="en-US" sz="2000" dirty="0" smtClean="0">
-                <a:solidFill>
-                  <a:schemeClr val="bg1">
-                    <a:lumMod val="50000"/>
-                  </a:schemeClr>
-                </a:solidFill>
-                <a:latin typeface="仿宋" panose="02010609060101010101" pitchFamily="49" charset="-122"/>
-                <a:ea typeface="仿宋" panose="02010609060101010101" pitchFamily="49" charset="-122"/>
-              </a:rPr>
-              <a:t>为一个综合的</a:t>
-            </a:r>
-            <a:r>
-              <a:rPr lang="en-US" altLang="zh-CN" sz="2000" dirty="0" smtClean="0">
-                <a:solidFill>
-                  <a:schemeClr val="bg1">
-                    <a:lumMod val="50000"/>
-                  </a:schemeClr>
-                </a:solidFill>
-                <a:latin typeface="仿宋" panose="02010609060101010101" pitchFamily="49" charset="-122"/>
-                <a:ea typeface="仿宋" panose="02010609060101010101" pitchFamily="49" charset="-122"/>
-              </a:rPr>
-              <a:t>demo</a:t>
-            </a:r>
-            <a:r>
-              <a:rPr lang="zh-CN" altLang="en-US" sz="2000" dirty="0" smtClean="0">
-                <a:solidFill>
-                  <a:schemeClr val="bg1">
-                    <a:lumMod val="50000"/>
-                  </a:schemeClr>
-                </a:solidFill>
-                <a:latin typeface="仿宋" panose="02010609060101010101" pitchFamily="49" charset="-122"/>
-                <a:ea typeface="仿宋" panose="02010609060101010101" pitchFamily="49" charset="-122"/>
-              </a:rPr>
-              <a:t>，其中包含有对</a:t>
-            </a:r>
-            <a:r>
-              <a:rPr lang="en-US" altLang="zh-CN" sz="2000" dirty="0" err="1" smtClean="0">
-                <a:solidFill>
-                  <a:schemeClr val="bg1">
-                    <a:lumMod val="50000"/>
-                  </a:schemeClr>
-                </a:solidFill>
-                <a:latin typeface="仿宋" panose="02010609060101010101" pitchFamily="49" charset="-122"/>
-                <a:ea typeface="仿宋" panose="02010609060101010101" pitchFamily="49" charset="-122"/>
-              </a:rPr>
-              <a:t>dubbo</a:t>
-            </a:r>
-            <a:r>
-              <a:rPr lang="zh-CN" altLang="en-US" sz="2000" dirty="0" smtClean="0">
-                <a:solidFill>
-                  <a:schemeClr val="bg1">
-                    <a:lumMod val="50000"/>
-                  </a:schemeClr>
-                </a:solidFill>
-                <a:latin typeface="仿宋" panose="02010609060101010101" pitchFamily="49" charset="-122"/>
-                <a:ea typeface="仿宋" panose="02010609060101010101" pitchFamily="49" charset="-122"/>
-              </a:rPr>
-              <a:t>消费</a:t>
-            </a:r>
-            <a:r>
-              <a:rPr lang="en-US" altLang="zh-CN" sz="2000" dirty="0" smtClean="0">
-                <a:solidFill>
-                  <a:schemeClr val="bg1">
-                    <a:lumMod val="50000"/>
-                  </a:schemeClr>
-                </a:solidFill>
-                <a:latin typeface="仿宋" panose="02010609060101010101" pitchFamily="49" charset="-122"/>
-                <a:ea typeface="仿宋" panose="02010609060101010101" pitchFamily="49" charset="-122"/>
-              </a:rPr>
-              <a:t>bean</a:t>
-            </a:r>
-            <a:r>
-              <a:rPr lang="zh-CN" altLang="en-US" sz="2000" dirty="0" smtClean="0">
-                <a:solidFill>
-                  <a:schemeClr val="bg1">
-                    <a:lumMod val="50000"/>
-                  </a:schemeClr>
-                </a:solidFill>
-                <a:latin typeface="仿宋" panose="02010609060101010101" pitchFamily="49" charset="-122"/>
-                <a:ea typeface="仿宋" panose="02010609060101010101" pitchFamily="49" charset="-122"/>
-              </a:rPr>
-              <a:t>、本地</a:t>
-            </a:r>
-            <a:r>
-              <a:rPr lang="en-US" altLang="zh-CN" sz="2000" dirty="0" smtClean="0">
-                <a:solidFill>
-                  <a:schemeClr val="bg1">
-                    <a:lumMod val="50000"/>
-                  </a:schemeClr>
-                </a:solidFill>
-                <a:latin typeface="仿宋" panose="02010609060101010101" pitchFamily="49" charset="-122"/>
-                <a:ea typeface="仿宋" panose="02010609060101010101" pitchFamily="49" charset="-122"/>
-              </a:rPr>
-              <a:t>Service</a:t>
-            </a:r>
-            <a:r>
-              <a:rPr lang="zh-CN" altLang="en-US" sz="2000" dirty="0" smtClean="0">
-                <a:solidFill>
-                  <a:schemeClr val="bg1">
-                    <a:lumMod val="50000"/>
-                  </a:schemeClr>
-                </a:solidFill>
-                <a:latin typeface="仿宋" panose="02010609060101010101" pitchFamily="49" charset="-122"/>
-                <a:ea typeface="仿宋" panose="02010609060101010101" pitchFamily="49" charset="-122"/>
-              </a:rPr>
-              <a:t>、</a:t>
-            </a:r>
-            <a:r>
-              <a:rPr lang="en-US" altLang="zh-CN" sz="2000" dirty="0" smtClean="0">
-                <a:solidFill>
-                  <a:schemeClr val="bg1">
-                    <a:lumMod val="50000"/>
-                  </a:schemeClr>
-                </a:solidFill>
-                <a:latin typeface="仿宋" panose="02010609060101010101" pitchFamily="49" charset="-122"/>
-                <a:ea typeface="仿宋" panose="02010609060101010101" pitchFamily="49" charset="-122"/>
-              </a:rPr>
-              <a:t>MQ</a:t>
-            </a:r>
-            <a:r>
-              <a:rPr lang="zh-CN" altLang="en-US" sz="2000" dirty="0" smtClean="0">
-                <a:solidFill>
-                  <a:schemeClr val="bg1">
-                    <a:lumMod val="50000"/>
-                  </a:schemeClr>
-                </a:solidFill>
-                <a:latin typeface="仿宋" panose="02010609060101010101" pitchFamily="49" charset="-122"/>
-                <a:ea typeface="仿宋" panose="02010609060101010101" pitchFamily="49" charset="-122"/>
-              </a:rPr>
-              <a:t>生产者的</a:t>
-            </a:r>
-            <a:r>
-              <a:rPr lang="en-US" altLang="zh-CN" sz="2000" dirty="0" smtClean="0">
-                <a:solidFill>
-                  <a:schemeClr val="bg1">
-                    <a:lumMod val="50000"/>
-                  </a:schemeClr>
-                </a:solidFill>
-                <a:latin typeface="仿宋" panose="02010609060101010101" pitchFamily="49" charset="-122"/>
-                <a:ea typeface="仿宋" panose="02010609060101010101" pitchFamily="49" charset="-122"/>
-              </a:rPr>
-              <a:t>Mock</a:t>
-            </a:r>
-            <a:r>
-              <a:rPr lang="zh-CN" altLang="en-US" sz="2000" dirty="0" smtClean="0">
-                <a:solidFill>
-                  <a:schemeClr val="bg1">
-                    <a:lumMod val="50000"/>
-                  </a:schemeClr>
-                </a:solidFill>
-                <a:latin typeface="仿宋" panose="02010609060101010101" pitchFamily="49" charset="-122"/>
-                <a:ea typeface="仿宋" panose="02010609060101010101" pitchFamily="49" charset="-122"/>
-              </a:rPr>
-              <a:t>，以及定制返回结果的</a:t>
-            </a:r>
-            <a:r>
-              <a:rPr lang="en-US" altLang="zh-CN" sz="2000" dirty="0" smtClean="0">
-                <a:solidFill>
-                  <a:schemeClr val="bg1">
-                    <a:lumMod val="50000"/>
-                  </a:schemeClr>
-                </a:solidFill>
-                <a:latin typeface="仿宋" panose="02010609060101010101" pitchFamily="49" charset="-122"/>
-                <a:ea typeface="仿宋" panose="02010609060101010101" pitchFamily="49" charset="-122"/>
-              </a:rPr>
-              <a:t>Mock</a:t>
-            </a:r>
-            <a:r>
-              <a:rPr lang="zh-CN" altLang="en-US" sz="2000" dirty="0" smtClean="0">
-                <a:solidFill>
-                  <a:schemeClr val="bg1">
-                    <a:lumMod val="50000"/>
-                  </a:schemeClr>
-                </a:solidFill>
-                <a:latin typeface="仿宋" panose="02010609060101010101" pitchFamily="49" charset="-122"/>
-                <a:ea typeface="仿宋" panose="02010609060101010101" pitchFamily="49" charset="-122"/>
-              </a:rPr>
-              <a:t>。</a:t>
-            </a:r>
-            <a:endParaRPr lang="zh-CN" altLang="en-US" sz="2000" dirty="0">
-              <a:solidFill>
-                <a:schemeClr val="bg1">
-                  <a:lumMod val="50000"/>
-                </a:schemeClr>
-              </a:solidFill>
               <a:latin typeface="仿宋" panose="02010609060101010101" pitchFamily="49" charset="-122"/>
               <a:ea typeface="仿宋" panose="02010609060101010101" pitchFamily="49" charset="-122"/>
             </a:endParaRPr>
@@ -8348,353 +8368,6 @@
       </p:grpSpPr>
       <p:sp>
         <p:nvSpPr>
-          <p:cNvPr id="2" name="标题 1"/>
-          <p:cNvSpPr>
-            <a:spLocks noGrp="1"/>
-          </p:cNvSpPr>
-          <p:nvPr>
-            <p:ph type="title"/>
-          </p:nvPr>
-        </p:nvSpPr>
-        <p:spPr/>
-        <p:txBody>
-          <a:bodyPr/>
-          <a:lstStyle/>
-          <a:p>
-            <a:r>
-              <a:rPr lang="zh-CN" altLang="en-US" dirty="0" smtClean="0">
-                <a:latin typeface="仿宋" panose="02010609060101010101" pitchFamily="49" charset="-122"/>
-                <a:ea typeface="仿宋" panose="02010609060101010101" pitchFamily="49" charset="-122"/>
-              </a:rPr>
-              <a:t>回顾：一个实际的开发测试场景</a:t>
-            </a:r>
-            <a:endParaRPr lang="zh-CN" altLang="en-US" dirty="0">
-              <a:latin typeface="仿宋" panose="02010609060101010101" pitchFamily="49" charset="-122"/>
-              <a:ea typeface="仿宋" panose="02010609060101010101" pitchFamily="49" charset="-122"/>
-            </a:endParaRPr>
-          </a:p>
-        </p:txBody>
-      </p:sp>
-      <p:sp>
-        <p:nvSpPr>
-          <p:cNvPr id="3" name="内容占位符 2"/>
-          <p:cNvSpPr>
-            <a:spLocks noGrp="1"/>
-          </p:cNvSpPr>
-          <p:nvPr>
-            <p:ph idx="1"/>
-          </p:nvPr>
-        </p:nvSpPr>
-        <p:spPr>
-          <a:xfrm>
-            <a:off x="838200" y="1690689"/>
-            <a:ext cx="10515600" cy="4608512"/>
-          </a:xfrm>
-        </p:spPr>
-        <p:txBody>
-          <a:bodyPr>
-            <a:normAutofit/>
-          </a:bodyPr>
-          <a:lstStyle/>
-          <a:p>
-            <a:r>
-              <a:rPr lang="zh-CN" altLang="en-US" sz="2000" b="1" dirty="0">
-                <a:latin typeface="仿宋" panose="02010609060101010101" pitchFamily="49" charset="-122"/>
-                <a:ea typeface="仿宋" panose="02010609060101010101" pitchFamily="49" charset="-122"/>
-              </a:rPr>
-              <a:t>场景：</a:t>
-            </a:r>
-            <a:r>
-              <a:rPr lang="zh-CN" altLang="en-US" sz="2000" dirty="0">
-                <a:latin typeface="仿宋" panose="02010609060101010101" pitchFamily="49" charset="-122"/>
-                <a:ea typeface="仿宋" panose="02010609060101010101" pitchFamily="49" charset="-122"/>
-              </a:rPr>
-              <a:t>假设订单服务</a:t>
-            </a:r>
-            <a:r>
-              <a:rPr lang="en-US" altLang="zh-CN" sz="2000" dirty="0" err="1">
-                <a:latin typeface="仿宋" panose="02010609060101010101" pitchFamily="49" charset="-122"/>
-                <a:ea typeface="仿宋" panose="02010609060101010101" pitchFamily="49" charset="-122"/>
-              </a:rPr>
-              <a:t>OrderFacade</a:t>
-            </a:r>
-            <a:r>
-              <a:rPr lang="zh-CN" altLang="en-US" sz="2000" dirty="0">
-                <a:latin typeface="仿宋" panose="02010609060101010101" pitchFamily="49" charset="-122"/>
-                <a:ea typeface="仿宋" panose="02010609060101010101" pitchFamily="49" charset="-122"/>
-              </a:rPr>
-              <a:t>中有一个下单方法</a:t>
-            </a:r>
-            <a:r>
-              <a:rPr lang="en-US" altLang="zh-CN" sz="2000" dirty="0" err="1">
-                <a:latin typeface="仿宋" panose="02010609060101010101" pitchFamily="49" charset="-122"/>
-                <a:ea typeface="仿宋" panose="02010609060101010101" pitchFamily="49" charset="-122"/>
-              </a:rPr>
-              <a:t>submitOrder</a:t>
-            </a:r>
-            <a:r>
-              <a:rPr lang="zh-CN" altLang="en-US" sz="2000" dirty="0">
-                <a:latin typeface="仿宋" panose="02010609060101010101" pitchFamily="49" charset="-122"/>
-                <a:ea typeface="仿宋" panose="02010609060101010101" pitchFamily="49" charset="-122"/>
-              </a:rPr>
-              <a:t>（</a:t>
-            </a:r>
-            <a:r>
-              <a:rPr lang="en-US" altLang="zh-CN" sz="2000" dirty="0" err="1">
-                <a:latin typeface="仿宋" panose="02010609060101010101" pitchFamily="49" charset="-122"/>
-                <a:ea typeface="仿宋" panose="02010609060101010101" pitchFamily="49" charset="-122"/>
-              </a:rPr>
-              <a:t>dubbo</a:t>
-            </a:r>
-            <a:r>
-              <a:rPr lang="zh-CN" altLang="en-US" sz="2000" dirty="0">
-                <a:latin typeface="仿宋" panose="02010609060101010101" pitchFamily="49" charset="-122"/>
-                <a:ea typeface="仿宋" panose="02010609060101010101" pitchFamily="49" charset="-122"/>
-              </a:rPr>
-              <a:t>服务提供者）</a:t>
-            </a:r>
-            <a:endParaRPr lang="en-US" altLang="zh-CN" sz="2000" dirty="0">
-              <a:latin typeface="仿宋" panose="02010609060101010101" pitchFamily="49" charset="-122"/>
-              <a:ea typeface="仿宋" panose="02010609060101010101" pitchFamily="49" charset="-122"/>
-            </a:endParaRPr>
-          </a:p>
-          <a:p>
-            <a:r>
-              <a:rPr lang="zh-CN" altLang="en-US" sz="2000" b="1" dirty="0">
-                <a:latin typeface="仿宋" panose="02010609060101010101" pitchFamily="49" charset="-122"/>
-                <a:ea typeface="仿宋" panose="02010609060101010101" pitchFamily="49" charset="-122"/>
-              </a:rPr>
-              <a:t>业务逻辑</a:t>
-            </a:r>
-            <a:endParaRPr lang="en-US" altLang="zh-CN" sz="2000" b="1" dirty="0">
-              <a:latin typeface="仿宋" panose="02010609060101010101" pitchFamily="49" charset="-122"/>
-              <a:ea typeface="仿宋" panose="02010609060101010101" pitchFamily="49" charset="-122"/>
-            </a:endParaRPr>
-          </a:p>
-          <a:p>
-            <a:r>
-              <a:rPr lang="en-US" altLang="zh-CN" sz="2000" dirty="0">
-                <a:latin typeface="仿宋" panose="02010609060101010101" pitchFamily="49" charset="-122"/>
-                <a:ea typeface="仿宋" panose="02010609060101010101" pitchFamily="49" charset="-122"/>
-              </a:rPr>
-              <a:t>1</a:t>
-            </a:r>
-            <a:r>
-              <a:rPr lang="zh-CN" altLang="en-US" sz="2000" dirty="0">
-                <a:latin typeface="仿宋" panose="02010609060101010101" pitchFamily="49" charset="-122"/>
-                <a:ea typeface="仿宋" panose="02010609060101010101" pitchFamily="49" charset="-122"/>
-              </a:rPr>
-              <a:t>、调用本地的用户验证类来进行下单前的验证。</a:t>
-            </a:r>
-            <a:endParaRPr lang="en-US" altLang="zh-CN" sz="2000" dirty="0">
-              <a:latin typeface="仿宋" panose="02010609060101010101" pitchFamily="49" charset="-122"/>
-              <a:ea typeface="仿宋" panose="02010609060101010101" pitchFamily="49" charset="-122"/>
-            </a:endParaRPr>
-          </a:p>
-          <a:p>
-            <a:r>
-              <a:rPr lang="en-US" altLang="zh-CN" sz="2000" dirty="0">
-                <a:latin typeface="仿宋" panose="02010609060101010101" pitchFamily="49" charset="-122"/>
-                <a:ea typeface="仿宋" panose="02010609060101010101" pitchFamily="49" charset="-122"/>
-              </a:rPr>
-              <a:t>2</a:t>
-            </a:r>
-            <a:r>
-              <a:rPr lang="zh-CN" altLang="en-US" sz="2000" dirty="0">
-                <a:latin typeface="仿宋" panose="02010609060101010101" pitchFamily="49" charset="-122"/>
-                <a:ea typeface="仿宋" panose="02010609060101010101" pitchFamily="49" charset="-122"/>
-              </a:rPr>
-              <a:t>、调用多个依赖的</a:t>
-            </a:r>
-            <a:r>
-              <a:rPr lang="en-US" altLang="zh-CN" sz="2000" dirty="0" err="1">
-                <a:latin typeface="仿宋" panose="02010609060101010101" pitchFamily="49" charset="-122"/>
-                <a:ea typeface="仿宋" panose="02010609060101010101" pitchFamily="49" charset="-122"/>
-              </a:rPr>
-              <a:t>dubbo</a:t>
-            </a:r>
-            <a:r>
-              <a:rPr lang="zh-CN" altLang="en-US" sz="2000" dirty="0">
-                <a:latin typeface="仿宋" panose="02010609060101010101" pitchFamily="49" charset="-122"/>
-                <a:ea typeface="仿宋" panose="02010609060101010101" pitchFamily="49" charset="-122"/>
-              </a:rPr>
-              <a:t>服务来进行业务处理。</a:t>
-            </a:r>
-            <a:endParaRPr lang="en-US" altLang="zh-CN" sz="2000" dirty="0">
-              <a:latin typeface="仿宋" panose="02010609060101010101" pitchFamily="49" charset="-122"/>
-              <a:ea typeface="仿宋" panose="02010609060101010101" pitchFamily="49" charset="-122"/>
-            </a:endParaRPr>
-          </a:p>
-          <a:p>
-            <a:r>
-              <a:rPr lang="zh-CN" altLang="en-US" sz="2000" b="1" dirty="0">
-                <a:latin typeface="仿宋" panose="02010609060101010101" pitchFamily="49" charset="-122"/>
-                <a:ea typeface="仿宋" panose="02010609060101010101" pitchFamily="49" charset="-122"/>
-              </a:rPr>
-              <a:t>怎样测试？？</a:t>
-            </a:r>
-            <a:endParaRPr lang="en-US" altLang="zh-CN" sz="2000" b="1" dirty="0">
-              <a:latin typeface="仿宋" panose="02010609060101010101" pitchFamily="49" charset="-122"/>
-              <a:ea typeface="仿宋" panose="02010609060101010101" pitchFamily="49" charset="-122"/>
-            </a:endParaRPr>
-          </a:p>
-          <a:p>
-            <a:r>
-              <a:rPr lang="en-US" altLang="zh-CN" sz="2000" dirty="0">
-                <a:latin typeface="仿宋" panose="02010609060101010101" pitchFamily="49" charset="-122"/>
-                <a:ea typeface="仿宋" panose="02010609060101010101" pitchFamily="49" charset="-122"/>
-              </a:rPr>
-              <a:t>1</a:t>
-            </a:r>
-            <a:r>
-              <a:rPr lang="zh-CN" altLang="en-US" sz="2000" dirty="0">
-                <a:latin typeface="仿宋" panose="02010609060101010101" pitchFamily="49" charset="-122"/>
-                <a:ea typeface="仿宋" panose="02010609060101010101" pitchFamily="49" charset="-122"/>
-              </a:rPr>
-              <a:t>、该订单服务（</a:t>
-            </a:r>
-            <a:r>
-              <a:rPr lang="en-US" altLang="zh-CN" sz="2000" dirty="0" err="1">
-                <a:latin typeface="仿宋" panose="02010609060101010101" pitchFamily="49" charset="-122"/>
-                <a:ea typeface="仿宋" panose="02010609060101010101" pitchFamily="49" charset="-122"/>
-              </a:rPr>
-              <a:t>dubbo</a:t>
-            </a:r>
-            <a:r>
-              <a:rPr lang="zh-CN" altLang="en-US" sz="2000" dirty="0">
-                <a:latin typeface="仿宋" panose="02010609060101010101" pitchFamily="49" charset="-122"/>
-                <a:ea typeface="仿宋" panose="02010609060101010101" pitchFamily="49" charset="-122"/>
-              </a:rPr>
-              <a:t>服务）该怎么进行单元测试？</a:t>
-            </a:r>
-            <a:endParaRPr lang="en-US" altLang="zh-CN" sz="2000" dirty="0">
-              <a:latin typeface="仿宋" panose="02010609060101010101" pitchFamily="49" charset="-122"/>
-              <a:ea typeface="仿宋" panose="02010609060101010101" pitchFamily="49" charset="-122"/>
-            </a:endParaRPr>
-          </a:p>
-          <a:p>
-            <a:r>
-              <a:rPr lang="en-US" altLang="zh-CN" sz="2000" dirty="0">
-                <a:latin typeface="仿宋" panose="02010609060101010101" pitchFamily="49" charset="-122"/>
-                <a:ea typeface="仿宋" panose="02010609060101010101" pitchFamily="49" charset="-122"/>
-              </a:rPr>
-              <a:t>2</a:t>
-            </a:r>
-            <a:r>
-              <a:rPr lang="zh-CN" altLang="en-US" sz="2000" dirty="0">
-                <a:latin typeface="仿宋" panose="02010609060101010101" pitchFamily="49" charset="-122"/>
-                <a:ea typeface="仿宋" panose="02010609060101010101" pitchFamily="49" charset="-122"/>
-              </a:rPr>
-              <a:t>、当用户验证结果不是我想要的结果时，该怎样进行单元测试？</a:t>
-            </a:r>
-            <a:endParaRPr lang="en-US" altLang="zh-CN" sz="2000" dirty="0">
-              <a:latin typeface="仿宋" panose="02010609060101010101" pitchFamily="49" charset="-122"/>
-              <a:ea typeface="仿宋" panose="02010609060101010101" pitchFamily="49" charset="-122"/>
-            </a:endParaRPr>
-          </a:p>
-          <a:p>
-            <a:r>
-              <a:rPr lang="en-US" altLang="zh-CN" sz="2000" dirty="0">
-                <a:latin typeface="仿宋" panose="02010609060101010101" pitchFamily="49" charset="-122"/>
-                <a:ea typeface="仿宋" panose="02010609060101010101" pitchFamily="49" charset="-122"/>
-              </a:rPr>
-              <a:t>3</a:t>
-            </a:r>
-            <a:r>
-              <a:rPr lang="zh-CN" altLang="en-US" sz="2000" dirty="0">
-                <a:latin typeface="仿宋" panose="02010609060101010101" pitchFamily="49" charset="-122"/>
-                <a:ea typeface="仿宋" panose="02010609060101010101" pitchFamily="49" charset="-122"/>
-              </a:rPr>
-              <a:t>、当依赖的</a:t>
-            </a:r>
-            <a:r>
-              <a:rPr lang="en-US" altLang="zh-CN" sz="2000" dirty="0" err="1">
-                <a:latin typeface="仿宋" panose="02010609060101010101" pitchFamily="49" charset="-122"/>
-                <a:ea typeface="仿宋" panose="02010609060101010101" pitchFamily="49" charset="-122"/>
-              </a:rPr>
-              <a:t>dubbo</a:t>
-            </a:r>
-            <a:r>
-              <a:rPr lang="zh-CN" altLang="en-US" sz="2000" dirty="0">
-                <a:latin typeface="仿宋" panose="02010609060101010101" pitchFamily="49" charset="-122"/>
-                <a:ea typeface="仿宋" panose="02010609060101010101" pitchFamily="49" charset="-122"/>
-              </a:rPr>
-              <a:t>服务未开发完成，或者依赖的</a:t>
-            </a:r>
-            <a:r>
-              <a:rPr lang="en-US" altLang="zh-CN" sz="2000" dirty="0" err="1">
-                <a:latin typeface="仿宋" panose="02010609060101010101" pitchFamily="49" charset="-122"/>
-                <a:ea typeface="仿宋" panose="02010609060101010101" pitchFamily="49" charset="-122"/>
-              </a:rPr>
-              <a:t>dubbo</a:t>
-            </a:r>
-            <a:r>
-              <a:rPr lang="zh-CN" altLang="en-US" sz="2000" dirty="0">
-                <a:latin typeface="仿宋" panose="02010609060101010101" pitchFamily="49" charset="-122"/>
-                <a:ea typeface="仿宋" panose="02010609060101010101" pitchFamily="49" charset="-122"/>
-              </a:rPr>
-              <a:t>服务的结果不是我想要的结果时，该怎样进行单元测试？</a:t>
-            </a:r>
-            <a:endParaRPr lang="en-US" altLang="zh-CN" sz="2000" dirty="0">
-              <a:latin typeface="仿宋" panose="02010609060101010101" pitchFamily="49" charset="-122"/>
-              <a:ea typeface="仿宋" panose="02010609060101010101" pitchFamily="49" charset="-122"/>
-            </a:endParaRPr>
-          </a:p>
-          <a:p>
-            <a:endParaRPr lang="en-US" altLang="zh-CN" sz="2000" dirty="0">
-              <a:latin typeface="仿宋" panose="02010609060101010101" pitchFamily="49" charset="-122"/>
-              <a:ea typeface="仿宋" panose="02010609060101010101" pitchFamily="49" charset="-122"/>
-            </a:endParaRPr>
-          </a:p>
-          <a:p>
-            <a:r>
-              <a:rPr lang="zh-CN" altLang="en-US" sz="2000" dirty="0" smtClean="0">
-                <a:latin typeface="仿宋" panose="02010609060101010101" pitchFamily="49" charset="-122"/>
-                <a:ea typeface="仿宋" panose="02010609060101010101" pitchFamily="49" charset="-122"/>
-              </a:rPr>
-              <a:t>上述几个测试场景均可在案例六中找到对应的实现代码。</a:t>
-            </a:r>
-            <a:endParaRPr lang="zh-CN" altLang="en-US" sz="2000" dirty="0">
-              <a:latin typeface="仿宋" panose="02010609060101010101" pitchFamily="49" charset="-122"/>
-              <a:ea typeface="仿宋" panose="02010609060101010101" pitchFamily="49" charset="-122"/>
-            </a:endParaRPr>
-          </a:p>
-        </p:txBody>
-      </p:sp>
-    </p:spTree>
-  </p:cSld>
-  <p:clrMapOvr>
-    <a:masterClrMapping/>
-  </p:clrMapOvr>
-  <p:timing>
-    <p:tnLst>
-      <p:par>
-        <p:cTn id="1" dur="indefinite" restart="never" nodeType="tmRoot"/>
-      </p:par>
-    </p:tnLst>
-  </p:timing>
-</p:sld>
-</file>
-
-<file path=ppt/slides/slide19.xml><?xml version="1.0" encoding="utf-8"?>
-<p:sld xmlns:a="http://schemas.openxmlformats.org/drawingml/2006/main" xmlns:r="http://schemas.openxmlformats.org/officeDocument/2006/relationships" xmlns:p="http://schemas.openxmlformats.org/presentationml/2006/main">
-  <p:cSld>
-    <p:spTree>
-      <p:nvGrpSpPr>
-        <p:cNvPr id="1" name=""/>
-        <p:cNvGrpSpPr/>
-        <p:nvPr/>
-      </p:nvGrpSpPr>
-      <p:grpSpPr>
-        <a:xfrm>
-          <a:off x="0" y="0"/>
-          <a:ext cx="0" cy="0"/>
-          <a:chOff x="0" y="0"/>
-          <a:chExt cx="0" cy="0"/>
-        </a:xfrm>
-      </p:grpSpPr>
-      <p:sp>
-        <p:nvSpPr>
           <p:cNvPr id="5" name="文本框 4"/>
           <p:cNvSpPr txBox="1"/>
           <p:nvPr/>
@@ -8825,124 +8498,372 @@
       </p:grpSpPr>
       <p:sp>
         <p:nvSpPr>
-          <p:cNvPr id="5" name="文本框 4"/>
-          <p:cNvSpPr txBox="1"/>
-          <p:nvPr/>
+          <p:cNvPr id="2" name="标题 1"/>
+          <p:cNvSpPr>
+            <a:spLocks noGrp="1"/>
+          </p:cNvSpPr>
+          <p:nvPr>
+            <p:ph type="title"/>
+          </p:nvPr>
+        </p:nvSpPr>
+        <p:spPr/>
+        <p:txBody>
+          <a:bodyPr/>
+          <a:lstStyle/>
+          <a:p>
+            <a:r>
+              <a:rPr lang="zh-CN" altLang="en-US" dirty="0" smtClean="0">
+                <a:latin typeface="仿宋" panose="02010609060101010101" pitchFamily="49" charset="-122"/>
+                <a:ea typeface="仿宋" panose="02010609060101010101" pitchFamily="49" charset="-122"/>
+              </a:rPr>
+              <a:t>目录</a:t>
+            </a:r>
+            <a:endParaRPr lang="zh-CN" altLang="en-US" dirty="0">
+              <a:latin typeface="仿宋" panose="02010609060101010101" pitchFamily="49" charset="-122"/>
+              <a:ea typeface="仿宋" panose="02010609060101010101" pitchFamily="49" charset="-122"/>
+            </a:endParaRPr>
+          </a:p>
+        </p:txBody>
+      </p:sp>
+      <p:sp>
+        <p:nvSpPr>
+          <p:cNvPr id="3" name="内容占位符 2"/>
+          <p:cNvSpPr>
+            <a:spLocks noGrp="1"/>
+          </p:cNvSpPr>
+          <p:nvPr>
+            <p:ph idx="1"/>
+          </p:nvPr>
         </p:nvSpPr>
         <p:spPr>
           <a:xfrm>
-            <a:off x="3609819" y="2206578"/>
-            <a:ext cx="4836580" cy="830997"/>
+            <a:off x="838200" y="1690689"/>
+            <a:ext cx="10515600" cy="4608512"/>
           </a:xfrm>
-          <a:prstGeom prst="rect">
-            <a:avLst/>
-          </a:prstGeom>
-          <a:noFill/>
         </p:spPr>
         <p:txBody>
-          <a:bodyPr wrap="none" rtlCol="0" anchor="t">
-            <a:spAutoFit/>
+          <a:bodyPr>
+            <a:normAutofit fontScale="97500" lnSpcReduction="10000"/>
           </a:bodyPr>
           <a:lstStyle/>
           <a:p>
-            <a:pPr algn="l" eaLnBrk="1" fontAlgn="auto" hangingPunct="1">
-              <a:spcBef>
-                <a:spcPts val="0"/>
-              </a:spcBef>
-              <a:spcAft>
-                <a:spcPts val="0"/>
-              </a:spcAft>
-              <a:defRPr/>
-            </a:pPr>
-            <a:r>
-              <a:rPr lang="en-US" altLang="zh-CN" sz="4800" b="1" dirty="0" err="1" smtClean="0">
-                <a:solidFill>
-                  <a:schemeClr val="accent1">
-                    <a:lumMod val="75000"/>
-                  </a:schemeClr>
-                </a:solidFill>
+            <a:r>
+              <a:rPr lang="zh-CN" altLang="en-US" sz="2000" dirty="0">
+                <a:latin typeface="仿宋" panose="02010609060101010101" pitchFamily="49" charset="-122"/>
+                <a:ea typeface="仿宋" panose="02010609060101010101" pitchFamily="49" charset="-122"/>
+              </a:rPr>
+              <a:t>单元测试简介</a:t>
+            </a:r>
+            <a:endParaRPr lang="zh-CN" altLang="en-US" sz="2000" dirty="0">
+              <a:latin typeface="仿宋" panose="02010609060101010101" pitchFamily="49" charset="-122"/>
+              <a:ea typeface="仿宋" panose="02010609060101010101" pitchFamily="49" charset="-122"/>
+            </a:endParaRPr>
+          </a:p>
+          <a:p>
+            <a:r>
+              <a:rPr lang="zh-CN" altLang="en-US" sz="2000" dirty="0">
+                <a:latin typeface="仿宋" panose="02010609060101010101" pitchFamily="49" charset="-122"/>
+                <a:ea typeface="仿宋" panose="02010609060101010101" pitchFamily="49" charset="-122"/>
+              </a:rPr>
+              <a:t>一个实际的开发测试</a:t>
+            </a:r>
+            <a:r>
+              <a:rPr lang="zh-CN" altLang="en-US" sz="2000" dirty="0" smtClean="0">
+                <a:latin typeface="仿宋" panose="02010609060101010101" pitchFamily="49" charset="-122"/>
+                <a:ea typeface="仿宋" panose="02010609060101010101" pitchFamily="49" charset="-122"/>
+              </a:rPr>
+              <a:t>场景</a:t>
+            </a:r>
+            <a:endParaRPr lang="en-US" altLang="zh-CN" sz="2000" dirty="0" smtClean="0">
+              <a:latin typeface="仿宋" panose="02010609060101010101" pitchFamily="49" charset="-122"/>
+              <a:ea typeface="仿宋" panose="02010609060101010101" pitchFamily="49" charset="-122"/>
+            </a:endParaRPr>
+          </a:p>
+          <a:p>
+            <a:r>
+              <a:rPr lang="en-US" altLang="zh-CN" sz="2000" dirty="0" err="1">
+                <a:latin typeface="仿宋" panose="02010609060101010101" pitchFamily="49" charset="-122"/>
+                <a:ea typeface="仿宋" panose="02010609060101010101" pitchFamily="49" charset="-122"/>
+              </a:rPr>
+              <a:t>JMockit</a:t>
+            </a:r>
+            <a:r>
+              <a:rPr lang="zh-CN" altLang="en-US" sz="2000" dirty="0" smtClean="0">
+                <a:latin typeface="仿宋" panose="02010609060101010101" pitchFamily="49" charset="-122"/>
+                <a:ea typeface="仿宋" panose="02010609060101010101" pitchFamily="49" charset="-122"/>
+              </a:rPr>
+              <a:t>简介</a:t>
+            </a:r>
+            <a:endParaRPr lang="en-US" altLang="zh-CN" sz="2000" dirty="0" smtClean="0">
+              <a:latin typeface="仿宋" panose="02010609060101010101" pitchFamily="49" charset="-122"/>
+              <a:ea typeface="仿宋" panose="02010609060101010101" pitchFamily="49" charset="-122"/>
+            </a:endParaRPr>
+          </a:p>
+          <a:p>
+            <a:r>
+              <a:rPr lang="en-US" altLang="zh-CN" sz="2000" dirty="0" err="1">
+                <a:latin typeface="仿宋" panose="02010609060101010101" pitchFamily="49" charset="-122"/>
+                <a:ea typeface="仿宋" panose="02010609060101010101" pitchFamily="49" charset="-122"/>
+              </a:rPr>
+              <a:t>JMockit</a:t>
+            </a:r>
+            <a:r>
+              <a:rPr lang="zh-CN" altLang="en-US" sz="2000" dirty="0" smtClean="0">
+                <a:latin typeface="仿宋" panose="02010609060101010101" pitchFamily="49" charset="-122"/>
+                <a:ea typeface="仿宋" panose="02010609060101010101" pitchFamily="49" charset="-122"/>
+              </a:rPr>
+              <a:t>配置</a:t>
+            </a:r>
+            <a:endParaRPr lang="en-US" altLang="zh-CN" sz="2000" dirty="0" smtClean="0">
+              <a:latin typeface="仿宋" panose="02010609060101010101" pitchFamily="49" charset="-122"/>
+              <a:ea typeface="仿宋" panose="02010609060101010101" pitchFamily="49" charset="-122"/>
+            </a:endParaRPr>
+          </a:p>
+          <a:p>
+            <a:r>
+              <a:rPr lang="en-US" altLang="zh-CN" sz="2000" dirty="0" err="1">
+                <a:latin typeface="仿宋" panose="02010609060101010101" pitchFamily="49" charset="-122"/>
+                <a:ea typeface="仿宋" panose="02010609060101010101" pitchFamily="49" charset="-122"/>
+              </a:rPr>
+              <a:t>JMockit</a:t>
+            </a:r>
+            <a:r>
+              <a:rPr lang="zh-CN" altLang="en-US" sz="2000" dirty="0">
+                <a:latin typeface="仿宋" panose="02010609060101010101" pitchFamily="49" charset="-122"/>
+                <a:ea typeface="仿宋" panose="02010609060101010101" pitchFamily="49" charset="-122"/>
+              </a:rPr>
+              <a:t>的程序</a:t>
+            </a:r>
+            <a:r>
+              <a:rPr lang="zh-CN" altLang="en-US" sz="2000" dirty="0" smtClean="0">
+                <a:latin typeface="仿宋" panose="02010609060101010101" pitchFamily="49" charset="-122"/>
+                <a:ea typeface="仿宋" panose="02010609060101010101" pitchFamily="49" charset="-122"/>
+              </a:rPr>
+              <a:t>结构</a:t>
+            </a:r>
+            <a:endParaRPr lang="en-US" altLang="zh-CN" sz="2000" dirty="0" smtClean="0">
+              <a:latin typeface="仿宋" panose="02010609060101010101" pitchFamily="49" charset="-122"/>
+              <a:ea typeface="仿宋" panose="02010609060101010101" pitchFamily="49" charset="-122"/>
+            </a:endParaRPr>
+          </a:p>
+          <a:p>
+            <a:r>
+              <a:rPr lang="en-US" altLang="zh-CN" sz="2000" dirty="0" err="1">
+                <a:latin typeface="仿宋" panose="02010609060101010101" pitchFamily="49" charset="-122"/>
+                <a:ea typeface="仿宋" panose="02010609060101010101" pitchFamily="49" charset="-122"/>
+              </a:rPr>
+              <a:t>JMockit</a:t>
+            </a:r>
+            <a:r>
+              <a:rPr lang="zh-CN" altLang="en-US" sz="2000" dirty="0">
+                <a:latin typeface="仿宋" panose="02010609060101010101" pitchFamily="49" charset="-122"/>
+                <a:ea typeface="仿宋" panose="02010609060101010101" pitchFamily="49" charset="-122"/>
+              </a:rPr>
+              <a:t>注解</a:t>
+            </a:r>
+            <a:endParaRPr lang="en-US" altLang="zh-CN" sz="2000" dirty="0" smtClean="0">
+              <a:latin typeface="仿宋" panose="02010609060101010101" pitchFamily="49" charset="-122"/>
+              <a:ea typeface="仿宋" panose="02010609060101010101" pitchFamily="49" charset="-122"/>
+            </a:endParaRPr>
+          </a:p>
+          <a:p>
+            <a:r>
+              <a:rPr lang="zh-CN" altLang="en-US" sz="2000" dirty="0">
+                <a:latin typeface="仿宋" panose="02010609060101010101" pitchFamily="49" charset="-122"/>
+                <a:ea typeface="仿宋" panose="02010609060101010101" pitchFamily="49" charset="-122"/>
+              </a:rPr>
+              <a:t>案例一：</a:t>
+            </a:r>
+            <a:r>
+              <a:rPr lang="en-US" altLang="zh-CN" sz="2000" dirty="0">
+                <a:latin typeface="仿宋" panose="02010609060101010101" pitchFamily="49" charset="-122"/>
+                <a:ea typeface="仿宋" panose="02010609060101010101" pitchFamily="49" charset="-122"/>
+              </a:rPr>
+              <a:t>Mock</a:t>
+            </a:r>
+            <a:r>
+              <a:rPr lang="zh-CN" altLang="en-US" sz="2000" dirty="0" smtClean="0">
+                <a:latin typeface="仿宋" panose="02010609060101010101" pitchFamily="49" charset="-122"/>
+                <a:ea typeface="仿宋" panose="02010609060101010101" pitchFamily="49" charset="-122"/>
+              </a:rPr>
+              <a:t>类</a:t>
+            </a:r>
+            <a:endParaRPr lang="en-US" altLang="zh-CN" sz="2000" dirty="0" smtClean="0">
+              <a:latin typeface="仿宋" panose="02010609060101010101" pitchFamily="49" charset="-122"/>
+              <a:ea typeface="仿宋" panose="02010609060101010101" pitchFamily="49" charset="-122"/>
+            </a:endParaRPr>
+          </a:p>
+          <a:p>
+            <a:r>
+              <a:rPr lang="zh-CN" altLang="en-US" sz="2000" dirty="0">
+                <a:latin typeface="仿宋" panose="02010609060101010101" pitchFamily="49" charset="-122"/>
+                <a:ea typeface="仿宋" panose="02010609060101010101" pitchFamily="49" charset="-122"/>
+              </a:rPr>
+              <a:t>案例二：</a:t>
+            </a:r>
+            <a:r>
+              <a:rPr lang="en-US" altLang="zh-CN" sz="2000" dirty="0">
+                <a:latin typeface="仿宋" panose="02010609060101010101" pitchFamily="49" charset="-122"/>
+                <a:ea typeface="仿宋" panose="02010609060101010101" pitchFamily="49" charset="-122"/>
+              </a:rPr>
+              <a:t>Mock</a:t>
+            </a:r>
+            <a:r>
+              <a:rPr lang="zh-CN" altLang="en-US" sz="2000" dirty="0">
+                <a:latin typeface="仿宋" panose="02010609060101010101" pitchFamily="49" charset="-122"/>
+                <a:ea typeface="仿宋" panose="02010609060101010101" pitchFamily="49" charset="-122"/>
+              </a:rPr>
+              <a:t>实例</a:t>
+            </a:r>
+            <a:endParaRPr lang="en-US" altLang="zh-CN" sz="2000" dirty="0">
+              <a:latin typeface="仿宋" panose="02010609060101010101" pitchFamily="49" charset="-122"/>
+              <a:ea typeface="仿宋" panose="02010609060101010101" pitchFamily="49" charset="-122"/>
+            </a:endParaRPr>
+          </a:p>
+          <a:p>
+            <a:r>
+              <a:rPr lang="zh-CN" altLang="en-US" sz="2000" dirty="0">
+                <a:latin typeface="仿宋" panose="02010609060101010101" pitchFamily="49" charset="-122"/>
+                <a:ea typeface="仿宋" panose="02010609060101010101" pitchFamily="49" charset="-122"/>
+              </a:rPr>
+              <a:t>案例三：</a:t>
+            </a:r>
+            <a:r>
+              <a:rPr lang="en-US" altLang="zh-CN" sz="2000" dirty="0">
+                <a:latin typeface="仿宋" panose="02010609060101010101" pitchFamily="49" charset="-122"/>
+                <a:ea typeface="仿宋" panose="02010609060101010101" pitchFamily="49" charset="-122"/>
+              </a:rPr>
+              <a:t>Mock</a:t>
+            </a:r>
+            <a:r>
+              <a:rPr lang="zh-CN" altLang="en-US" sz="2000" dirty="0" smtClean="0">
+                <a:latin typeface="仿宋" panose="02010609060101010101" pitchFamily="49" charset="-122"/>
+                <a:ea typeface="仿宋" panose="02010609060101010101" pitchFamily="49" charset="-122"/>
+              </a:rPr>
+              <a:t>接口</a:t>
+            </a:r>
+            <a:endParaRPr lang="en-US" altLang="zh-CN" sz="2000" dirty="0" smtClean="0">
+              <a:latin typeface="仿宋" panose="02010609060101010101" pitchFamily="49" charset="-122"/>
+              <a:ea typeface="仿宋" panose="02010609060101010101" pitchFamily="49" charset="-122"/>
+            </a:endParaRPr>
+          </a:p>
+          <a:p>
+            <a:r>
+              <a:rPr lang="zh-CN" altLang="en-US" sz="2000" dirty="0">
+                <a:latin typeface="仿宋" panose="02010609060101010101" pitchFamily="49" charset="-122"/>
+                <a:ea typeface="仿宋" panose="02010609060101010101" pitchFamily="49" charset="-122"/>
+              </a:rPr>
+              <a:t>案例</a:t>
+            </a:r>
+            <a:r>
+              <a:rPr lang="zh-CN" altLang="en-US" sz="2000" dirty="0" smtClean="0">
+                <a:latin typeface="仿宋" panose="02010609060101010101" pitchFamily="49" charset="-122"/>
+                <a:ea typeface="仿宋" panose="02010609060101010101" pitchFamily="49" charset="-122"/>
+              </a:rPr>
+              <a:t>四：</a:t>
+            </a:r>
+            <a:r>
+              <a:rPr lang="en-US" altLang="zh-CN" sz="2000" dirty="0">
                 <a:latin typeface="仿宋" panose="02010609060101010101" pitchFamily="49" charset="-122"/>
                 <a:ea typeface="仿宋" panose="02010609060101010101" pitchFamily="49" charset="-122"/>
                 <a:sym typeface="+mn-ea"/>
               </a:rPr>
-              <a:t>JMockit</a:t>
-            </a:r>
-            <a:r>
-              <a:rPr lang="zh-CN" altLang="en-US" sz="4800" b="1" dirty="0" smtClean="0">
-                <a:solidFill>
-                  <a:schemeClr val="accent1">
-                    <a:lumMod val="75000"/>
-                  </a:schemeClr>
-                </a:solidFill>
+              <a:t>Mock Spring </a:t>
+            </a:r>
+            <a:r>
+              <a:rPr lang="en-US" altLang="zh-CN" sz="2000" dirty="0" smtClean="0">
                 <a:latin typeface="仿宋" panose="02010609060101010101" pitchFamily="49" charset="-122"/>
                 <a:ea typeface="仿宋" panose="02010609060101010101" pitchFamily="49" charset="-122"/>
                 <a:sym typeface="+mn-ea"/>
               </a:rPr>
-              <a:t>单元测试</a:t>
-            </a:r>
-            <a:endParaRPr lang="zh-CN" altLang="en-US" sz="4800" dirty="0">
-              <a:latin typeface="仿宋" panose="02010609060101010101" pitchFamily="49" charset="-122"/>
-              <a:ea typeface="仿宋" panose="02010609060101010101" pitchFamily="49" charset="-122"/>
-            </a:endParaRPr>
-          </a:p>
-        </p:txBody>
-      </p:sp>
-      <p:sp>
-        <p:nvSpPr>
-          <p:cNvPr id="2" name="TextBox 1"/>
-          <p:cNvSpPr txBox="1"/>
-          <p:nvPr/>
-        </p:nvSpPr>
-        <p:spPr>
-          <a:xfrm>
-            <a:off x="8798560" y="4561840"/>
-            <a:ext cx="2458720" cy="923330"/>
-          </a:xfrm>
-          <a:prstGeom prst="rect">
-            <a:avLst/>
-          </a:prstGeom>
-          <a:noFill/>
-        </p:spPr>
-        <p:txBody>
-          <a:bodyPr wrap="square" rtlCol="0">
-            <a:spAutoFit/>
-          </a:bodyPr>
-          <a:lstStyle/>
-          <a:p>
-            <a:r>
-              <a:rPr lang="zh-CN" altLang="en-US" dirty="0" smtClean="0">
-                <a:latin typeface="仿宋" panose="02010609060101010101" pitchFamily="49" charset="-122"/>
-                <a:ea typeface="仿宋" panose="02010609060101010101" pitchFamily="49" charset="-122"/>
-              </a:rPr>
-              <a:t>消费金融部 </a:t>
-            </a:r>
-            <a:endParaRPr lang="en-US" altLang="zh-CN" dirty="0" smtClean="0">
-              <a:latin typeface="仿宋" panose="02010609060101010101" pitchFamily="49" charset="-122"/>
-              <a:ea typeface="仿宋" panose="02010609060101010101" pitchFamily="49" charset="-122"/>
-            </a:endParaRPr>
-          </a:p>
-          <a:p>
-            <a:r>
-              <a:rPr lang="zh-CN" altLang="en-US" dirty="0" smtClean="0">
-                <a:latin typeface="仿宋" panose="02010609060101010101" pitchFamily="49" charset="-122"/>
-                <a:ea typeface="仿宋" panose="02010609060101010101" pitchFamily="49" charset="-122"/>
-              </a:rPr>
-              <a:t>陈创坤</a:t>
-            </a:r>
-            <a:endParaRPr lang="en-US" altLang="zh-CN" dirty="0" smtClean="0">
-              <a:latin typeface="仿宋" panose="02010609060101010101" pitchFamily="49" charset="-122"/>
-              <a:ea typeface="仿宋" panose="02010609060101010101" pitchFamily="49" charset="-122"/>
-            </a:endParaRPr>
-          </a:p>
-          <a:p>
-            <a:r>
-              <a:rPr lang="en-US" altLang="zh-CN" dirty="0" smtClean="0">
-                <a:latin typeface="仿宋" panose="02010609060101010101" pitchFamily="49" charset="-122"/>
-                <a:ea typeface="仿宋" panose="02010609060101010101" pitchFamily="49" charset="-122"/>
-              </a:rPr>
-              <a:t>2018-12-13</a:t>
-            </a:r>
-            <a:endParaRPr lang="zh-CN" altLang="en-US" dirty="0">
+              <a:t>Bean</a:t>
+            </a:r>
+            <a:endParaRPr lang="zh-CN" altLang="en-US" sz="2000" dirty="0" smtClean="0">
+              <a:latin typeface="仿宋" panose="02010609060101010101" pitchFamily="49" charset="-122"/>
+              <a:ea typeface="仿宋" panose="02010609060101010101" pitchFamily="49" charset="-122"/>
+            </a:endParaRPr>
+          </a:p>
+          <a:p>
+            <a:r>
+              <a:rPr lang="zh-CN" altLang="en-US" sz="2000" dirty="0" smtClean="0">
+                <a:latin typeface="仿宋" panose="02010609060101010101" pitchFamily="49" charset="-122"/>
+                <a:ea typeface="仿宋" panose="02010609060101010101" pitchFamily="49" charset="-122"/>
+              </a:rPr>
+              <a:t>案例五：</a:t>
+            </a:r>
+            <a:r>
+              <a:rPr lang="en-US" altLang="zh-CN" sz="2000" dirty="0">
+                <a:latin typeface="仿宋" panose="02010609060101010101" pitchFamily="49" charset="-122"/>
+                <a:ea typeface="仿宋" panose="02010609060101010101" pitchFamily="49" charset="-122"/>
+                <a:sym typeface="+mn-ea"/>
+              </a:rPr>
+              <a:t>Mock MQ</a:t>
+            </a:r>
+            <a:r>
+              <a:rPr lang="zh-CN" altLang="en-US" sz="2000" dirty="0">
+                <a:latin typeface="仿宋" panose="02010609060101010101" pitchFamily="49" charset="-122"/>
+                <a:ea typeface="仿宋" panose="02010609060101010101" pitchFamily="49" charset="-122"/>
+                <a:sym typeface="+mn-ea"/>
+              </a:rPr>
+              <a:t>消息生产者</a:t>
+            </a:r>
+            <a:endParaRPr lang="en-US" altLang="zh-CN" sz="2000" dirty="0" smtClean="0">
+              <a:latin typeface="仿宋" panose="02010609060101010101" pitchFamily="49" charset="-122"/>
+              <a:ea typeface="仿宋" panose="02010609060101010101" pitchFamily="49" charset="-122"/>
+            </a:endParaRPr>
+          </a:p>
+          <a:p>
+            <a:r>
+              <a:rPr lang="zh-CN" altLang="en-US" sz="2000" dirty="0" smtClean="0">
+                <a:latin typeface="仿宋" panose="02010609060101010101" pitchFamily="49" charset="-122"/>
+                <a:ea typeface="仿宋" panose="02010609060101010101" pitchFamily="49" charset="-122"/>
+              </a:rPr>
+              <a:t>案例</a:t>
+            </a:r>
+            <a:r>
+              <a:rPr lang="zh-CN" altLang="en-US" sz="2000" dirty="0">
+                <a:latin typeface="仿宋" panose="02010609060101010101" pitchFamily="49" charset="-122"/>
+                <a:ea typeface="仿宋" panose="02010609060101010101" pitchFamily="49" charset="-122"/>
+                <a:sym typeface="+mn-ea"/>
+              </a:rPr>
+              <a:t>六</a:t>
+            </a:r>
+            <a:r>
+              <a:rPr lang="zh-CN" altLang="en-US" sz="2000" dirty="0" smtClean="0">
+                <a:latin typeface="仿宋" panose="02010609060101010101" pitchFamily="49" charset="-122"/>
+                <a:ea typeface="仿宋" panose="02010609060101010101" pitchFamily="49" charset="-122"/>
+              </a:rPr>
+              <a:t>：</a:t>
+            </a:r>
+            <a:r>
+              <a:rPr lang="en-US" altLang="zh-CN" sz="2000" dirty="0">
+                <a:latin typeface="仿宋" panose="02010609060101010101" pitchFamily="49" charset="-122"/>
+                <a:ea typeface="仿宋" panose="02010609060101010101" pitchFamily="49" charset="-122"/>
+              </a:rPr>
+              <a:t>Mock </a:t>
+            </a:r>
+            <a:r>
+              <a:rPr lang="en-US" altLang="zh-CN" sz="2000" dirty="0" err="1">
+                <a:latin typeface="仿宋" panose="02010609060101010101" pitchFamily="49" charset="-122"/>
+                <a:ea typeface="仿宋" panose="02010609060101010101" pitchFamily="49" charset="-122"/>
+              </a:rPr>
+              <a:t>Dubbo</a:t>
+            </a:r>
+            <a:r>
+              <a:rPr lang="zh-CN" altLang="en-US" sz="2000" dirty="0">
+                <a:latin typeface="仿宋" panose="02010609060101010101" pitchFamily="49" charset="-122"/>
+                <a:ea typeface="仿宋" panose="02010609060101010101" pitchFamily="49" charset="-122"/>
+              </a:rPr>
+              <a:t>消费</a:t>
+            </a:r>
+            <a:r>
+              <a:rPr lang="en-US" altLang="zh-CN" sz="2000" dirty="0">
+                <a:latin typeface="仿宋" panose="02010609060101010101" pitchFamily="49" charset="-122"/>
+                <a:ea typeface="仿宋" panose="02010609060101010101" pitchFamily="49" charset="-122"/>
+              </a:rPr>
+              <a:t>Bean</a:t>
+            </a:r>
+            <a:endParaRPr lang="zh-CN" altLang="en-US" sz="2000" dirty="0">
               <a:latin typeface="仿宋" panose="02010609060101010101" pitchFamily="49" charset="-122"/>
               <a:ea typeface="仿宋" panose="02010609060101010101" pitchFamily="49" charset="-122"/>
             </a:endParaRPr>
@@ -8961,195 +8882,6 @@
       </p:par>
     </p:tnLst>
   </p:timing>
-</p:sld>
-</file>
-
-<file path=ppt/slides/slide20.xml><?xml version="1.0" encoding="utf-8"?>
-<p:sld xmlns:a="http://schemas.openxmlformats.org/drawingml/2006/main" xmlns:r="http://schemas.openxmlformats.org/officeDocument/2006/relationships" xmlns:p="http://schemas.openxmlformats.org/presentationml/2006/main">
-  <p:cSld>
-    <p:spTree>
-      <p:nvGrpSpPr>
-        <p:cNvPr id="1" name=""/>
-        <p:cNvGrpSpPr/>
-        <p:nvPr/>
-      </p:nvGrpSpPr>
-      <p:grpSpPr>
-        <a:xfrm>
-          <a:off x="0" y="0"/>
-          <a:ext cx="0" cy="0"/>
-          <a:chOff x="0" y="0"/>
-          <a:chExt cx="0" cy="0"/>
-        </a:xfrm>
-      </p:grpSpPr>
-      <p:pic>
-        <p:nvPicPr>
-          <p:cNvPr id="1026" name="Picture 2"/>
-          <p:cNvPicPr>
-            <a:picLocks noChangeAspect="1" noChangeArrowheads="1"/>
-          </p:cNvPicPr>
-          <p:nvPr/>
-        </p:nvPicPr>
-        <p:blipFill>
-          <a:blip r:embed="rId1">
-            <a:extLst>
-              <a:ext uri="{28A0092B-C50C-407E-A947-70E740481C1C}">
-                <a14:useLocalDpi xmlns:a14="http://schemas.microsoft.com/office/drawing/2010/main" val="0"/>
-              </a:ext>
-            </a:extLst>
-          </a:blip>
-          <a:srcRect/>
-          <a:stretch>
-            <a:fillRect/>
-          </a:stretch>
-        </p:blipFill>
-        <p:spPr bwMode="auto">
-          <a:xfrm>
-            <a:off x="3810000" y="665798"/>
-            <a:ext cx="4572000" cy="4429125"/>
-          </a:xfrm>
-          <a:prstGeom prst="rect">
-            <a:avLst/>
-          </a:prstGeom>
-          <a:noFill/>
-          <a:ln>
-            <a:noFill/>
-          </a:ln>
-          <a:effectLst/>
-          <a:extLst>
-            <a:ext uri="{909E8E84-426E-40DD-AFC4-6F175D3DCCD1}">
-              <a14:hiddenFill xmlns:a14="http://schemas.microsoft.com/office/drawing/2010/main">
-                <a:solidFill>
-                  <a:schemeClr val="accent1"/>
-                </a:solidFill>
-              </a14:hiddenFill>
-            </a:ext>
-            <a:ext uri="{91240B29-F687-4F45-9708-019B960494DF}">
-              <a14:hiddenLine xmlns:a14="http://schemas.microsoft.com/office/drawing/2010/main" w="9525">
-                <a:solidFill>
-                  <a:schemeClr val="tx1"/>
-                </a:solidFill>
-                <a:miter lim="800000"/>
-                <a:headEnd/>
-                <a:tailEnd/>
-              </a14:hiddenLine>
-            </a:ext>
-            <a:ext uri="{AF507438-7753-43E0-B8FC-AC1667EBCBE1}">
-              <a14:hiddenEffects xmlns:a14="http://schemas.microsoft.com/office/drawing/2010/main">
-                <a:effectLst>
-                  <a:outerShdw dist="35921" dir="2700000" algn="ctr" rotWithShape="0">
-                    <a:schemeClr val="bg2"/>
-                  </a:outerShdw>
-                </a:effectLst>
-              </a14:hiddenEffects>
-            </a:ext>
-          </a:extLst>
-        </p:spPr>
-      </p:pic>
-      <p:sp>
-        <p:nvSpPr>
-          <p:cNvPr id="2" name="TextBox 1"/>
-          <p:cNvSpPr txBox="1"/>
-          <p:nvPr/>
-        </p:nvSpPr>
-        <p:spPr>
-          <a:xfrm>
-            <a:off x="3810000" y="5094923"/>
-            <a:ext cx="5085806" cy="461665"/>
-          </a:xfrm>
-          <a:prstGeom prst="rect">
-            <a:avLst/>
-          </a:prstGeom>
-          <a:noFill/>
-        </p:spPr>
-        <p:txBody>
-          <a:bodyPr wrap="square" rtlCol="0">
-            <a:spAutoFit/>
-          </a:bodyPr>
-          <a:lstStyle/>
-          <a:p>
-            <a:r>
-              <a:rPr lang="zh-CN" altLang="en-US" sz="2400" b="1" dirty="0" smtClean="0">
-                <a:latin typeface="华文中宋" panose="02010600040101010101" pitchFamily="2" charset="-122"/>
-                <a:ea typeface="华文中宋" panose="02010600040101010101" pitchFamily="2" charset="-122"/>
-              </a:rPr>
-              <a:t>请大家扫描填写培训评估表，谢谢</a:t>
-            </a:r>
-            <a:endParaRPr lang="zh-CN" altLang="en-US" sz="2400" b="1" dirty="0">
-              <a:latin typeface="华文中宋" panose="02010600040101010101" pitchFamily="2" charset="-122"/>
-              <a:ea typeface="华文中宋" panose="02010600040101010101" pitchFamily="2" charset="-122"/>
-            </a:endParaRPr>
-          </a:p>
-        </p:txBody>
-      </p:sp>
-      <p:pic>
-        <p:nvPicPr>
-          <p:cNvPr id="4" name="Picture 3"/>
-          <p:cNvPicPr>
-            <a:picLocks noChangeAspect="1" noChangeArrowheads="1"/>
-          </p:cNvPicPr>
-          <p:nvPr/>
-        </p:nvPicPr>
-        <p:blipFill>
-          <a:blip r:embed="rId2">
-            <a:extLst>
-              <a:ext uri="{28A0092B-C50C-407E-A947-70E740481C1C}">
-                <a14:useLocalDpi xmlns:a14="http://schemas.microsoft.com/office/drawing/2010/main" val="0"/>
-              </a:ext>
-            </a:extLst>
-          </a:blip>
-          <a:srcRect/>
-          <a:stretch>
-            <a:fillRect/>
-          </a:stretch>
-        </p:blipFill>
-        <p:spPr bwMode="auto">
-          <a:xfrm>
-            <a:off x="514350" y="3875702"/>
-            <a:ext cx="2422066" cy="2900106"/>
-          </a:xfrm>
-          <a:prstGeom prst="rect">
-            <a:avLst/>
-          </a:prstGeom>
-          <a:noFill/>
-          <a:ln>
-            <a:noFill/>
-          </a:ln>
-          <a:effectLst/>
-          <a:extLst>
-            <a:ext uri="{909E8E84-426E-40DD-AFC4-6F175D3DCCD1}">
-              <a14:hiddenFill xmlns:a14="http://schemas.microsoft.com/office/drawing/2010/main">
-                <a:solidFill>
-                  <a:schemeClr val="accent1"/>
-                </a:solidFill>
-              </a14:hiddenFill>
-            </a:ext>
-            <a:ext uri="{91240B29-F687-4F45-9708-019B960494DF}">
-              <a14:hiddenLine xmlns:a14="http://schemas.microsoft.com/office/drawing/2010/main" w="9525">
-                <a:solidFill>
-                  <a:schemeClr val="tx1"/>
-                </a:solidFill>
-                <a:miter lim="800000"/>
-                <a:headEnd/>
-                <a:tailEnd/>
-              </a14:hiddenLine>
-            </a:ext>
-            <a:ext uri="{AF507438-7753-43E0-B8FC-AC1667EBCBE1}">
-              <a14:hiddenEffects xmlns:a14="http://schemas.microsoft.com/office/drawing/2010/main">
-                <a:effectLst>
-                  <a:outerShdw dist="35921" dir="2700000" algn="ctr" rotWithShape="0">
-                    <a:schemeClr val="bg2"/>
-                  </a:outerShdw>
-                </a:effectLst>
-              </a14:hiddenEffects>
-            </a:ext>
-          </a:extLst>
-        </p:spPr>
-      </p:pic>
-    </p:spTree>
-  </p:cSld>
-  <p:clrMapOvr>
-    <a:masterClrMapping/>
-  </p:clrMapOvr>
 </p:sld>
 </file>
 
@@ -9190,7 +8922,7 @@
                 <a:latin typeface="仿宋" panose="02010609060101010101" pitchFamily="49" charset="-122"/>
                 <a:ea typeface="仿宋" panose="02010609060101010101" pitchFamily="49" charset="-122"/>
               </a:rPr>
-              <a:t>目录</a:t>
+              <a:t>单元测试简介</a:t>
             </a:r>
             <a:endParaRPr lang="zh-CN" altLang="en-US" dirty="0">
               <a:latin typeface="仿宋" panose="02010609060101010101" pitchFamily="49" charset="-122"/>
@@ -9217,20 +8949,35 @@
         </p:spPr>
         <p:txBody>
           <a:bodyPr>
-            <a:normAutofit fontScale="97500" lnSpcReduction="10000"/>
+            <a:normAutofit/>
           </a:bodyPr>
           <a:lstStyle/>
           <a:p>
             <a:r>
+              <a:rPr lang="zh-CN" altLang="en-US" sz="2000" b="1" dirty="0">
+                <a:latin typeface="仿宋" panose="02010609060101010101" pitchFamily="49" charset="-122"/>
+                <a:ea typeface="仿宋" panose="02010609060101010101" pitchFamily="49" charset="-122"/>
+              </a:rPr>
+              <a:t>什么是单元测试</a:t>
+            </a:r>
+            <a:endParaRPr lang="zh-CN" altLang="en-US" sz="2000" dirty="0">
+              <a:latin typeface="仿宋" panose="02010609060101010101" pitchFamily="49" charset="-122"/>
+              <a:ea typeface="仿宋" panose="02010609060101010101" pitchFamily="49" charset="-122"/>
+            </a:endParaRPr>
+          </a:p>
+          <a:p>
+            <a:r>
               <a:rPr lang="zh-CN" altLang="en-US" sz="2000" dirty="0">
                 <a:latin typeface="仿宋" panose="02010609060101010101" pitchFamily="49" charset="-122"/>
                 <a:ea typeface="仿宋" panose="02010609060101010101" pitchFamily="49" charset="-122"/>
-              </a:rPr>
-              <a:t>单元测试简介</a:t>
+                <a:sym typeface="+mn-ea"/>
+              </a:rPr>
+              <a:t>单元测试是测试应用程序的功能是否能够按需要正常运行。</a:t>
             </a:r>
             <a:endParaRPr lang="zh-CN" altLang="en-US" sz="2000" dirty="0">
               <a:latin typeface="仿宋" panose="02010609060101010101" pitchFamily="49" charset="-122"/>
               <a:ea typeface="仿宋" panose="02010609060101010101" pitchFamily="49" charset="-122"/>
+              <a:sym typeface="+mn-ea"/>
             </a:endParaRPr>
           </a:p>
           <a:p>
@@ -9238,104 +8985,50 @@
               <a:rPr lang="zh-CN" altLang="en-US" sz="2000" dirty="0">
                 <a:latin typeface="仿宋" panose="02010609060101010101" pitchFamily="49" charset="-122"/>
                 <a:ea typeface="仿宋" panose="02010609060101010101" pitchFamily="49" charset="-122"/>
-              </a:rPr>
-              <a:t>一个实际的开发测试</a:t>
-            </a:r>
-            <a:r>
-              <a:rPr lang="zh-CN" altLang="en-US" sz="2000" dirty="0" smtClean="0">
-                <a:latin typeface="仿宋" panose="02010609060101010101" pitchFamily="49" charset="-122"/>
-                <a:ea typeface="仿宋" panose="02010609060101010101" pitchFamily="49" charset="-122"/>
-              </a:rPr>
-              <a:t>场景</a:t>
-            </a:r>
-            <a:endParaRPr lang="en-US" altLang="zh-CN" sz="2000" dirty="0" smtClean="0">
-              <a:latin typeface="仿宋" panose="02010609060101010101" pitchFamily="49" charset="-122"/>
-              <a:ea typeface="仿宋" panose="02010609060101010101" pitchFamily="49" charset="-122"/>
-            </a:endParaRPr>
-          </a:p>
-          <a:p>
-            <a:r>
-              <a:rPr lang="en-US" altLang="zh-CN" sz="2000" dirty="0" err="1">
-                <a:latin typeface="仿宋" panose="02010609060101010101" pitchFamily="49" charset="-122"/>
-                <a:ea typeface="仿宋" panose="02010609060101010101" pitchFamily="49" charset="-122"/>
-              </a:rPr>
-              <a:t>JMockit</a:t>
-            </a:r>
-            <a:r>
-              <a:rPr lang="zh-CN" altLang="en-US" sz="2000" dirty="0" smtClean="0">
-                <a:latin typeface="仿宋" panose="02010609060101010101" pitchFamily="49" charset="-122"/>
-                <a:ea typeface="仿宋" panose="02010609060101010101" pitchFamily="49" charset="-122"/>
-              </a:rPr>
-              <a:t>简介</a:t>
-            </a:r>
-            <a:endParaRPr lang="en-US" altLang="zh-CN" sz="2000" dirty="0" smtClean="0">
-              <a:latin typeface="仿宋" panose="02010609060101010101" pitchFamily="49" charset="-122"/>
-              <a:ea typeface="仿宋" panose="02010609060101010101" pitchFamily="49" charset="-122"/>
-            </a:endParaRPr>
-          </a:p>
-          <a:p>
-            <a:r>
-              <a:rPr lang="en-US" altLang="zh-CN" sz="2000" dirty="0" err="1">
-                <a:latin typeface="仿宋" panose="02010609060101010101" pitchFamily="49" charset="-122"/>
-                <a:ea typeface="仿宋" panose="02010609060101010101" pitchFamily="49" charset="-122"/>
-              </a:rPr>
-              <a:t>JMockit</a:t>
-            </a:r>
-            <a:r>
-              <a:rPr lang="zh-CN" altLang="en-US" sz="2000" dirty="0" smtClean="0">
-                <a:latin typeface="仿宋" panose="02010609060101010101" pitchFamily="49" charset="-122"/>
-                <a:ea typeface="仿宋" panose="02010609060101010101" pitchFamily="49" charset="-122"/>
-              </a:rPr>
-              <a:t>配置</a:t>
-            </a:r>
-            <a:endParaRPr lang="en-US" altLang="zh-CN" sz="2000" dirty="0" smtClean="0">
-              <a:latin typeface="仿宋" panose="02010609060101010101" pitchFamily="49" charset="-122"/>
-              <a:ea typeface="仿宋" panose="02010609060101010101" pitchFamily="49" charset="-122"/>
-            </a:endParaRPr>
-          </a:p>
-          <a:p>
-            <a:r>
-              <a:rPr lang="en-US" altLang="zh-CN" sz="2000" dirty="0" err="1">
-                <a:latin typeface="仿宋" panose="02010609060101010101" pitchFamily="49" charset="-122"/>
-                <a:ea typeface="仿宋" panose="02010609060101010101" pitchFamily="49" charset="-122"/>
-              </a:rPr>
-              <a:t>JMockit</a:t>
+                <a:sym typeface="+mn-ea"/>
+              </a:rPr>
+              <a:t>注：通俗一点将就是用</a:t>
             </a:r>
             <a:r>
               <a:rPr lang="zh-CN" altLang="en-US" sz="2000" dirty="0">
                 <a:latin typeface="仿宋" panose="02010609060101010101" pitchFamily="49" charset="-122"/>
                 <a:ea typeface="仿宋" panose="02010609060101010101" pitchFamily="49" charset="-122"/>
               </a:rPr>
-              <a:t>的程序</a:t>
-            </a:r>
-            <a:r>
-              <a:rPr lang="zh-CN" altLang="en-US" sz="2000" dirty="0" smtClean="0">
-                <a:latin typeface="仿宋" panose="02010609060101010101" pitchFamily="49" charset="-122"/>
-                <a:ea typeface="仿宋" panose="02010609060101010101" pitchFamily="49" charset="-122"/>
-              </a:rPr>
-              <a:t>结构</a:t>
-            </a:r>
-            <a:endParaRPr lang="en-US" altLang="zh-CN" sz="2000" dirty="0" smtClean="0">
-              <a:latin typeface="仿宋" panose="02010609060101010101" pitchFamily="49" charset="-122"/>
-              <a:ea typeface="仿宋" panose="02010609060101010101" pitchFamily="49" charset="-122"/>
-            </a:endParaRPr>
-          </a:p>
-          <a:p>
-            <a:r>
-              <a:rPr lang="en-US" altLang="zh-CN" sz="2000" dirty="0" err="1">
-                <a:latin typeface="仿宋" panose="02010609060101010101" pitchFamily="49" charset="-122"/>
-                <a:ea typeface="仿宋" panose="02010609060101010101" pitchFamily="49" charset="-122"/>
-              </a:rPr>
-              <a:t>JMockit</a:t>
-            </a:r>
+              <a:t>来验证某段代码的行为是否与我们期望的一致。</a:t>
+            </a:r>
+            <a:endParaRPr lang="zh-CN" altLang="en-US" sz="2000" dirty="0">
+              <a:latin typeface="仿宋" panose="02010609060101010101" pitchFamily="49" charset="-122"/>
+              <a:ea typeface="仿宋" panose="02010609060101010101" pitchFamily="49" charset="-122"/>
+            </a:endParaRPr>
+          </a:p>
+          <a:p>
+            <a:endParaRPr lang="zh-CN" altLang="en-US" sz="2000" b="1" dirty="0">
+              <a:latin typeface="仿宋" panose="02010609060101010101" pitchFamily="49" charset="-122"/>
+              <a:ea typeface="仿宋" panose="02010609060101010101" pitchFamily="49" charset="-122"/>
+            </a:endParaRPr>
+          </a:p>
+          <a:p>
+            <a:r>
+              <a:rPr lang="zh-CN" altLang="en-US" sz="2000" b="1" dirty="0">
+                <a:latin typeface="仿宋" panose="02010609060101010101" pitchFamily="49" charset="-122"/>
+                <a:ea typeface="仿宋" panose="02010609060101010101" pitchFamily="49" charset="-122"/>
+              </a:rPr>
+              <a:t>单元测试的目的</a:t>
+            </a:r>
+            <a:endParaRPr lang="zh-CN" altLang="en-US" sz="2000" dirty="0">
+              <a:latin typeface="仿宋" panose="02010609060101010101" pitchFamily="49" charset="-122"/>
+              <a:ea typeface="仿宋" panose="02010609060101010101" pitchFamily="49" charset="-122"/>
+            </a:endParaRPr>
+          </a:p>
+          <a:p>
             <a:r>
               <a:rPr lang="zh-CN" altLang="en-US" sz="2000" dirty="0">
                 <a:latin typeface="仿宋" panose="02010609060101010101" pitchFamily="49" charset="-122"/>
                 <a:ea typeface="仿宋" panose="02010609060101010101" pitchFamily="49" charset="-122"/>
               </a:rPr>
-              <a:t>注解</a:t>
-            </a:r>
-            <a:endParaRPr lang="en-US" altLang="zh-CN" sz="2000" dirty="0" smtClean="0">
+              <a:t>保证产品质量。</a:t>
+            </a:r>
+            <a:endParaRPr lang="zh-CN" altLang="en-US" sz="2000" dirty="0">
               <a:latin typeface="仿宋" panose="02010609060101010101" pitchFamily="49" charset="-122"/>
               <a:ea typeface="仿宋" panose="02010609060101010101" pitchFamily="49" charset="-122"/>
             </a:endParaRPr>
@@ -9346,197 +9039,37 @@
                 <a:latin typeface="仿宋" panose="02010609060101010101" pitchFamily="49" charset="-122"/>
                 <a:ea typeface="仿宋" panose="02010609060101010101" pitchFamily="49" charset="-122"/>
               </a:rPr>
-              <a:t>案例一：</a:t>
+              <a:t>注：通俗一点讲就是减少</a:t>
             </a:r>
             <a:r>
               <a:rPr lang="en-US" altLang="zh-CN" sz="2000" dirty="0">
                 <a:latin typeface="仿宋" panose="02010609060101010101" pitchFamily="49" charset="-122"/>
                 <a:ea typeface="仿宋" panose="02010609060101010101" pitchFamily="49" charset="-122"/>
               </a:rPr>
-              <a:t>Mock</a:t>
-            </a:r>
-            <a:r>
-              <a:rPr lang="zh-CN" altLang="en-US" sz="2000" dirty="0" smtClean="0">
-                <a:latin typeface="仿宋" panose="02010609060101010101" pitchFamily="49" charset="-122"/>
-                <a:ea typeface="仿宋" panose="02010609060101010101" pitchFamily="49" charset="-122"/>
-              </a:rPr>
-              <a:t>类</a:t>
-            </a:r>
-            <a:endParaRPr lang="en-US" altLang="zh-CN" sz="2000" dirty="0" smtClean="0">
-              <a:latin typeface="仿宋" panose="02010609060101010101" pitchFamily="49" charset="-122"/>
-              <a:ea typeface="仿宋" panose="02010609060101010101" pitchFamily="49" charset="-122"/>
-            </a:endParaRPr>
-          </a:p>
-          <a:p>
+              <a:t>bug</a:t>
+            </a:r>
             <a:r>
               <a:rPr lang="zh-CN" altLang="en-US" sz="2000" dirty="0">
                 <a:latin typeface="仿宋" panose="02010609060101010101" pitchFamily="49" charset="-122"/>
                 <a:ea typeface="仿宋" panose="02010609060101010101" pitchFamily="49" charset="-122"/>
               </a:rPr>
-              <a:t>案例二：</a:t>
-            </a:r>
-            <a:r>
-              <a:rPr lang="en-US" altLang="zh-CN" sz="2000" dirty="0">
-                <a:latin typeface="仿宋" panose="02010609060101010101" pitchFamily="49" charset="-122"/>
-                <a:ea typeface="仿宋" panose="02010609060101010101" pitchFamily="49" charset="-122"/>
-              </a:rPr>
-              <a:t>Mock</a:t>
-            </a:r>
-            <a:r>
-              <a:rPr lang="zh-CN" altLang="en-US" sz="2000" dirty="0">
-                <a:latin typeface="仿宋" panose="02010609060101010101" pitchFamily="49" charset="-122"/>
-                <a:ea typeface="仿宋" panose="02010609060101010101" pitchFamily="49" charset="-122"/>
-              </a:rPr>
-              <a:t>实例</a:t>
-            </a:r>
-            <a:endParaRPr lang="en-US" altLang="zh-CN" sz="2000" dirty="0">
-              <a:latin typeface="仿宋" panose="02010609060101010101" pitchFamily="49" charset="-122"/>
-              <a:ea typeface="仿宋" panose="02010609060101010101" pitchFamily="49" charset="-122"/>
-            </a:endParaRPr>
-          </a:p>
-          <a:p>
-            <a:r>
-              <a:rPr lang="zh-CN" altLang="en-US" sz="2000" dirty="0">
-                <a:latin typeface="仿宋" panose="02010609060101010101" pitchFamily="49" charset="-122"/>
-                <a:ea typeface="仿宋" panose="02010609060101010101" pitchFamily="49" charset="-122"/>
-              </a:rPr>
-              <a:t>案例三：</a:t>
-            </a:r>
-            <a:r>
-              <a:rPr lang="en-US" altLang="zh-CN" sz="2000" dirty="0">
-                <a:latin typeface="仿宋" panose="02010609060101010101" pitchFamily="49" charset="-122"/>
-                <a:ea typeface="仿宋" panose="02010609060101010101" pitchFamily="49" charset="-122"/>
-              </a:rPr>
-              <a:t>Mock</a:t>
-            </a:r>
-            <a:r>
-              <a:rPr lang="zh-CN" altLang="en-US" sz="2000" dirty="0" smtClean="0">
-                <a:latin typeface="仿宋" panose="02010609060101010101" pitchFamily="49" charset="-122"/>
-                <a:ea typeface="仿宋" panose="02010609060101010101" pitchFamily="49" charset="-122"/>
-              </a:rPr>
-              <a:t>接口</a:t>
-            </a:r>
-            <a:endParaRPr lang="en-US" altLang="zh-CN" sz="2000" dirty="0" smtClean="0">
-              <a:latin typeface="仿宋" panose="02010609060101010101" pitchFamily="49" charset="-122"/>
-              <a:ea typeface="仿宋" panose="02010609060101010101" pitchFamily="49" charset="-122"/>
-            </a:endParaRPr>
-          </a:p>
-          <a:p>
-            <a:r>
-              <a:rPr lang="zh-CN" altLang="en-US" sz="2000" dirty="0">
-                <a:latin typeface="仿宋" panose="02010609060101010101" pitchFamily="49" charset="-122"/>
-                <a:ea typeface="仿宋" panose="02010609060101010101" pitchFamily="49" charset="-122"/>
-              </a:rPr>
-              <a:t>案例</a:t>
-            </a:r>
-            <a:r>
-              <a:rPr lang="zh-CN" altLang="en-US" sz="2000" dirty="0" smtClean="0">
-                <a:latin typeface="仿宋" panose="02010609060101010101" pitchFamily="49" charset="-122"/>
-                <a:ea typeface="仿宋" panose="02010609060101010101" pitchFamily="49" charset="-122"/>
-              </a:rPr>
-              <a:t>四：</a:t>
-            </a:r>
-            <a:r>
-              <a:rPr lang="en-US" altLang="zh-CN" sz="2000" dirty="0">
-                <a:latin typeface="仿宋" panose="02010609060101010101" pitchFamily="49" charset="-122"/>
-                <a:ea typeface="仿宋" panose="02010609060101010101" pitchFamily="49" charset="-122"/>
-                <a:sym typeface="+mn-ea"/>
-              </a:rPr>
-              <a:t>Mock Spring </a:t>
-            </a:r>
-            <a:r>
-              <a:rPr lang="en-US" altLang="zh-CN" sz="2000" dirty="0" smtClean="0">
-                <a:latin typeface="仿宋" panose="02010609060101010101" pitchFamily="49" charset="-122"/>
-                <a:ea typeface="仿宋" panose="02010609060101010101" pitchFamily="49" charset="-122"/>
-                <a:sym typeface="+mn-ea"/>
-              </a:rPr>
-              <a:t>Bean</a:t>
-            </a:r>
-            <a:endParaRPr lang="zh-CN" altLang="en-US" sz="2000" dirty="0" smtClean="0">
-              <a:latin typeface="仿宋" panose="02010609060101010101" pitchFamily="49" charset="-122"/>
-              <a:ea typeface="仿宋" panose="02010609060101010101" pitchFamily="49" charset="-122"/>
-            </a:endParaRPr>
-          </a:p>
-          <a:p>
-            <a:r>
-              <a:rPr lang="zh-CN" altLang="en-US" sz="2000" dirty="0" smtClean="0">
-                <a:latin typeface="仿宋" panose="02010609060101010101" pitchFamily="49" charset="-122"/>
-                <a:ea typeface="仿宋" panose="02010609060101010101" pitchFamily="49" charset="-122"/>
-              </a:rPr>
-              <a:t>案例五：</a:t>
-            </a:r>
-            <a:r>
-              <a:rPr lang="en-US" altLang="zh-CN" sz="2000" dirty="0">
-                <a:latin typeface="仿宋" panose="02010609060101010101" pitchFamily="49" charset="-122"/>
-                <a:ea typeface="仿宋" panose="02010609060101010101" pitchFamily="49" charset="-122"/>
-                <a:sym typeface="+mn-ea"/>
-              </a:rPr>
-              <a:t>Mock MQ</a:t>
-            </a:r>
-            <a:r>
-              <a:rPr lang="zh-CN" altLang="en-US" sz="2000" dirty="0">
-                <a:latin typeface="仿宋" panose="02010609060101010101" pitchFamily="49" charset="-122"/>
-                <a:ea typeface="仿宋" panose="02010609060101010101" pitchFamily="49" charset="-122"/>
-                <a:sym typeface="+mn-ea"/>
-              </a:rPr>
-              <a:t>消息生产者</a:t>
-            </a:r>
-            <a:endParaRPr lang="en-US" altLang="zh-CN" sz="2000" dirty="0" smtClean="0">
-              <a:latin typeface="仿宋" panose="02010609060101010101" pitchFamily="49" charset="-122"/>
-              <a:ea typeface="仿宋" panose="02010609060101010101" pitchFamily="49" charset="-122"/>
-            </a:endParaRPr>
-          </a:p>
-          <a:p>
-            <a:r>
-              <a:rPr lang="zh-CN" altLang="en-US" sz="2000" dirty="0" smtClean="0">
-                <a:latin typeface="仿宋" panose="02010609060101010101" pitchFamily="49" charset="-122"/>
-                <a:ea typeface="仿宋" panose="02010609060101010101" pitchFamily="49" charset="-122"/>
-              </a:rPr>
-              <a:t>案例</a:t>
-            </a:r>
-            <a:r>
-              <a:rPr lang="zh-CN" altLang="en-US" sz="2000" dirty="0">
-                <a:latin typeface="仿宋" panose="02010609060101010101" pitchFamily="49" charset="-122"/>
-                <a:ea typeface="仿宋" panose="02010609060101010101" pitchFamily="49" charset="-122"/>
-                <a:sym typeface="+mn-ea"/>
-              </a:rPr>
-              <a:t>六</a:t>
-            </a:r>
-            <a:r>
-              <a:rPr lang="zh-CN" altLang="en-US" sz="2000" dirty="0" smtClean="0">
-                <a:latin typeface="仿宋" panose="02010609060101010101" pitchFamily="49" charset="-122"/>
-                <a:ea typeface="仿宋" panose="02010609060101010101" pitchFamily="49" charset="-122"/>
-              </a:rPr>
-              <a:t>：</a:t>
-            </a:r>
-            <a:r>
-              <a:rPr lang="en-US" altLang="zh-CN" sz="2000" dirty="0">
-                <a:latin typeface="仿宋" panose="02010609060101010101" pitchFamily="49" charset="-122"/>
-                <a:ea typeface="仿宋" panose="02010609060101010101" pitchFamily="49" charset="-122"/>
-              </a:rPr>
-              <a:t>Mock </a:t>
-            </a:r>
-            <a:r>
-              <a:rPr lang="en-US" altLang="zh-CN" sz="2000" dirty="0" err="1">
-                <a:latin typeface="仿宋" panose="02010609060101010101" pitchFamily="49" charset="-122"/>
-                <a:ea typeface="仿宋" panose="02010609060101010101" pitchFamily="49" charset="-122"/>
-              </a:rPr>
-              <a:t>Dubbo</a:t>
-            </a:r>
-            <a:r>
-              <a:rPr lang="zh-CN" altLang="en-US" sz="2000" dirty="0">
-                <a:latin typeface="仿宋" panose="02010609060101010101" pitchFamily="49" charset="-122"/>
-                <a:ea typeface="仿宋" panose="02010609060101010101" pitchFamily="49" charset="-122"/>
-              </a:rPr>
-              <a:t>消费</a:t>
-            </a:r>
-            <a:r>
-              <a:rPr lang="en-US" altLang="zh-CN" sz="2000" dirty="0">
-                <a:latin typeface="仿宋" panose="02010609060101010101" pitchFamily="49" charset="-122"/>
-                <a:ea typeface="仿宋" panose="02010609060101010101" pitchFamily="49" charset="-122"/>
-              </a:rPr>
-              <a:t>Bean</a:t>
-            </a:r>
+              <a:t>，提高代码质量。</a:t>
+            </a:r>
+            <a:endParaRPr lang="zh-CN" altLang="en-US" sz="2000" dirty="0">
+              <a:latin typeface="仿宋" panose="02010609060101010101" pitchFamily="49" charset="-122"/>
+              <a:ea typeface="仿宋" panose="02010609060101010101" pitchFamily="49" charset="-122"/>
+            </a:endParaRPr>
+          </a:p>
+          <a:p>
+            <a:pPr marL="0" indent="0">
+              <a:buNone/>
+            </a:pPr>
+            <a:endParaRPr lang="zh-CN" altLang="en-US" sz="2000" dirty="0">
+              <a:latin typeface="仿宋" panose="02010609060101010101" pitchFamily="49" charset="-122"/>
+              <a:ea typeface="仿宋" panose="02010609060101010101" pitchFamily="49" charset="-122"/>
+            </a:endParaRPr>
+          </a:p>
+          <a:p>
             <a:endParaRPr lang="zh-CN" altLang="en-US" sz="2000" dirty="0">
               <a:latin typeface="仿宋" panose="02010609060101010101" pitchFamily="49" charset="-122"/>
               <a:ea typeface="仿宋" panose="02010609060101010101" pitchFamily="49" charset="-122"/>
@@ -9623,7 +9156,7 @@
         </p:spPr>
         <p:txBody>
           <a:bodyPr>
-            <a:normAutofit/>
+            <a:normAutofit fontScale="92500"/>
           </a:bodyPr>
           <a:lstStyle/>
           <a:p>
@@ -9632,7 +9165,7 @@
                 <a:latin typeface="仿宋" panose="02010609060101010101" pitchFamily="49" charset="-122"/>
                 <a:ea typeface="仿宋" panose="02010609060101010101" pitchFamily="49" charset="-122"/>
               </a:rPr>
-              <a:t>什么是单元测试</a:t>
+              <a:t>单元测试要写多细</a:t>
             </a:r>
             <a:endParaRPr lang="zh-CN" altLang="en-US" sz="2000" dirty="0">
               <a:latin typeface="仿宋" panose="02010609060101010101" pitchFamily="49" charset="-122"/>
@@ -9642,16 +9175,45 @@
           <a:p>
             <a:r>
               <a:rPr lang="zh-CN" altLang="en-US" sz="2000" dirty="0">
-                <a:latin typeface="仿宋" panose="02010609060101010101" pitchFamily="49" charset="-122"/>
-                <a:ea typeface="仿宋" panose="02010609060101010101" pitchFamily="49" charset="-122"/>
-                <a:sym typeface="+mn-ea"/>
-              </a:rPr>
-              <a:t>单元测试是测试应用程序的功能是否能够按需要正常运行。</a:t>
+                <a:solidFill>
+                  <a:srgbClr val="FF0000"/>
+                </a:solidFill>
+                <a:latin typeface="仿宋" panose="02010609060101010101" pitchFamily="49" charset="-122"/>
+                <a:ea typeface="仿宋" panose="02010609060101010101" pitchFamily="49" charset="-122"/>
+              </a:rPr>
+              <a:t>单元测试不是越多越好，而是越有效越好！</a:t>
             </a:r>
             <a:endParaRPr lang="zh-CN" altLang="en-US" sz="2000" dirty="0">
-              <a:latin typeface="仿宋" panose="02010609060101010101" pitchFamily="49" charset="-122"/>
-              <a:ea typeface="仿宋" panose="02010609060101010101" pitchFamily="49" charset="-122"/>
-              <a:sym typeface="+mn-ea"/>
+              <a:solidFill>
+                <a:srgbClr val="FF0000"/>
+              </a:solidFill>
+              <a:latin typeface="仿宋" panose="02010609060101010101" pitchFamily="49" charset="-122"/>
+              <a:ea typeface="仿宋" panose="02010609060101010101" pitchFamily="49" charset="-122"/>
+            </a:endParaRPr>
+          </a:p>
+          <a:p>
+            <a:endParaRPr lang="zh-CN" altLang="en-US" sz="2000" dirty="0">
+              <a:solidFill>
+                <a:srgbClr val="FF0000"/>
+              </a:solidFill>
+              <a:latin typeface="仿宋" panose="02010609060101010101" pitchFamily="49" charset="-122"/>
+              <a:ea typeface="仿宋" panose="02010609060101010101" pitchFamily="49" charset="-122"/>
+            </a:endParaRPr>
+          </a:p>
+          <a:p>
+            <a:r>
+              <a:rPr lang="zh-CN" altLang="en-US" sz="2000" b="1" dirty="0">
+                <a:latin typeface="仿宋" panose="02010609060101010101" pitchFamily="49" charset="-122"/>
+                <a:ea typeface="仿宋" panose="02010609060101010101" pitchFamily="49" charset="-122"/>
+              </a:rPr>
+              <a:t>哪些代码需要有单元测试覆盖</a:t>
+            </a:r>
+            <a:endParaRPr lang="zh-CN" altLang="en-US" sz="2000" dirty="0">
+              <a:solidFill>
+                <a:srgbClr val="FF0000"/>
+              </a:solidFill>
+              <a:latin typeface="仿宋" panose="02010609060101010101" pitchFamily="49" charset="-122"/>
+              <a:ea typeface="仿宋" panose="02010609060101010101" pitchFamily="49" charset="-122"/>
             </a:endParaRPr>
           </a:p>
           <a:p>
@@ -9659,16 +9221,21 @@
               <a:rPr lang="zh-CN" altLang="en-US" sz="2000" dirty="0">
                 <a:latin typeface="仿宋" panose="02010609060101010101" pitchFamily="49" charset="-122"/>
                 <a:ea typeface="仿宋" panose="02010609060101010101" pitchFamily="49" charset="-122"/>
-                <a:sym typeface="+mn-ea"/>
-              </a:rPr>
-              <a:t>注：通俗一点将就是用</a:t>
-            </a:r>
+              </a:rPr>
+              <a:t>1. 逻辑复杂的 </a:t>
+            </a:r>
+            <a:endParaRPr lang="zh-CN" altLang="en-US" sz="2000" dirty="0">
+              <a:latin typeface="仿宋" panose="02010609060101010101" pitchFamily="49" charset="-122"/>
+              <a:ea typeface="仿宋" panose="02010609060101010101" pitchFamily="49" charset="-122"/>
+            </a:endParaRPr>
+          </a:p>
+          <a:p>
             <a:r>
               <a:rPr lang="zh-CN" altLang="en-US" sz="2000" dirty="0">
                 <a:latin typeface="仿宋" panose="02010609060101010101" pitchFamily="49" charset="-122"/>
                 <a:ea typeface="仿宋" panose="02010609060101010101" pitchFamily="49" charset="-122"/>
               </a:rPr>
-              <a:t>来验证某段代码的行为是否与我们期望的一致。</a:t>
+              <a:t>2. 容易出错的 </a:t>
             </a:r>
             <a:endParaRPr lang="zh-CN" altLang="en-US" sz="2000" dirty="0">
               <a:latin typeface="仿宋" panose="02010609060101010101" pitchFamily="49" charset="-122"/>
@@ -9676,7 +9243,46 @@
             </a:endParaRPr>
           </a:p>
           <a:p>
-            <a:endParaRPr lang="zh-CN" altLang="en-US" sz="2000" b="1" dirty="0">
+            <a:r>
+              <a:rPr lang="zh-CN" altLang="en-US" sz="2000" dirty="0">
+                <a:latin typeface="仿宋" panose="02010609060101010101" pitchFamily="49" charset="-122"/>
+                <a:ea typeface="仿宋" panose="02010609060101010101" pitchFamily="49" charset="-122"/>
+              </a:rPr>
+              <a:t>3. 不易理解的，即使是自己过段时间也会遗忘的，看不懂自己的代码，单元测试代码有助于理解代码的功能和需求。</a:t>
+            </a:r>
+            <a:endParaRPr lang="zh-CN" altLang="en-US" sz="2000" dirty="0">
+              <a:latin typeface="仿宋" panose="02010609060101010101" pitchFamily="49" charset="-122"/>
+              <a:ea typeface="仿宋" panose="02010609060101010101" pitchFamily="49" charset="-122"/>
+            </a:endParaRPr>
+          </a:p>
+          <a:p>
+            <a:r>
+              <a:rPr lang="zh-CN" altLang="en-US" sz="2000" dirty="0">
+                <a:latin typeface="仿宋" panose="02010609060101010101" pitchFamily="49" charset="-122"/>
+                <a:ea typeface="仿宋" panose="02010609060101010101" pitchFamily="49" charset="-122"/>
+              </a:rPr>
+              <a:t>4. 公共代码。比如自定义的拦截器；工具类等。 </a:t>
+            </a:r>
+            <a:endParaRPr lang="zh-CN" altLang="en-US" sz="2000" dirty="0">
+              <a:latin typeface="仿宋" panose="02010609060101010101" pitchFamily="49" charset="-122"/>
+              <a:ea typeface="仿宋" panose="02010609060101010101" pitchFamily="49" charset="-122"/>
+            </a:endParaRPr>
+          </a:p>
+          <a:p>
+            <a:r>
+              <a:rPr lang="zh-CN" altLang="en-US" sz="2000" dirty="0">
+                <a:latin typeface="仿宋" panose="02010609060101010101" pitchFamily="49" charset="-122"/>
+                <a:ea typeface="仿宋" panose="02010609060101010101" pitchFamily="49" charset="-122"/>
+              </a:rPr>
+              <a:t>5. 核心业务代码。一个产品里最核心最有业务价值的代码应该要有较高的单元测试覆盖率。</a:t>
+            </a:r>
+            <a:endParaRPr lang="zh-CN" altLang="en-US" sz="2000" dirty="0">
+              <a:latin typeface="仿宋" panose="02010609060101010101" pitchFamily="49" charset="-122"/>
+              <a:ea typeface="仿宋" panose="02010609060101010101" pitchFamily="49" charset="-122"/>
+            </a:endParaRPr>
+          </a:p>
+          <a:p>
+            <a:endParaRPr lang="zh-CN" altLang="en-US" sz="2000" dirty="0">
               <a:latin typeface="仿宋" panose="02010609060101010101" pitchFamily="49" charset="-122"/>
               <a:ea typeface="仿宋" panose="02010609060101010101" pitchFamily="49" charset="-122"/>
             </a:endParaRPr>
@@ -9687,7 +9293,7 @@
                 <a:latin typeface="仿宋" panose="02010609060101010101" pitchFamily="49" charset="-122"/>
                 <a:ea typeface="仿宋" panose="02010609060101010101" pitchFamily="49" charset="-122"/>
               </a:rPr>
-              <a:t>单元测试的目的</a:t>
+              <a:t>何时写单元测试</a:t>
             </a:r>
             <a:endParaRPr lang="zh-CN" altLang="en-US" sz="2000" dirty="0">
               <a:latin typeface="仿宋" panose="02010609060101010101" pitchFamily="49" charset="-122"/>
@@ -9700,50 +9306,8 @@
                 <a:latin typeface="仿宋" panose="02010609060101010101" pitchFamily="49" charset="-122"/>
                 <a:ea typeface="仿宋" panose="02010609060101010101" pitchFamily="49" charset="-122"/>
               </a:rPr>
-              <a:t>保证产品质量。</a:t>
-            </a:r>
-            <a:endParaRPr lang="zh-CN" altLang="en-US" sz="2000" dirty="0">
-              <a:latin typeface="仿宋" panose="02010609060101010101" pitchFamily="49" charset="-122"/>
-              <a:ea typeface="仿宋" panose="02010609060101010101" pitchFamily="49" charset="-122"/>
-            </a:endParaRPr>
-          </a:p>
-          <a:p>
-            <a:r>
-              <a:rPr lang="zh-CN" altLang="en-US" sz="2000" dirty="0">
-                <a:latin typeface="仿宋" panose="02010609060101010101" pitchFamily="49" charset="-122"/>
-                <a:ea typeface="仿宋" panose="02010609060101010101" pitchFamily="49" charset="-122"/>
-              </a:rPr>
-              <a:t>注：通俗一点讲就是减少</a:t>
-            </a:r>
-            <a:r>
-              <a:rPr lang="en-US" altLang="zh-CN" sz="2000" dirty="0">
-                <a:latin typeface="仿宋" panose="02010609060101010101" pitchFamily="49" charset="-122"/>
-                <a:ea typeface="仿宋" panose="02010609060101010101" pitchFamily="49" charset="-122"/>
-              </a:rPr>
-              <a:t>bug</a:t>
-            </a:r>
-            <a:r>
-              <a:rPr lang="zh-CN" altLang="en-US" sz="2000" dirty="0">
-                <a:latin typeface="仿宋" panose="02010609060101010101" pitchFamily="49" charset="-122"/>
-                <a:ea typeface="仿宋" panose="02010609060101010101" pitchFamily="49" charset="-122"/>
-              </a:rPr>
-              <a:t>，提高代码质量。</a:t>
-            </a:r>
-            <a:endParaRPr lang="zh-CN" altLang="en-US" sz="2000" dirty="0">
-              <a:latin typeface="仿宋" panose="02010609060101010101" pitchFamily="49" charset="-122"/>
-              <a:ea typeface="仿宋" panose="02010609060101010101" pitchFamily="49" charset="-122"/>
-            </a:endParaRPr>
-          </a:p>
-          <a:p>
-            <a:pPr marL="0" indent="0">
-              <a:buNone/>
-            </a:pPr>
-            <a:endParaRPr lang="zh-CN" altLang="en-US" sz="2000" dirty="0">
-              <a:latin typeface="仿宋" panose="02010609060101010101" pitchFamily="49" charset="-122"/>
-              <a:ea typeface="仿宋" panose="02010609060101010101" pitchFamily="49" charset="-122"/>
-            </a:endParaRPr>
-          </a:p>
-          <a:p>
+              <a:t>边写业务代码，边写单元测试。因为只有对需求有一定的理解后才能知道什么是代码是正确的。</a:t>
+            </a:r>
             <a:endParaRPr lang="zh-CN" altLang="en-US" sz="2000" dirty="0">
               <a:latin typeface="仿宋" panose="02010609060101010101" pitchFamily="49" charset="-122"/>
               <a:ea typeface="仿宋" panose="02010609060101010101" pitchFamily="49" charset="-122"/>
@@ -9803,7 +9367,7 @@
                 <a:latin typeface="仿宋" panose="02010609060101010101" pitchFamily="49" charset="-122"/>
                 <a:ea typeface="仿宋" panose="02010609060101010101" pitchFamily="49" charset="-122"/>
               </a:rPr>
-              <a:t>单元测试简介</a:t>
+              <a:t>一个实际的开发测试场景</a:t>
             </a:r>
             <a:endParaRPr lang="zh-CN" altLang="en-US" dirty="0">
               <a:latin typeface="仿宋" panose="02010609060101010101" pitchFamily="49" charset="-122"/>
@@ -9830,7 +9394,7 @@
         </p:spPr>
         <p:txBody>
           <a:bodyPr>
-            <a:normAutofit fontScale="92500"/>
+            <a:normAutofit/>
           </a:bodyPr>
           <a:lstStyle/>
           <a:p>
@@ -9839,150 +9403,445 @@
                 <a:latin typeface="仿宋" panose="02010609060101010101" pitchFamily="49" charset="-122"/>
                 <a:ea typeface="仿宋" panose="02010609060101010101" pitchFamily="49" charset="-122"/>
               </a:rPr>
-              <a:t>单元测试要写多细</a:t>
-            </a:r>
-            <a:endParaRPr lang="zh-CN" altLang="en-US" sz="2000" dirty="0">
-              <a:latin typeface="仿宋" panose="02010609060101010101" pitchFamily="49" charset="-122"/>
-              <a:ea typeface="仿宋" panose="02010609060101010101" pitchFamily="49" charset="-122"/>
-            </a:endParaRPr>
-          </a:p>
-          <a:p>
+              <a:t>场景</a:t>
+            </a:r>
+            <a:r>
+              <a:rPr lang="zh-CN" altLang="en-US" sz="2000" b="1" dirty="0" smtClean="0">
+                <a:latin typeface="仿宋" panose="02010609060101010101" pitchFamily="49" charset="-122"/>
+                <a:ea typeface="仿宋" panose="02010609060101010101" pitchFamily="49" charset="-122"/>
+              </a:rPr>
+              <a:t>：</a:t>
+            </a:r>
             <a:r>
               <a:rPr lang="zh-CN" altLang="en-US" sz="2000" dirty="0">
+                <a:latin typeface="仿宋" panose="02010609060101010101" pitchFamily="49" charset="-122"/>
+                <a:ea typeface="仿宋" panose="02010609060101010101" pitchFamily="49" charset="-122"/>
+              </a:rPr>
+              <a:t>假设订单</a:t>
+            </a:r>
+            <a:r>
+              <a:rPr lang="zh-CN" altLang="en-US" sz="2000" dirty="0" smtClean="0">
+                <a:latin typeface="仿宋" panose="02010609060101010101" pitchFamily="49" charset="-122"/>
+                <a:ea typeface="仿宋" panose="02010609060101010101" pitchFamily="49" charset="-122"/>
+              </a:rPr>
+              <a:t>服务</a:t>
+            </a:r>
+            <a:r>
+              <a:rPr lang="en-US" altLang="zh-CN" sz="2000" dirty="0" err="1" smtClean="0">
+                <a:latin typeface="仿宋" panose="02010609060101010101" pitchFamily="49" charset="-122"/>
+                <a:ea typeface="仿宋" panose="02010609060101010101" pitchFamily="49" charset="-122"/>
+              </a:rPr>
+              <a:t>OrderFacade</a:t>
+            </a:r>
+            <a:r>
+              <a:rPr lang="zh-CN" altLang="en-US" sz="2000" dirty="0" smtClean="0">
+                <a:latin typeface="仿宋" panose="02010609060101010101" pitchFamily="49" charset="-122"/>
+                <a:ea typeface="仿宋" panose="02010609060101010101" pitchFamily="49" charset="-122"/>
+              </a:rPr>
+              <a:t>中</a:t>
+            </a:r>
+            <a:r>
+              <a:rPr lang="zh-CN" altLang="en-US" sz="2000" dirty="0">
+                <a:latin typeface="仿宋" panose="02010609060101010101" pitchFamily="49" charset="-122"/>
+                <a:ea typeface="仿宋" panose="02010609060101010101" pitchFamily="49" charset="-122"/>
+              </a:rPr>
+              <a:t>有一个下单方</a:t>
+            </a:r>
+            <a:r>
+              <a:rPr lang="zh-CN" altLang="en-US" sz="2000" dirty="0" smtClean="0">
+                <a:latin typeface="仿宋" panose="02010609060101010101" pitchFamily="49" charset="-122"/>
+                <a:ea typeface="仿宋" panose="02010609060101010101" pitchFamily="49" charset="-122"/>
+              </a:rPr>
+              <a:t>法</a:t>
+            </a:r>
+            <a:r>
+              <a:rPr lang="en-US" altLang="zh-CN" sz="2000" dirty="0" err="1" smtClean="0">
+                <a:latin typeface="仿宋" panose="02010609060101010101" pitchFamily="49" charset="-122"/>
+                <a:ea typeface="仿宋" panose="02010609060101010101" pitchFamily="49" charset="-122"/>
+              </a:rPr>
+              <a:t>submitOrder</a:t>
+            </a:r>
+            <a:r>
+              <a:rPr lang="zh-CN" altLang="en-US" sz="2000" dirty="0" smtClean="0">
+                <a:latin typeface="仿宋" panose="02010609060101010101" pitchFamily="49" charset="-122"/>
+                <a:ea typeface="仿宋" panose="02010609060101010101" pitchFamily="49" charset="-122"/>
+              </a:rPr>
+              <a:t>（</a:t>
+            </a:r>
+            <a:r>
+              <a:rPr lang="en-US" altLang="zh-CN" sz="2000" dirty="0" err="1">
+                <a:latin typeface="仿宋" panose="02010609060101010101" pitchFamily="49" charset="-122"/>
+                <a:ea typeface="仿宋" panose="02010609060101010101" pitchFamily="49" charset="-122"/>
+              </a:rPr>
+              <a:t>dubbo</a:t>
+            </a:r>
+            <a:r>
+              <a:rPr lang="zh-CN" altLang="en-US" sz="2000" dirty="0">
+                <a:latin typeface="仿宋" panose="02010609060101010101" pitchFamily="49" charset="-122"/>
+                <a:ea typeface="仿宋" panose="02010609060101010101" pitchFamily="49" charset="-122"/>
+              </a:rPr>
+              <a:t>服务提供者）</a:t>
+            </a:r>
+            <a:endParaRPr lang="en-US" altLang="zh-CN" sz="2000" dirty="0">
+              <a:latin typeface="仿宋" panose="02010609060101010101" pitchFamily="49" charset="-122"/>
+              <a:ea typeface="仿宋" panose="02010609060101010101" pitchFamily="49" charset="-122"/>
+            </a:endParaRPr>
+          </a:p>
+          <a:p>
+            <a:r>
+              <a:rPr lang="zh-CN" altLang="en-US" sz="2000" b="1" dirty="0">
+                <a:latin typeface="仿宋" panose="02010609060101010101" pitchFamily="49" charset="-122"/>
+                <a:ea typeface="仿宋" panose="02010609060101010101" pitchFamily="49" charset="-122"/>
+              </a:rPr>
+              <a:t>业务逻辑</a:t>
+            </a:r>
+            <a:endParaRPr lang="en-US" altLang="zh-CN" sz="2000" b="1" dirty="0">
+              <a:latin typeface="仿宋" panose="02010609060101010101" pitchFamily="49" charset="-122"/>
+              <a:ea typeface="仿宋" panose="02010609060101010101" pitchFamily="49" charset="-122"/>
+            </a:endParaRPr>
+          </a:p>
+          <a:p>
+            <a:r>
+              <a:rPr lang="en-US" altLang="zh-CN" sz="2000" dirty="0">
+                <a:latin typeface="仿宋" panose="02010609060101010101" pitchFamily="49" charset="-122"/>
+                <a:ea typeface="仿宋" panose="02010609060101010101" pitchFamily="49" charset="-122"/>
+              </a:rPr>
+              <a:t>1</a:t>
+            </a:r>
+            <a:r>
+              <a:rPr lang="zh-CN" altLang="en-US" sz="2000" dirty="0">
+                <a:latin typeface="仿宋" panose="02010609060101010101" pitchFamily="49" charset="-122"/>
+                <a:ea typeface="仿宋" panose="02010609060101010101" pitchFamily="49" charset="-122"/>
+              </a:rPr>
+              <a:t>、调用本地的用户验证类来进行下单前的</a:t>
+            </a:r>
+            <a:r>
+              <a:rPr lang="zh-CN" altLang="en-US" sz="2000" dirty="0" smtClean="0">
+                <a:latin typeface="仿宋" panose="02010609060101010101" pitchFamily="49" charset="-122"/>
+                <a:ea typeface="仿宋" panose="02010609060101010101" pitchFamily="49" charset="-122"/>
+              </a:rPr>
+              <a:t>验证。</a:t>
+            </a:r>
+            <a:endParaRPr lang="en-US" altLang="zh-CN" sz="2000" dirty="0">
+              <a:latin typeface="仿宋" panose="02010609060101010101" pitchFamily="49" charset="-122"/>
+              <a:ea typeface="仿宋" panose="02010609060101010101" pitchFamily="49" charset="-122"/>
+            </a:endParaRPr>
+          </a:p>
+          <a:p>
+            <a:r>
+              <a:rPr lang="en-US" altLang="zh-CN" sz="2000" dirty="0">
+                <a:latin typeface="仿宋" panose="02010609060101010101" pitchFamily="49" charset="-122"/>
+                <a:ea typeface="仿宋" panose="02010609060101010101" pitchFamily="49" charset="-122"/>
+              </a:rPr>
+              <a:t>2</a:t>
+            </a:r>
+            <a:r>
+              <a:rPr lang="zh-CN" altLang="en-US" sz="2000" dirty="0" smtClean="0">
+                <a:latin typeface="仿宋" panose="02010609060101010101" pitchFamily="49" charset="-122"/>
+                <a:ea typeface="仿宋" panose="02010609060101010101" pitchFamily="49" charset="-122"/>
+              </a:rPr>
+              <a:t>、</a:t>
+            </a:r>
+            <a:r>
+              <a:rPr lang="zh-CN" altLang="en-US" sz="2000" dirty="0">
+                <a:latin typeface="仿宋" panose="02010609060101010101" pitchFamily="49" charset="-122"/>
+                <a:ea typeface="仿宋" panose="02010609060101010101" pitchFamily="49" charset="-122"/>
+              </a:rPr>
+              <a:t>调用多个依赖的</a:t>
+            </a:r>
+            <a:r>
+              <a:rPr lang="en-US" altLang="zh-CN" sz="2000" dirty="0" err="1" smtClean="0">
+                <a:latin typeface="仿宋" panose="02010609060101010101" pitchFamily="49" charset="-122"/>
+                <a:ea typeface="仿宋" panose="02010609060101010101" pitchFamily="49" charset="-122"/>
+              </a:rPr>
+              <a:t>dubbo</a:t>
+            </a:r>
+            <a:r>
+              <a:rPr lang="zh-CN" altLang="en-US" sz="2000" dirty="0">
+                <a:latin typeface="仿宋" panose="02010609060101010101" pitchFamily="49" charset="-122"/>
+                <a:ea typeface="仿宋" panose="02010609060101010101" pitchFamily="49" charset="-122"/>
+              </a:rPr>
+              <a:t>服务来进行业务处理</a:t>
+            </a:r>
+            <a:r>
+              <a:rPr lang="zh-CN" altLang="en-US" sz="2000" dirty="0" smtClean="0">
+                <a:latin typeface="仿宋" panose="02010609060101010101" pitchFamily="49" charset="-122"/>
+                <a:ea typeface="仿宋" panose="02010609060101010101" pitchFamily="49" charset="-122"/>
+              </a:rPr>
+              <a:t>。</a:t>
+            </a:r>
+            <a:endParaRPr lang="en-US" altLang="zh-CN" sz="2000" dirty="0">
+              <a:latin typeface="仿宋" panose="02010609060101010101" pitchFamily="49" charset="-122"/>
+              <a:ea typeface="仿宋" panose="02010609060101010101" pitchFamily="49" charset="-122"/>
+            </a:endParaRPr>
+          </a:p>
+          <a:p>
+            <a:r>
+              <a:rPr lang="zh-CN" altLang="en-US" sz="2000" b="1" dirty="0" smtClean="0">
+                <a:latin typeface="仿宋" panose="02010609060101010101" pitchFamily="49" charset="-122"/>
+                <a:ea typeface="仿宋" panose="02010609060101010101" pitchFamily="49" charset="-122"/>
+              </a:rPr>
+              <a:t>怎样测试？？</a:t>
+            </a:r>
+            <a:endParaRPr lang="en-US" altLang="zh-CN" sz="2000" b="1" dirty="0">
+              <a:latin typeface="仿宋" panose="02010609060101010101" pitchFamily="49" charset="-122"/>
+              <a:ea typeface="仿宋" panose="02010609060101010101" pitchFamily="49" charset="-122"/>
+            </a:endParaRPr>
+          </a:p>
+          <a:p>
+            <a:r>
+              <a:rPr lang="en-US" altLang="zh-CN" sz="2000" dirty="0">
+                <a:latin typeface="仿宋" panose="02010609060101010101" pitchFamily="49" charset="-122"/>
+                <a:ea typeface="仿宋" panose="02010609060101010101" pitchFamily="49" charset="-122"/>
+              </a:rPr>
+              <a:t>1</a:t>
+            </a:r>
+            <a:r>
+              <a:rPr lang="zh-CN" altLang="en-US" sz="2000" dirty="0" smtClean="0">
+                <a:latin typeface="仿宋" panose="02010609060101010101" pitchFamily="49" charset="-122"/>
+                <a:ea typeface="仿宋" panose="02010609060101010101" pitchFamily="49" charset="-122"/>
+              </a:rPr>
+              <a:t>、该订单服务（</a:t>
+            </a:r>
+            <a:r>
+              <a:rPr lang="en-US" altLang="zh-CN" sz="2000" dirty="0" err="1" smtClean="0">
+                <a:latin typeface="仿宋" panose="02010609060101010101" pitchFamily="49" charset="-122"/>
+                <a:ea typeface="仿宋" panose="02010609060101010101" pitchFamily="49" charset="-122"/>
+              </a:rPr>
+              <a:t>dubbo</a:t>
+            </a:r>
+            <a:r>
+              <a:rPr lang="zh-CN" altLang="en-US" sz="2000" dirty="0" smtClean="0">
+                <a:latin typeface="仿宋" panose="02010609060101010101" pitchFamily="49" charset="-122"/>
+                <a:ea typeface="仿宋" panose="02010609060101010101" pitchFamily="49" charset="-122"/>
+              </a:rPr>
+              <a:t>服务）该怎么进行单元测试？</a:t>
+            </a:r>
+            <a:endParaRPr lang="en-US" altLang="zh-CN" sz="2000" dirty="0" smtClean="0">
+              <a:latin typeface="仿宋" panose="02010609060101010101" pitchFamily="49" charset="-122"/>
+              <a:ea typeface="仿宋" panose="02010609060101010101" pitchFamily="49" charset="-122"/>
+            </a:endParaRPr>
+          </a:p>
+          <a:p>
+            <a:r>
+              <a:rPr lang="en-US" altLang="zh-CN" sz="2000" dirty="0" smtClean="0">
+                <a:latin typeface="仿宋" panose="02010609060101010101" pitchFamily="49" charset="-122"/>
+                <a:ea typeface="仿宋" panose="02010609060101010101" pitchFamily="49" charset="-122"/>
+              </a:rPr>
+              <a:t>2</a:t>
+            </a:r>
+            <a:r>
+              <a:rPr lang="zh-CN" altLang="en-US" sz="2000" dirty="0" smtClean="0">
+                <a:latin typeface="仿宋" panose="02010609060101010101" pitchFamily="49" charset="-122"/>
+                <a:ea typeface="仿宋" panose="02010609060101010101" pitchFamily="49" charset="-122"/>
+              </a:rPr>
+              <a:t>、当</a:t>
+            </a:r>
+            <a:r>
+              <a:rPr lang="zh-CN" altLang="en-US" sz="2000" dirty="0">
+                <a:latin typeface="仿宋" panose="02010609060101010101" pitchFamily="49" charset="-122"/>
+                <a:ea typeface="仿宋" panose="02010609060101010101" pitchFamily="49" charset="-122"/>
+              </a:rPr>
+              <a:t>用户验证结果不是我想要的结果时，该怎样</a:t>
+            </a:r>
+            <a:r>
+              <a:rPr lang="zh-CN" altLang="en-US" sz="2000" dirty="0" smtClean="0">
+                <a:latin typeface="仿宋" panose="02010609060101010101" pitchFamily="49" charset="-122"/>
+                <a:ea typeface="仿宋" panose="02010609060101010101" pitchFamily="49" charset="-122"/>
+              </a:rPr>
+              <a:t>进行单元测试</a:t>
+            </a:r>
+            <a:r>
+              <a:rPr lang="zh-CN" altLang="en-US" sz="2000" dirty="0">
+                <a:latin typeface="仿宋" panose="02010609060101010101" pitchFamily="49" charset="-122"/>
+                <a:ea typeface="仿宋" panose="02010609060101010101" pitchFamily="49" charset="-122"/>
+              </a:rPr>
+              <a:t>？</a:t>
+            </a:r>
+            <a:endParaRPr lang="en-US" altLang="zh-CN" sz="2000" dirty="0">
+              <a:latin typeface="仿宋" panose="02010609060101010101" pitchFamily="49" charset="-122"/>
+              <a:ea typeface="仿宋" panose="02010609060101010101" pitchFamily="49" charset="-122"/>
+            </a:endParaRPr>
+          </a:p>
+          <a:p>
+            <a:r>
+              <a:rPr lang="en-US" altLang="zh-CN" sz="2000" dirty="0" smtClean="0">
+                <a:latin typeface="仿宋" panose="02010609060101010101" pitchFamily="49" charset="-122"/>
+                <a:ea typeface="仿宋" panose="02010609060101010101" pitchFamily="49" charset="-122"/>
+              </a:rPr>
+              <a:t>3</a:t>
+            </a:r>
+            <a:r>
+              <a:rPr lang="zh-CN" altLang="en-US" sz="2000" dirty="0" smtClean="0">
+                <a:latin typeface="仿宋" panose="02010609060101010101" pitchFamily="49" charset="-122"/>
+                <a:ea typeface="仿宋" panose="02010609060101010101" pitchFamily="49" charset="-122"/>
+              </a:rPr>
+              <a:t>、当依赖</a:t>
+            </a:r>
+            <a:r>
+              <a:rPr lang="zh-CN" altLang="en-US" sz="2000" dirty="0">
+                <a:latin typeface="仿宋" panose="02010609060101010101" pitchFamily="49" charset="-122"/>
+                <a:ea typeface="仿宋" panose="02010609060101010101" pitchFamily="49" charset="-122"/>
+              </a:rPr>
+              <a:t>的</a:t>
+            </a:r>
+            <a:r>
+              <a:rPr lang="en-US" altLang="zh-CN" sz="2000" dirty="0" err="1">
+                <a:latin typeface="仿宋" panose="02010609060101010101" pitchFamily="49" charset="-122"/>
+                <a:ea typeface="仿宋" panose="02010609060101010101" pitchFamily="49" charset="-122"/>
+              </a:rPr>
+              <a:t>dubbo</a:t>
+            </a:r>
+            <a:r>
+              <a:rPr lang="zh-CN" altLang="en-US" sz="2000" dirty="0">
+                <a:latin typeface="仿宋" panose="02010609060101010101" pitchFamily="49" charset="-122"/>
+                <a:ea typeface="仿宋" panose="02010609060101010101" pitchFamily="49" charset="-122"/>
+              </a:rPr>
+              <a:t>服务未开发</a:t>
+            </a:r>
+            <a:r>
+              <a:rPr lang="zh-CN" altLang="en-US" sz="2000" dirty="0" smtClean="0">
+                <a:latin typeface="仿宋" panose="02010609060101010101" pitchFamily="49" charset="-122"/>
+                <a:ea typeface="仿宋" panose="02010609060101010101" pitchFamily="49" charset="-122"/>
+              </a:rPr>
+              <a:t>完成，或者依赖</a:t>
+            </a:r>
+            <a:r>
+              <a:rPr lang="zh-CN" altLang="en-US" sz="2000" dirty="0">
+                <a:latin typeface="仿宋" panose="02010609060101010101" pitchFamily="49" charset="-122"/>
+                <a:ea typeface="仿宋" panose="02010609060101010101" pitchFamily="49" charset="-122"/>
+              </a:rPr>
+              <a:t>的</a:t>
+            </a:r>
+            <a:r>
+              <a:rPr lang="en-US" altLang="zh-CN" sz="2000" dirty="0" err="1" smtClean="0">
+                <a:latin typeface="仿宋" panose="02010609060101010101" pitchFamily="49" charset="-122"/>
+                <a:ea typeface="仿宋" panose="02010609060101010101" pitchFamily="49" charset="-122"/>
+              </a:rPr>
+              <a:t>dubbo</a:t>
+            </a:r>
+            <a:r>
+              <a:rPr lang="zh-CN" altLang="en-US" sz="2000" dirty="0">
+                <a:latin typeface="仿宋" panose="02010609060101010101" pitchFamily="49" charset="-122"/>
+                <a:ea typeface="仿宋" panose="02010609060101010101" pitchFamily="49" charset="-122"/>
+              </a:rPr>
+              <a:t>服务的结果不是我想要的</a:t>
+            </a:r>
+            <a:r>
+              <a:rPr lang="zh-CN" altLang="en-US" sz="2000" dirty="0" smtClean="0">
+                <a:latin typeface="仿宋" panose="02010609060101010101" pitchFamily="49" charset="-122"/>
+                <a:ea typeface="仿宋" panose="02010609060101010101" pitchFamily="49" charset="-122"/>
+              </a:rPr>
+              <a:t>结果时</a:t>
+            </a:r>
+            <a:r>
+              <a:rPr lang="zh-CN" altLang="en-US" sz="2000" dirty="0">
+                <a:latin typeface="仿宋" panose="02010609060101010101" pitchFamily="49" charset="-122"/>
+                <a:ea typeface="仿宋" panose="02010609060101010101" pitchFamily="49" charset="-122"/>
+              </a:rPr>
+              <a:t>，该怎样进行单元测试</a:t>
+            </a:r>
+            <a:r>
+              <a:rPr lang="zh-CN" altLang="en-US" sz="2000" dirty="0" smtClean="0">
+                <a:latin typeface="仿宋" panose="02010609060101010101" pitchFamily="49" charset="-122"/>
+                <a:ea typeface="仿宋" panose="02010609060101010101" pitchFamily="49" charset="-122"/>
+              </a:rPr>
+              <a:t>？</a:t>
+            </a:r>
+            <a:endParaRPr lang="zh-CN" altLang="en-US" sz="2000" dirty="0" smtClean="0">
+              <a:latin typeface="仿宋" panose="02010609060101010101" pitchFamily="49" charset="-122"/>
+              <a:ea typeface="仿宋" panose="02010609060101010101" pitchFamily="49" charset="-122"/>
+            </a:endParaRPr>
+          </a:p>
+          <a:p>
+            <a:r>
+              <a:rPr lang="zh-CN" altLang="en-US" sz="2000" b="1" dirty="0" smtClean="0">
+                <a:latin typeface="仿宋" panose="02010609060101010101" pitchFamily="49" charset="-122"/>
+                <a:ea typeface="仿宋" panose="02010609060101010101" pitchFamily="49" charset="-122"/>
+              </a:rPr>
+              <a:t>思路</a:t>
+            </a:r>
+            <a:endParaRPr lang="en-US" altLang="zh-CN" sz="2000" b="1" dirty="0" smtClean="0">
+              <a:latin typeface="仿宋" panose="02010609060101010101" pitchFamily="49" charset="-122"/>
+              <a:ea typeface="仿宋" panose="02010609060101010101" pitchFamily="49" charset="-122"/>
+            </a:endParaRPr>
+          </a:p>
+          <a:p>
+            <a:r>
+              <a:rPr lang="zh-CN" altLang="en-US" sz="2000" dirty="0" smtClean="0">
                 <a:solidFill>
                   <a:srgbClr val="FF0000"/>
                 </a:solidFill>
                 <a:latin typeface="仿宋" panose="02010609060101010101" pitchFamily="49" charset="-122"/>
                 <a:ea typeface="仿宋" panose="02010609060101010101" pitchFamily="49" charset="-122"/>
               </a:rPr>
-              <a:t>单元测试不是越多越好，而是越有效越好！</a:t>
-            </a:r>
-            <a:endParaRPr lang="zh-CN" altLang="en-US" sz="2000" dirty="0">
+              <a:t>模拟验证结果、模拟</a:t>
+            </a:r>
+            <a:r>
+              <a:rPr lang="en-US" altLang="zh-CN" sz="2000" dirty="0" err="1" smtClean="0">
+                <a:solidFill>
+                  <a:srgbClr val="FF0000"/>
+                </a:solidFill>
+                <a:latin typeface="仿宋" panose="02010609060101010101" pitchFamily="49" charset="-122"/>
+                <a:ea typeface="仿宋" panose="02010609060101010101" pitchFamily="49" charset="-122"/>
+              </a:rPr>
+              <a:t>dubbo</a:t>
+            </a:r>
+            <a:r>
+              <a:rPr lang="zh-CN" altLang="en-US" sz="2000" dirty="0" smtClean="0">
+                <a:solidFill>
+                  <a:srgbClr val="FF0000"/>
+                </a:solidFill>
+                <a:latin typeface="仿宋" panose="02010609060101010101" pitchFamily="49" charset="-122"/>
+                <a:ea typeface="仿宋" panose="02010609060101010101" pitchFamily="49" charset="-122"/>
+              </a:rPr>
+              <a:t>服务（各种模拟</a:t>
+            </a:r>
+            <a:r>
+              <a:rPr lang="zh-CN" altLang="en-US" sz="2000" dirty="0" smtClean="0">
+                <a:solidFill>
+                  <a:srgbClr val="FF0000"/>
+                </a:solidFill>
+                <a:latin typeface="仿宋" panose="02010609060101010101" pitchFamily="49" charset="-122"/>
+                <a:ea typeface="仿宋" panose="02010609060101010101" pitchFamily="49" charset="-122"/>
+                <a:sym typeface="+mn-ea"/>
+              </a:rPr>
+              <a:t>）</a:t>
+            </a:r>
+            <a:r>
+              <a:rPr lang="zh-CN" altLang="en-US" sz="2000" dirty="0" smtClean="0">
+                <a:solidFill>
+                  <a:srgbClr val="FF0000"/>
+                </a:solidFill>
+                <a:latin typeface="仿宋" panose="02010609060101010101" pitchFamily="49" charset="-122"/>
+                <a:ea typeface="仿宋" panose="02010609060101010101" pitchFamily="49" charset="-122"/>
+              </a:rPr>
+              <a:t>。也就是所谓的</a:t>
+            </a:r>
+            <a:r>
+              <a:rPr lang="en-US" altLang="zh-CN" sz="2000" dirty="0" smtClean="0">
+                <a:solidFill>
+                  <a:srgbClr val="FF0000"/>
+                </a:solidFill>
+                <a:latin typeface="仿宋" panose="02010609060101010101" pitchFamily="49" charset="-122"/>
+                <a:ea typeface="仿宋" panose="02010609060101010101" pitchFamily="49" charset="-122"/>
+              </a:rPr>
+              <a:t>Mock</a:t>
+            </a:r>
+            <a:r>
+              <a:rPr lang="zh-CN" altLang="en-US" sz="2000" dirty="0" smtClean="0">
+                <a:solidFill>
+                  <a:srgbClr val="FF0000"/>
+                </a:solidFill>
+                <a:latin typeface="仿宋" panose="02010609060101010101" pitchFamily="49" charset="-122"/>
+                <a:ea typeface="仿宋" panose="02010609060101010101" pitchFamily="49" charset="-122"/>
+              </a:rPr>
+              <a:t>。</a:t>
+            </a:r>
+            <a:endParaRPr lang="en-US" altLang="zh-CN" sz="2000" dirty="0" smtClean="0">
               <a:solidFill>
                 <a:srgbClr val="FF0000"/>
               </a:solidFill>
-              <a:latin typeface="仿宋" panose="02010609060101010101" pitchFamily="49" charset="-122"/>
-              <a:ea typeface="仿宋" panose="02010609060101010101" pitchFamily="49" charset="-122"/>
-            </a:endParaRPr>
-          </a:p>
-          <a:p>
-            <a:endParaRPr lang="zh-CN" altLang="en-US" sz="2000" dirty="0">
-              <a:solidFill>
-                <a:srgbClr val="FF0000"/>
-              </a:solidFill>
-              <a:latin typeface="仿宋" panose="02010609060101010101" pitchFamily="49" charset="-122"/>
-              <a:ea typeface="仿宋" panose="02010609060101010101" pitchFamily="49" charset="-122"/>
-            </a:endParaRPr>
-          </a:p>
-          <a:p>
-            <a:r>
-              <a:rPr lang="zh-CN" altLang="en-US" sz="2000" b="1" dirty="0">
-                <a:latin typeface="仿宋" panose="02010609060101010101" pitchFamily="49" charset="-122"/>
-                <a:ea typeface="仿宋" panose="02010609060101010101" pitchFamily="49" charset="-122"/>
-              </a:rPr>
-              <a:t>哪些代码需要有单元测试覆盖</a:t>
-            </a:r>
-            <a:endParaRPr lang="zh-CN" altLang="en-US" sz="2000" dirty="0">
-              <a:solidFill>
-                <a:srgbClr val="FF0000"/>
-              </a:solidFill>
-              <a:latin typeface="仿宋" panose="02010609060101010101" pitchFamily="49" charset="-122"/>
-              <a:ea typeface="仿宋" panose="02010609060101010101" pitchFamily="49" charset="-122"/>
-            </a:endParaRPr>
-          </a:p>
-          <a:p>
-            <a:r>
-              <a:rPr lang="zh-CN" altLang="en-US" sz="2000" dirty="0">
-                <a:latin typeface="仿宋" panose="02010609060101010101" pitchFamily="49" charset="-122"/>
-                <a:ea typeface="仿宋" panose="02010609060101010101" pitchFamily="49" charset="-122"/>
-              </a:rPr>
-              <a:t>1. 逻辑复杂的 </a:t>
-            </a:r>
-            <a:endParaRPr lang="zh-CN" altLang="en-US" sz="2000" dirty="0">
-              <a:latin typeface="仿宋" panose="02010609060101010101" pitchFamily="49" charset="-122"/>
-              <a:ea typeface="仿宋" panose="02010609060101010101" pitchFamily="49" charset="-122"/>
-            </a:endParaRPr>
-          </a:p>
-          <a:p>
-            <a:r>
-              <a:rPr lang="zh-CN" altLang="en-US" sz="2000" dirty="0">
-                <a:latin typeface="仿宋" panose="02010609060101010101" pitchFamily="49" charset="-122"/>
-                <a:ea typeface="仿宋" panose="02010609060101010101" pitchFamily="49" charset="-122"/>
-              </a:rPr>
-              <a:t>2. 容易出错的 </a:t>
-            </a:r>
-            <a:endParaRPr lang="zh-CN" altLang="en-US" sz="2000" dirty="0">
-              <a:latin typeface="仿宋" panose="02010609060101010101" pitchFamily="49" charset="-122"/>
-              <a:ea typeface="仿宋" panose="02010609060101010101" pitchFamily="49" charset="-122"/>
-            </a:endParaRPr>
-          </a:p>
-          <a:p>
-            <a:r>
-              <a:rPr lang="zh-CN" altLang="en-US" sz="2000" dirty="0">
-                <a:latin typeface="仿宋" panose="02010609060101010101" pitchFamily="49" charset="-122"/>
-                <a:ea typeface="仿宋" panose="02010609060101010101" pitchFamily="49" charset="-122"/>
-              </a:rPr>
-              <a:t>3. 不易理解的，即使是自己过段时间也会遗忘的，看不懂自己的代码，单元测试代码有助于理解代码的功能和需求。</a:t>
-            </a:r>
-            <a:endParaRPr lang="zh-CN" altLang="en-US" sz="2000" dirty="0">
-              <a:latin typeface="仿宋" panose="02010609060101010101" pitchFamily="49" charset="-122"/>
-              <a:ea typeface="仿宋" panose="02010609060101010101" pitchFamily="49" charset="-122"/>
-            </a:endParaRPr>
-          </a:p>
-          <a:p>
-            <a:r>
-              <a:rPr lang="zh-CN" altLang="en-US" sz="2000" dirty="0">
-                <a:latin typeface="仿宋" panose="02010609060101010101" pitchFamily="49" charset="-122"/>
-                <a:ea typeface="仿宋" panose="02010609060101010101" pitchFamily="49" charset="-122"/>
-              </a:rPr>
-              <a:t>4. 公共代码。比如自定义的拦截器；工具类等。 </a:t>
-            </a:r>
-            <a:endParaRPr lang="zh-CN" altLang="en-US" sz="2000" dirty="0">
-              <a:latin typeface="仿宋" panose="02010609060101010101" pitchFamily="49" charset="-122"/>
-              <a:ea typeface="仿宋" panose="02010609060101010101" pitchFamily="49" charset="-122"/>
-            </a:endParaRPr>
-          </a:p>
-          <a:p>
-            <a:r>
-              <a:rPr lang="zh-CN" altLang="en-US" sz="2000" dirty="0">
-                <a:latin typeface="仿宋" panose="02010609060101010101" pitchFamily="49" charset="-122"/>
-                <a:ea typeface="仿宋" panose="02010609060101010101" pitchFamily="49" charset="-122"/>
-              </a:rPr>
-              <a:t>5. 核心业务代码。一个产品里最核心最有业务价值的代码应该要有较高的单元测试覆盖率。</a:t>
-            </a:r>
-            <a:endParaRPr lang="zh-CN" altLang="en-US" sz="2000" dirty="0">
-              <a:latin typeface="仿宋" panose="02010609060101010101" pitchFamily="49" charset="-122"/>
-              <a:ea typeface="仿宋" panose="02010609060101010101" pitchFamily="49" charset="-122"/>
-            </a:endParaRPr>
-          </a:p>
-          <a:p>
-            <a:endParaRPr lang="zh-CN" altLang="en-US" sz="2000" dirty="0">
-              <a:latin typeface="仿宋" panose="02010609060101010101" pitchFamily="49" charset="-122"/>
-              <a:ea typeface="仿宋" panose="02010609060101010101" pitchFamily="49" charset="-122"/>
-            </a:endParaRPr>
-          </a:p>
-          <a:p>
-            <a:r>
-              <a:rPr lang="zh-CN" altLang="en-US" sz="2000" b="1" dirty="0">
-                <a:latin typeface="仿宋" panose="02010609060101010101" pitchFamily="49" charset="-122"/>
-                <a:ea typeface="仿宋" panose="02010609060101010101" pitchFamily="49" charset="-122"/>
-              </a:rPr>
-              <a:t>何时写单元测试</a:t>
-            </a:r>
-            <a:endParaRPr lang="zh-CN" altLang="en-US" sz="2000" dirty="0">
-              <a:latin typeface="仿宋" panose="02010609060101010101" pitchFamily="49" charset="-122"/>
-              <a:ea typeface="仿宋" panose="02010609060101010101" pitchFamily="49" charset="-122"/>
-            </a:endParaRPr>
-          </a:p>
-          <a:p>
-            <a:r>
-              <a:rPr lang="zh-CN" altLang="en-US" sz="2000" dirty="0">
-                <a:latin typeface="仿宋" panose="02010609060101010101" pitchFamily="49" charset="-122"/>
-                <a:ea typeface="仿宋" panose="02010609060101010101" pitchFamily="49" charset="-122"/>
-              </a:rPr>
-              <a:t>边写业务代码，边写单元测试。因为只有对需求有一定的理解后才能知道什么是代码是正确的。</a:t>
-            </a:r>
-            <a:endParaRPr lang="zh-CN" altLang="en-US" sz="2000" dirty="0">
               <a:latin typeface="仿宋" panose="02010609060101010101" pitchFamily="49" charset="-122"/>
               <a:ea typeface="仿宋" panose="02010609060101010101" pitchFamily="49" charset="-122"/>
             </a:endParaRPr>
@@ -10037,11 +9896,18 @@
           <a:lstStyle/>
           <a:p>
             <a:r>
-              <a:rPr lang="zh-CN" altLang="en-US" dirty="0" smtClean="0">
-                <a:latin typeface="仿宋" panose="02010609060101010101" pitchFamily="49" charset="-122"/>
-                <a:ea typeface="仿宋" panose="02010609060101010101" pitchFamily="49" charset="-122"/>
-              </a:rPr>
-              <a:t>一个实际的开发测试场景</a:t>
+              <a:rPr lang="en-US" altLang="zh-CN" dirty="0" err="1" smtClean="0">
+                <a:latin typeface="仿宋" panose="02010609060101010101" pitchFamily="49" charset="-122"/>
+                <a:ea typeface="仿宋" panose="02010609060101010101" pitchFamily="49" charset="-122"/>
+              </a:rPr>
+              <a:t>JMockit</a:t>
+            </a:r>
+            <a:r>
+              <a:rPr lang="zh-CN" altLang="en-US" dirty="0">
+                <a:latin typeface="仿宋" panose="02010609060101010101" pitchFamily="49" charset="-122"/>
+                <a:ea typeface="仿宋" panose="02010609060101010101" pitchFamily="49" charset="-122"/>
+              </a:rPr>
+              <a:t>简介</a:t>
             </a:r>
             <a:endParaRPr lang="zh-CN" altLang="en-US" dirty="0">
               <a:latin typeface="仿宋" panose="02010609060101010101" pitchFamily="49" charset="-122"/>
@@ -10060,12 +9926,7 @@
             <p:ph idx="1"/>
           </p:nvPr>
         </p:nvSpPr>
-        <p:spPr>
-          <a:xfrm>
-            <a:off x="838200" y="1690689"/>
-            <a:ext cx="10515600" cy="4608512"/>
-          </a:xfrm>
-        </p:spPr>
+        <p:spPr/>
         <p:txBody>
           <a:bodyPr>
             <a:normAutofit/>
@@ -10073,449 +9934,327 @@
           <a:lstStyle/>
           <a:p>
             <a:r>
-              <a:rPr lang="zh-CN" altLang="en-US" sz="2000" b="1" dirty="0">
-                <a:latin typeface="仿宋" panose="02010609060101010101" pitchFamily="49" charset="-122"/>
-                <a:ea typeface="仿宋" panose="02010609060101010101" pitchFamily="49" charset="-122"/>
-              </a:rPr>
-              <a:t>场景</a:t>
+              <a:rPr lang="en-US" altLang="zh-CN" sz="2000" b="1" dirty="0" err="1" smtClean="0">
+                <a:latin typeface="仿宋" panose="02010609060101010101" pitchFamily="49" charset="-122"/>
+                <a:ea typeface="仿宋" panose="02010609060101010101" pitchFamily="49" charset="-122"/>
+              </a:rPr>
+              <a:t>JMockit</a:t>
             </a:r>
             <a:r>
               <a:rPr lang="zh-CN" altLang="en-US" sz="2000" b="1" dirty="0" smtClean="0">
                 <a:latin typeface="仿宋" panose="02010609060101010101" pitchFamily="49" charset="-122"/>
                 <a:ea typeface="仿宋" panose="02010609060101010101" pitchFamily="49" charset="-122"/>
               </a:rPr>
-              <a:t>：</a:t>
+              <a:t>是什么</a:t>
+            </a:r>
+            <a:endParaRPr lang="en-US" altLang="zh-CN" sz="2000" b="1" dirty="0" smtClean="0">
+              <a:latin typeface="仿宋" panose="02010609060101010101" pitchFamily="49" charset="-122"/>
+              <a:ea typeface="仿宋" panose="02010609060101010101" pitchFamily="49" charset="-122"/>
+            </a:endParaRPr>
+          </a:p>
+          <a:p>
+            <a:r>
+              <a:rPr lang="en-US" altLang="zh-CN" sz="2000" dirty="0" err="1" smtClean="0">
+                <a:latin typeface="仿宋" panose="02010609060101010101" pitchFamily="49" charset="-122"/>
+                <a:ea typeface="仿宋" panose="02010609060101010101" pitchFamily="49" charset="-122"/>
+              </a:rPr>
+              <a:t>JMockit</a:t>
             </a:r>
             <a:r>
               <a:rPr lang="zh-CN" altLang="en-US" sz="2000" dirty="0">
                 <a:latin typeface="仿宋" panose="02010609060101010101" pitchFamily="49" charset="-122"/>
                 <a:ea typeface="仿宋" panose="02010609060101010101" pitchFamily="49" charset="-122"/>
               </a:rPr>
-              <a:t>假设订单</a:t>
+              <a:t>是一款</a:t>
+            </a:r>
+            <a:r>
+              <a:rPr lang="en-US" altLang="zh-CN" sz="2000" dirty="0">
+                <a:latin typeface="仿宋" panose="02010609060101010101" pitchFamily="49" charset="-122"/>
+                <a:ea typeface="仿宋" panose="02010609060101010101" pitchFamily="49" charset="-122"/>
+              </a:rPr>
+              <a:t>Java</a:t>
+            </a:r>
+            <a:r>
+              <a:rPr lang="zh-CN" altLang="en-US" sz="2000" dirty="0">
+                <a:latin typeface="仿宋" panose="02010609060101010101" pitchFamily="49" charset="-122"/>
+                <a:ea typeface="仿宋" panose="02010609060101010101" pitchFamily="49" charset="-122"/>
+              </a:rPr>
+              <a:t>类</a:t>
+            </a:r>
+            <a:r>
+              <a:rPr lang="en-US" altLang="zh-CN" sz="2000" dirty="0">
+                <a:latin typeface="仿宋" panose="02010609060101010101" pitchFamily="49" charset="-122"/>
+                <a:ea typeface="仿宋" panose="02010609060101010101" pitchFamily="49" charset="-122"/>
+              </a:rPr>
+              <a:t>/</a:t>
+            </a:r>
+            <a:r>
+              <a:rPr lang="zh-CN" altLang="en-US" sz="2000" dirty="0">
+                <a:latin typeface="仿宋" panose="02010609060101010101" pitchFamily="49" charset="-122"/>
+                <a:ea typeface="仿宋" panose="02010609060101010101" pitchFamily="49" charset="-122"/>
+              </a:rPr>
+              <a:t>接口</a:t>
+            </a:r>
+            <a:r>
+              <a:rPr lang="en-US" altLang="zh-CN" sz="2000" dirty="0">
+                <a:latin typeface="仿宋" panose="02010609060101010101" pitchFamily="49" charset="-122"/>
+                <a:ea typeface="仿宋" panose="02010609060101010101" pitchFamily="49" charset="-122"/>
+              </a:rPr>
+              <a:t>/</a:t>
+            </a:r>
+            <a:r>
+              <a:rPr lang="zh-CN" altLang="en-US" sz="2000" dirty="0">
+                <a:latin typeface="仿宋" panose="02010609060101010101" pitchFamily="49" charset="-122"/>
+                <a:ea typeface="仿宋" panose="02010609060101010101" pitchFamily="49" charset="-122"/>
+              </a:rPr>
+              <a:t>对象的</a:t>
+            </a:r>
+            <a:r>
+              <a:rPr lang="en-US" altLang="zh-CN" sz="2000" dirty="0">
+                <a:latin typeface="仿宋" panose="02010609060101010101" pitchFamily="49" charset="-122"/>
+                <a:ea typeface="仿宋" panose="02010609060101010101" pitchFamily="49" charset="-122"/>
+              </a:rPr>
+              <a:t>Mock</a:t>
+            </a:r>
+            <a:r>
+              <a:rPr lang="zh-CN" altLang="en-US" sz="2000" dirty="0">
+                <a:latin typeface="仿宋" panose="02010609060101010101" pitchFamily="49" charset="-122"/>
+                <a:ea typeface="仿宋" panose="02010609060101010101" pitchFamily="49" charset="-122"/>
+              </a:rPr>
+              <a:t>工具，目前广泛应用于</a:t>
+            </a:r>
+            <a:r>
+              <a:rPr lang="en-US" altLang="zh-CN" sz="2000" dirty="0">
+                <a:latin typeface="仿宋" panose="02010609060101010101" pitchFamily="49" charset="-122"/>
+                <a:ea typeface="仿宋" panose="02010609060101010101" pitchFamily="49" charset="-122"/>
+              </a:rPr>
+              <a:t>Java</a:t>
+            </a:r>
+            <a:r>
+              <a:rPr lang="zh-CN" altLang="en-US" sz="2000" dirty="0">
+                <a:latin typeface="仿宋" panose="02010609060101010101" pitchFamily="49" charset="-122"/>
+                <a:ea typeface="仿宋" panose="02010609060101010101" pitchFamily="49" charset="-122"/>
+              </a:rPr>
+              <a:t>应用程序的单元测试中</a:t>
             </a:r>
             <a:r>
               <a:rPr lang="zh-CN" altLang="en-US" sz="2000" dirty="0" smtClean="0">
                 <a:latin typeface="仿宋" panose="02010609060101010101" pitchFamily="49" charset="-122"/>
                 <a:ea typeface="仿宋" panose="02010609060101010101" pitchFamily="49" charset="-122"/>
               </a:rPr>
-              <a:t>服务</a:t>
-            </a:r>
+              <a:t>。</a:t>
+            </a:r>
+            <a:endParaRPr lang="en-US" altLang="zh-CN" sz="2000" dirty="0" smtClean="0">
+              <a:latin typeface="仿宋" panose="02010609060101010101" pitchFamily="49" charset="-122"/>
+              <a:ea typeface="仿宋" panose="02010609060101010101" pitchFamily="49" charset="-122"/>
+            </a:endParaRPr>
+          </a:p>
+          <a:p>
+            <a:endParaRPr lang="en-US" altLang="zh-CN" sz="2000" b="1" dirty="0" smtClean="0">
+              <a:latin typeface="仿宋" panose="02010609060101010101" pitchFamily="49" charset="-122"/>
+              <a:ea typeface="仿宋" panose="02010609060101010101" pitchFamily="49" charset="-122"/>
+            </a:endParaRPr>
+          </a:p>
+          <a:p>
+            <a:r>
+              <a:rPr lang="en-US" altLang="zh-CN" sz="2000" b="1" dirty="0" err="1" smtClean="0">
+                <a:latin typeface="仿宋" panose="02010609060101010101" pitchFamily="49" charset="-122"/>
+                <a:ea typeface="仿宋" panose="02010609060101010101" pitchFamily="49" charset="-122"/>
+              </a:rPr>
+              <a:t>JMockit</a:t>
+            </a:r>
+            <a:r>
+              <a:rPr lang="zh-CN" altLang="en-US" sz="2000" b="1" dirty="0" smtClean="0">
+                <a:latin typeface="仿宋" panose="02010609060101010101" pitchFamily="49" charset="-122"/>
+                <a:ea typeface="仿宋" panose="02010609060101010101" pitchFamily="49" charset="-122"/>
+              </a:rPr>
+              <a:t>的特点</a:t>
+            </a:r>
+            <a:endParaRPr lang="en-US" altLang="zh-CN" sz="2000" b="1" dirty="0" smtClean="0">
+              <a:latin typeface="仿宋" panose="02010609060101010101" pitchFamily="49" charset="-122"/>
+              <a:ea typeface="仿宋" panose="02010609060101010101" pitchFamily="49" charset="-122"/>
+            </a:endParaRPr>
+          </a:p>
+          <a:p>
             <a:r>
               <a:rPr lang="en-US" altLang="zh-CN" sz="2000" dirty="0" err="1" smtClean="0">
                 <a:latin typeface="仿宋" panose="02010609060101010101" pitchFamily="49" charset="-122"/>
                 <a:ea typeface="仿宋" panose="02010609060101010101" pitchFamily="49" charset="-122"/>
               </a:rPr>
-              <a:t>OrderFacade</a:t>
+              <a:t>JMockit</a:t>
+            </a:r>
+            <a:r>
+              <a:rPr lang="zh-CN" altLang="en-US" sz="2000" dirty="0">
+                <a:latin typeface="仿宋" panose="02010609060101010101" pitchFamily="49" charset="-122"/>
+                <a:ea typeface="仿宋" panose="02010609060101010101" pitchFamily="49" charset="-122"/>
+              </a:rPr>
+              <a:t>的</a:t>
+            </a:r>
+            <a:r>
+              <a:rPr lang="en-US" altLang="zh-CN" sz="2000" dirty="0">
+                <a:latin typeface="仿宋" panose="02010609060101010101" pitchFamily="49" charset="-122"/>
+                <a:ea typeface="仿宋" panose="02010609060101010101" pitchFamily="49" charset="-122"/>
+              </a:rPr>
+              <a:t>API</a:t>
+            </a:r>
+            <a:r>
+              <a:rPr lang="zh-CN" altLang="en-US" sz="2000" dirty="0">
+                <a:latin typeface="仿宋" panose="02010609060101010101" pitchFamily="49" charset="-122"/>
+                <a:ea typeface="仿宋" panose="02010609060101010101" pitchFamily="49" charset="-122"/>
+              </a:rPr>
+              <a:t>易用，丰富！</a:t>
+            </a:r>
+            <a:endParaRPr lang="zh-CN" altLang="en-US" sz="2000" dirty="0">
+              <a:latin typeface="仿宋" panose="02010609060101010101" pitchFamily="49" charset="-122"/>
+              <a:ea typeface="仿宋" panose="02010609060101010101" pitchFamily="49" charset="-122"/>
+            </a:endParaRPr>
+          </a:p>
+          <a:p>
+            <a:r>
+              <a:rPr lang="en-US" altLang="zh-CN" sz="2000" dirty="0" err="1">
+                <a:latin typeface="仿宋" panose="02010609060101010101" pitchFamily="49" charset="-122"/>
+                <a:ea typeface="仿宋" panose="02010609060101010101" pitchFamily="49" charset="-122"/>
+              </a:rPr>
+              <a:t>JMockit</a:t>
+            </a:r>
+            <a:r>
+              <a:rPr lang="zh-CN" altLang="en-US" sz="2000" dirty="0">
+                <a:latin typeface="仿宋" panose="02010609060101010101" pitchFamily="49" charset="-122"/>
+                <a:ea typeface="仿宋" panose="02010609060101010101" pitchFamily="49" charset="-122"/>
+              </a:rPr>
+              <a:t>提供了注解，并支持对类</a:t>
+            </a:r>
+            <a:r>
+              <a:rPr lang="en-US" altLang="zh-CN" sz="2000" dirty="0">
+                <a:latin typeface="仿宋" panose="02010609060101010101" pitchFamily="49" charset="-122"/>
+                <a:ea typeface="仿宋" panose="02010609060101010101" pitchFamily="49" charset="-122"/>
+              </a:rPr>
+              <a:t>/</a:t>
+            </a:r>
+            <a:r>
+              <a:rPr lang="zh-CN" altLang="en-US" sz="2000" dirty="0">
+                <a:latin typeface="仿宋" panose="02010609060101010101" pitchFamily="49" charset="-122"/>
+                <a:ea typeface="仿宋" panose="02010609060101010101" pitchFamily="49" charset="-122"/>
+              </a:rPr>
+              <a:t>对象的属性，</a:t>
             </a:r>
             <a:r>
               <a:rPr lang="zh-CN" altLang="en-US" sz="2000" dirty="0" smtClean="0">
                 <a:latin typeface="仿宋" panose="02010609060101010101" pitchFamily="49" charset="-122"/>
                 <a:ea typeface="仿宋" panose="02010609060101010101" pitchFamily="49" charset="-122"/>
               </a:rPr>
-              <a:t>中</a:t>
+              <a:t>方法，</a:t>
             </a:r>
             <a:r>
               <a:rPr lang="zh-CN" altLang="en-US" sz="2000" dirty="0">
                 <a:latin typeface="仿宋" panose="02010609060101010101" pitchFamily="49" charset="-122"/>
                 <a:ea typeface="仿宋" panose="02010609060101010101" pitchFamily="49" charset="-122"/>
               </a:rPr>
-              <a:t>有一个下单方</a:t>
+              <a:t>构造函数，初始代码块</a:t>
+            </a:r>
+            <a:r>
+              <a:rPr lang="en-US" altLang="zh-CN" sz="2000" dirty="0">
+                <a:latin typeface="仿宋" panose="02010609060101010101" pitchFamily="49" charset="-122"/>
+                <a:ea typeface="仿宋" panose="02010609060101010101" pitchFamily="49" charset="-122"/>
+              </a:rPr>
+              <a:t>(</a:t>
+            </a:r>
+            <a:r>
+              <a:rPr lang="zh-CN" altLang="en-US" sz="2000" dirty="0">
+                <a:latin typeface="仿宋" panose="02010609060101010101" pitchFamily="49" charset="-122"/>
+                <a:ea typeface="仿宋" panose="02010609060101010101" pitchFamily="49" charset="-122"/>
+              </a:rPr>
+              <a:t>含静态初始代码块</a:t>
+            </a:r>
+            <a:r>
+              <a:rPr lang="en-US" altLang="zh-CN" sz="2000" dirty="0">
+                <a:latin typeface="仿宋" panose="02010609060101010101" pitchFamily="49" charset="-122"/>
+                <a:ea typeface="仿宋" panose="02010609060101010101" pitchFamily="49" charset="-122"/>
+              </a:rPr>
+              <a:t>)</a:t>
+            </a:r>
+            <a:r>
+              <a:rPr lang="zh-CN" altLang="en-US" sz="2000" dirty="0">
+                <a:latin typeface="仿宋" panose="02010609060101010101" pitchFamily="49" charset="-122"/>
+                <a:ea typeface="仿宋" panose="02010609060101010101" pitchFamily="49" charset="-122"/>
+              </a:rPr>
+              <a:t>进行灵活</a:t>
+            </a:r>
+            <a:r>
+              <a:rPr lang="en-US" altLang="zh-CN" sz="2000" dirty="0" smtClean="0">
+                <a:latin typeface="仿宋" panose="02010609060101010101" pitchFamily="49" charset="-122"/>
+                <a:ea typeface="仿宋" panose="02010609060101010101" pitchFamily="49" charset="-122"/>
+              </a:rPr>
+              <a:t>Mock</a:t>
             </a:r>
             <a:r>
               <a:rPr lang="zh-CN" altLang="en-US" sz="2000" dirty="0" smtClean="0">
                 <a:latin typeface="仿宋" panose="02010609060101010101" pitchFamily="49" charset="-122"/>
                 <a:ea typeface="仿宋" panose="02010609060101010101" pitchFamily="49" charset="-122"/>
               </a:rPr>
-              <a:t>法</a:t>
+              <a:t>。</a:t>
+            </a:r>
+            <a:r>
+              <a:rPr lang="en-US" altLang="zh-CN" sz="2000" dirty="0" smtClean="0">
+                <a:latin typeface="仿宋" panose="02010609060101010101" pitchFamily="49" charset="-122"/>
+                <a:ea typeface="仿宋" panose="02010609060101010101" pitchFamily="49" charset="-122"/>
+              </a:rPr>
+              <a:t>(</a:t>
+            </a:r>
+            <a:r>
+              <a:rPr lang="zh-CN" altLang="en-US" sz="2000" dirty="0" smtClean="0">
+                <a:latin typeface="仿宋" panose="02010609060101010101" pitchFamily="49" charset="-122"/>
+                <a:ea typeface="仿宋" panose="02010609060101010101" pitchFamily="49" charset="-122"/>
+              </a:rPr>
+              <a:t>注：支持</a:t>
             </a:r>
             <a:r>
               <a:rPr lang="en-US" altLang="zh-CN" sz="2000" dirty="0" err="1" smtClean="0">
                 <a:latin typeface="仿宋" panose="02010609060101010101" pitchFamily="49" charset="-122"/>
                 <a:ea typeface="仿宋" panose="02010609060101010101" pitchFamily="49" charset="-122"/>
               </a:rPr>
-              <a:t>submitOrder</a:t>
+              <a:t>static,private,public,final,native</a:t>
             </a:r>
             <a:r>
               <a:rPr lang="zh-CN" altLang="en-US" sz="2000" dirty="0" smtClean="0">
                 <a:latin typeface="仿宋" panose="02010609060101010101" pitchFamily="49" charset="-122"/>
                 <a:ea typeface="仿宋" panose="02010609060101010101" pitchFamily="49" charset="-122"/>
               </a:rPr>
-              <a:t>（</a:t>
-            </a:r>
-            <a:r>
-              <a:rPr lang="en-US" altLang="zh-CN" sz="2000" dirty="0" err="1">
-                <a:latin typeface="仿宋" panose="02010609060101010101" pitchFamily="49" charset="-122"/>
-                <a:ea typeface="仿宋" panose="02010609060101010101" pitchFamily="49" charset="-122"/>
-              </a:rPr>
-              <a:t>dubbo</a:t>
-            </a:r>
+              <a:t>方法的</a:t>
+            </a:r>
+            <a:r>
+              <a:rPr lang="en-US" altLang="zh-CN" sz="2000" dirty="0" smtClean="0">
+                <a:latin typeface="仿宋" panose="02010609060101010101" pitchFamily="49" charset="-122"/>
+                <a:ea typeface="仿宋" panose="02010609060101010101" pitchFamily="49" charset="-122"/>
+              </a:rPr>
+              <a:t>Mock)</a:t>
+            </a:r>
+            <a:endParaRPr lang="en-US" altLang="zh-CN" sz="2000" dirty="0">
+              <a:latin typeface="仿宋" panose="02010609060101010101" pitchFamily="49" charset="-122"/>
+              <a:ea typeface="仿宋" panose="02010609060101010101" pitchFamily="49" charset="-122"/>
+            </a:endParaRPr>
+          </a:p>
+          <a:p>
             <a:r>
               <a:rPr lang="zh-CN" altLang="en-US" sz="2000" dirty="0">
                 <a:latin typeface="仿宋" panose="02010609060101010101" pitchFamily="49" charset="-122"/>
                 <a:ea typeface="仿宋" panose="02010609060101010101" pitchFamily="49" charset="-122"/>
               </a:rPr>
-              <a:t>服务提供者）</a:t>
-            </a:r>
-            <a:endParaRPr lang="en-US" altLang="zh-CN" sz="2000" dirty="0">
-              <a:latin typeface="仿宋" panose="02010609060101010101" pitchFamily="49" charset="-122"/>
-              <a:ea typeface="仿宋" panose="02010609060101010101" pitchFamily="49" charset="-122"/>
-            </a:endParaRPr>
-          </a:p>
-          <a:p>
-            <a:r>
-              <a:rPr lang="zh-CN" altLang="en-US" sz="2000" b="1" dirty="0">
-                <a:latin typeface="仿宋" panose="02010609060101010101" pitchFamily="49" charset="-122"/>
-                <a:ea typeface="仿宋" panose="02010609060101010101" pitchFamily="49" charset="-122"/>
-              </a:rPr>
-              <a:t>业务逻辑</a:t>
-            </a:r>
-            <a:endParaRPr lang="en-US" altLang="zh-CN" sz="2000" b="1" dirty="0">
-              <a:latin typeface="仿宋" panose="02010609060101010101" pitchFamily="49" charset="-122"/>
-              <a:ea typeface="仿宋" panose="02010609060101010101" pitchFamily="49" charset="-122"/>
-            </a:endParaRPr>
-          </a:p>
-          <a:p>
-            <a:r>
-              <a:rPr lang="en-US" altLang="zh-CN" sz="2000" dirty="0">
-                <a:latin typeface="仿宋" panose="02010609060101010101" pitchFamily="49" charset="-122"/>
-                <a:ea typeface="仿宋" panose="02010609060101010101" pitchFamily="49" charset="-122"/>
-              </a:rPr>
-              <a:t>1</a:t>
-            </a:r>
-            <a:r>
-              <a:rPr lang="zh-CN" altLang="en-US" sz="2000" dirty="0">
-                <a:latin typeface="仿宋" panose="02010609060101010101" pitchFamily="49" charset="-122"/>
-                <a:ea typeface="仿宋" panose="02010609060101010101" pitchFamily="49" charset="-122"/>
-              </a:rPr>
-              <a:t>、调用本地的用户验证类来进行下单前的</a:t>
-            </a:r>
-            <a:r>
-              <a:rPr lang="zh-CN" altLang="en-US" sz="2000" dirty="0" smtClean="0">
-                <a:latin typeface="仿宋" panose="02010609060101010101" pitchFamily="49" charset="-122"/>
-                <a:ea typeface="仿宋" panose="02010609060101010101" pitchFamily="49" charset="-122"/>
-              </a:rPr>
-              <a:t>验证。</a:t>
-            </a:r>
-            <a:endParaRPr lang="en-US" altLang="zh-CN" sz="2000" dirty="0">
-              <a:latin typeface="仿宋" panose="02010609060101010101" pitchFamily="49" charset="-122"/>
-              <a:ea typeface="仿宋" panose="02010609060101010101" pitchFamily="49" charset="-122"/>
-            </a:endParaRPr>
-          </a:p>
-          <a:p>
-            <a:r>
-              <a:rPr lang="en-US" altLang="zh-CN" sz="2000" dirty="0">
-                <a:latin typeface="仿宋" panose="02010609060101010101" pitchFamily="49" charset="-122"/>
-                <a:ea typeface="仿宋" panose="02010609060101010101" pitchFamily="49" charset="-122"/>
-              </a:rPr>
-              <a:t>2</a:t>
-            </a:r>
-            <a:r>
-              <a:rPr lang="zh-CN" altLang="en-US" sz="2000" dirty="0" smtClean="0">
-                <a:latin typeface="仿宋" panose="02010609060101010101" pitchFamily="49" charset="-122"/>
-                <a:ea typeface="仿宋" panose="02010609060101010101" pitchFamily="49" charset="-122"/>
-              </a:rPr>
-              <a:t>、</a:t>
-            </a:r>
-            <a:r>
-              <a:rPr lang="zh-CN" altLang="en-US" sz="2000" dirty="0">
-                <a:latin typeface="仿宋" panose="02010609060101010101" pitchFamily="49" charset="-122"/>
-                <a:ea typeface="仿宋" panose="02010609060101010101" pitchFamily="49" charset="-122"/>
-              </a:rPr>
-              <a:t>调用多个依赖的</a:t>
-            </a:r>
-            <a:r>
-              <a:rPr lang="en-US" altLang="zh-CN" sz="2000" dirty="0" err="1" smtClean="0">
-                <a:latin typeface="仿宋" panose="02010609060101010101" pitchFamily="49" charset="-122"/>
-                <a:ea typeface="仿宋" panose="02010609060101010101" pitchFamily="49" charset="-122"/>
-              </a:rPr>
-              <a:t>dubbo</a:t>
-            </a:r>
-            <a:r>
-              <a:rPr lang="zh-CN" altLang="en-US" sz="2000" dirty="0">
-                <a:latin typeface="仿宋" panose="02010609060101010101" pitchFamily="49" charset="-122"/>
-                <a:ea typeface="仿宋" panose="02010609060101010101" pitchFamily="49" charset="-122"/>
-              </a:rPr>
-              <a:t>服务来进行业务处理</a:t>
-            </a:r>
-            <a:r>
-              <a:rPr lang="zh-CN" altLang="en-US" sz="2000" dirty="0" smtClean="0">
-                <a:latin typeface="仿宋" panose="02010609060101010101" pitchFamily="49" charset="-122"/>
-                <a:ea typeface="仿宋" panose="02010609060101010101" pitchFamily="49" charset="-122"/>
-              </a:rPr>
-              <a:t>。</a:t>
-            </a:r>
-            <a:endParaRPr lang="en-US" altLang="zh-CN" sz="2000" dirty="0">
-              <a:latin typeface="仿宋" panose="02010609060101010101" pitchFamily="49" charset="-122"/>
-              <a:ea typeface="仿宋" panose="02010609060101010101" pitchFamily="49" charset="-122"/>
-            </a:endParaRPr>
-          </a:p>
-          <a:p>
-            <a:r>
-              <a:rPr lang="zh-CN" altLang="en-US" sz="2000" b="1" dirty="0" smtClean="0">
-                <a:latin typeface="仿宋" panose="02010609060101010101" pitchFamily="49" charset="-122"/>
-                <a:ea typeface="仿宋" panose="02010609060101010101" pitchFamily="49" charset="-122"/>
-              </a:rPr>
-              <a:t>怎样测试？？</a:t>
-            </a:r>
-            <a:endParaRPr lang="en-US" altLang="zh-CN" sz="2000" b="1" dirty="0">
-              <a:latin typeface="仿宋" panose="02010609060101010101" pitchFamily="49" charset="-122"/>
-              <a:ea typeface="仿宋" panose="02010609060101010101" pitchFamily="49" charset="-122"/>
-            </a:endParaRPr>
-          </a:p>
-          <a:p>
-            <a:r>
-              <a:rPr lang="en-US" altLang="zh-CN" sz="2000" dirty="0">
-                <a:latin typeface="仿宋" panose="02010609060101010101" pitchFamily="49" charset="-122"/>
-                <a:ea typeface="仿宋" panose="02010609060101010101" pitchFamily="49" charset="-122"/>
-              </a:rPr>
-              <a:t>1</a:t>
-            </a:r>
-            <a:r>
-              <a:rPr lang="zh-CN" altLang="en-US" sz="2000" dirty="0" smtClean="0">
-                <a:latin typeface="仿宋" panose="02010609060101010101" pitchFamily="49" charset="-122"/>
-                <a:ea typeface="仿宋" panose="02010609060101010101" pitchFamily="49" charset="-122"/>
-              </a:rPr>
-              <a:t>、该订单服务（</a:t>
-            </a:r>
-            <a:r>
-              <a:rPr lang="en-US" altLang="zh-CN" sz="2000" dirty="0" err="1" smtClean="0">
-                <a:latin typeface="仿宋" panose="02010609060101010101" pitchFamily="49" charset="-122"/>
-                <a:ea typeface="仿宋" panose="02010609060101010101" pitchFamily="49" charset="-122"/>
-              </a:rPr>
-              <a:t>dubbo</a:t>
-            </a:r>
-            <a:r>
-              <a:rPr lang="zh-CN" altLang="en-US" sz="2000" dirty="0" smtClean="0">
-                <a:latin typeface="仿宋" panose="02010609060101010101" pitchFamily="49" charset="-122"/>
-                <a:ea typeface="仿宋" panose="02010609060101010101" pitchFamily="49" charset="-122"/>
-              </a:rPr>
-              <a:t>服务）该怎么进行单元测试？</a:t>
-            </a:r>
+              <a:t>注：JMockit的本质是对java字节码的修改。通俗一点的讲就是在类的某个方法中加入某段逻辑达到Mock的目的。</a:t>
+            </a:r>
+            <a:endParaRPr lang="zh-CN" altLang="en-US" sz="2000" dirty="0">
+              <a:latin typeface="仿宋" panose="02010609060101010101" pitchFamily="49" charset="-122"/>
+              <a:ea typeface="仿宋" panose="02010609060101010101" pitchFamily="49" charset="-122"/>
+            </a:endParaRPr>
+          </a:p>
+          <a:p>
+            <a:endParaRPr lang="zh-CN" altLang="en-US" sz="2000" dirty="0">
+              <a:latin typeface="仿宋" panose="02010609060101010101" pitchFamily="49" charset="-122"/>
+              <a:ea typeface="仿宋" panose="02010609060101010101" pitchFamily="49" charset="-122"/>
+            </a:endParaRPr>
+          </a:p>
+          <a:p>
             <a:endParaRPr lang="en-US" altLang="zh-CN" sz="2000" dirty="0" smtClean="0">
-              <a:latin typeface="仿宋" panose="02010609060101010101" pitchFamily="49" charset="-122"/>
-              <a:ea typeface="仿宋" panose="02010609060101010101" pitchFamily="49" charset="-122"/>
-            </a:endParaRPr>
-          </a:p>
-          <a:p>
-            <a:r>
-              <a:rPr lang="en-US" altLang="zh-CN" sz="2000" dirty="0" smtClean="0">
-                <a:latin typeface="仿宋" panose="02010609060101010101" pitchFamily="49" charset="-122"/>
-                <a:ea typeface="仿宋" panose="02010609060101010101" pitchFamily="49" charset="-122"/>
-              </a:rPr>
-              <a:t>2</a:t>
-            </a:r>
-            <a:r>
-              <a:rPr lang="zh-CN" altLang="en-US" sz="2000" dirty="0" smtClean="0">
-                <a:latin typeface="仿宋" panose="02010609060101010101" pitchFamily="49" charset="-122"/>
-                <a:ea typeface="仿宋" panose="02010609060101010101" pitchFamily="49" charset="-122"/>
-              </a:rPr>
-              <a:t>、当</a:t>
-            </a:r>
-            <a:r>
-              <a:rPr lang="zh-CN" altLang="en-US" sz="2000" dirty="0">
-                <a:latin typeface="仿宋" panose="02010609060101010101" pitchFamily="49" charset="-122"/>
-                <a:ea typeface="仿宋" panose="02010609060101010101" pitchFamily="49" charset="-122"/>
-              </a:rPr>
-              <a:t>用户验证结果不是我想要的结果时，该怎样</a:t>
-            </a:r>
-            <a:r>
-              <a:rPr lang="zh-CN" altLang="en-US" sz="2000" dirty="0" smtClean="0">
-                <a:latin typeface="仿宋" panose="02010609060101010101" pitchFamily="49" charset="-122"/>
-                <a:ea typeface="仿宋" panose="02010609060101010101" pitchFamily="49" charset="-122"/>
-              </a:rPr>
-              <a:t>进行单元测试</a:t>
-            </a:r>
-            <a:r>
-              <a:rPr lang="zh-CN" altLang="en-US" sz="2000" dirty="0">
-                <a:latin typeface="仿宋" panose="02010609060101010101" pitchFamily="49" charset="-122"/>
-                <a:ea typeface="仿宋" panose="02010609060101010101" pitchFamily="49" charset="-122"/>
-              </a:rPr>
-              <a:t>？</a:t>
-            </a:r>
-            <a:endParaRPr lang="en-US" altLang="zh-CN" sz="2000" dirty="0">
-              <a:latin typeface="仿宋" panose="02010609060101010101" pitchFamily="49" charset="-122"/>
-              <a:ea typeface="仿宋" panose="02010609060101010101" pitchFamily="49" charset="-122"/>
-            </a:endParaRPr>
-          </a:p>
-          <a:p>
-            <a:r>
-              <a:rPr lang="en-US" altLang="zh-CN" sz="2000" dirty="0" smtClean="0">
-                <a:latin typeface="仿宋" panose="02010609060101010101" pitchFamily="49" charset="-122"/>
-                <a:ea typeface="仿宋" panose="02010609060101010101" pitchFamily="49" charset="-122"/>
-              </a:rPr>
-              <a:t>3</a:t>
-            </a:r>
-            <a:r>
-              <a:rPr lang="zh-CN" altLang="en-US" sz="2000" dirty="0" smtClean="0">
-                <a:latin typeface="仿宋" panose="02010609060101010101" pitchFamily="49" charset="-122"/>
-                <a:ea typeface="仿宋" panose="02010609060101010101" pitchFamily="49" charset="-122"/>
-              </a:rPr>
-              <a:t>、当依赖</a:t>
-            </a:r>
-            <a:r>
-              <a:rPr lang="zh-CN" altLang="en-US" sz="2000" dirty="0">
-                <a:latin typeface="仿宋" panose="02010609060101010101" pitchFamily="49" charset="-122"/>
-                <a:ea typeface="仿宋" panose="02010609060101010101" pitchFamily="49" charset="-122"/>
-              </a:rPr>
-              <a:t>的</a:t>
-            </a:r>
-            <a:r>
-              <a:rPr lang="en-US" altLang="zh-CN" sz="2000" dirty="0" err="1">
-                <a:latin typeface="仿宋" panose="02010609060101010101" pitchFamily="49" charset="-122"/>
-                <a:ea typeface="仿宋" panose="02010609060101010101" pitchFamily="49" charset="-122"/>
-              </a:rPr>
-              <a:t>dubbo</a:t>
-            </a:r>
-            <a:r>
-              <a:rPr lang="zh-CN" altLang="en-US" sz="2000" dirty="0">
-                <a:latin typeface="仿宋" panose="02010609060101010101" pitchFamily="49" charset="-122"/>
-                <a:ea typeface="仿宋" panose="02010609060101010101" pitchFamily="49" charset="-122"/>
-              </a:rPr>
-              <a:t>服务未开发</a:t>
-            </a:r>
-            <a:r>
-              <a:rPr lang="zh-CN" altLang="en-US" sz="2000" dirty="0" smtClean="0">
-                <a:latin typeface="仿宋" panose="02010609060101010101" pitchFamily="49" charset="-122"/>
-                <a:ea typeface="仿宋" panose="02010609060101010101" pitchFamily="49" charset="-122"/>
-              </a:rPr>
-              <a:t>完成，或者依赖</a:t>
-            </a:r>
-            <a:r>
-              <a:rPr lang="zh-CN" altLang="en-US" sz="2000" dirty="0">
-                <a:latin typeface="仿宋" panose="02010609060101010101" pitchFamily="49" charset="-122"/>
-                <a:ea typeface="仿宋" panose="02010609060101010101" pitchFamily="49" charset="-122"/>
-              </a:rPr>
-              <a:t>的</a:t>
-            </a:r>
-            <a:r>
-              <a:rPr lang="en-US" altLang="zh-CN" sz="2000" dirty="0" err="1" smtClean="0">
-                <a:latin typeface="仿宋" panose="02010609060101010101" pitchFamily="49" charset="-122"/>
-                <a:ea typeface="仿宋" panose="02010609060101010101" pitchFamily="49" charset="-122"/>
-              </a:rPr>
-              <a:t>dubbo</a:t>
-            </a:r>
-            <a:r>
-              <a:rPr lang="zh-CN" altLang="en-US" sz="2000" dirty="0">
-                <a:latin typeface="仿宋" panose="02010609060101010101" pitchFamily="49" charset="-122"/>
-                <a:ea typeface="仿宋" panose="02010609060101010101" pitchFamily="49" charset="-122"/>
-              </a:rPr>
-              <a:t>服务的结果不是我想要的</a:t>
-            </a:r>
-            <a:r>
-              <a:rPr lang="zh-CN" altLang="en-US" sz="2000" dirty="0" smtClean="0">
-                <a:latin typeface="仿宋" panose="02010609060101010101" pitchFamily="49" charset="-122"/>
-                <a:ea typeface="仿宋" panose="02010609060101010101" pitchFamily="49" charset="-122"/>
-              </a:rPr>
-              <a:t>结果时</a:t>
-            </a:r>
-            <a:r>
-              <a:rPr lang="zh-CN" altLang="en-US" sz="2000" dirty="0">
-                <a:latin typeface="仿宋" panose="02010609060101010101" pitchFamily="49" charset="-122"/>
-                <a:ea typeface="仿宋" panose="02010609060101010101" pitchFamily="49" charset="-122"/>
-              </a:rPr>
-              <a:t>，该怎样进行单元测试</a:t>
-            </a:r>
-            <a:r>
-              <a:rPr lang="zh-CN" altLang="en-US" sz="2000" dirty="0" smtClean="0">
-                <a:latin typeface="仿宋" panose="02010609060101010101" pitchFamily="49" charset="-122"/>
-                <a:ea typeface="仿宋" panose="02010609060101010101" pitchFamily="49" charset="-122"/>
-              </a:rPr>
-              <a:t>？</a:t>
-            </a:r>
-            <a:endParaRPr lang="zh-CN" altLang="en-US" sz="2000" dirty="0" smtClean="0">
-              <a:latin typeface="仿宋" panose="02010609060101010101" pitchFamily="49" charset="-122"/>
-              <a:ea typeface="仿宋" panose="02010609060101010101" pitchFamily="49" charset="-122"/>
-            </a:endParaRPr>
-          </a:p>
-          <a:p>
-            <a:r>
-              <a:rPr lang="zh-CN" altLang="en-US" sz="2000" b="1" dirty="0" smtClean="0">
-                <a:latin typeface="仿宋" panose="02010609060101010101" pitchFamily="49" charset="-122"/>
-                <a:ea typeface="仿宋" panose="02010609060101010101" pitchFamily="49" charset="-122"/>
-              </a:rPr>
-              <a:t>思路</a:t>
-            </a:r>
-            <a:endParaRPr lang="en-US" altLang="zh-CN" sz="2000" b="1" dirty="0" smtClean="0">
-              <a:latin typeface="仿宋" panose="02010609060101010101" pitchFamily="49" charset="-122"/>
-              <a:ea typeface="仿宋" panose="02010609060101010101" pitchFamily="49" charset="-122"/>
-            </a:endParaRPr>
-          </a:p>
-          <a:p>
-            <a:r>
-              <a:rPr lang="zh-CN" altLang="en-US" sz="2000" dirty="0" smtClean="0">
-                <a:solidFill>
-                  <a:srgbClr val="FF0000"/>
-                </a:solidFill>
-                <a:latin typeface="仿宋" panose="02010609060101010101" pitchFamily="49" charset="-122"/>
-                <a:ea typeface="仿宋" panose="02010609060101010101" pitchFamily="49" charset="-122"/>
-              </a:rPr>
-              <a:t>模拟验证结果、模拟</a:t>
-            </a:r>
-            <a:r>
-              <a:rPr lang="en-US" altLang="zh-CN" sz="2000" dirty="0" err="1" smtClean="0">
-                <a:solidFill>
-                  <a:srgbClr val="FF0000"/>
-                </a:solidFill>
-                <a:latin typeface="仿宋" panose="02010609060101010101" pitchFamily="49" charset="-122"/>
-                <a:ea typeface="仿宋" panose="02010609060101010101" pitchFamily="49" charset="-122"/>
-              </a:rPr>
-              <a:t>dubbo</a:t>
-            </a:r>
-            <a:r>
-              <a:rPr lang="zh-CN" altLang="en-US" sz="2000" dirty="0" smtClean="0">
-                <a:solidFill>
-                  <a:srgbClr val="FF0000"/>
-                </a:solidFill>
-                <a:latin typeface="仿宋" panose="02010609060101010101" pitchFamily="49" charset="-122"/>
-                <a:ea typeface="仿宋" panose="02010609060101010101" pitchFamily="49" charset="-122"/>
-              </a:rPr>
-              <a:t>服务（各种模拟</a:t>
-            </a:r>
-            <a:r>
-              <a:rPr lang="zh-CN" altLang="en-US" sz="2000" dirty="0" smtClean="0">
-                <a:solidFill>
-                  <a:srgbClr val="FF0000"/>
-                </a:solidFill>
-                <a:latin typeface="仿宋" panose="02010609060101010101" pitchFamily="49" charset="-122"/>
-                <a:ea typeface="仿宋" panose="02010609060101010101" pitchFamily="49" charset="-122"/>
-                <a:sym typeface="+mn-ea"/>
-              </a:rPr>
-              <a:t>）</a:t>
-            </a:r>
-            <a:r>
-              <a:rPr lang="zh-CN" altLang="en-US" sz="2000" dirty="0" smtClean="0">
-                <a:solidFill>
-                  <a:srgbClr val="FF0000"/>
-                </a:solidFill>
-                <a:latin typeface="仿宋" panose="02010609060101010101" pitchFamily="49" charset="-122"/>
-                <a:ea typeface="仿宋" panose="02010609060101010101" pitchFamily="49" charset="-122"/>
-              </a:rPr>
-              <a:t>。也就是所谓的</a:t>
-            </a:r>
-            <a:r>
-              <a:rPr lang="en-US" altLang="zh-CN" sz="2000" dirty="0" smtClean="0">
-                <a:solidFill>
-                  <a:srgbClr val="FF0000"/>
-                </a:solidFill>
-                <a:latin typeface="仿宋" panose="02010609060101010101" pitchFamily="49" charset="-122"/>
-                <a:ea typeface="仿宋" panose="02010609060101010101" pitchFamily="49" charset="-122"/>
-              </a:rPr>
-              <a:t>Mock</a:t>
-            </a:r>
-            <a:r>
-              <a:rPr lang="zh-CN" altLang="en-US" sz="2000" dirty="0" smtClean="0">
-                <a:solidFill>
-                  <a:srgbClr val="FF0000"/>
-                </a:solidFill>
-                <a:latin typeface="仿宋" panose="02010609060101010101" pitchFamily="49" charset="-122"/>
-                <a:ea typeface="仿宋" panose="02010609060101010101" pitchFamily="49" charset="-122"/>
-              </a:rPr>
-              <a:t>。</a:t>
-            </a:r>
-            <a:endParaRPr lang="en-US" altLang="zh-CN" sz="2000" dirty="0" smtClean="0">
-              <a:solidFill>
-                <a:srgbClr val="FF0000"/>
-              </a:solidFill>
               <a:latin typeface="仿宋" panose="02010609060101010101" pitchFamily="49" charset="-122"/>
               <a:ea typeface="仿宋" panose="02010609060101010101" pitchFamily="49" charset="-122"/>
             </a:endParaRPr>
@@ -10570,7 +10309,7 @@
           <a:lstStyle/>
           <a:p>
             <a:r>
-              <a:rPr lang="en-US" altLang="zh-CN" dirty="0" err="1" smtClean="0">
+              <a:rPr lang="en-US" altLang="zh-CN" dirty="0" err="1">
                 <a:latin typeface="仿宋" panose="02010609060101010101" pitchFamily="49" charset="-122"/>
                 <a:ea typeface="仿宋" panose="02010609060101010101" pitchFamily="49" charset="-122"/>
               </a:rPr>
@@ -10581,7 +10320,7 @@
                 <a:latin typeface="仿宋" panose="02010609060101010101" pitchFamily="49" charset="-122"/>
                 <a:ea typeface="仿宋" panose="02010609060101010101" pitchFamily="49" charset="-122"/>
               </a:rPr>
-              <a:t>简介</a:t>
+              <a:t>配置</a:t>
             </a:r>
             <a:endParaRPr lang="zh-CN" altLang="en-US" dirty="0">
               <a:latin typeface="仿宋" panose="02010609060101010101" pitchFamily="49" charset="-122"/>
@@ -10603,332 +10342,533 @@
         <p:spPr/>
         <p:txBody>
           <a:bodyPr>
-            <a:normAutofit/>
+            <a:normAutofit fontScale="47500" lnSpcReduction="20000"/>
           </a:bodyPr>
           <a:lstStyle/>
           <a:p>
             <a:r>
-              <a:rPr lang="en-US" altLang="zh-CN" sz="2000" b="1" dirty="0" err="1" smtClean="0">
+              <a:rPr lang="en-US" altLang="zh-CN" dirty="0">
+                <a:latin typeface="仿宋" panose="02010609060101010101" pitchFamily="49" charset="-122"/>
+                <a:ea typeface="仿宋" panose="02010609060101010101" pitchFamily="49" charset="-122"/>
+              </a:rPr>
+              <a:t>&lt;!-- </a:t>
+            </a:r>
+            <a:r>
+              <a:rPr lang="zh-CN" altLang="en-US" dirty="0">
+                <a:latin typeface="仿宋" panose="02010609060101010101" pitchFamily="49" charset="-122"/>
+                <a:ea typeface="仿宋" panose="02010609060101010101" pitchFamily="49" charset="-122"/>
+              </a:rPr>
+              <a:t>先声明</a:t>
+            </a:r>
+            <a:r>
+              <a:rPr lang="en-US" altLang="zh-CN" dirty="0" err="1">
+                <a:latin typeface="仿宋" panose="02010609060101010101" pitchFamily="49" charset="-122"/>
+                <a:ea typeface="仿宋" panose="02010609060101010101" pitchFamily="49" charset="-122"/>
+              </a:rPr>
+              <a:t>jmockit</a:t>
+            </a:r>
+            <a:r>
+              <a:rPr lang="zh-CN" altLang="en-US" dirty="0">
+                <a:latin typeface="仿宋" panose="02010609060101010101" pitchFamily="49" charset="-122"/>
+                <a:ea typeface="仿宋" panose="02010609060101010101" pitchFamily="49" charset="-122"/>
+              </a:rPr>
+              <a:t>的依赖 </a:t>
+            </a:r>
+            <a:r>
+              <a:rPr lang="en-US" altLang="zh-CN" dirty="0">
+                <a:latin typeface="仿宋" panose="02010609060101010101" pitchFamily="49" charset="-122"/>
+                <a:ea typeface="仿宋" panose="02010609060101010101" pitchFamily="49" charset="-122"/>
+              </a:rPr>
+              <a:t>--&gt;</a:t>
+            </a:r>
+            <a:endParaRPr lang="en-US" altLang="zh-CN" dirty="0">
+              <a:latin typeface="仿宋" panose="02010609060101010101" pitchFamily="49" charset="-122"/>
+              <a:ea typeface="仿宋" panose="02010609060101010101" pitchFamily="49" charset="-122"/>
+            </a:endParaRPr>
+          </a:p>
+          <a:p>
+            <a:r>
+              <a:rPr lang="en-US" altLang="zh-CN" dirty="0">
+                <a:latin typeface="仿宋" panose="02010609060101010101" pitchFamily="49" charset="-122"/>
+                <a:ea typeface="仿宋" panose="02010609060101010101" pitchFamily="49" charset="-122"/>
+              </a:rPr>
+              <a:t>&lt;dependency&gt;</a:t>
+            </a:r>
+            <a:endParaRPr lang="en-US" altLang="zh-CN" dirty="0">
+              <a:latin typeface="仿宋" panose="02010609060101010101" pitchFamily="49" charset="-122"/>
+              <a:ea typeface="仿宋" panose="02010609060101010101" pitchFamily="49" charset="-122"/>
+            </a:endParaRPr>
+          </a:p>
+          <a:p>
+            <a:r>
+              <a:rPr lang="en-US" altLang="zh-CN" dirty="0">
+                <a:latin typeface="仿宋" panose="02010609060101010101" pitchFamily="49" charset="-122"/>
+                <a:ea typeface="仿宋" panose="02010609060101010101" pitchFamily="49" charset="-122"/>
+              </a:rPr>
+              <a:t>	&lt;</a:t>
+            </a:r>
+            <a:r>
+              <a:rPr lang="en-US" altLang="zh-CN" dirty="0" err="1">
+                <a:latin typeface="仿宋" panose="02010609060101010101" pitchFamily="49" charset="-122"/>
+                <a:ea typeface="仿宋" panose="02010609060101010101" pitchFamily="49" charset="-122"/>
+              </a:rPr>
+              <a:t>groupId</a:t>
+            </a:r>
+            <a:r>
+              <a:rPr lang="en-US" altLang="zh-CN" dirty="0">
+                <a:latin typeface="仿宋" panose="02010609060101010101" pitchFamily="49" charset="-122"/>
+                <a:ea typeface="仿宋" panose="02010609060101010101" pitchFamily="49" charset="-122"/>
+              </a:rPr>
+              <a:t>&gt;</a:t>
+            </a:r>
+            <a:r>
+              <a:rPr lang="en-US" altLang="zh-CN" dirty="0" err="1">
+                <a:latin typeface="仿宋" panose="02010609060101010101" pitchFamily="49" charset="-122"/>
+                <a:ea typeface="仿宋" panose="02010609060101010101" pitchFamily="49" charset="-122"/>
+              </a:rPr>
+              <a:t>org.jmockit</a:t>
+            </a:r>
+            <a:r>
+              <a:rPr lang="en-US" altLang="zh-CN" dirty="0">
+                <a:latin typeface="仿宋" panose="02010609060101010101" pitchFamily="49" charset="-122"/>
+                <a:ea typeface="仿宋" panose="02010609060101010101" pitchFamily="49" charset="-122"/>
+              </a:rPr>
+              <a:t>&lt;/</a:t>
+            </a:r>
+            <a:r>
+              <a:rPr lang="en-US" altLang="zh-CN" dirty="0" err="1">
+                <a:latin typeface="仿宋" panose="02010609060101010101" pitchFamily="49" charset="-122"/>
+                <a:ea typeface="仿宋" panose="02010609060101010101" pitchFamily="49" charset="-122"/>
+              </a:rPr>
+              <a:t>groupId</a:t>
+            </a:r>
+            <a:r>
+              <a:rPr lang="en-US" altLang="zh-CN" dirty="0">
+                <a:latin typeface="仿宋" panose="02010609060101010101" pitchFamily="49" charset="-122"/>
+                <a:ea typeface="仿宋" panose="02010609060101010101" pitchFamily="49" charset="-122"/>
+              </a:rPr>
+              <a:t>&gt;</a:t>
+            </a:r>
+            <a:endParaRPr lang="en-US" altLang="zh-CN" dirty="0">
+              <a:latin typeface="仿宋" panose="02010609060101010101" pitchFamily="49" charset="-122"/>
+              <a:ea typeface="仿宋" panose="02010609060101010101" pitchFamily="49" charset="-122"/>
+            </a:endParaRPr>
+          </a:p>
+          <a:p>
+            <a:r>
+              <a:rPr lang="en-US" altLang="zh-CN" dirty="0">
+                <a:latin typeface="仿宋" panose="02010609060101010101" pitchFamily="49" charset="-122"/>
+                <a:ea typeface="仿宋" panose="02010609060101010101" pitchFamily="49" charset="-122"/>
+              </a:rPr>
+              <a:t>	&lt;</a:t>
+            </a:r>
+            <a:r>
+              <a:rPr lang="en-US" altLang="zh-CN" dirty="0" err="1">
+                <a:latin typeface="仿宋" panose="02010609060101010101" pitchFamily="49" charset="-122"/>
+                <a:ea typeface="仿宋" panose="02010609060101010101" pitchFamily="49" charset="-122"/>
+              </a:rPr>
+              <a:t>artifactId</a:t>
+            </a:r>
+            <a:r>
+              <a:rPr lang="en-US" altLang="zh-CN" dirty="0">
+                <a:latin typeface="仿宋" panose="02010609060101010101" pitchFamily="49" charset="-122"/>
+                <a:ea typeface="仿宋" panose="02010609060101010101" pitchFamily="49" charset="-122"/>
+              </a:rPr>
+              <a:t>&gt;</a:t>
+            </a:r>
+            <a:r>
+              <a:rPr lang="en-US" altLang="zh-CN" dirty="0" err="1">
+                <a:latin typeface="仿宋" panose="02010609060101010101" pitchFamily="49" charset="-122"/>
+                <a:ea typeface="仿宋" panose="02010609060101010101" pitchFamily="49" charset="-122"/>
+              </a:rPr>
+              <a:t>jmockit</a:t>
+            </a:r>
+            <a:r>
+              <a:rPr lang="en-US" altLang="zh-CN" dirty="0">
+                <a:latin typeface="仿宋" panose="02010609060101010101" pitchFamily="49" charset="-122"/>
+                <a:ea typeface="仿宋" panose="02010609060101010101" pitchFamily="49" charset="-122"/>
+              </a:rPr>
+              <a:t>&lt;/</a:t>
+            </a:r>
+            <a:r>
+              <a:rPr lang="en-US" altLang="zh-CN" dirty="0" err="1">
+                <a:latin typeface="仿宋" panose="02010609060101010101" pitchFamily="49" charset="-122"/>
+                <a:ea typeface="仿宋" panose="02010609060101010101" pitchFamily="49" charset="-122"/>
+              </a:rPr>
+              <a:t>artifactId</a:t>
+            </a:r>
+            <a:r>
+              <a:rPr lang="en-US" altLang="zh-CN" dirty="0">
+                <a:latin typeface="仿宋" panose="02010609060101010101" pitchFamily="49" charset="-122"/>
+                <a:ea typeface="仿宋" panose="02010609060101010101" pitchFamily="49" charset="-122"/>
+              </a:rPr>
+              <a:t>&gt;</a:t>
+            </a:r>
+            <a:endParaRPr lang="en-US" altLang="zh-CN" dirty="0">
+              <a:latin typeface="仿宋" panose="02010609060101010101" pitchFamily="49" charset="-122"/>
+              <a:ea typeface="仿宋" panose="02010609060101010101" pitchFamily="49" charset="-122"/>
+            </a:endParaRPr>
+          </a:p>
+          <a:p>
+            <a:r>
+              <a:rPr lang="en-US" altLang="zh-CN" dirty="0">
+                <a:latin typeface="仿宋" panose="02010609060101010101" pitchFamily="49" charset="-122"/>
+                <a:ea typeface="仿宋" panose="02010609060101010101" pitchFamily="49" charset="-122"/>
+              </a:rPr>
+              <a:t>	&lt;version&gt;1.36&lt;/version&gt;</a:t>
+            </a:r>
+            <a:endParaRPr lang="en-US" altLang="zh-CN" dirty="0">
+              <a:latin typeface="仿宋" panose="02010609060101010101" pitchFamily="49" charset="-122"/>
+              <a:ea typeface="仿宋" panose="02010609060101010101" pitchFamily="49" charset="-122"/>
+            </a:endParaRPr>
+          </a:p>
+          <a:p>
+            <a:r>
+              <a:rPr lang="en-US" altLang="zh-CN" dirty="0">
+                <a:latin typeface="仿宋" panose="02010609060101010101" pitchFamily="49" charset="-122"/>
+                <a:ea typeface="仿宋" panose="02010609060101010101" pitchFamily="49" charset="-122"/>
+              </a:rPr>
+              <a:t>	&lt;scope&gt;test&lt;/scope&gt;</a:t>
+            </a:r>
+            <a:endParaRPr lang="en-US" altLang="zh-CN" dirty="0">
+              <a:latin typeface="仿宋" panose="02010609060101010101" pitchFamily="49" charset="-122"/>
+              <a:ea typeface="仿宋" panose="02010609060101010101" pitchFamily="49" charset="-122"/>
+            </a:endParaRPr>
+          </a:p>
+          <a:p>
+            <a:r>
+              <a:rPr lang="en-US" altLang="zh-CN" dirty="0">
+                <a:latin typeface="仿宋" panose="02010609060101010101" pitchFamily="49" charset="-122"/>
+                <a:ea typeface="仿宋" panose="02010609060101010101" pitchFamily="49" charset="-122"/>
+              </a:rPr>
+              <a:t>&lt;/dependency&gt;</a:t>
+            </a:r>
+            <a:endParaRPr lang="en-US" altLang="zh-CN" dirty="0">
+              <a:latin typeface="仿宋" panose="02010609060101010101" pitchFamily="49" charset="-122"/>
+              <a:ea typeface="仿宋" panose="02010609060101010101" pitchFamily="49" charset="-122"/>
+            </a:endParaRPr>
+          </a:p>
+          <a:p>
+            <a:r>
+              <a:rPr lang="en-US" altLang="zh-CN" dirty="0">
+                <a:latin typeface="仿宋" panose="02010609060101010101" pitchFamily="49" charset="-122"/>
+                <a:ea typeface="仿宋" panose="02010609060101010101" pitchFamily="49" charset="-122"/>
+              </a:rPr>
+              <a:t>&lt;!-- </a:t>
+            </a:r>
+            <a:r>
+              <a:rPr lang="zh-CN" altLang="en-US" dirty="0">
+                <a:latin typeface="仿宋" panose="02010609060101010101" pitchFamily="49" charset="-122"/>
+                <a:ea typeface="仿宋" panose="02010609060101010101" pitchFamily="49" charset="-122"/>
+              </a:rPr>
+              <a:t>再声明</a:t>
+            </a:r>
+            <a:r>
+              <a:rPr lang="en-US" altLang="zh-CN" dirty="0" err="1">
+                <a:latin typeface="仿宋" panose="02010609060101010101" pitchFamily="49" charset="-122"/>
+                <a:ea typeface="仿宋" panose="02010609060101010101" pitchFamily="49" charset="-122"/>
+              </a:rPr>
+              <a:t>junit</a:t>
+            </a:r>
+            <a:r>
+              <a:rPr lang="zh-CN" altLang="en-US" dirty="0">
+                <a:latin typeface="仿宋" panose="02010609060101010101" pitchFamily="49" charset="-122"/>
+                <a:ea typeface="仿宋" panose="02010609060101010101" pitchFamily="49" charset="-122"/>
+              </a:rPr>
+              <a:t>的依赖 </a:t>
+            </a:r>
+            <a:r>
+              <a:rPr lang="en-US" altLang="zh-CN" dirty="0">
+                <a:latin typeface="仿宋" panose="02010609060101010101" pitchFamily="49" charset="-122"/>
+                <a:ea typeface="仿宋" panose="02010609060101010101" pitchFamily="49" charset="-122"/>
+              </a:rPr>
+              <a:t>--&gt;</a:t>
+            </a:r>
+            <a:endParaRPr lang="en-US" altLang="zh-CN" dirty="0">
+              <a:latin typeface="仿宋" panose="02010609060101010101" pitchFamily="49" charset="-122"/>
+              <a:ea typeface="仿宋" panose="02010609060101010101" pitchFamily="49" charset="-122"/>
+            </a:endParaRPr>
+          </a:p>
+          <a:p>
+            <a:r>
+              <a:rPr lang="en-US" altLang="zh-CN" dirty="0">
+                <a:latin typeface="仿宋" panose="02010609060101010101" pitchFamily="49" charset="-122"/>
+                <a:ea typeface="仿宋" panose="02010609060101010101" pitchFamily="49" charset="-122"/>
+              </a:rPr>
+              <a:t>&lt;dependency&gt;</a:t>
+            </a:r>
+            <a:endParaRPr lang="en-US" altLang="zh-CN" dirty="0">
+              <a:latin typeface="仿宋" panose="02010609060101010101" pitchFamily="49" charset="-122"/>
+              <a:ea typeface="仿宋" panose="02010609060101010101" pitchFamily="49" charset="-122"/>
+            </a:endParaRPr>
+          </a:p>
+          <a:p>
+            <a:r>
+              <a:rPr lang="en-US" altLang="zh-CN" dirty="0">
+                <a:latin typeface="仿宋" panose="02010609060101010101" pitchFamily="49" charset="-122"/>
+                <a:ea typeface="仿宋" panose="02010609060101010101" pitchFamily="49" charset="-122"/>
+              </a:rPr>
+              <a:t>	&lt;</a:t>
+            </a:r>
+            <a:r>
+              <a:rPr lang="en-US" altLang="zh-CN" dirty="0" err="1">
+                <a:latin typeface="仿宋" panose="02010609060101010101" pitchFamily="49" charset="-122"/>
+                <a:ea typeface="仿宋" panose="02010609060101010101" pitchFamily="49" charset="-122"/>
+              </a:rPr>
+              <a:t>groupId</a:t>
+            </a:r>
+            <a:r>
+              <a:rPr lang="en-US" altLang="zh-CN" dirty="0">
+                <a:latin typeface="仿宋" panose="02010609060101010101" pitchFamily="49" charset="-122"/>
+                <a:ea typeface="仿宋" panose="02010609060101010101" pitchFamily="49" charset="-122"/>
+              </a:rPr>
+              <a:t>&gt;</a:t>
+            </a:r>
+            <a:r>
+              <a:rPr lang="en-US" altLang="zh-CN" dirty="0" err="1">
+                <a:latin typeface="仿宋" panose="02010609060101010101" pitchFamily="49" charset="-122"/>
+                <a:ea typeface="仿宋" panose="02010609060101010101" pitchFamily="49" charset="-122"/>
+              </a:rPr>
+              <a:t>junit</a:t>
+            </a:r>
+            <a:r>
+              <a:rPr lang="en-US" altLang="zh-CN" dirty="0">
+                <a:latin typeface="仿宋" panose="02010609060101010101" pitchFamily="49" charset="-122"/>
+                <a:ea typeface="仿宋" panose="02010609060101010101" pitchFamily="49" charset="-122"/>
+              </a:rPr>
+              <a:t>&lt;/</a:t>
+            </a:r>
+            <a:r>
+              <a:rPr lang="en-US" altLang="zh-CN" dirty="0" err="1">
+                <a:latin typeface="仿宋" panose="02010609060101010101" pitchFamily="49" charset="-122"/>
+                <a:ea typeface="仿宋" panose="02010609060101010101" pitchFamily="49" charset="-122"/>
+              </a:rPr>
+              <a:t>groupId</a:t>
+            </a:r>
+            <a:r>
+              <a:rPr lang="en-US" altLang="zh-CN" dirty="0">
+                <a:latin typeface="仿宋" panose="02010609060101010101" pitchFamily="49" charset="-122"/>
+                <a:ea typeface="仿宋" panose="02010609060101010101" pitchFamily="49" charset="-122"/>
+              </a:rPr>
+              <a:t>&gt;</a:t>
+            </a:r>
+            <a:endParaRPr lang="en-US" altLang="zh-CN" dirty="0">
+              <a:latin typeface="仿宋" panose="02010609060101010101" pitchFamily="49" charset="-122"/>
+              <a:ea typeface="仿宋" panose="02010609060101010101" pitchFamily="49" charset="-122"/>
+            </a:endParaRPr>
+          </a:p>
+          <a:p>
+            <a:r>
+              <a:rPr lang="en-US" altLang="zh-CN" dirty="0">
+                <a:latin typeface="仿宋" panose="02010609060101010101" pitchFamily="49" charset="-122"/>
+                <a:ea typeface="仿宋" panose="02010609060101010101" pitchFamily="49" charset="-122"/>
+              </a:rPr>
+              <a:t>	&lt;</a:t>
+            </a:r>
+            <a:r>
+              <a:rPr lang="en-US" altLang="zh-CN" dirty="0" err="1">
+                <a:latin typeface="仿宋" panose="02010609060101010101" pitchFamily="49" charset="-122"/>
+                <a:ea typeface="仿宋" panose="02010609060101010101" pitchFamily="49" charset="-122"/>
+              </a:rPr>
+              <a:t>artifactId</a:t>
+            </a:r>
+            <a:r>
+              <a:rPr lang="en-US" altLang="zh-CN" dirty="0">
+                <a:latin typeface="仿宋" panose="02010609060101010101" pitchFamily="49" charset="-122"/>
+                <a:ea typeface="仿宋" panose="02010609060101010101" pitchFamily="49" charset="-122"/>
+              </a:rPr>
+              <a:t>&gt;</a:t>
+            </a:r>
+            <a:r>
+              <a:rPr lang="en-US" altLang="zh-CN" dirty="0" err="1">
+                <a:latin typeface="仿宋" panose="02010609060101010101" pitchFamily="49" charset="-122"/>
+                <a:ea typeface="仿宋" panose="02010609060101010101" pitchFamily="49" charset="-122"/>
+              </a:rPr>
+              <a:t>junit</a:t>
+            </a:r>
+            <a:r>
+              <a:rPr lang="en-US" altLang="zh-CN" dirty="0">
+                <a:latin typeface="仿宋" panose="02010609060101010101" pitchFamily="49" charset="-122"/>
+                <a:ea typeface="仿宋" panose="02010609060101010101" pitchFamily="49" charset="-122"/>
+              </a:rPr>
+              <a:t>&lt;/</a:t>
+            </a:r>
+            <a:r>
+              <a:rPr lang="en-US" altLang="zh-CN" dirty="0" err="1">
+                <a:latin typeface="仿宋" panose="02010609060101010101" pitchFamily="49" charset="-122"/>
+                <a:ea typeface="仿宋" panose="02010609060101010101" pitchFamily="49" charset="-122"/>
+              </a:rPr>
+              <a:t>artifactId</a:t>
+            </a:r>
+            <a:r>
+              <a:rPr lang="en-US" altLang="zh-CN" dirty="0">
+                <a:latin typeface="仿宋" panose="02010609060101010101" pitchFamily="49" charset="-122"/>
+                <a:ea typeface="仿宋" panose="02010609060101010101" pitchFamily="49" charset="-122"/>
+              </a:rPr>
+              <a:t>&gt;</a:t>
+            </a:r>
+            <a:endParaRPr lang="en-US" altLang="zh-CN" dirty="0">
+              <a:latin typeface="仿宋" panose="02010609060101010101" pitchFamily="49" charset="-122"/>
+              <a:ea typeface="仿宋" panose="02010609060101010101" pitchFamily="49" charset="-122"/>
+            </a:endParaRPr>
+          </a:p>
+          <a:p>
+            <a:r>
+              <a:rPr lang="en-US" altLang="zh-CN" dirty="0">
+                <a:latin typeface="仿宋" panose="02010609060101010101" pitchFamily="49" charset="-122"/>
+                <a:ea typeface="仿宋" panose="02010609060101010101" pitchFamily="49" charset="-122"/>
+              </a:rPr>
+              <a:t>	&lt;version&gt;4.12&lt;/version&gt;</a:t>
+            </a:r>
+            <a:endParaRPr lang="en-US" altLang="zh-CN" dirty="0">
+              <a:latin typeface="仿宋" panose="02010609060101010101" pitchFamily="49" charset="-122"/>
+              <a:ea typeface="仿宋" panose="02010609060101010101" pitchFamily="49" charset="-122"/>
+            </a:endParaRPr>
+          </a:p>
+          <a:p>
+            <a:r>
+              <a:rPr lang="en-US" altLang="zh-CN" dirty="0">
+                <a:latin typeface="仿宋" panose="02010609060101010101" pitchFamily="49" charset="-122"/>
+                <a:ea typeface="仿宋" panose="02010609060101010101" pitchFamily="49" charset="-122"/>
+              </a:rPr>
+              <a:t>	&lt;scope&gt;test&lt;/scope&gt;</a:t>
+            </a:r>
+            <a:endParaRPr lang="en-US" altLang="zh-CN" dirty="0">
+              <a:latin typeface="仿宋" panose="02010609060101010101" pitchFamily="49" charset="-122"/>
+              <a:ea typeface="仿宋" panose="02010609060101010101" pitchFamily="49" charset="-122"/>
+            </a:endParaRPr>
+          </a:p>
+          <a:p>
+            <a:r>
+              <a:rPr lang="en-US" altLang="zh-CN" dirty="0">
+                <a:latin typeface="仿宋" panose="02010609060101010101" pitchFamily="49" charset="-122"/>
+                <a:ea typeface="仿宋" panose="02010609060101010101" pitchFamily="49" charset="-122"/>
+              </a:rPr>
+              <a:t>&lt;/</a:t>
+            </a:r>
+            <a:r>
+              <a:rPr lang="en-US" altLang="zh-CN" dirty="0" smtClean="0">
+                <a:latin typeface="仿宋" panose="02010609060101010101" pitchFamily="49" charset="-122"/>
+                <a:ea typeface="仿宋" panose="02010609060101010101" pitchFamily="49" charset="-122"/>
+              </a:rPr>
+              <a:t>dependency&gt;</a:t>
+            </a:r>
+            <a:br>
+              <a:rPr lang="en-US" altLang="zh-CN" dirty="0" smtClean="0">
+                <a:latin typeface="仿宋" panose="02010609060101010101" pitchFamily="49" charset="-122"/>
+                <a:ea typeface="仿宋" panose="02010609060101010101" pitchFamily="49" charset="-122"/>
+              </a:rPr>
+            </a:br>
+            <a:endParaRPr lang="en-US" altLang="zh-CN" dirty="0" smtClean="0">
+              <a:latin typeface="仿宋" panose="02010609060101010101" pitchFamily="49" charset="-122"/>
+              <a:ea typeface="仿宋" panose="02010609060101010101" pitchFamily="49" charset="-122"/>
+            </a:endParaRPr>
+          </a:p>
+          <a:p>
+            <a:r>
+              <a:rPr lang="zh-CN" altLang="en-US" sz="2700" dirty="0">
+                <a:solidFill>
+                  <a:srgbClr val="FF0000"/>
+                </a:solidFill>
+                <a:latin typeface="仿宋" panose="02010609060101010101" pitchFamily="49" charset="-122"/>
+                <a:ea typeface="仿宋" panose="02010609060101010101" pitchFamily="49" charset="-122"/>
+              </a:rPr>
+              <a:t>注：如果你是通过</a:t>
+            </a:r>
+            <a:r>
+              <a:rPr lang="en-US" altLang="zh-CN" sz="2700" dirty="0" err="1">
+                <a:solidFill>
+                  <a:srgbClr val="FF0000"/>
+                </a:solidFill>
+                <a:latin typeface="仿宋" panose="02010609060101010101" pitchFamily="49" charset="-122"/>
+                <a:ea typeface="仿宋" panose="02010609060101010101" pitchFamily="49" charset="-122"/>
+              </a:rPr>
+              <a:t>mvn</a:t>
+            </a:r>
+            <a:r>
+              <a:rPr lang="en-US" altLang="zh-CN" sz="2700" dirty="0">
+                <a:solidFill>
+                  <a:srgbClr val="FF0000"/>
+                </a:solidFill>
+                <a:latin typeface="仿宋" panose="02010609060101010101" pitchFamily="49" charset="-122"/>
+                <a:ea typeface="仿宋" panose="02010609060101010101" pitchFamily="49" charset="-122"/>
+              </a:rPr>
+              <a:t> test</a:t>
+            </a:r>
+            <a:r>
+              <a:rPr lang="zh-CN" altLang="en-US" sz="2700" dirty="0">
+                <a:solidFill>
+                  <a:srgbClr val="FF0000"/>
+                </a:solidFill>
+                <a:latin typeface="仿宋" panose="02010609060101010101" pitchFamily="49" charset="-122"/>
+                <a:ea typeface="仿宋" panose="02010609060101010101" pitchFamily="49" charset="-122"/>
+              </a:rPr>
+              <a:t>来运行你的测试程序 </a:t>
+            </a:r>
+            <a:r>
+              <a:rPr lang="en-US" altLang="zh-CN" sz="2700" dirty="0">
+                <a:solidFill>
+                  <a:srgbClr val="FF0000"/>
+                </a:solidFill>
+                <a:latin typeface="仿宋" panose="02010609060101010101" pitchFamily="49" charset="-122"/>
+                <a:ea typeface="仿宋" panose="02010609060101010101" pitchFamily="49" charset="-122"/>
+              </a:rPr>
+              <a:t>, </a:t>
+            </a:r>
+            <a:r>
+              <a:rPr lang="zh-CN" altLang="en-US" sz="2700" dirty="0">
+                <a:solidFill>
+                  <a:srgbClr val="FF0000"/>
+                </a:solidFill>
+                <a:latin typeface="仿宋" panose="02010609060101010101" pitchFamily="49" charset="-122"/>
+                <a:ea typeface="仿宋" panose="02010609060101010101" pitchFamily="49" charset="-122"/>
+              </a:rPr>
+              <a:t>请确保</a:t>
+            </a:r>
+            <a:r>
+              <a:rPr lang="en-US" altLang="zh-CN" sz="2700" dirty="0" err="1">
+                <a:solidFill>
+                  <a:srgbClr val="FF0000"/>
+                </a:solidFill>
                 <a:latin typeface="仿宋" panose="02010609060101010101" pitchFamily="49" charset="-122"/>
                 <a:ea typeface="仿宋" panose="02010609060101010101" pitchFamily="49" charset="-122"/>
               </a:rPr>
               <a:t>JMockit</a:t>
             </a:r>
             <a:r>
-              <a:rPr lang="zh-CN" altLang="en-US" sz="2000" b="1" dirty="0" smtClean="0">
-                <a:latin typeface="仿宋" panose="02010609060101010101" pitchFamily="49" charset="-122"/>
-                <a:ea typeface="仿宋" panose="02010609060101010101" pitchFamily="49" charset="-122"/>
-              </a:rPr>
-              <a:t>是什么</a:t>
-            </a:r>
-            <a:endParaRPr lang="en-US" altLang="zh-CN" sz="2000" b="1" dirty="0" smtClean="0">
-              <a:latin typeface="仿宋" panose="02010609060101010101" pitchFamily="49" charset="-122"/>
-              <a:ea typeface="仿宋" panose="02010609060101010101" pitchFamily="49" charset="-122"/>
-            </a:endParaRPr>
-          </a:p>
-          <a:p>
-            <a:r>
-              <a:rPr lang="en-US" altLang="zh-CN" sz="2000" dirty="0" err="1" smtClean="0">
-                <a:latin typeface="仿宋" panose="02010609060101010101" pitchFamily="49" charset="-122"/>
-                <a:ea typeface="仿宋" panose="02010609060101010101" pitchFamily="49" charset="-122"/>
-              </a:rPr>
-              <a:t>JMockit</a:t>
-            </a:r>
-            <a:r>
-              <a:rPr lang="zh-CN" altLang="en-US" sz="2000" dirty="0">
-                <a:latin typeface="仿宋" panose="02010609060101010101" pitchFamily="49" charset="-122"/>
-                <a:ea typeface="仿宋" panose="02010609060101010101" pitchFamily="49" charset="-122"/>
-              </a:rPr>
-              <a:t>是一款</a:t>
-            </a:r>
-            <a:r>
-              <a:rPr lang="en-US" altLang="zh-CN" sz="2000" dirty="0">
-                <a:latin typeface="仿宋" panose="02010609060101010101" pitchFamily="49" charset="-122"/>
-                <a:ea typeface="仿宋" panose="02010609060101010101" pitchFamily="49" charset="-122"/>
-              </a:rPr>
-              <a:t>Java</a:t>
-            </a:r>
-            <a:r>
-              <a:rPr lang="zh-CN" altLang="en-US" sz="2000" dirty="0">
-                <a:latin typeface="仿宋" panose="02010609060101010101" pitchFamily="49" charset="-122"/>
-                <a:ea typeface="仿宋" panose="02010609060101010101" pitchFamily="49" charset="-122"/>
-              </a:rPr>
-              <a:t>类</a:t>
-            </a:r>
-            <a:r>
-              <a:rPr lang="en-US" altLang="zh-CN" sz="2000" dirty="0">
-                <a:latin typeface="仿宋" panose="02010609060101010101" pitchFamily="49" charset="-122"/>
-                <a:ea typeface="仿宋" panose="02010609060101010101" pitchFamily="49" charset="-122"/>
-              </a:rPr>
-              <a:t>/</a:t>
-            </a:r>
-            <a:r>
-              <a:rPr lang="zh-CN" altLang="en-US" sz="2000" dirty="0">
-                <a:latin typeface="仿宋" panose="02010609060101010101" pitchFamily="49" charset="-122"/>
-                <a:ea typeface="仿宋" panose="02010609060101010101" pitchFamily="49" charset="-122"/>
-              </a:rPr>
-              <a:t>接口</a:t>
-            </a:r>
-            <a:r>
-              <a:rPr lang="en-US" altLang="zh-CN" sz="2000" dirty="0">
-                <a:latin typeface="仿宋" panose="02010609060101010101" pitchFamily="49" charset="-122"/>
-                <a:ea typeface="仿宋" panose="02010609060101010101" pitchFamily="49" charset="-122"/>
-              </a:rPr>
-              <a:t>/</a:t>
-            </a:r>
-            <a:r>
-              <a:rPr lang="zh-CN" altLang="en-US" sz="2000" dirty="0">
-                <a:latin typeface="仿宋" panose="02010609060101010101" pitchFamily="49" charset="-122"/>
-                <a:ea typeface="仿宋" panose="02010609060101010101" pitchFamily="49" charset="-122"/>
-              </a:rPr>
-              <a:t>对象的</a:t>
-            </a:r>
-            <a:r>
-              <a:rPr lang="en-US" altLang="zh-CN" sz="2000" dirty="0">
-                <a:latin typeface="仿宋" panose="02010609060101010101" pitchFamily="49" charset="-122"/>
-                <a:ea typeface="仿宋" panose="02010609060101010101" pitchFamily="49" charset="-122"/>
-              </a:rPr>
-              <a:t>Mock</a:t>
-            </a:r>
-            <a:r>
-              <a:rPr lang="zh-CN" altLang="en-US" sz="2000" dirty="0">
-                <a:latin typeface="仿宋" panose="02010609060101010101" pitchFamily="49" charset="-122"/>
-                <a:ea typeface="仿宋" panose="02010609060101010101" pitchFamily="49" charset="-122"/>
-              </a:rPr>
-              <a:t>工具，目前广泛应用于</a:t>
-            </a:r>
-            <a:r>
-              <a:rPr lang="en-US" altLang="zh-CN" sz="2000" dirty="0">
-                <a:latin typeface="仿宋" panose="02010609060101010101" pitchFamily="49" charset="-122"/>
-                <a:ea typeface="仿宋" panose="02010609060101010101" pitchFamily="49" charset="-122"/>
-              </a:rPr>
-              <a:t>Java</a:t>
-            </a:r>
-            <a:r>
-              <a:rPr lang="zh-CN" altLang="en-US" sz="2000" dirty="0">
-                <a:latin typeface="仿宋" panose="02010609060101010101" pitchFamily="49" charset="-122"/>
-                <a:ea typeface="仿宋" panose="02010609060101010101" pitchFamily="49" charset="-122"/>
-              </a:rPr>
-              <a:t>应用程序的单元测试中</a:t>
-            </a:r>
-            <a:r>
-              <a:rPr lang="zh-CN" altLang="en-US" sz="2000" dirty="0" smtClean="0">
-                <a:latin typeface="仿宋" panose="02010609060101010101" pitchFamily="49" charset="-122"/>
-                <a:ea typeface="仿宋" panose="02010609060101010101" pitchFamily="49" charset="-122"/>
-              </a:rPr>
-              <a:t>。</a:t>
-            </a:r>
-            <a:endParaRPr lang="en-US" altLang="zh-CN" sz="2000" dirty="0" smtClean="0">
-              <a:latin typeface="仿宋" panose="02010609060101010101" pitchFamily="49" charset="-122"/>
-              <a:ea typeface="仿宋" panose="02010609060101010101" pitchFamily="49" charset="-122"/>
-            </a:endParaRPr>
-          </a:p>
-          <a:p>
-            <a:endParaRPr lang="en-US" altLang="zh-CN" sz="2000" b="1" dirty="0" smtClean="0">
-              <a:latin typeface="仿宋" panose="02010609060101010101" pitchFamily="49" charset="-122"/>
-              <a:ea typeface="仿宋" panose="02010609060101010101" pitchFamily="49" charset="-122"/>
-            </a:endParaRPr>
-          </a:p>
-          <a:p>
-            <a:r>
-              <a:rPr lang="en-US" altLang="zh-CN" sz="2000" b="1" dirty="0" err="1" smtClean="0">
-                <a:latin typeface="仿宋" panose="02010609060101010101" pitchFamily="49" charset="-122"/>
-                <a:ea typeface="仿宋" panose="02010609060101010101" pitchFamily="49" charset="-122"/>
-              </a:rPr>
-              <a:t>JMockit</a:t>
-            </a:r>
-            <a:r>
-              <a:rPr lang="zh-CN" altLang="en-US" sz="2000" b="1" dirty="0" smtClean="0">
-                <a:latin typeface="仿宋" panose="02010609060101010101" pitchFamily="49" charset="-122"/>
-                <a:ea typeface="仿宋" panose="02010609060101010101" pitchFamily="49" charset="-122"/>
-              </a:rPr>
-              <a:t>的特点</a:t>
-            </a:r>
-            <a:endParaRPr lang="en-US" altLang="zh-CN" sz="2000" b="1" dirty="0" smtClean="0">
-              <a:latin typeface="仿宋" panose="02010609060101010101" pitchFamily="49" charset="-122"/>
-              <a:ea typeface="仿宋" panose="02010609060101010101" pitchFamily="49" charset="-122"/>
-            </a:endParaRPr>
-          </a:p>
-          <a:p>
-            <a:r>
-              <a:rPr lang="en-US" altLang="zh-CN" sz="2000" dirty="0" err="1" smtClean="0">
-                <a:latin typeface="仿宋" panose="02010609060101010101" pitchFamily="49" charset="-122"/>
-                <a:ea typeface="仿宋" panose="02010609060101010101" pitchFamily="49" charset="-122"/>
-              </a:rPr>
-              <a:t>JMockit</a:t>
-            </a:r>
-            <a:r>
-              <a:rPr lang="zh-CN" altLang="en-US" sz="2000" dirty="0">
-                <a:latin typeface="仿宋" panose="02010609060101010101" pitchFamily="49" charset="-122"/>
-                <a:ea typeface="仿宋" panose="02010609060101010101" pitchFamily="49" charset="-122"/>
-              </a:rPr>
-              <a:t>的</a:t>
-            </a:r>
-            <a:r>
-              <a:rPr lang="en-US" altLang="zh-CN" sz="2000" dirty="0">
-                <a:latin typeface="仿宋" panose="02010609060101010101" pitchFamily="49" charset="-122"/>
-                <a:ea typeface="仿宋" panose="02010609060101010101" pitchFamily="49" charset="-122"/>
-              </a:rPr>
-              <a:t>API</a:t>
-            </a:r>
-            <a:r>
-              <a:rPr lang="zh-CN" altLang="en-US" sz="2000" dirty="0">
-                <a:latin typeface="仿宋" panose="02010609060101010101" pitchFamily="49" charset="-122"/>
-                <a:ea typeface="仿宋" panose="02010609060101010101" pitchFamily="49" charset="-122"/>
-              </a:rPr>
-              <a:t>易用，丰富！</a:t>
-            </a:r>
-            <a:endParaRPr lang="zh-CN" altLang="en-US" sz="2000" dirty="0">
-              <a:latin typeface="仿宋" panose="02010609060101010101" pitchFamily="49" charset="-122"/>
-              <a:ea typeface="仿宋" panose="02010609060101010101" pitchFamily="49" charset="-122"/>
-            </a:endParaRPr>
-          </a:p>
-          <a:p>
-            <a:r>
-              <a:rPr lang="en-US" altLang="zh-CN" sz="2000" dirty="0" err="1">
-                <a:latin typeface="仿宋" panose="02010609060101010101" pitchFamily="49" charset="-122"/>
-                <a:ea typeface="仿宋" panose="02010609060101010101" pitchFamily="49" charset="-122"/>
-              </a:rPr>
-              <a:t>JMockit</a:t>
-            </a:r>
-            <a:r>
-              <a:rPr lang="zh-CN" altLang="en-US" sz="2000" dirty="0">
-                <a:latin typeface="仿宋" panose="02010609060101010101" pitchFamily="49" charset="-122"/>
-                <a:ea typeface="仿宋" panose="02010609060101010101" pitchFamily="49" charset="-122"/>
-              </a:rPr>
-              <a:t>提供了注解，并支持对类</a:t>
-            </a:r>
-            <a:r>
-              <a:rPr lang="en-US" altLang="zh-CN" sz="2000" dirty="0">
-                <a:latin typeface="仿宋" panose="02010609060101010101" pitchFamily="49" charset="-122"/>
-                <a:ea typeface="仿宋" panose="02010609060101010101" pitchFamily="49" charset="-122"/>
-              </a:rPr>
-              <a:t>/</a:t>
-            </a:r>
-            <a:r>
-              <a:rPr lang="zh-CN" altLang="en-US" sz="2000" dirty="0">
-                <a:latin typeface="仿宋" panose="02010609060101010101" pitchFamily="49" charset="-122"/>
-                <a:ea typeface="仿宋" panose="02010609060101010101" pitchFamily="49" charset="-122"/>
-              </a:rPr>
-              <a:t>对象的属性，</a:t>
-            </a:r>
-            <a:r>
-              <a:rPr lang="zh-CN" altLang="en-US" sz="2000" dirty="0" smtClean="0">
-                <a:latin typeface="仿宋" panose="02010609060101010101" pitchFamily="49" charset="-122"/>
-                <a:ea typeface="仿宋" panose="02010609060101010101" pitchFamily="49" charset="-122"/>
-              </a:rPr>
-              <a:t>方法，</a:t>
-            </a:r>
-            <a:r>
-              <a:rPr lang="zh-CN" altLang="en-US" sz="2000" dirty="0">
-                <a:latin typeface="仿宋" panose="02010609060101010101" pitchFamily="49" charset="-122"/>
-                <a:ea typeface="仿宋" panose="02010609060101010101" pitchFamily="49" charset="-122"/>
-              </a:rPr>
-              <a:t>构造函数，初始代码块</a:t>
-            </a:r>
-            <a:r>
-              <a:rPr lang="en-US" altLang="zh-CN" sz="2000" dirty="0">
-                <a:latin typeface="仿宋" panose="02010609060101010101" pitchFamily="49" charset="-122"/>
-                <a:ea typeface="仿宋" panose="02010609060101010101" pitchFamily="49" charset="-122"/>
-              </a:rPr>
-              <a:t>(</a:t>
-            </a:r>
-            <a:r>
-              <a:rPr lang="zh-CN" altLang="en-US" sz="2000" dirty="0">
-                <a:latin typeface="仿宋" panose="02010609060101010101" pitchFamily="49" charset="-122"/>
-                <a:ea typeface="仿宋" panose="02010609060101010101" pitchFamily="49" charset="-122"/>
-              </a:rPr>
-              <a:t>含静态初始代码块</a:t>
-            </a:r>
-            <a:r>
-              <a:rPr lang="en-US" altLang="zh-CN" sz="2000" dirty="0">
-                <a:latin typeface="仿宋" panose="02010609060101010101" pitchFamily="49" charset="-122"/>
-                <a:ea typeface="仿宋" panose="02010609060101010101" pitchFamily="49" charset="-122"/>
-              </a:rPr>
-              <a:t>)</a:t>
-            </a:r>
-            <a:r>
-              <a:rPr lang="zh-CN" altLang="en-US" sz="2000" dirty="0">
-                <a:latin typeface="仿宋" panose="02010609060101010101" pitchFamily="49" charset="-122"/>
-                <a:ea typeface="仿宋" panose="02010609060101010101" pitchFamily="49" charset="-122"/>
-              </a:rPr>
-              <a:t>进行灵活</a:t>
-            </a:r>
-            <a:r>
-              <a:rPr lang="en-US" altLang="zh-CN" sz="2000" dirty="0" smtClean="0">
-                <a:latin typeface="仿宋" panose="02010609060101010101" pitchFamily="49" charset="-122"/>
-                <a:ea typeface="仿宋" panose="02010609060101010101" pitchFamily="49" charset="-122"/>
-              </a:rPr>
-              <a:t>Mock</a:t>
-            </a:r>
-            <a:r>
-              <a:rPr lang="zh-CN" altLang="en-US" sz="2000" dirty="0" smtClean="0">
-                <a:latin typeface="仿宋" panose="02010609060101010101" pitchFamily="49" charset="-122"/>
-                <a:ea typeface="仿宋" panose="02010609060101010101" pitchFamily="49" charset="-122"/>
-              </a:rPr>
-              <a:t>。</a:t>
-            </a:r>
-            <a:r>
-              <a:rPr lang="en-US" altLang="zh-CN" sz="2000" dirty="0" smtClean="0">
-                <a:latin typeface="仿宋" panose="02010609060101010101" pitchFamily="49" charset="-122"/>
-                <a:ea typeface="仿宋" panose="02010609060101010101" pitchFamily="49" charset="-122"/>
-              </a:rPr>
-              <a:t>(</a:t>
-            </a:r>
-            <a:r>
-              <a:rPr lang="zh-CN" altLang="en-US" sz="2000" dirty="0" smtClean="0">
-                <a:latin typeface="仿宋" panose="02010609060101010101" pitchFamily="49" charset="-122"/>
-                <a:ea typeface="仿宋" panose="02010609060101010101" pitchFamily="49" charset="-122"/>
-              </a:rPr>
-              <a:t>注：支持</a:t>
-            </a:r>
-            <a:r>
-              <a:rPr lang="en-US" altLang="zh-CN" sz="2000" dirty="0" err="1" smtClean="0">
-                <a:latin typeface="仿宋" panose="02010609060101010101" pitchFamily="49" charset="-122"/>
-                <a:ea typeface="仿宋" panose="02010609060101010101" pitchFamily="49" charset="-122"/>
-              </a:rPr>
-              <a:t>static,private,public,final,native</a:t>
-            </a:r>
-            <a:r>
-              <a:rPr lang="zh-CN" altLang="en-US" sz="2000" dirty="0" smtClean="0">
-                <a:latin typeface="仿宋" panose="02010609060101010101" pitchFamily="49" charset="-122"/>
-                <a:ea typeface="仿宋" panose="02010609060101010101" pitchFamily="49" charset="-122"/>
-              </a:rPr>
-              <a:t>方法的</a:t>
-            </a:r>
-            <a:r>
-              <a:rPr lang="en-US" altLang="zh-CN" sz="2000" dirty="0" smtClean="0">
-                <a:latin typeface="仿宋" panose="02010609060101010101" pitchFamily="49" charset="-122"/>
-                <a:ea typeface="仿宋" panose="02010609060101010101" pitchFamily="49" charset="-122"/>
-              </a:rPr>
-              <a:t>Mock)</a:t>
-            </a:r>
-            <a:endParaRPr lang="en-US" altLang="zh-CN" sz="2000" dirty="0">
-              <a:latin typeface="仿宋" panose="02010609060101010101" pitchFamily="49" charset="-122"/>
-              <a:ea typeface="仿宋" panose="02010609060101010101" pitchFamily="49" charset="-122"/>
-            </a:endParaRPr>
-          </a:p>
-          <a:p>
-            <a:r>
-              <a:rPr lang="zh-CN" altLang="en-US" sz="2000" dirty="0">
-                <a:latin typeface="仿宋" panose="02010609060101010101" pitchFamily="49" charset="-122"/>
-                <a:ea typeface="仿宋" panose="02010609060101010101" pitchFamily="49" charset="-122"/>
-              </a:rPr>
-              <a:t>注：JMockit的本质是对java字节码的修改。通俗一点的讲就是在类的某个方法中加入某段逻辑达到Mock的目的。</a:t>
-            </a:r>
-            <a:endParaRPr lang="zh-CN" altLang="en-US" sz="2000" dirty="0">
-              <a:latin typeface="仿宋" panose="02010609060101010101" pitchFamily="49" charset="-122"/>
-              <a:ea typeface="仿宋" panose="02010609060101010101" pitchFamily="49" charset="-122"/>
-            </a:endParaRPr>
-          </a:p>
-          <a:p>
-            <a:endParaRPr lang="zh-CN" altLang="en-US" sz="2000" dirty="0">
-              <a:latin typeface="仿宋" panose="02010609060101010101" pitchFamily="49" charset="-122"/>
-              <a:ea typeface="仿宋" panose="02010609060101010101" pitchFamily="49" charset="-122"/>
-            </a:endParaRPr>
-          </a:p>
-          <a:p>
-            <a:endParaRPr lang="en-US" altLang="zh-CN" sz="2000" dirty="0" smtClean="0">
+              <a:rPr lang="zh-CN" altLang="en-US" sz="2700" dirty="0">
+                <a:solidFill>
+                  <a:srgbClr val="FF0000"/>
+                </a:solidFill>
+                <a:latin typeface="仿宋" panose="02010609060101010101" pitchFamily="49" charset="-122"/>
+                <a:ea typeface="仿宋" panose="02010609060101010101" pitchFamily="49" charset="-122"/>
+              </a:rPr>
+              <a:t>的依赖定义出现在</a:t>
+            </a:r>
+            <a:r>
+              <a:rPr lang="en-US" altLang="zh-CN" sz="2700" dirty="0" err="1">
+                <a:solidFill>
+                  <a:srgbClr val="FF0000"/>
+                </a:solidFill>
+                <a:latin typeface="仿宋" panose="02010609060101010101" pitchFamily="49" charset="-122"/>
+                <a:ea typeface="仿宋" panose="02010609060101010101" pitchFamily="49" charset="-122"/>
+              </a:rPr>
+              <a:t>JUnit</a:t>
+            </a:r>
+            <a:r>
+              <a:rPr lang="zh-CN" altLang="en-US" sz="2700" dirty="0">
+                <a:solidFill>
+                  <a:srgbClr val="FF0000"/>
+                </a:solidFill>
+                <a:latin typeface="仿宋" panose="02010609060101010101" pitchFamily="49" charset="-122"/>
+                <a:ea typeface="仿宋" panose="02010609060101010101" pitchFamily="49" charset="-122"/>
+              </a:rPr>
+              <a:t>的依赖之前。</a:t>
+            </a:r>
+            <a:endParaRPr lang="zh-CN" altLang="en-US" sz="2700" dirty="0">
+              <a:solidFill>
+                <a:srgbClr val="FF0000"/>
+              </a:solidFill>
               <a:latin typeface="仿宋" panose="02010609060101010101" pitchFamily="49" charset="-122"/>
               <a:ea typeface="仿宋" panose="02010609060101010101" pitchFamily="49" charset="-122"/>
             </a:endParaRPr>
@@ -10951,620 +10891,6 @@
 </file>
 
 <file path=ppt/slides/slide8.xml><?xml version="1.0" encoding="utf-8"?>
-<p:sld xmlns:a="http://schemas.openxmlformats.org/drawingml/2006/main" xmlns:r="http://schemas.openxmlformats.org/officeDocument/2006/relationships" xmlns:p="http://schemas.openxmlformats.org/presentationml/2006/main">
-  <p:cSld>
-    <p:spTree>
-      <p:nvGrpSpPr>
-        <p:cNvPr id="1" name=""/>
-        <p:cNvGrpSpPr/>
-        <p:nvPr/>
-      </p:nvGrpSpPr>
-      <p:grpSpPr>
-        <a:xfrm>
-          <a:off x="0" y="0"/>
-          <a:ext cx="0" cy="0"/>
-          <a:chOff x="0" y="0"/>
-          <a:chExt cx="0" cy="0"/>
-        </a:xfrm>
-      </p:grpSpPr>
-      <p:sp>
-        <p:nvSpPr>
-          <p:cNvPr id="2" name="标题 1"/>
-          <p:cNvSpPr>
-            <a:spLocks noGrp="1"/>
-          </p:cNvSpPr>
-          <p:nvPr>
-            <p:ph type="title"/>
-          </p:nvPr>
-        </p:nvSpPr>
-        <p:spPr/>
-        <p:txBody>
-          <a:bodyPr/>
-          <a:lstStyle/>
-          <a:p>
-            <a:r>
-              <a:rPr lang="en-US" altLang="zh-CN" dirty="0" err="1">
-                <a:latin typeface="仿宋" panose="02010609060101010101" pitchFamily="49" charset="-122"/>
-                <a:ea typeface="仿宋" panose="02010609060101010101" pitchFamily="49" charset="-122"/>
-              </a:rPr>
-              <a:t>JMockit</a:t>
-            </a:r>
-            <a:r>
-              <a:rPr lang="zh-CN" altLang="en-US" dirty="0">
-                <a:latin typeface="仿宋" panose="02010609060101010101" pitchFamily="49" charset="-122"/>
-                <a:ea typeface="仿宋" panose="02010609060101010101" pitchFamily="49" charset="-122"/>
-              </a:rPr>
-              <a:t>配置</a:t>
-            </a:r>
-            <a:endParaRPr lang="zh-CN" altLang="en-US" dirty="0">
-              <a:latin typeface="仿宋" panose="02010609060101010101" pitchFamily="49" charset="-122"/>
-              <a:ea typeface="仿宋" panose="02010609060101010101" pitchFamily="49" charset="-122"/>
-            </a:endParaRPr>
-          </a:p>
-        </p:txBody>
-      </p:sp>
-      <p:sp>
-        <p:nvSpPr>
-          <p:cNvPr id="3" name="内容占位符 2"/>
-          <p:cNvSpPr>
-            <a:spLocks noGrp="1"/>
-          </p:cNvSpPr>
-          <p:nvPr>
-            <p:ph idx="1"/>
-          </p:nvPr>
-        </p:nvSpPr>
-        <p:spPr/>
-        <p:txBody>
-          <a:bodyPr>
-            <a:normAutofit fontScale="47500" lnSpcReduction="20000"/>
-          </a:bodyPr>
-          <a:lstStyle/>
-          <a:p>
-            <a:r>
-              <a:rPr lang="en-US" altLang="zh-CN" dirty="0">
-                <a:latin typeface="仿宋" panose="02010609060101010101" pitchFamily="49" charset="-122"/>
-                <a:ea typeface="仿宋" panose="02010609060101010101" pitchFamily="49" charset="-122"/>
-              </a:rPr>
-              <a:t>&lt;!-- </a:t>
-            </a:r>
-            <a:r>
-              <a:rPr lang="zh-CN" altLang="en-US" dirty="0">
-                <a:latin typeface="仿宋" panose="02010609060101010101" pitchFamily="49" charset="-122"/>
-                <a:ea typeface="仿宋" panose="02010609060101010101" pitchFamily="49" charset="-122"/>
-              </a:rPr>
-              <a:t>先声明</a:t>
-            </a:r>
-            <a:r>
-              <a:rPr lang="en-US" altLang="zh-CN" dirty="0" err="1">
-                <a:latin typeface="仿宋" panose="02010609060101010101" pitchFamily="49" charset="-122"/>
-                <a:ea typeface="仿宋" panose="02010609060101010101" pitchFamily="49" charset="-122"/>
-              </a:rPr>
-              <a:t>jmockit</a:t>
-            </a:r>
-            <a:r>
-              <a:rPr lang="zh-CN" altLang="en-US" dirty="0">
-                <a:latin typeface="仿宋" panose="02010609060101010101" pitchFamily="49" charset="-122"/>
-                <a:ea typeface="仿宋" panose="02010609060101010101" pitchFamily="49" charset="-122"/>
-              </a:rPr>
-              <a:t>的依赖 </a:t>
-            </a:r>
-            <a:r>
-              <a:rPr lang="en-US" altLang="zh-CN" dirty="0">
-                <a:latin typeface="仿宋" panose="02010609060101010101" pitchFamily="49" charset="-122"/>
-                <a:ea typeface="仿宋" panose="02010609060101010101" pitchFamily="49" charset="-122"/>
-              </a:rPr>
-              <a:t>--&gt;</a:t>
-            </a:r>
-            <a:endParaRPr lang="en-US" altLang="zh-CN" dirty="0">
-              <a:latin typeface="仿宋" panose="02010609060101010101" pitchFamily="49" charset="-122"/>
-              <a:ea typeface="仿宋" panose="02010609060101010101" pitchFamily="49" charset="-122"/>
-            </a:endParaRPr>
-          </a:p>
-          <a:p>
-            <a:r>
-              <a:rPr lang="en-US" altLang="zh-CN" dirty="0">
-                <a:latin typeface="仿宋" panose="02010609060101010101" pitchFamily="49" charset="-122"/>
-                <a:ea typeface="仿宋" panose="02010609060101010101" pitchFamily="49" charset="-122"/>
-              </a:rPr>
-              <a:t>&lt;dependency&gt;</a:t>
-            </a:r>
-            <a:endParaRPr lang="en-US" altLang="zh-CN" dirty="0">
-              <a:latin typeface="仿宋" panose="02010609060101010101" pitchFamily="49" charset="-122"/>
-              <a:ea typeface="仿宋" panose="02010609060101010101" pitchFamily="49" charset="-122"/>
-            </a:endParaRPr>
-          </a:p>
-          <a:p>
-            <a:r>
-              <a:rPr lang="en-US" altLang="zh-CN" dirty="0">
-                <a:latin typeface="仿宋" panose="02010609060101010101" pitchFamily="49" charset="-122"/>
-                <a:ea typeface="仿宋" panose="02010609060101010101" pitchFamily="49" charset="-122"/>
-              </a:rPr>
-              <a:t>	&lt;</a:t>
-            </a:r>
-            <a:r>
-              <a:rPr lang="en-US" altLang="zh-CN" dirty="0" err="1">
-                <a:latin typeface="仿宋" panose="02010609060101010101" pitchFamily="49" charset="-122"/>
-                <a:ea typeface="仿宋" panose="02010609060101010101" pitchFamily="49" charset="-122"/>
-              </a:rPr>
-              <a:t>groupId</a:t>
-            </a:r>
-            <a:r>
-              <a:rPr lang="en-US" altLang="zh-CN" dirty="0">
-                <a:latin typeface="仿宋" panose="02010609060101010101" pitchFamily="49" charset="-122"/>
-                <a:ea typeface="仿宋" panose="02010609060101010101" pitchFamily="49" charset="-122"/>
-              </a:rPr>
-              <a:t>&gt;</a:t>
-            </a:r>
-            <a:r>
-              <a:rPr lang="en-US" altLang="zh-CN" dirty="0" err="1">
-                <a:latin typeface="仿宋" panose="02010609060101010101" pitchFamily="49" charset="-122"/>
-                <a:ea typeface="仿宋" panose="02010609060101010101" pitchFamily="49" charset="-122"/>
-              </a:rPr>
-              <a:t>org.jmockit</a:t>
-            </a:r>
-            <a:r>
-              <a:rPr lang="en-US" altLang="zh-CN" dirty="0">
-                <a:latin typeface="仿宋" panose="02010609060101010101" pitchFamily="49" charset="-122"/>
-                <a:ea typeface="仿宋" panose="02010609060101010101" pitchFamily="49" charset="-122"/>
-              </a:rPr>
-              <a:t>&lt;/</a:t>
-            </a:r>
-            <a:r>
-              <a:rPr lang="en-US" altLang="zh-CN" dirty="0" err="1">
-                <a:latin typeface="仿宋" panose="02010609060101010101" pitchFamily="49" charset="-122"/>
-                <a:ea typeface="仿宋" panose="02010609060101010101" pitchFamily="49" charset="-122"/>
-              </a:rPr>
-              <a:t>groupId</a:t>
-            </a:r>
-            <a:r>
-              <a:rPr lang="en-US" altLang="zh-CN" dirty="0">
-                <a:latin typeface="仿宋" panose="02010609060101010101" pitchFamily="49" charset="-122"/>
-                <a:ea typeface="仿宋" panose="02010609060101010101" pitchFamily="49" charset="-122"/>
-              </a:rPr>
-              <a:t>&gt;</a:t>
-            </a:r>
-            <a:endParaRPr lang="en-US" altLang="zh-CN" dirty="0">
-              <a:latin typeface="仿宋" panose="02010609060101010101" pitchFamily="49" charset="-122"/>
-              <a:ea typeface="仿宋" panose="02010609060101010101" pitchFamily="49" charset="-122"/>
-            </a:endParaRPr>
-          </a:p>
-          <a:p>
-            <a:r>
-              <a:rPr lang="en-US" altLang="zh-CN" dirty="0">
-                <a:latin typeface="仿宋" panose="02010609060101010101" pitchFamily="49" charset="-122"/>
-                <a:ea typeface="仿宋" panose="02010609060101010101" pitchFamily="49" charset="-122"/>
-              </a:rPr>
-              <a:t>	&lt;</a:t>
-            </a:r>
-            <a:r>
-              <a:rPr lang="en-US" altLang="zh-CN" dirty="0" err="1">
-                <a:latin typeface="仿宋" panose="02010609060101010101" pitchFamily="49" charset="-122"/>
-                <a:ea typeface="仿宋" panose="02010609060101010101" pitchFamily="49" charset="-122"/>
-              </a:rPr>
-              <a:t>artifactId</a:t>
-            </a:r>
-            <a:r>
-              <a:rPr lang="en-US" altLang="zh-CN" dirty="0">
-                <a:latin typeface="仿宋" panose="02010609060101010101" pitchFamily="49" charset="-122"/>
-                <a:ea typeface="仿宋" panose="02010609060101010101" pitchFamily="49" charset="-122"/>
-              </a:rPr>
-              <a:t>&gt;</a:t>
-            </a:r>
-            <a:r>
-              <a:rPr lang="en-US" altLang="zh-CN" dirty="0" err="1">
-                <a:latin typeface="仿宋" panose="02010609060101010101" pitchFamily="49" charset="-122"/>
-                <a:ea typeface="仿宋" panose="02010609060101010101" pitchFamily="49" charset="-122"/>
-              </a:rPr>
-              <a:t>jmockit</a:t>
-            </a:r>
-            <a:r>
-              <a:rPr lang="en-US" altLang="zh-CN" dirty="0">
-                <a:latin typeface="仿宋" panose="02010609060101010101" pitchFamily="49" charset="-122"/>
-                <a:ea typeface="仿宋" panose="02010609060101010101" pitchFamily="49" charset="-122"/>
-              </a:rPr>
-              <a:t>&lt;/</a:t>
-            </a:r>
-            <a:r>
-              <a:rPr lang="en-US" altLang="zh-CN" dirty="0" err="1">
-                <a:latin typeface="仿宋" panose="02010609060101010101" pitchFamily="49" charset="-122"/>
-                <a:ea typeface="仿宋" panose="02010609060101010101" pitchFamily="49" charset="-122"/>
-              </a:rPr>
-              <a:t>artifactId</a:t>
-            </a:r>
-            <a:r>
-              <a:rPr lang="en-US" altLang="zh-CN" dirty="0">
-                <a:latin typeface="仿宋" panose="02010609060101010101" pitchFamily="49" charset="-122"/>
-                <a:ea typeface="仿宋" panose="02010609060101010101" pitchFamily="49" charset="-122"/>
-              </a:rPr>
-              <a:t>&gt;</a:t>
-            </a:r>
-            <a:endParaRPr lang="en-US" altLang="zh-CN" dirty="0">
-              <a:latin typeface="仿宋" panose="02010609060101010101" pitchFamily="49" charset="-122"/>
-              <a:ea typeface="仿宋" panose="02010609060101010101" pitchFamily="49" charset="-122"/>
-            </a:endParaRPr>
-          </a:p>
-          <a:p>
-            <a:r>
-              <a:rPr lang="en-US" altLang="zh-CN" dirty="0">
-                <a:latin typeface="仿宋" panose="02010609060101010101" pitchFamily="49" charset="-122"/>
-                <a:ea typeface="仿宋" panose="02010609060101010101" pitchFamily="49" charset="-122"/>
-              </a:rPr>
-              <a:t>	&lt;version&gt;1.36&lt;/version&gt;</a:t>
-            </a:r>
-            <a:endParaRPr lang="en-US" altLang="zh-CN" dirty="0">
-              <a:latin typeface="仿宋" panose="02010609060101010101" pitchFamily="49" charset="-122"/>
-              <a:ea typeface="仿宋" panose="02010609060101010101" pitchFamily="49" charset="-122"/>
-            </a:endParaRPr>
-          </a:p>
-          <a:p>
-            <a:r>
-              <a:rPr lang="en-US" altLang="zh-CN" dirty="0">
-                <a:latin typeface="仿宋" panose="02010609060101010101" pitchFamily="49" charset="-122"/>
-                <a:ea typeface="仿宋" panose="02010609060101010101" pitchFamily="49" charset="-122"/>
-              </a:rPr>
-              <a:t>	&lt;scope&gt;test&lt;/scope&gt;</a:t>
-            </a:r>
-            <a:endParaRPr lang="en-US" altLang="zh-CN" dirty="0">
-              <a:latin typeface="仿宋" panose="02010609060101010101" pitchFamily="49" charset="-122"/>
-              <a:ea typeface="仿宋" panose="02010609060101010101" pitchFamily="49" charset="-122"/>
-            </a:endParaRPr>
-          </a:p>
-          <a:p>
-            <a:r>
-              <a:rPr lang="en-US" altLang="zh-CN" dirty="0">
-                <a:latin typeface="仿宋" panose="02010609060101010101" pitchFamily="49" charset="-122"/>
-                <a:ea typeface="仿宋" panose="02010609060101010101" pitchFamily="49" charset="-122"/>
-              </a:rPr>
-              <a:t>&lt;/dependency&gt;</a:t>
-            </a:r>
-            <a:endParaRPr lang="en-US" altLang="zh-CN" dirty="0">
-              <a:latin typeface="仿宋" panose="02010609060101010101" pitchFamily="49" charset="-122"/>
-              <a:ea typeface="仿宋" panose="02010609060101010101" pitchFamily="49" charset="-122"/>
-            </a:endParaRPr>
-          </a:p>
-          <a:p>
-            <a:r>
-              <a:rPr lang="en-US" altLang="zh-CN" dirty="0">
-                <a:latin typeface="仿宋" panose="02010609060101010101" pitchFamily="49" charset="-122"/>
-                <a:ea typeface="仿宋" panose="02010609060101010101" pitchFamily="49" charset="-122"/>
-              </a:rPr>
-              <a:t>&lt;!-- </a:t>
-            </a:r>
-            <a:r>
-              <a:rPr lang="zh-CN" altLang="en-US" dirty="0">
-                <a:latin typeface="仿宋" panose="02010609060101010101" pitchFamily="49" charset="-122"/>
-                <a:ea typeface="仿宋" panose="02010609060101010101" pitchFamily="49" charset="-122"/>
-              </a:rPr>
-              <a:t>再声明</a:t>
-            </a:r>
-            <a:r>
-              <a:rPr lang="en-US" altLang="zh-CN" dirty="0" err="1">
-                <a:latin typeface="仿宋" panose="02010609060101010101" pitchFamily="49" charset="-122"/>
-                <a:ea typeface="仿宋" panose="02010609060101010101" pitchFamily="49" charset="-122"/>
-              </a:rPr>
-              <a:t>junit</a:t>
-            </a:r>
-            <a:r>
-              <a:rPr lang="zh-CN" altLang="en-US" dirty="0">
-                <a:latin typeface="仿宋" panose="02010609060101010101" pitchFamily="49" charset="-122"/>
-                <a:ea typeface="仿宋" panose="02010609060101010101" pitchFamily="49" charset="-122"/>
-              </a:rPr>
-              <a:t>的依赖 </a:t>
-            </a:r>
-            <a:r>
-              <a:rPr lang="en-US" altLang="zh-CN" dirty="0">
-                <a:latin typeface="仿宋" panose="02010609060101010101" pitchFamily="49" charset="-122"/>
-                <a:ea typeface="仿宋" panose="02010609060101010101" pitchFamily="49" charset="-122"/>
-              </a:rPr>
-              <a:t>--&gt;</a:t>
-            </a:r>
-            <a:endParaRPr lang="en-US" altLang="zh-CN" dirty="0">
-              <a:latin typeface="仿宋" panose="02010609060101010101" pitchFamily="49" charset="-122"/>
-              <a:ea typeface="仿宋" panose="02010609060101010101" pitchFamily="49" charset="-122"/>
-            </a:endParaRPr>
-          </a:p>
-          <a:p>
-            <a:r>
-              <a:rPr lang="en-US" altLang="zh-CN" dirty="0">
-                <a:latin typeface="仿宋" panose="02010609060101010101" pitchFamily="49" charset="-122"/>
-                <a:ea typeface="仿宋" panose="02010609060101010101" pitchFamily="49" charset="-122"/>
-              </a:rPr>
-              <a:t>&lt;dependency&gt;</a:t>
-            </a:r>
-            <a:endParaRPr lang="en-US" altLang="zh-CN" dirty="0">
-              <a:latin typeface="仿宋" panose="02010609060101010101" pitchFamily="49" charset="-122"/>
-              <a:ea typeface="仿宋" panose="02010609060101010101" pitchFamily="49" charset="-122"/>
-            </a:endParaRPr>
-          </a:p>
-          <a:p>
-            <a:r>
-              <a:rPr lang="en-US" altLang="zh-CN" dirty="0">
-                <a:latin typeface="仿宋" panose="02010609060101010101" pitchFamily="49" charset="-122"/>
-                <a:ea typeface="仿宋" panose="02010609060101010101" pitchFamily="49" charset="-122"/>
-              </a:rPr>
-              <a:t>	&lt;</a:t>
-            </a:r>
-            <a:r>
-              <a:rPr lang="en-US" altLang="zh-CN" dirty="0" err="1">
-                <a:latin typeface="仿宋" panose="02010609060101010101" pitchFamily="49" charset="-122"/>
-                <a:ea typeface="仿宋" panose="02010609060101010101" pitchFamily="49" charset="-122"/>
-              </a:rPr>
-              <a:t>groupId</a:t>
-            </a:r>
-            <a:r>
-              <a:rPr lang="en-US" altLang="zh-CN" dirty="0">
-                <a:latin typeface="仿宋" panose="02010609060101010101" pitchFamily="49" charset="-122"/>
-                <a:ea typeface="仿宋" panose="02010609060101010101" pitchFamily="49" charset="-122"/>
-              </a:rPr>
-              <a:t>&gt;</a:t>
-            </a:r>
-            <a:r>
-              <a:rPr lang="en-US" altLang="zh-CN" dirty="0" err="1">
-                <a:latin typeface="仿宋" panose="02010609060101010101" pitchFamily="49" charset="-122"/>
-                <a:ea typeface="仿宋" panose="02010609060101010101" pitchFamily="49" charset="-122"/>
-              </a:rPr>
-              <a:t>junit</a:t>
-            </a:r>
-            <a:r>
-              <a:rPr lang="en-US" altLang="zh-CN" dirty="0">
-                <a:latin typeface="仿宋" panose="02010609060101010101" pitchFamily="49" charset="-122"/>
-                <a:ea typeface="仿宋" panose="02010609060101010101" pitchFamily="49" charset="-122"/>
-              </a:rPr>
-              <a:t>&lt;/</a:t>
-            </a:r>
-            <a:r>
-              <a:rPr lang="en-US" altLang="zh-CN" dirty="0" err="1">
-                <a:latin typeface="仿宋" panose="02010609060101010101" pitchFamily="49" charset="-122"/>
-                <a:ea typeface="仿宋" panose="02010609060101010101" pitchFamily="49" charset="-122"/>
-              </a:rPr>
-              <a:t>groupId</a:t>
-            </a:r>
-            <a:r>
-              <a:rPr lang="en-US" altLang="zh-CN" dirty="0">
-                <a:latin typeface="仿宋" panose="02010609060101010101" pitchFamily="49" charset="-122"/>
-                <a:ea typeface="仿宋" panose="02010609060101010101" pitchFamily="49" charset="-122"/>
-              </a:rPr>
-              <a:t>&gt;</a:t>
-            </a:r>
-            <a:endParaRPr lang="en-US" altLang="zh-CN" dirty="0">
-              <a:latin typeface="仿宋" panose="02010609060101010101" pitchFamily="49" charset="-122"/>
-              <a:ea typeface="仿宋" panose="02010609060101010101" pitchFamily="49" charset="-122"/>
-            </a:endParaRPr>
-          </a:p>
-          <a:p>
-            <a:r>
-              <a:rPr lang="en-US" altLang="zh-CN" dirty="0">
-                <a:latin typeface="仿宋" panose="02010609060101010101" pitchFamily="49" charset="-122"/>
-                <a:ea typeface="仿宋" panose="02010609060101010101" pitchFamily="49" charset="-122"/>
-              </a:rPr>
-              <a:t>	&lt;</a:t>
-            </a:r>
-            <a:r>
-              <a:rPr lang="en-US" altLang="zh-CN" dirty="0" err="1">
-                <a:latin typeface="仿宋" panose="02010609060101010101" pitchFamily="49" charset="-122"/>
-                <a:ea typeface="仿宋" panose="02010609060101010101" pitchFamily="49" charset="-122"/>
-              </a:rPr>
-              <a:t>artifactId</a:t>
-            </a:r>
-            <a:r>
-              <a:rPr lang="en-US" altLang="zh-CN" dirty="0">
-                <a:latin typeface="仿宋" panose="02010609060101010101" pitchFamily="49" charset="-122"/>
-                <a:ea typeface="仿宋" panose="02010609060101010101" pitchFamily="49" charset="-122"/>
-              </a:rPr>
-              <a:t>&gt;</a:t>
-            </a:r>
-            <a:r>
-              <a:rPr lang="en-US" altLang="zh-CN" dirty="0" err="1">
-                <a:latin typeface="仿宋" panose="02010609060101010101" pitchFamily="49" charset="-122"/>
-                <a:ea typeface="仿宋" panose="02010609060101010101" pitchFamily="49" charset="-122"/>
-              </a:rPr>
-              <a:t>junit</a:t>
-            </a:r>
-            <a:r>
-              <a:rPr lang="en-US" altLang="zh-CN" dirty="0">
-                <a:latin typeface="仿宋" panose="02010609060101010101" pitchFamily="49" charset="-122"/>
-                <a:ea typeface="仿宋" panose="02010609060101010101" pitchFamily="49" charset="-122"/>
-              </a:rPr>
-              <a:t>&lt;/</a:t>
-            </a:r>
-            <a:r>
-              <a:rPr lang="en-US" altLang="zh-CN" dirty="0" err="1">
-                <a:latin typeface="仿宋" panose="02010609060101010101" pitchFamily="49" charset="-122"/>
-                <a:ea typeface="仿宋" panose="02010609060101010101" pitchFamily="49" charset="-122"/>
-              </a:rPr>
-              <a:t>artifactId</a:t>
-            </a:r>
-            <a:r>
-              <a:rPr lang="en-US" altLang="zh-CN" dirty="0">
-                <a:latin typeface="仿宋" panose="02010609060101010101" pitchFamily="49" charset="-122"/>
-                <a:ea typeface="仿宋" panose="02010609060101010101" pitchFamily="49" charset="-122"/>
-              </a:rPr>
-              <a:t>&gt;</a:t>
-            </a:r>
-            <a:endParaRPr lang="en-US" altLang="zh-CN" dirty="0">
-              <a:latin typeface="仿宋" panose="02010609060101010101" pitchFamily="49" charset="-122"/>
-              <a:ea typeface="仿宋" panose="02010609060101010101" pitchFamily="49" charset="-122"/>
-            </a:endParaRPr>
-          </a:p>
-          <a:p>
-            <a:r>
-              <a:rPr lang="en-US" altLang="zh-CN" dirty="0">
-                <a:latin typeface="仿宋" panose="02010609060101010101" pitchFamily="49" charset="-122"/>
-                <a:ea typeface="仿宋" panose="02010609060101010101" pitchFamily="49" charset="-122"/>
-              </a:rPr>
-              <a:t>	&lt;version&gt;4.12&lt;/version&gt;</a:t>
-            </a:r>
-            <a:endParaRPr lang="en-US" altLang="zh-CN" dirty="0">
-              <a:latin typeface="仿宋" panose="02010609060101010101" pitchFamily="49" charset="-122"/>
-              <a:ea typeface="仿宋" panose="02010609060101010101" pitchFamily="49" charset="-122"/>
-            </a:endParaRPr>
-          </a:p>
-          <a:p>
-            <a:r>
-              <a:rPr lang="en-US" altLang="zh-CN" dirty="0">
-                <a:latin typeface="仿宋" panose="02010609060101010101" pitchFamily="49" charset="-122"/>
-                <a:ea typeface="仿宋" panose="02010609060101010101" pitchFamily="49" charset="-122"/>
-              </a:rPr>
-              <a:t>	&lt;scope&gt;test&lt;/scope&gt;</a:t>
-            </a:r>
-            <a:endParaRPr lang="en-US" altLang="zh-CN" dirty="0">
-              <a:latin typeface="仿宋" panose="02010609060101010101" pitchFamily="49" charset="-122"/>
-              <a:ea typeface="仿宋" panose="02010609060101010101" pitchFamily="49" charset="-122"/>
-            </a:endParaRPr>
-          </a:p>
-          <a:p>
-            <a:r>
-              <a:rPr lang="en-US" altLang="zh-CN" dirty="0">
-                <a:latin typeface="仿宋" panose="02010609060101010101" pitchFamily="49" charset="-122"/>
-                <a:ea typeface="仿宋" panose="02010609060101010101" pitchFamily="49" charset="-122"/>
-              </a:rPr>
-              <a:t>&lt;/</a:t>
-            </a:r>
-            <a:r>
-              <a:rPr lang="en-US" altLang="zh-CN" dirty="0" smtClean="0">
-                <a:latin typeface="仿宋" panose="02010609060101010101" pitchFamily="49" charset="-122"/>
-                <a:ea typeface="仿宋" panose="02010609060101010101" pitchFamily="49" charset="-122"/>
-              </a:rPr>
-              <a:t>dependency&gt;</a:t>
-            </a:r>
-            <a:br>
-              <a:rPr lang="en-US" altLang="zh-CN" dirty="0" smtClean="0">
-                <a:latin typeface="仿宋" panose="02010609060101010101" pitchFamily="49" charset="-122"/>
-                <a:ea typeface="仿宋" panose="02010609060101010101" pitchFamily="49" charset="-122"/>
-              </a:rPr>
-            </a:br>
-            <a:endParaRPr lang="en-US" altLang="zh-CN" dirty="0" smtClean="0">
-              <a:latin typeface="仿宋" panose="02010609060101010101" pitchFamily="49" charset="-122"/>
-              <a:ea typeface="仿宋" panose="02010609060101010101" pitchFamily="49" charset="-122"/>
-            </a:endParaRPr>
-          </a:p>
-          <a:p>
-            <a:r>
-              <a:rPr lang="zh-CN" altLang="en-US" sz="2700" dirty="0">
-                <a:solidFill>
-                  <a:srgbClr val="FF0000"/>
-                </a:solidFill>
-                <a:latin typeface="仿宋" panose="02010609060101010101" pitchFamily="49" charset="-122"/>
-                <a:ea typeface="仿宋" panose="02010609060101010101" pitchFamily="49" charset="-122"/>
-              </a:rPr>
-              <a:t>注：如果你是通过</a:t>
-            </a:r>
-            <a:r>
-              <a:rPr lang="en-US" altLang="zh-CN" sz="2700" dirty="0" err="1">
-                <a:solidFill>
-                  <a:srgbClr val="FF0000"/>
-                </a:solidFill>
-                <a:latin typeface="仿宋" panose="02010609060101010101" pitchFamily="49" charset="-122"/>
-                <a:ea typeface="仿宋" panose="02010609060101010101" pitchFamily="49" charset="-122"/>
-              </a:rPr>
-              <a:t>mvn</a:t>
-            </a:r>
-            <a:r>
-              <a:rPr lang="en-US" altLang="zh-CN" sz="2700" dirty="0">
-                <a:solidFill>
-                  <a:srgbClr val="FF0000"/>
-                </a:solidFill>
-                <a:latin typeface="仿宋" panose="02010609060101010101" pitchFamily="49" charset="-122"/>
-                <a:ea typeface="仿宋" panose="02010609060101010101" pitchFamily="49" charset="-122"/>
-              </a:rPr>
-              <a:t> test</a:t>
-            </a:r>
-            <a:r>
-              <a:rPr lang="zh-CN" altLang="en-US" sz="2700" dirty="0">
-                <a:solidFill>
-                  <a:srgbClr val="FF0000"/>
-                </a:solidFill>
-                <a:latin typeface="仿宋" panose="02010609060101010101" pitchFamily="49" charset="-122"/>
-                <a:ea typeface="仿宋" panose="02010609060101010101" pitchFamily="49" charset="-122"/>
-              </a:rPr>
-              <a:t>来运行你的测试程序 </a:t>
-            </a:r>
-            <a:r>
-              <a:rPr lang="en-US" altLang="zh-CN" sz="2700" dirty="0">
-                <a:solidFill>
-                  <a:srgbClr val="FF0000"/>
-                </a:solidFill>
-                <a:latin typeface="仿宋" panose="02010609060101010101" pitchFamily="49" charset="-122"/>
-                <a:ea typeface="仿宋" panose="02010609060101010101" pitchFamily="49" charset="-122"/>
-              </a:rPr>
-              <a:t>, </a:t>
-            </a:r>
-            <a:r>
-              <a:rPr lang="zh-CN" altLang="en-US" sz="2700" dirty="0">
-                <a:solidFill>
-                  <a:srgbClr val="FF0000"/>
-                </a:solidFill>
-                <a:latin typeface="仿宋" panose="02010609060101010101" pitchFamily="49" charset="-122"/>
-                <a:ea typeface="仿宋" panose="02010609060101010101" pitchFamily="49" charset="-122"/>
-              </a:rPr>
-              <a:t>请确保</a:t>
-            </a:r>
-            <a:r>
-              <a:rPr lang="en-US" altLang="zh-CN" sz="2700" dirty="0" err="1">
-                <a:solidFill>
-                  <a:srgbClr val="FF0000"/>
-                </a:solidFill>
-                <a:latin typeface="仿宋" panose="02010609060101010101" pitchFamily="49" charset="-122"/>
-                <a:ea typeface="仿宋" panose="02010609060101010101" pitchFamily="49" charset="-122"/>
-              </a:rPr>
-              <a:t>JMockit</a:t>
-            </a:r>
-            <a:r>
-              <a:rPr lang="zh-CN" altLang="en-US" sz="2700" dirty="0">
-                <a:solidFill>
-                  <a:srgbClr val="FF0000"/>
-                </a:solidFill>
-                <a:latin typeface="仿宋" panose="02010609060101010101" pitchFamily="49" charset="-122"/>
-                <a:ea typeface="仿宋" panose="02010609060101010101" pitchFamily="49" charset="-122"/>
-              </a:rPr>
-              <a:t>的依赖定义出现在</a:t>
-            </a:r>
-            <a:r>
-              <a:rPr lang="en-US" altLang="zh-CN" sz="2700" dirty="0" err="1">
-                <a:solidFill>
-                  <a:srgbClr val="FF0000"/>
-                </a:solidFill>
-                <a:latin typeface="仿宋" panose="02010609060101010101" pitchFamily="49" charset="-122"/>
-                <a:ea typeface="仿宋" panose="02010609060101010101" pitchFamily="49" charset="-122"/>
-              </a:rPr>
-              <a:t>JUnit</a:t>
-            </a:r>
-            <a:r>
-              <a:rPr lang="zh-CN" altLang="en-US" sz="2700" dirty="0">
-                <a:solidFill>
-                  <a:srgbClr val="FF0000"/>
-                </a:solidFill>
-                <a:latin typeface="仿宋" panose="02010609060101010101" pitchFamily="49" charset="-122"/>
-                <a:ea typeface="仿宋" panose="02010609060101010101" pitchFamily="49" charset="-122"/>
-              </a:rPr>
-              <a:t>的依赖之前。</a:t>
-            </a:r>
-            <a:endParaRPr lang="zh-CN" altLang="en-US" sz="2700" dirty="0">
-              <a:solidFill>
-                <a:srgbClr val="FF0000"/>
-              </a:solidFill>
-              <a:latin typeface="仿宋" panose="02010609060101010101" pitchFamily="49" charset="-122"/>
-              <a:ea typeface="仿宋" panose="02010609060101010101" pitchFamily="49" charset="-122"/>
-            </a:endParaRPr>
-          </a:p>
-        </p:txBody>
-      </p:sp>
-    </p:spTree>
-  </p:cSld>
-  <p:clrMapOvr>
-    <a:masterClrMapping/>
-  </p:clrMapOvr>
-  <p:timing>
-    <p:tnLst>
-      <p:par>
-        <p:cTn id="1" dur="indefinite" restart="never" nodeType="tmRoot"/>
-      </p:par>
-    </p:tnLst>
-  </p:timing>
-</p:sld>
-</file>
-
-<file path=ppt/slides/slide9.xml><?xml version="1.0" encoding="utf-8"?>
 <p:sld xmlns:a="http://schemas.openxmlformats.org/drawingml/2006/main" xmlns:r="http://schemas.openxmlformats.org/officeDocument/2006/relationships" xmlns:p="http://schemas.openxmlformats.org/presentationml/2006/main">
   <p:cSld>
     <p:spTree>
@@ -11789,6 +11115,302 @@
     </p:tnLst>
   </p:timing>
 </p:sld>
+</file>
+
+<file path=ppt/slides/slide9.xml><?xml version="1.0" encoding="utf-8"?>
+<p:sld xmlns:a="http://schemas.openxmlformats.org/drawingml/2006/main" xmlns:r="http://schemas.openxmlformats.org/officeDocument/2006/relationships" xmlns:p="http://schemas.openxmlformats.org/presentationml/2006/main">
+  <p:cSld>
+    <p:spTree>
+      <p:nvGrpSpPr>
+        <p:cNvPr id="1" name=""/>
+        <p:cNvGrpSpPr/>
+        <p:nvPr/>
+      </p:nvGrpSpPr>
+      <p:grpSpPr>
+        <a:xfrm>
+          <a:off x="0" y="0"/>
+          <a:ext cx="0" cy="0"/>
+          <a:chOff x="0" y="0"/>
+          <a:chExt cx="0" cy="0"/>
+        </a:xfrm>
+      </p:grpSpPr>
+      <p:sp>
+        <p:nvSpPr>
+          <p:cNvPr id="2" name="标题 1"/>
+          <p:cNvSpPr>
+            <a:spLocks noGrp="1"/>
+          </p:cNvSpPr>
+          <p:nvPr>
+            <p:ph type="title"/>
+          </p:nvPr>
+        </p:nvSpPr>
+        <p:spPr/>
+        <p:txBody>
+          <a:bodyPr/>
+          <a:lstStyle/>
+          <a:p>
+            <a:r>
+              <a:rPr lang="en-US" altLang="zh-CN" dirty="0" err="1" smtClean="0">
+                <a:latin typeface="仿宋" panose="02010609060101010101" pitchFamily="49" charset="-122"/>
+                <a:ea typeface="仿宋" panose="02010609060101010101" pitchFamily="49" charset="-122"/>
+              </a:rPr>
+              <a:t>JMockit</a:t>
+            </a:r>
+            <a:r>
+              <a:rPr lang="zh-CN" altLang="en-US" dirty="0" smtClean="0">
+                <a:latin typeface="仿宋" panose="02010609060101010101" pitchFamily="49" charset="-122"/>
+                <a:ea typeface="仿宋" panose="02010609060101010101" pitchFamily="49" charset="-122"/>
+              </a:rPr>
+              <a:t>的程序</a:t>
+            </a:r>
+            <a:r>
+              <a:rPr lang="zh-CN" altLang="en-US" dirty="0">
+                <a:latin typeface="仿宋" panose="02010609060101010101" pitchFamily="49" charset="-122"/>
+                <a:ea typeface="仿宋" panose="02010609060101010101" pitchFamily="49" charset="-122"/>
+              </a:rPr>
+              <a:t>结构</a:t>
+            </a:r>
+            <a:endParaRPr lang="zh-CN" altLang="en-US" dirty="0">
+              <a:latin typeface="仿宋" panose="02010609060101010101" pitchFamily="49" charset="-122"/>
+              <a:ea typeface="仿宋" panose="02010609060101010101" pitchFamily="49" charset="-122"/>
+            </a:endParaRPr>
+          </a:p>
+        </p:txBody>
+      </p:sp>
+      <p:sp>
+        <p:nvSpPr>
+          <p:cNvPr id="3" name="内容占位符 2"/>
+          <p:cNvSpPr>
+            <a:spLocks noGrp="1"/>
+          </p:cNvSpPr>
+          <p:nvPr>
+            <p:ph idx="1"/>
+          </p:nvPr>
+        </p:nvSpPr>
+        <p:spPr/>
+        <p:txBody>
+          <a:bodyPr vert="horz" lIns="91440" tIns="45720" rIns="91440" bIns="45720" rtlCol="0">
+            <a:normAutofit/>
+          </a:bodyPr>
+          <a:lstStyle/>
+          <a:p>
+            <a:r>
+              <a:rPr lang="zh-CN" altLang="en-US" sz="2000" dirty="0"/>
+              <a:t>测试属性：即测试类的一个属性。它作用于测试类的所有测试方法。</a:t>
+            </a:r>
+            <a:endParaRPr lang="en-US" altLang="zh-CN" sz="2000" dirty="0"/>
+          </a:p>
+          <a:p>
+            <a:r>
+              <a:rPr lang="zh-CN" altLang="en-US" sz="2000" dirty="0"/>
+              <a:t>测试参数：即测试方法的参数。它仅作用于当前测试方法。</a:t>
+            </a:r>
+            <a:endParaRPr lang="en-US" altLang="zh-CN" sz="2000" dirty="0"/>
+          </a:p>
+          <a:p>
+            <a:r>
+              <a:rPr lang="en-US" altLang="zh-CN" sz="2000" dirty="0"/>
+              <a:t>Record-Replay-Verification </a:t>
+            </a:r>
+            <a:r>
+              <a:rPr lang="zh-CN" altLang="en-US" sz="2000" dirty="0"/>
+              <a:t>是</a:t>
+            </a:r>
+            <a:r>
+              <a:rPr lang="en-US" altLang="zh-CN" sz="2000" dirty="0" err="1"/>
+              <a:t>JMockit</a:t>
+            </a:r>
+            <a:r>
+              <a:rPr lang="zh-CN" altLang="en-US" sz="2000" dirty="0"/>
+              <a:t>测试程序的主要结构。</a:t>
+            </a:r>
+            <a:endParaRPr lang="zh-CN" altLang="en-US" sz="2000" dirty="0"/>
+          </a:p>
+          <a:p>
+            <a:r>
+              <a:rPr lang="en-US" altLang="zh-CN" sz="2000" dirty="0"/>
+              <a:t>Record: </a:t>
+            </a:r>
+            <a:r>
+              <a:rPr lang="zh-CN" altLang="en-US" sz="2000" dirty="0"/>
+              <a:t>录制阶段：即录制某类</a:t>
+            </a:r>
+            <a:r>
+              <a:rPr lang="en-US" altLang="zh-CN" sz="2000" dirty="0"/>
+              <a:t>/</a:t>
+            </a:r>
+            <a:r>
+              <a:rPr lang="zh-CN" altLang="en-US" sz="2000" dirty="0"/>
+              <a:t>对象的某个方法调用，在当输入什么时，返回什么。</a:t>
+            </a:r>
+            <a:endParaRPr lang="zh-CN" altLang="en-US" sz="2000" dirty="0"/>
+          </a:p>
+          <a:p>
+            <a:r>
+              <a:rPr lang="en-US" altLang="zh-CN" sz="2000" dirty="0"/>
+              <a:t>Replay: </a:t>
+            </a:r>
+            <a:r>
+              <a:rPr lang="zh-CN" altLang="en-US" sz="2000" dirty="0"/>
+              <a:t>重放阶段：即重放测试逻辑。</a:t>
+            </a:r>
+            <a:endParaRPr lang="zh-CN" altLang="en-US" sz="2000" dirty="0"/>
+          </a:p>
+          <a:p>
+            <a:r>
+              <a:rPr lang="en-US" altLang="zh-CN" sz="2000" dirty="0"/>
+              <a:t>Verification: </a:t>
+            </a:r>
+            <a:r>
+              <a:rPr lang="zh-CN" altLang="en-US" sz="2000" dirty="0"/>
+              <a:t>验证阶段：重放后的验证。比如验证某个方法有没有被调用，调用多少次。</a:t>
+            </a:r>
+            <a:endParaRPr lang="zh-CN" altLang="en-US" sz="2000" dirty="0"/>
+          </a:p>
+          <a:p>
+            <a:r>
+              <a:rPr lang="zh-CN" altLang="en-US" sz="2000" dirty="0" smtClean="0">
+                <a:solidFill>
+                  <a:srgbClr val="FF0000"/>
+                </a:solidFill>
+                <a:latin typeface="仿宋" panose="02010609060101010101" pitchFamily="49" charset="-122"/>
+                <a:ea typeface="仿宋" panose="02010609060101010101" pitchFamily="49" charset="-122"/>
+              </a:rPr>
+              <a:t>注：</a:t>
+            </a:r>
+            <a:r>
+              <a:rPr lang="zh-CN" altLang="en-US" sz="2000" dirty="0">
+                <a:solidFill>
+                  <a:srgbClr val="FF0000"/>
+                </a:solidFill>
+              </a:rPr>
+              <a:t>在实际测试程序中，我们更倾向于通过</a:t>
+            </a:r>
+            <a:r>
+              <a:rPr lang="en-US" altLang="zh-CN" sz="2000" dirty="0" err="1" smtClean="0">
+                <a:solidFill>
+                  <a:srgbClr val="FF0000"/>
+                </a:solidFill>
+              </a:rPr>
+              <a:t>JUnit</a:t>
+            </a:r>
+            <a:r>
+              <a:rPr lang="en-US" altLang="zh-CN" sz="2000" dirty="0" smtClean="0">
+                <a:solidFill>
+                  <a:srgbClr val="FF0000"/>
+                </a:solidFill>
+              </a:rPr>
+              <a:t>/</a:t>
+            </a:r>
+            <a:r>
+              <a:rPr lang="en-US" altLang="zh-CN" sz="2000" dirty="0" err="1" smtClean="0">
+                <a:solidFill>
+                  <a:srgbClr val="FF0000"/>
+                </a:solidFill>
+              </a:rPr>
+              <a:t>TestNG</a:t>
+            </a:r>
+            <a:r>
+              <a:rPr lang="en-US" altLang="zh-CN" sz="2000" dirty="0" smtClean="0">
+                <a:solidFill>
+                  <a:srgbClr val="FF0000"/>
+                </a:solidFill>
+              </a:rPr>
+              <a:t>/</a:t>
+            </a:r>
+            <a:r>
+              <a:rPr lang="en-US" altLang="zh-CN" sz="2000" dirty="0" err="1" smtClean="0">
+                <a:solidFill>
+                  <a:srgbClr val="FF0000"/>
+                </a:solidFill>
+              </a:rPr>
+              <a:t>SpringTest</a:t>
+            </a:r>
+            <a:r>
+              <a:rPr lang="zh-CN" altLang="en-US" sz="2000" dirty="0">
+                <a:solidFill>
+                  <a:srgbClr val="FF0000"/>
+                </a:solidFill>
+              </a:rPr>
+              <a:t>的</a:t>
+            </a:r>
+            <a:r>
+              <a:rPr lang="en-US" altLang="zh-CN" sz="2000" dirty="0">
+                <a:solidFill>
+                  <a:srgbClr val="FF0000"/>
+                </a:solidFill>
+              </a:rPr>
+              <a:t>Assert</a:t>
+            </a:r>
+            <a:r>
+              <a:rPr lang="zh-CN" altLang="en-US" sz="2000" dirty="0">
+                <a:solidFill>
+                  <a:srgbClr val="FF0000"/>
+                </a:solidFill>
+              </a:rPr>
+              <a:t>类对测试</a:t>
+            </a:r>
+            <a:r>
+              <a:rPr lang="zh-CN" altLang="en-US" sz="2000" dirty="0" smtClean="0">
+                <a:solidFill>
+                  <a:srgbClr val="FF0000"/>
+                </a:solidFill>
+              </a:rPr>
+              <a:t>结果进行验证。因为对</a:t>
+            </a:r>
+            <a:r>
+              <a:rPr lang="zh-CN" altLang="en-US" sz="2000" dirty="0">
+                <a:solidFill>
+                  <a:srgbClr val="FF0000"/>
+                </a:solidFill>
+              </a:rPr>
+              <a:t>类的某个方法有没调用，调用多少次的测试场景</a:t>
+            </a:r>
+            <a:r>
+              <a:rPr lang="zh-CN" altLang="en-US" sz="2000" dirty="0" smtClean="0">
+                <a:solidFill>
+                  <a:srgbClr val="FF0000"/>
+                </a:solidFill>
+              </a:rPr>
+              <a:t>并不多</a:t>
+            </a:r>
+            <a:r>
+              <a:rPr lang="zh-CN" altLang="en-US" sz="2000" dirty="0">
+                <a:solidFill>
+                  <a:srgbClr val="FF0000"/>
+                </a:solidFill>
+              </a:rPr>
+              <a:t>。</a:t>
+            </a:r>
+            <a:endParaRPr lang="zh-CN" altLang="en-US" sz="2000" dirty="0">
+              <a:solidFill>
+                <a:srgbClr val="FF0000"/>
+              </a:solidFill>
+              <a:latin typeface="仿宋" panose="02010609060101010101" pitchFamily="49" charset="-122"/>
+              <a:ea typeface="仿宋" panose="02010609060101010101" pitchFamily="49" charset="-122"/>
+            </a:endParaRPr>
+          </a:p>
+        </p:txBody>
+      </p:sp>
+    </p:spTree>
+  </p:cSld>
+  <p:clrMapOvr>
+    <a:masterClrMapping/>
+  </p:clrMapOvr>
+  <p:timing>
+    <p:tnLst>
+      <p:par>
+        <p:cTn id="1" dur="indefinite" restart="never" nodeType="tmRoot"/>
+      </p:par>
+    </p:tnLst>
+  </p:timing>
+</p:sld>
+</file>
+
+<file path=ppt/tags/tag1.xml><?xml version="1.0" encoding="utf-8"?>
+<p:tagLst xmlns:p="http://schemas.openxmlformats.org/presentationml/2006/main">
+  <p:tag name="KSO_WM_SLIDE_MODEL_TYPE" val="cover"/>
+</p:tagLst>
 </file>
 
 <file path=ppt/theme/theme1.xml><?xml version="1.0" encoding="utf-8"?>
